--- a/provider_pattern_udemy/ProviderPatterUdemy.pptx
+++ b/provider_pattern_udemy/ProviderPatterUdemy.pptx
@@ -5,8 +5,8 @@
     <p:sldMasterId id="2147483648" r:id="rId1"/>
   </p:sldMasterIdLst>
   <p:sldIdLst>
-    <p:sldId id="256" r:id="rId2"/>
-    <p:sldId id="257" r:id="rId3"/>
+    <p:sldId id="257" r:id="rId2"/>
+    <p:sldId id="256" r:id="rId3"/>
     <p:sldId id="258" r:id="rId4"/>
     <p:sldId id="259" r:id="rId5"/>
     <p:sldId id="260" r:id="rId6"/>
@@ -110,6 +110,11 @@
       </a:defRPr>
     </a:lvl9pPr>
   </p:defaultTextStyle>
+  <p:extLst>
+    <p:ext uri="{EFAFB233-063F-42B5-8137-9DF3F51BA10A}">
+      <p15:sldGuideLst xmlns:p15="http://schemas.microsoft.com/office/powerpoint/2012/main"/>
+    </p:ext>
+  </p:extLst>
 </p:presentation>
 </file>
 
@@ -3329,6 +3334,3069 @@
       </p:grpSpPr>
       <p:sp>
         <p:nvSpPr>
+          <p:cNvPr id="2" name="TextBox 1">
+            <a:extLst>
+              <a:ext uri="{FF2B5EF4-FFF2-40B4-BE49-F238E27FC236}">
+                <a16:creationId xmlns:a16="http://schemas.microsoft.com/office/drawing/2014/main" id="{C4AF561A-3B7B-158D-BC4D-3C39551F8D95}"/>
+              </a:ext>
+            </a:extLst>
+          </p:cNvPr>
+          <p:cNvSpPr txBox="1"/>
+          <p:nvPr/>
+        </p:nvSpPr>
+        <p:spPr>
+          <a:xfrm>
+            <a:off x="10160" y="13454"/>
+            <a:ext cx="6096000" cy="276999"/>
+          </a:xfrm>
+          <a:prstGeom prst="rect">
+            <a:avLst/>
+          </a:prstGeom>
+          <a:noFill/>
+        </p:spPr>
+        <p:txBody>
+          <a:bodyPr wrap="square">
+            <a:spAutoFit/>
+          </a:bodyPr>
+          <a:lstStyle/>
+          <a:p>
+            <a:r>
+              <a:rPr lang="en-US" altLang="ko-KR" sz="1200" dirty="0"/>
+              <a:t>step2_Provider</a:t>
+            </a:r>
+            <a:endParaRPr lang="ko-KR" altLang="en-US" sz="1200" dirty="0"/>
+          </a:p>
+        </p:txBody>
+      </p:sp>
+      <p:cxnSp>
+        <p:nvCxnSpPr>
+          <p:cNvPr id="3" name="직선 연결선 2">
+            <a:extLst>
+              <a:ext uri="{FF2B5EF4-FFF2-40B4-BE49-F238E27FC236}">
+                <a16:creationId xmlns:a16="http://schemas.microsoft.com/office/drawing/2014/main" id="{648A685F-2664-99D3-FAE0-D046BBDCCF84}"/>
+              </a:ext>
+            </a:extLst>
+          </p:cNvPr>
+          <p:cNvCxnSpPr/>
+          <p:nvPr/>
+        </p:nvCxnSpPr>
+        <p:spPr>
+          <a:xfrm>
+            <a:off x="0" y="290453"/>
+            <a:ext cx="12192000" cy="0"/>
+          </a:xfrm>
+          <a:prstGeom prst="line">
+            <a:avLst/>
+          </a:prstGeom>
+        </p:spPr>
+        <p:style>
+          <a:lnRef idx="1">
+            <a:schemeClr val="accent1"/>
+          </a:lnRef>
+          <a:fillRef idx="0">
+            <a:schemeClr val="accent1"/>
+          </a:fillRef>
+          <a:effectRef idx="0">
+            <a:schemeClr val="accent1"/>
+          </a:effectRef>
+          <a:fontRef idx="minor">
+            <a:schemeClr val="tx1"/>
+          </a:fontRef>
+        </p:style>
+      </p:cxnSp>
+      <p:sp>
+        <p:nvSpPr>
+          <p:cNvPr id="52" name="TextBox 51">
+            <a:extLst>
+              <a:ext uri="{FF2B5EF4-FFF2-40B4-BE49-F238E27FC236}">
+                <a16:creationId xmlns:a16="http://schemas.microsoft.com/office/drawing/2014/main" id="{7EBE89F9-F6C9-1489-EB02-DF30AE0F76EB}"/>
+              </a:ext>
+            </a:extLst>
+          </p:cNvPr>
+          <p:cNvSpPr txBox="1"/>
+          <p:nvPr/>
+        </p:nvSpPr>
+        <p:spPr>
+          <a:xfrm>
+            <a:off x="3188772" y="401313"/>
+            <a:ext cx="5612328" cy="1785104"/>
+          </a:xfrm>
+          <a:prstGeom prst="rect">
+            <a:avLst/>
+          </a:prstGeom>
+          <a:noFill/>
+          <a:ln>
+            <a:solidFill>
+              <a:schemeClr val="accent1"/>
+            </a:solidFill>
+          </a:ln>
+        </p:spPr>
+        <p:txBody>
+          <a:bodyPr wrap="square">
+            <a:spAutoFit/>
+          </a:bodyPr>
+          <a:lstStyle/>
+          <a:p>
+            <a:r>
+              <a:rPr lang="en-US" altLang="ko-KR" sz="1100" b="0" dirty="0">
+                <a:solidFill>
+                  <a:srgbClr val="0F4A85"/>
+                </a:solidFill>
+                <a:effectLst/>
+                <a:latin typeface="Consolas" panose="020B0609020204030204" pitchFamily="49" charset="0"/>
+              </a:rPr>
+              <a:t>class</a:t>
+            </a:r>
+            <a:r>
+              <a:rPr lang="en-US" altLang="ko-KR" sz="1100" b="0" dirty="0">
+                <a:solidFill>
+                  <a:srgbClr val="292929"/>
+                </a:solidFill>
+                <a:effectLst/>
+                <a:latin typeface="Consolas" panose="020B0609020204030204" pitchFamily="49" charset="0"/>
+              </a:rPr>
+              <a:t> </a:t>
+            </a:r>
+            <a:r>
+              <a:rPr lang="en-US" altLang="ko-KR" sz="1100" b="0" dirty="0">
+                <a:solidFill>
+                  <a:srgbClr val="185E73"/>
+                </a:solidFill>
+                <a:effectLst/>
+                <a:latin typeface="Consolas" panose="020B0609020204030204" pitchFamily="49" charset="0"/>
+              </a:rPr>
+              <a:t>MyApp</a:t>
+            </a:r>
+            <a:r>
+              <a:rPr lang="en-US" altLang="ko-KR" sz="1100" b="0" dirty="0">
+                <a:solidFill>
+                  <a:srgbClr val="292929"/>
+                </a:solidFill>
+                <a:effectLst/>
+                <a:latin typeface="Consolas" panose="020B0609020204030204" pitchFamily="49" charset="0"/>
+              </a:rPr>
+              <a:t> </a:t>
+            </a:r>
+            <a:r>
+              <a:rPr lang="en-US" altLang="ko-KR" sz="1100" b="0" dirty="0">
+                <a:solidFill>
+                  <a:srgbClr val="0F4A85"/>
+                </a:solidFill>
+                <a:effectLst/>
+                <a:latin typeface="Consolas" panose="020B0609020204030204" pitchFamily="49" charset="0"/>
+              </a:rPr>
+              <a:t>extends</a:t>
+            </a:r>
+            <a:r>
+              <a:rPr lang="en-US" altLang="ko-KR" sz="1100" b="0" dirty="0">
+                <a:solidFill>
+                  <a:srgbClr val="292929"/>
+                </a:solidFill>
+                <a:effectLst/>
+                <a:latin typeface="Consolas" panose="020B0609020204030204" pitchFamily="49" charset="0"/>
+              </a:rPr>
+              <a:t> </a:t>
+            </a:r>
+            <a:r>
+              <a:rPr lang="en-US" altLang="ko-KR" sz="1100" b="0" dirty="0">
+                <a:solidFill>
+                  <a:srgbClr val="185E73"/>
+                </a:solidFill>
+                <a:effectLst/>
+                <a:latin typeface="Consolas" panose="020B0609020204030204" pitchFamily="49" charset="0"/>
+              </a:rPr>
+              <a:t>StatelessWidget</a:t>
+            </a:r>
+            <a:r>
+              <a:rPr lang="en-US" altLang="ko-KR" sz="1100" b="0" dirty="0">
+                <a:solidFill>
+                  <a:srgbClr val="292929"/>
+                </a:solidFill>
+                <a:effectLst/>
+                <a:latin typeface="Consolas" panose="020B0609020204030204" pitchFamily="49" charset="0"/>
+              </a:rPr>
+              <a:t> {</a:t>
+            </a:r>
+          </a:p>
+          <a:p>
+            <a:r>
+              <a:rPr lang="en-US" altLang="ko-KR" sz="1100" b="0" dirty="0">
+                <a:solidFill>
+                  <a:srgbClr val="292929"/>
+                </a:solidFill>
+                <a:effectLst/>
+                <a:latin typeface="Consolas" panose="020B0609020204030204" pitchFamily="49" charset="0"/>
+              </a:rPr>
+              <a:t>  </a:t>
+            </a:r>
+            <a:r>
+              <a:rPr lang="en-US" altLang="ko-KR" sz="1100" b="0" dirty="0">
+                <a:solidFill>
+                  <a:srgbClr val="0F4A85"/>
+                </a:solidFill>
+                <a:effectLst/>
+                <a:latin typeface="Consolas" panose="020B0609020204030204" pitchFamily="49" charset="0"/>
+              </a:rPr>
+              <a:t>….</a:t>
+            </a:r>
+            <a:endParaRPr lang="en-US" altLang="ko-KR" sz="1100" b="0" dirty="0">
+              <a:solidFill>
+                <a:srgbClr val="292929"/>
+              </a:solidFill>
+              <a:effectLst/>
+              <a:latin typeface="Consolas" panose="020B0609020204030204" pitchFamily="49" charset="0"/>
+            </a:endParaRPr>
+          </a:p>
+          <a:p>
+            <a:r>
+              <a:rPr lang="en-US" altLang="ko-KR" sz="1100" b="0" dirty="0">
+                <a:solidFill>
+                  <a:srgbClr val="292929"/>
+                </a:solidFill>
+                <a:effectLst/>
+                <a:latin typeface="Consolas" panose="020B0609020204030204" pitchFamily="49" charset="0"/>
+              </a:rPr>
+              <a:t>  </a:t>
+            </a:r>
+            <a:r>
+              <a:rPr lang="en-US" altLang="ko-KR" sz="1100" b="0" dirty="0">
+                <a:solidFill>
+                  <a:srgbClr val="185E73"/>
+                </a:solidFill>
+                <a:effectLst/>
+                <a:latin typeface="Consolas" panose="020B0609020204030204" pitchFamily="49" charset="0"/>
+              </a:rPr>
+              <a:t>Widget</a:t>
+            </a:r>
+            <a:r>
+              <a:rPr lang="en-US" altLang="ko-KR" sz="1100" b="0" dirty="0">
+                <a:solidFill>
+                  <a:srgbClr val="292929"/>
+                </a:solidFill>
+                <a:effectLst/>
+                <a:latin typeface="Consolas" panose="020B0609020204030204" pitchFamily="49" charset="0"/>
+              </a:rPr>
+              <a:t> </a:t>
+            </a:r>
+            <a:r>
+              <a:rPr lang="en-US" altLang="ko-KR" sz="1100" b="0" dirty="0">
+                <a:solidFill>
+                  <a:srgbClr val="5E2CBC"/>
+                </a:solidFill>
+                <a:effectLst/>
+                <a:latin typeface="Consolas" panose="020B0609020204030204" pitchFamily="49" charset="0"/>
+              </a:rPr>
+              <a:t>build</a:t>
+            </a:r>
+            <a:r>
+              <a:rPr lang="en-US" altLang="ko-KR" sz="1100" b="0" dirty="0">
+                <a:solidFill>
+                  <a:srgbClr val="292929"/>
+                </a:solidFill>
+                <a:effectLst/>
+                <a:latin typeface="Consolas" panose="020B0609020204030204" pitchFamily="49" charset="0"/>
+              </a:rPr>
+              <a:t>(</a:t>
+            </a:r>
+            <a:r>
+              <a:rPr lang="en-US" altLang="ko-KR" sz="1100" b="0" dirty="0">
+                <a:solidFill>
+                  <a:srgbClr val="185E73"/>
+                </a:solidFill>
+                <a:effectLst/>
+                <a:latin typeface="Consolas" panose="020B0609020204030204" pitchFamily="49" charset="0"/>
+              </a:rPr>
+              <a:t>BuildContext</a:t>
+            </a:r>
+            <a:r>
+              <a:rPr lang="en-US" altLang="ko-KR" sz="1100" b="0" dirty="0">
+                <a:solidFill>
+                  <a:srgbClr val="292929"/>
+                </a:solidFill>
+                <a:effectLst/>
+                <a:latin typeface="Consolas" panose="020B0609020204030204" pitchFamily="49" charset="0"/>
+              </a:rPr>
+              <a:t> context) {</a:t>
+            </a:r>
+          </a:p>
+          <a:p>
+            <a:r>
+              <a:rPr lang="en-US" altLang="ko-KR" sz="1100" b="0" dirty="0">
+                <a:solidFill>
+                  <a:srgbClr val="292929"/>
+                </a:solidFill>
+                <a:effectLst/>
+                <a:latin typeface="Consolas" panose="020B0609020204030204" pitchFamily="49" charset="0"/>
+              </a:rPr>
+              <a:t>    </a:t>
+            </a:r>
+            <a:r>
+              <a:rPr lang="en-US" altLang="ko-KR" sz="1100" b="0" dirty="0">
+                <a:solidFill>
+                  <a:srgbClr val="B5200D"/>
+                </a:solidFill>
+                <a:effectLst/>
+                <a:latin typeface="Consolas" panose="020B0609020204030204" pitchFamily="49" charset="0"/>
+              </a:rPr>
+              <a:t>return</a:t>
+            </a:r>
+            <a:r>
+              <a:rPr lang="en-US" altLang="ko-KR" sz="1100" b="0" dirty="0">
+                <a:solidFill>
+                  <a:srgbClr val="292929"/>
+                </a:solidFill>
+                <a:effectLst/>
+                <a:latin typeface="Consolas" panose="020B0609020204030204" pitchFamily="49" charset="0"/>
+              </a:rPr>
+              <a:t> </a:t>
+            </a:r>
+            <a:r>
+              <a:rPr lang="en-US" altLang="ko-KR" sz="1100" b="0" dirty="0">
+                <a:solidFill>
+                  <a:srgbClr val="185E73"/>
+                </a:solidFill>
+                <a:effectLst/>
+                <a:latin typeface="Consolas" panose="020B0609020204030204" pitchFamily="49" charset="0"/>
+              </a:rPr>
+              <a:t>Provider</a:t>
+            </a:r>
+            <a:r>
+              <a:rPr lang="en-US" altLang="ko-KR" sz="1100" b="0" dirty="0">
+                <a:solidFill>
+                  <a:srgbClr val="292929"/>
+                </a:solidFill>
+                <a:effectLst/>
+                <a:latin typeface="Consolas" panose="020B0609020204030204" pitchFamily="49" charset="0"/>
+              </a:rPr>
+              <a:t>&lt;</a:t>
+            </a:r>
+            <a:r>
+              <a:rPr lang="en-US" altLang="ko-KR" sz="1100" b="0" dirty="0">
+                <a:solidFill>
+                  <a:srgbClr val="185E73"/>
+                </a:solidFill>
+                <a:effectLst/>
+                <a:latin typeface="Consolas" panose="020B0609020204030204" pitchFamily="49" charset="0"/>
+              </a:rPr>
+              <a:t>Dog</a:t>
+            </a:r>
+            <a:r>
+              <a:rPr lang="en-US" altLang="ko-KR" sz="1100" b="0" dirty="0">
+                <a:solidFill>
+                  <a:srgbClr val="292929"/>
+                </a:solidFill>
+                <a:effectLst/>
+                <a:latin typeface="Consolas" panose="020B0609020204030204" pitchFamily="49" charset="0"/>
+              </a:rPr>
+              <a:t>&gt;(</a:t>
+            </a:r>
+          </a:p>
+          <a:p>
+            <a:r>
+              <a:rPr lang="en-US" altLang="ko-KR" sz="1100" b="0" dirty="0">
+                <a:solidFill>
+                  <a:srgbClr val="292929"/>
+                </a:solidFill>
+                <a:effectLst/>
+                <a:latin typeface="Consolas" panose="020B0609020204030204" pitchFamily="49" charset="0"/>
+              </a:rPr>
+              <a:t>      create</a:t>
+            </a:r>
+            <a:r>
+              <a:rPr lang="en-US" altLang="ko-KR" sz="1100" b="0" dirty="0">
+                <a:solidFill>
+                  <a:srgbClr val="000000"/>
+                </a:solidFill>
+                <a:effectLst/>
+                <a:latin typeface="Consolas" panose="020B0609020204030204" pitchFamily="49" charset="0"/>
+              </a:rPr>
+              <a:t>:</a:t>
+            </a:r>
+            <a:r>
+              <a:rPr lang="en-US" altLang="ko-KR" sz="1100" b="0" dirty="0">
+                <a:solidFill>
+                  <a:srgbClr val="292929"/>
+                </a:solidFill>
+                <a:effectLst/>
+                <a:latin typeface="Consolas" panose="020B0609020204030204" pitchFamily="49" charset="0"/>
+              </a:rPr>
+              <a:t> (context) </a:t>
+            </a:r>
+            <a:r>
+              <a:rPr lang="en-US" altLang="ko-KR" sz="1100" b="0" dirty="0">
+                <a:solidFill>
+                  <a:srgbClr val="000000"/>
+                </a:solidFill>
+                <a:effectLst/>
+                <a:latin typeface="Consolas" panose="020B0609020204030204" pitchFamily="49" charset="0"/>
+              </a:rPr>
+              <a:t>=&gt;</a:t>
+            </a:r>
+            <a:r>
+              <a:rPr lang="en-US" altLang="ko-KR" sz="1100" b="0" dirty="0">
+                <a:solidFill>
+                  <a:srgbClr val="292929"/>
+                </a:solidFill>
+                <a:effectLst/>
+                <a:latin typeface="Consolas" panose="020B0609020204030204" pitchFamily="49" charset="0"/>
+              </a:rPr>
+              <a:t> </a:t>
+            </a:r>
+            <a:r>
+              <a:rPr lang="en-US" altLang="ko-KR" sz="1100" b="0" dirty="0">
+                <a:solidFill>
+                  <a:srgbClr val="185E73"/>
+                </a:solidFill>
+                <a:effectLst/>
+                <a:latin typeface="Consolas" panose="020B0609020204030204" pitchFamily="49" charset="0"/>
+              </a:rPr>
+              <a:t>Dog</a:t>
+            </a:r>
+            <a:r>
+              <a:rPr lang="en-US" altLang="ko-KR" sz="1100" b="0" dirty="0">
+                <a:solidFill>
+                  <a:srgbClr val="292929"/>
+                </a:solidFill>
+                <a:effectLst/>
+                <a:latin typeface="Consolas" panose="020B0609020204030204" pitchFamily="49" charset="0"/>
+              </a:rPr>
+              <a:t>(name</a:t>
+            </a:r>
+            <a:r>
+              <a:rPr lang="en-US" altLang="ko-KR" sz="1100" b="0" dirty="0">
+                <a:solidFill>
+                  <a:srgbClr val="000000"/>
+                </a:solidFill>
+                <a:effectLst/>
+                <a:latin typeface="Consolas" panose="020B0609020204030204" pitchFamily="49" charset="0"/>
+              </a:rPr>
+              <a:t>:</a:t>
+            </a:r>
+            <a:r>
+              <a:rPr lang="en-US" altLang="ko-KR" sz="1100" b="0" dirty="0">
+                <a:solidFill>
+                  <a:srgbClr val="292929"/>
+                </a:solidFill>
+                <a:effectLst/>
+                <a:latin typeface="Consolas" panose="020B0609020204030204" pitchFamily="49" charset="0"/>
+              </a:rPr>
+              <a:t> </a:t>
+            </a:r>
+            <a:r>
+              <a:rPr lang="en-US" altLang="ko-KR" sz="1100" b="0" dirty="0">
+                <a:solidFill>
+                  <a:srgbClr val="0F4A85"/>
+                </a:solidFill>
+                <a:effectLst/>
+                <a:latin typeface="Consolas" panose="020B0609020204030204" pitchFamily="49" charset="0"/>
+              </a:rPr>
+              <a:t>'Sun'</a:t>
+            </a:r>
+            <a:r>
+              <a:rPr lang="en-US" altLang="ko-KR" sz="1100" b="0" dirty="0">
+                <a:solidFill>
+                  <a:srgbClr val="292929"/>
+                </a:solidFill>
+                <a:effectLst/>
+                <a:latin typeface="Consolas" panose="020B0609020204030204" pitchFamily="49" charset="0"/>
+              </a:rPr>
+              <a:t>, breed</a:t>
+            </a:r>
+            <a:r>
+              <a:rPr lang="en-US" altLang="ko-KR" sz="1100" b="0" dirty="0">
+                <a:solidFill>
+                  <a:srgbClr val="000000"/>
+                </a:solidFill>
+                <a:effectLst/>
+                <a:latin typeface="Consolas" panose="020B0609020204030204" pitchFamily="49" charset="0"/>
+              </a:rPr>
+              <a:t>:</a:t>
+            </a:r>
+            <a:r>
+              <a:rPr lang="en-US" altLang="ko-KR" sz="1100" b="0" dirty="0">
+                <a:solidFill>
+                  <a:srgbClr val="292929"/>
+                </a:solidFill>
+                <a:effectLst/>
+                <a:latin typeface="Consolas" panose="020B0609020204030204" pitchFamily="49" charset="0"/>
+              </a:rPr>
+              <a:t> </a:t>
+            </a:r>
+            <a:r>
+              <a:rPr lang="en-US" altLang="ko-KR" sz="1100" b="0" dirty="0">
+                <a:solidFill>
+                  <a:srgbClr val="0F4A85"/>
+                </a:solidFill>
+                <a:effectLst/>
+                <a:latin typeface="Consolas" panose="020B0609020204030204" pitchFamily="49" charset="0"/>
+              </a:rPr>
+              <a:t>'Bulldog'</a:t>
+            </a:r>
+            <a:r>
+              <a:rPr lang="en-US" altLang="ko-KR" sz="1100" b="0" dirty="0">
+                <a:solidFill>
+                  <a:srgbClr val="292929"/>
+                </a:solidFill>
+                <a:effectLst/>
+                <a:latin typeface="Consolas" panose="020B0609020204030204" pitchFamily="49" charset="0"/>
+              </a:rPr>
+              <a:t>, age</a:t>
+            </a:r>
+            <a:r>
+              <a:rPr lang="en-US" altLang="ko-KR" sz="1100" b="0" dirty="0">
+                <a:solidFill>
+                  <a:srgbClr val="000000"/>
+                </a:solidFill>
+                <a:effectLst/>
+                <a:latin typeface="Consolas" panose="020B0609020204030204" pitchFamily="49" charset="0"/>
+              </a:rPr>
+              <a:t>:</a:t>
+            </a:r>
+            <a:r>
+              <a:rPr lang="en-US" altLang="ko-KR" sz="1100" b="0" dirty="0">
+                <a:solidFill>
+                  <a:srgbClr val="292929"/>
+                </a:solidFill>
+                <a:effectLst/>
+                <a:latin typeface="Consolas" panose="020B0609020204030204" pitchFamily="49" charset="0"/>
+              </a:rPr>
+              <a:t> </a:t>
+            </a:r>
+            <a:r>
+              <a:rPr lang="en-US" altLang="ko-KR" sz="1100" b="0" dirty="0">
+                <a:solidFill>
+                  <a:srgbClr val="096D48"/>
+                </a:solidFill>
+                <a:effectLst/>
+                <a:latin typeface="Consolas" panose="020B0609020204030204" pitchFamily="49" charset="0"/>
+              </a:rPr>
+              <a:t>3</a:t>
+            </a:r>
+            <a:r>
+              <a:rPr lang="en-US" altLang="ko-KR" sz="1100" b="0" dirty="0">
+                <a:solidFill>
+                  <a:srgbClr val="292929"/>
+                </a:solidFill>
+                <a:effectLst/>
+                <a:latin typeface="Consolas" panose="020B0609020204030204" pitchFamily="49" charset="0"/>
+              </a:rPr>
+              <a:t>),</a:t>
+            </a:r>
+          </a:p>
+          <a:p>
+            <a:r>
+              <a:rPr lang="en-US" altLang="ko-KR" sz="1100" b="0" dirty="0">
+                <a:solidFill>
+                  <a:srgbClr val="292929"/>
+                </a:solidFill>
+                <a:effectLst/>
+                <a:latin typeface="Consolas" panose="020B0609020204030204" pitchFamily="49" charset="0"/>
+              </a:rPr>
+              <a:t>      lazy</a:t>
+            </a:r>
+            <a:r>
+              <a:rPr lang="en-US" altLang="ko-KR" sz="1100" b="0" dirty="0">
+                <a:solidFill>
+                  <a:srgbClr val="000000"/>
+                </a:solidFill>
+                <a:effectLst/>
+                <a:latin typeface="Consolas" panose="020B0609020204030204" pitchFamily="49" charset="0"/>
+              </a:rPr>
+              <a:t>:</a:t>
+            </a:r>
+            <a:r>
+              <a:rPr lang="en-US" altLang="ko-KR" sz="1100" b="0" dirty="0">
+                <a:solidFill>
+                  <a:srgbClr val="292929"/>
+                </a:solidFill>
+                <a:effectLst/>
+                <a:latin typeface="Consolas" panose="020B0609020204030204" pitchFamily="49" charset="0"/>
+              </a:rPr>
+              <a:t> </a:t>
+            </a:r>
+            <a:r>
+              <a:rPr lang="en-US" altLang="ko-KR" sz="1100" b="0" dirty="0">
+                <a:solidFill>
+                  <a:srgbClr val="0F4A85"/>
+                </a:solidFill>
+                <a:effectLst/>
+                <a:latin typeface="Consolas" panose="020B0609020204030204" pitchFamily="49" charset="0"/>
+              </a:rPr>
+              <a:t>true</a:t>
+            </a:r>
+            <a:r>
+              <a:rPr lang="en-US" altLang="ko-KR" sz="1100" b="0" dirty="0">
+                <a:solidFill>
+                  <a:srgbClr val="292929"/>
+                </a:solidFill>
+                <a:effectLst/>
+                <a:latin typeface="Consolas" panose="020B0609020204030204" pitchFamily="49" charset="0"/>
+              </a:rPr>
+              <a:t>, </a:t>
+            </a:r>
+            <a:r>
+              <a:rPr lang="en-US" altLang="ko-KR" sz="1100" b="0" dirty="0">
+                <a:solidFill>
+                  <a:srgbClr val="515151"/>
+                </a:solidFill>
+                <a:effectLst/>
+                <a:latin typeface="Consolas" panose="020B0609020204030204" pitchFamily="49" charset="0"/>
+              </a:rPr>
+              <a:t>//</a:t>
+            </a:r>
+            <a:r>
+              <a:rPr lang="en-US" altLang="ko-KR" sz="1100" b="0" dirty="0" err="1">
+                <a:solidFill>
+                  <a:srgbClr val="515151"/>
+                </a:solidFill>
+                <a:effectLst/>
+                <a:latin typeface="Consolas" panose="020B0609020204030204" pitchFamily="49" charset="0"/>
+              </a:rPr>
+              <a:t>default:true</a:t>
+            </a:r>
+            <a:endParaRPr lang="en-US" altLang="ko-KR" sz="1100" b="0" dirty="0">
+              <a:solidFill>
+                <a:srgbClr val="292929"/>
+              </a:solidFill>
+              <a:effectLst/>
+              <a:latin typeface="Consolas" panose="020B0609020204030204" pitchFamily="49" charset="0"/>
+            </a:endParaRPr>
+          </a:p>
+          <a:p>
+            <a:r>
+              <a:rPr lang="en-US" altLang="ko-KR" sz="1100" b="0" dirty="0">
+                <a:solidFill>
+                  <a:srgbClr val="292929"/>
+                </a:solidFill>
+                <a:effectLst/>
+                <a:latin typeface="Consolas" panose="020B0609020204030204" pitchFamily="49" charset="0"/>
+              </a:rPr>
+              <a:t>      child</a:t>
+            </a:r>
+            <a:r>
+              <a:rPr lang="en-US" altLang="ko-KR" sz="1100" b="0" dirty="0">
+                <a:solidFill>
+                  <a:srgbClr val="000000"/>
+                </a:solidFill>
+                <a:effectLst/>
+                <a:latin typeface="Consolas" panose="020B0609020204030204" pitchFamily="49" charset="0"/>
+              </a:rPr>
+              <a:t>:</a:t>
+            </a:r>
+            <a:r>
+              <a:rPr lang="en-US" altLang="ko-KR" sz="1100" b="0" dirty="0">
+                <a:solidFill>
+                  <a:srgbClr val="292929"/>
+                </a:solidFill>
+                <a:effectLst/>
+                <a:latin typeface="Consolas" panose="020B0609020204030204" pitchFamily="49" charset="0"/>
+              </a:rPr>
+              <a:t> </a:t>
+            </a:r>
+            <a:r>
+              <a:rPr lang="en-US" altLang="ko-KR" sz="1100" b="0" dirty="0">
+                <a:solidFill>
+                  <a:srgbClr val="185E73"/>
+                </a:solidFill>
+                <a:effectLst/>
+                <a:latin typeface="Consolas" panose="020B0609020204030204" pitchFamily="49" charset="0"/>
+              </a:rPr>
+              <a:t>MaterialApp</a:t>
+            </a:r>
+            <a:r>
+              <a:rPr lang="en-US" altLang="ko-KR" sz="1100" b="0" dirty="0">
+                <a:solidFill>
+                  <a:srgbClr val="292929"/>
+                </a:solidFill>
+                <a:effectLst/>
+                <a:latin typeface="Consolas" panose="020B0609020204030204" pitchFamily="49" charset="0"/>
+              </a:rPr>
+              <a:t>(</a:t>
+            </a:r>
+          </a:p>
+          <a:p>
+            <a:r>
+              <a:rPr lang="en-US" altLang="ko-KR" sz="1100" b="0" dirty="0">
+                <a:solidFill>
+                  <a:srgbClr val="292929"/>
+                </a:solidFill>
+                <a:effectLst/>
+                <a:latin typeface="Consolas" panose="020B0609020204030204" pitchFamily="49" charset="0"/>
+              </a:rPr>
+              <a:t>        home</a:t>
+            </a:r>
+            <a:r>
+              <a:rPr lang="en-US" altLang="ko-KR" sz="1100" b="0" dirty="0">
+                <a:solidFill>
+                  <a:srgbClr val="000000"/>
+                </a:solidFill>
+                <a:effectLst/>
+                <a:latin typeface="Consolas" panose="020B0609020204030204" pitchFamily="49" charset="0"/>
+              </a:rPr>
+              <a:t>:</a:t>
+            </a:r>
+            <a:r>
+              <a:rPr lang="en-US" altLang="ko-KR" sz="1100" b="0" dirty="0">
+                <a:solidFill>
+                  <a:srgbClr val="292929"/>
+                </a:solidFill>
+                <a:effectLst/>
+                <a:latin typeface="Consolas" panose="020B0609020204030204" pitchFamily="49" charset="0"/>
+              </a:rPr>
+              <a:t> </a:t>
+            </a:r>
+            <a:r>
+              <a:rPr lang="en-US" altLang="ko-KR" sz="1100" b="0" dirty="0">
+                <a:solidFill>
+                  <a:srgbClr val="0F4A85"/>
+                </a:solidFill>
+                <a:effectLst/>
+                <a:latin typeface="Consolas" panose="020B0609020204030204" pitchFamily="49" charset="0"/>
+              </a:rPr>
+              <a:t>const</a:t>
+            </a:r>
+            <a:r>
+              <a:rPr lang="en-US" altLang="ko-KR" sz="1100" b="0" dirty="0">
+                <a:solidFill>
+                  <a:srgbClr val="292929"/>
+                </a:solidFill>
+                <a:effectLst/>
+                <a:latin typeface="Consolas" panose="020B0609020204030204" pitchFamily="49" charset="0"/>
+              </a:rPr>
+              <a:t> </a:t>
+            </a:r>
+            <a:r>
+              <a:rPr lang="en-US" altLang="ko-KR" sz="1100" b="0" dirty="0">
+                <a:solidFill>
+                  <a:srgbClr val="185E73"/>
+                </a:solidFill>
+                <a:effectLst/>
+                <a:latin typeface="Consolas" panose="020B0609020204030204" pitchFamily="49" charset="0"/>
+              </a:rPr>
+              <a:t>MyHomePage</a:t>
+            </a:r>
+            <a:r>
+              <a:rPr lang="en-US" altLang="ko-KR" sz="1100" b="0" dirty="0">
+                <a:solidFill>
+                  <a:srgbClr val="292929"/>
+                </a:solidFill>
+                <a:effectLst/>
+                <a:latin typeface="Consolas" panose="020B0609020204030204" pitchFamily="49" charset="0"/>
+              </a:rPr>
+              <a:t>(),</a:t>
+            </a:r>
+          </a:p>
+          <a:p>
+            <a:r>
+              <a:rPr lang="en-US" altLang="ko-KR" sz="1100" b="0" dirty="0">
+                <a:solidFill>
+                  <a:srgbClr val="292929"/>
+                </a:solidFill>
+                <a:effectLst/>
+                <a:latin typeface="Consolas" panose="020B0609020204030204" pitchFamily="49" charset="0"/>
+              </a:rPr>
+              <a:t>  …</a:t>
+            </a:r>
+          </a:p>
+          <a:p>
+            <a:r>
+              <a:rPr lang="en-US" altLang="ko-KR" sz="1100" b="0" dirty="0">
+                <a:solidFill>
+                  <a:srgbClr val="292929"/>
+                </a:solidFill>
+                <a:effectLst/>
+                <a:latin typeface="Consolas" panose="020B0609020204030204" pitchFamily="49" charset="0"/>
+              </a:rPr>
+              <a:t>}</a:t>
+            </a:r>
+          </a:p>
+        </p:txBody>
+      </p:sp>
+      <p:grpSp>
+        <p:nvGrpSpPr>
+          <p:cNvPr id="53" name="그룹 52">
+            <a:extLst>
+              <a:ext uri="{FF2B5EF4-FFF2-40B4-BE49-F238E27FC236}">
+                <a16:creationId xmlns:a16="http://schemas.microsoft.com/office/drawing/2014/main" id="{8E93ACAA-426C-5E1C-1930-107D570CC812}"/>
+              </a:ext>
+            </a:extLst>
+          </p:cNvPr>
+          <p:cNvGrpSpPr/>
+          <p:nvPr/>
+        </p:nvGrpSpPr>
+        <p:grpSpPr>
+          <a:xfrm>
+            <a:off x="5570075" y="3194069"/>
+            <a:ext cx="1512818" cy="576293"/>
+            <a:chOff x="4256021" y="2438509"/>
+            <a:chExt cx="1512818" cy="576293"/>
+          </a:xfrm>
+        </p:grpSpPr>
+        <p:sp>
+          <p:nvSpPr>
+            <p:cNvPr id="54" name="타원 53">
+              <a:extLst>
+                <a:ext uri="{FF2B5EF4-FFF2-40B4-BE49-F238E27FC236}">
+                  <a16:creationId xmlns:a16="http://schemas.microsoft.com/office/drawing/2014/main" id="{DE4FD053-C4D7-9C12-9DB8-B0B246C7925E}"/>
+                </a:ext>
+              </a:extLst>
+            </p:cNvPr>
+            <p:cNvSpPr/>
+            <p:nvPr/>
+          </p:nvSpPr>
+          <p:spPr>
+            <a:xfrm>
+              <a:off x="4256021" y="2438509"/>
+              <a:ext cx="542313" cy="576293"/>
+            </a:xfrm>
+            <a:prstGeom prst="ellipse">
+              <a:avLst/>
+            </a:prstGeom>
+            <a:noFill/>
+          </p:spPr>
+          <p:style>
+            <a:lnRef idx="2">
+              <a:schemeClr val="accent1">
+                <a:shade val="50000"/>
+              </a:schemeClr>
+            </a:lnRef>
+            <a:fillRef idx="1">
+              <a:schemeClr val="accent1"/>
+            </a:fillRef>
+            <a:effectRef idx="0">
+              <a:schemeClr val="accent1"/>
+            </a:effectRef>
+            <a:fontRef idx="minor">
+              <a:schemeClr val="lt1"/>
+            </a:fontRef>
+          </p:style>
+          <p:txBody>
+            <a:bodyPr rtlCol="0" anchor="ctr"/>
+            <a:lstStyle/>
+            <a:p>
+              <a:pPr algn="ctr"/>
+              <a:endParaRPr lang="ko-KR" altLang="en-US" sz="1000" dirty="0">
+                <a:solidFill>
+                  <a:schemeClr val="tx1"/>
+                </a:solidFill>
+              </a:endParaRPr>
+            </a:p>
+          </p:txBody>
+        </p:sp>
+        <p:sp>
+          <p:nvSpPr>
+            <p:cNvPr id="55" name="타원 54">
+              <a:extLst>
+                <a:ext uri="{FF2B5EF4-FFF2-40B4-BE49-F238E27FC236}">
+                  <a16:creationId xmlns:a16="http://schemas.microsoft.com/office/drawing/2014/main" id="{4BFE2463-5840-DBE8-5EEB-27EB8639273D}"/>
+                </a:ext>
+              </a:extLst>
+            </p:cNvPr>
+            <p:cNvSpPr/>
+            <p:nvPr/>
+          </p:nvSpPr>
+          <p:spPr>
+            <a:xfrm>
+              <a:off x="4391377" y="2585155"/>
+              <a:ext cx="293511" cy="304800"/>
+            </a:xfrm>
+            <a:prstGeom prst="ellipse">
+              <a:avLst/>
+            </a:prstGeom>
+            <a:noFill/>
+            <a:ln w="22225">
+              <a:solidFill>
+                <a:srgbClr val="FF0000"/>
+              </a:solidFill>
+            </a:ln>
+          </p:spPr>
+          <p:style>
+            <a:lnRef idx="2">
+              <a:schemeClr val="accent1">
+                <a:shade val="50000"/>
+              </a:schemeClr>
+            </a:lnRef>
+            <a:fillRef idx="1">
+              <a:schemeClr val="accent1"/>
+            </a:fillRef>
+            <a:effectRef idx="0">
+              <a:schemeClr val="accent1"/>
+            </a:effectRef>
+            <a:fontRef idx="minor">
+              <a:schemeClr val="lt1"/>
+            </a:fontRef>
+          </p:style>
+          <p:txBody>
+            <a:bodyPr rtlCol="0" anchor="ctr"/>
+            <a:lstStyle/>
+            <a:p>
+              <a:pPr algn="ctr"/>
+              <a:endParaRPr lang="ko-KR" altLang="en-US"/>
+            </a:p>
+          </p:txBody>
+        </p:sp>
+        <p:sp>
+          <p:nvSpPr>
+            <p:cNvPr id="56" name="TextBox 55">
+              <a:extLst>
+                <a:ext uri="{FF2B5EF4-FFF2-40B4-BE49-F238E27FC236}">
+                  <a16:creationId xmlns:a16="http://schemas.microsoft.com/office/drawing/2014/main" id="{6FE9C020-C5C8-8270-E586-CA1E88D41CA6}"/>
+                </a:ext>
+              </a:extLst>
+            </p:cNvPr>
+            <p:cNvSpPr txBox="1"/>
+            <p:nvPr/>
+          </p:nvSpPr>
+          <p:spPr>
+            <a:xfrm>
+              <a:off x="4684888" y="2439733"/>
+              <a:ext cx="1083951" cy="261610"/>
+            </a:xfrm>
+            <a:prstGeom prst="rect">
+              <a:avLst/>
+            </a:prstGeom>
+            <a:noFill/>
+          </p:spPr>
+          <p:txBody>
+            <a:bodyPr wrap="none" rtlCol="0">
+              <a:spAutoFit/>
+            </a:bodyPr>
+            <a:lstStyle/>
+            <a:p>
+              <a:r>
+                <a:rPr lang="en-US" altLang="ko-KR" sz="1100" dirty="0">
+                  <a:solidFill>
+                    <a:schemeClr val="accent1">
+                      <a:lumMod val="75000"/>
+                    </a:schemeClr>
+                  </a:solidFill>
+                </a:rPr>
+                <a:t>MyHomePage</a:t>
+              </a:r>
+              <a:endParaRPr lang="ko-KR" altLang="en-US" sz="1100" dirty="0">
+                <a:solidFill>
+                  <a:schemeClr val="accent1">
+                    <a:lumMod val="75000"/>
+                  </a:schemeClr>
+                </a:solidFill>
+              </a:endParaRPr>
+            </a:p>
+          </p:txBody>
+        </p:sp>
+      </p:grpSp>
+      <p:grpSp>
+        <p:nvGrpSpPr>
+          <p:cNvPr id="65" name="그룹 64">
+            <a:extLst>
+              <a:ext uri="{FF2B5EF4-FFF2-40B4-BE49-F238E27FC236}">
+                <a16:creationId xmlns:a16="http://schemas.microsoft.com/office/drawing/2014/main" id="{6649C77A-8986-9FA3-8E3F-30B92CCF4EF1}"/>
+              </a:ext>
+            </a:extLst>
+          </p:cNvPr>
+          <p:cNvGrpSpPr/>
+          <p:nvPr/>
+        </p:nvGrpSpPr>
+        <p:grpSpPr>
+          <a:xfrm>
+            <a:off x="6960734" y="4090717"/>
+            <a:ext cx="1479900" cy="576293"/>
+            <a:chOff x="3849064" y="3266906"/>
+            <a:chExt cx="1479900" cy="576293"/>
+          </a:xfrm>
+        </p:grpSpPr>
+        <p:sp>
+          <p:nvSpPr>
+            <p:cNvPr id="66" name="타원 65">
+              <a:extLst>
+                <a:ext uri="{FF2B5EF4-FFF2-40B4-BE49-F238E27FC236}">
+                  <a16:creationId xmlns:a16="http://schemas.microsoft.com/office/drawing/2014/main" id="{B54E9234-DF66-8F57-0544-FFC9FF15B969}"/>
+                </a:ext>
+              </a:extLst>
+            </p:cNvPr>
+            <p:cNvSpPr/>
+            <p:nvPr/>
+          </p:nvSpPr>
+          <p:spPr>
+            <a:xfrm>
+              <a:off x="3849064" y="3266906"/>
+              <a:ext cx="542313" cy="576293"/>
+            </a:xfrm>
+            <a:prstGeom prst="ellipse">
+              <a:avLst/>
+            </a:prstGeom>
+            <a:noFill/>
+          </p:spPr>
+          <p:style>
+            <a:lnRef idx="2">
+              <a:schemeClr val="accent1">
+                <a:shade val="50000"/>
+              </a:schemeClr>
+            </a:lnRef>
+            <a:fillRef idx="1">
+              <a:schemeClr val="accent1"/>
+            </a:fillRef>
+            <a:effectRef idx="0">
+              <a:schemeClr val="accent1"/>
+            </a:effectRef>
+            <a:fontRef idx="minor">
+              <a:schemeClr val="lt1"/>
+            </a:fontRef>
+          </p:style>
+          <p:txBody>
+            <a:bodyPr rtlCol="0" anchor="ctr"/>
+            <a:lstStyle/>
+            <a:p>
+              <a:pPr algn="ctr"/>
+              <a:endParaRPr lang="ko-KR" altLang="en-US" sz="1000" dirty="0">
+                <a:solidFill>
+                  <a:schemeClr val="tx1"/>
+                </a:solidFill>
+              </a:endParaRPr>
+            </a:p>
+          </p:txBody>
+        </p:sp>
+        <p:sp>
+          <p:nvSpPr>
+            <p:cNvPr id="67" name="타원 66">
+              <a:extLst>
+                <a:ext uri="{FF2B5EF4-FFF2-40B4-BE49-F238E27FC236}">
+                  <a16:creationId xmlns:a16="http://schemas.microsoft.com/office/drawing/2014/main" id="{D04FA834-F680-AF01-05D6-74645DCFC65A}"/>
+                </a:ext>
+              </a:extLst>
+            </p:cNvPr>
+            <p:cNvSpPr/>
+            <p:nvPr/>
+          </p:nvSpPr>
+          <p:spPr>
+            <a:xfrm>
+              <a:off x="3984420" y="3413552"/>
+              <a:ext cx="293511" cy="304800"/>
+            </a:xfrm>
+            <a:prstGeom prst="ellipse">
+              <a:avLst/>
+            </a:prstGeom>
+            <a:noFill/>
+            <a:ln w="22225">
+              <a:solidFill>
+                <a:srgbClr val="FF0000"/>
+              </a:solidFill>
+            </a:ln>
+          </p:spPr>
+          <p:style>
+            <a:lnRef idx="2">
+              <a:schemeClr val="accent1">
+                <a:shade val="50000"/>
+              </a:schemeClr>
+            </a:lnRef>
+            <a:fillRef idx="1">
+              <a:schemeClr val="accent1"/>
+            </a:fillRef>
+            <a:effectRef idx="0">
+              <a:schemeClr val="accent1"/>
+            </a:effectRef>
+            <a:fontRef idx="minor">
+              <a:schemeClr val="lt1"/>
+            </a:fontRef>
+          </p:style>
+          <p:txBody>
+            <a:bodyPr rtlCol="0" anchor="ctr"/>
+            <a:lstStyle/>
+            <a:p>
+              <a:pPr algn="ctr"/>
+              <a:endParaRPr lang="ko-KR" altLang="en-US"/>
+            </a:p>
+          </p:txBody>
+        </p:sp>
+        <p:sp>
+          <p:nvSpPr>
+            <p:cNvPr id="68" name="TextBox 67">
+              <a:extLst>
+                <a:ext uri="{FF2B5EF4-FFF2-40B4-BE49-F238E27FC236}">
+                  <a16:creationId xmlns:a16="http://schemas.microsoft.com/office/drawing/2014/main" id="{7C290AD8-4B63-41B6-E029-FB4C405601AE}"/>
+                </a:ext>
+              </a:extLst>
+            </p:cNvPr>
+            <p:cNvSpPr txBox="1"/>
+            <p:nvPr/>
+          </p:nvSpPr>
+          <p:spPr>
+            <a:xfrm>
+              <a:off x="4297913" y="3291568"/>
+              <a:ext cx="1031051" cy="261610"/>
+            </a:xfrm>
+            <a:prstGeom prst="rect">
+              <a:avLst/>
+            </a:prstGeom>
+            <a:noFill/>
+          </p:spPr>
+          <p:txBody>
+            <a:bodyPr wrap="none" rtlCol="0">
+              <a:spAutoFit/>
+            </a:bodyPr>
+            <a:lstStyle/>
+            <a:p>
+              <a:r>
+                <a:rPr lang="en-US" altLang="ko-KR" sz="1100" b="0" dirty="0">
+                  <a:solidFill>
+                    <a:srgbClr val="185E73"/>
+                  </a:solidFill>
+                  <a:effectLst/>
+                  <a:latin typeface="Consolas" panose="020B0609020204030204" pitchFamily="49" charset="0"/>
+                </a:rPr>
+                <a:t>BreedAndAge</a:t>
+              </a:r>
+              <a:endParaRPr lang="en-US" altLang="ko-KR" sz="1100" b="0" dirty="0">
+                <a:solidFill>
+                  <a:srgbClr val="292929"/>
+                </a:solidFill>
+                <a:effectLst/>
+                <a:latin typeface="Consolas" panose="020B0609020204030204" pitchFamily="49" charset="0"/>
+              </a:endParaRPr>
+            </a:p>
+          </p:txBody>
+        </p:sp>
+      </p:grpSp>
+      <p:grpSp>
+        <p:nvGrpSpPr>
+          <p:cNvPr id="69" name="그룹 68">
+            <a:extLst>
+              <a:ext uri="{FF2B5EF4-FFF2-40B4-BE49-F238E27FC236}">
+                <a16:creationId xmlns:a16="http://schemas.microsoft.com/office/drawing/2014/main" id="{170E1C54-857F-4259-AFDE-2C88308B0A1C}"/>
+              </a:ext>
+            </a:extLst>
+          </p:cNvPr>
+          <p:cNvGrpSpPr/>
+          <p:nvPr/>
+        </p:nvGrpSpPr>
+        <p:grpSpPr>
+          <a:xfrm>
+            <a:off x="6406652" y="4944942"/>
+            <a:ext cx="864347" cy="576293"/>
+            <a:chOff x="3849064" y="3266906"/>
+            <a:chExt cx="864347" cy="576293"/>
+          </a:xfrm>
+        </p:grpSpPr>
+        <p:sp>
+          <p:nvSpPr>
+            <p:cNvPr id="70" name="타원 69">
+              <a:extLst>
+                <a:ext uri="{FF2B5EF4-FFF2-40B4-BE49-F238E27FC236}">
+                  <a16:creationId xmlns:a16="http://schemas.microsoft.com/office/drawing/2014/main" id="{5EBBB633-C548-BBF4-EAF1-8833F4EEE49E}"/>
+                </a:ext>
+              </a:extLst>
+            </p:cNvPr>
+            <p:cNvSpPr/>
+            <p:nvPr/>
+          </p:nvSpPr>
+          <p:spPr>
+            <a:xfrm>
+              <a:off x="3849064" y="3266906"/>
+              <a:ext cx="542313" cy="576293"/>
+            </a:xfrm>
+            <a:prstGeom prst="ellipse">
+              <a:avLst/>
+            </a:prstGeom>
+            <a:noFill/>
+          </p:spPr>
+          <p:style>
+            <a:lnRef idx="2">
+              <a:schemeClr val="accent1">
+                <a:shade val="50000"/>
+              </a:schemeClr>
+            </a:lnRef>
+            <a:fillRef idx="1">
+              <a:schemeClr val="accent1"/>
+            </a:fillRef>
+            <a:effectRef idx="0">
+              <a:schemeClr val="accent1"/>
+            </a:effectRef>
+            <a:fontRef idx="minor">
+              <a:schemeClr val="lt1"/>
+            </a:fontRef>
+          </p:style>
+          <p:txBody>
+            <a:bodyPr rtlCol="0" anchor="ctr"/>
+            <a:lstStyle/>
+            <a:p>
+              <a:pPr algn="ctr"/>
+              <a:endParaRPr lang="ko-KR" altLang="en-US" sz="1000" dirty="0">
+                <a:solidFill>
+                  <a:schemeClr val="tx1"/>
+                </a:solidFill>
+              </a:endParaRPr>
+            </a:p>
+          </p:txBody>
+        </p:sp>
+        <p:sp>
+          <p:nvSpPr>
+            <p:cNvPr id="71" name="타원 70">
+              <a:extLst>
+                <a:ext uri="{FF2B5EF4-FFF2-40B4-BE49-F238E27FC236}">
+                  <a16:creationId xmlns:a16="http://schemas.microsoft.com/office/drawing/2014/main" id="{200A61E4-1056-E071-4F85-436A43A2F970}"/>
+                </a:ext>
+              </a:extLst>
+            </p:cNvPr>
+            <p:cNvSpPr/>
+            <p:nvPr/>
+          </p:nvSpPr>
+          <p:spPr>
+            <a:xfrm>
+              <a:off x="3984420" y="3413552"/>
+              <a:ext cx="293511" cy="304800"/>
+            </a:xfrm>
+            <a:prstGeom prst="ellipse">
+              <a:avLst/>
+            </a:prstGeom>
+            <a:noFill/>
+            <a:ln w="22225">
+              <a:solidFill>
+                <a:srgbClr val="FF0000"/>
+              </a:solidFill>
+            </a:ln>
+          </p:spPr>
+          <p:style>
+            <a:lnRef idx="2">
+              <a:schemeClr val="accent1">
+                <a:shade val="50000"/>
+              </a:schemeClr>
+            </a:lnRef>
+            <a:fillRef idx="1">
+              <a:schemeClr val="accent1"/>
+            </a:fillRef>
+            <a:effectRef idx="0">
+              <a:schemeClr val="accent1"/>
+            </a:effectRef>
+            <a:fontRef idx="minor">
+              <a:schemeClr val="lt1"/>
+            </a:fontRef>
+          </p:style>
+          <p:txBody>
+            <a:bodyPr rtlCol="0" anchor="ctr"/>
+            <a:lstStyle/>
+            <a:p>
+              <a:pPr algn="ctr"/>
+              <a:endParaRPr lang="ko-KR" altLang="en-US"/>
+            </a:p>
+          </p:txBody>
+        </p:sp>
+        <p:sp>
+          <p:nvSpPr>
+            <p:cNvPr id="72" name="TextBox 71">
+              <a:extLst>
+                <a:ext uri="{FF2B5EF4-FFF2-40B4-BE49-F238E27FC236}">
+                  <a16:creationId xmlns:a16="http://schemas.microsoft.com/office/drawing/2014/main" id="{27EA05BF-7C74-254B-36C7-77051D0BF403}"/>
+                </a:ext>
+              </a:extLst>
+            </p:cNvPr>
+            <p:cNvSpPr txBox="1"/>
+            <p:nvPr/>
+          </p:nvSpPr>
+          <p:spPr>
+            <a:xfrm>
+              <a:off x="4297913" y="3291568"/>
+              <a:ext cx="415498" cy="261610"/>
+            </a:xfrm>
+            <a:prstGeom prst="rect">
+              <a:avLst/>
+            </a:prstGeom>
+            <a:noFill/>
+          </p:spPr>
+          <p:txBody>
+            <a:bodyPr wrap="none" rtlCol="0">
+              <a:spAutoFit/>
+            </a:bodyPr>
+            <a:lstStyle/>
+            <a:p>
+              <a:r>
+                <a:rPr lang="en-US" altLang="ko-KR" sz="1100" b="0" dirty="0">
+                  <a:solidFill>
+                    <a:srgbClr val="185E73"/>
+                  </a:solidFill>
+                  <a:effectLst/>
+                  <a:latin typeface="Consolas" panose="020B0609020204030204" pitchFamily="49" charset="0"/>
+                </a:rPr>
+                <a:t>Age</a:t>
+              </a:r>
+              <a:endParaRPr lang="en-US" altLang="ko-KR" sz="1100" b="0" dirty="0">
+                <a:solidFill>
+                  <a:srgbClr val="292929"/>
+                </a:solidFill>
+                <a:effectLst/>
+                <a:latin typeface="Consolas" panose="020B0609020204030204" pitchFamily="49" charset="0"/>
+              </a:endParaRPr>
+            </a:p>
+          </p:txBody>
+        </p:sp>
+      </p:grpSp>
+      <p:grpSp>
+        <p:nvGrpSpPr>
+          <p:cNvPr id="73" name="그룹 72">
+            <a:extLst>
+              <a:ext uri="{FF2B5EF4-FFF2-40B4-BE49-F238E27FC236}">
+                <a16:creationId xmlns:a16="http://schemas.microsoft.com/office/drawing/2014/main" id="{E70B9799-77DF-232D-1FE5-565704ADF427}"/>
+              </a:ext>
+            </a:extLst>
+          </p:cNvPr>
+          <p:cNvGrpSpPr/>
+          <p:nvPr/>
+        </p:nvGrpSpPr>
+        <p:grpSpPr>
+          <a:xfrm>
+            <a:off x="3366984" y="4237363"/>
+            <a:ext cx="2993566" cy="430887"/>
+            <a:chOff x="3849065" y="3266906"/>
+            <a:chExt cx="2993566" cy="430887"/>
+          </a:xfrm>
+        </p:grpSpPr>
+        <p:sp>
+          <p:nvSpPr>
+            <p:cNvPr id="74" name="타원 73">
+              <a:extLst>
+                <a:ext uri="{FF2B5EF4-FFF2-40B4-BE49-F238E27FC236}">
+                  <a16:creationId xmlns:a16="http://schemas.microsoft.com/office/drawing/2014/main" id="{28F7003E-2B45-DCB3-BCF3-0C4C392D8B41}"/>
+                </a:ext>
+              </a:extLst>
+            </p:cNvPr>
+            <p:cNvSpPr/>
+            <p:nvPr/>
+          </p:nvSpPr>
+          <p:spPr>
+            <a:xfrm>
+              <a:off x="3849065" y="3266906"/>
+              <a:ext cx="335402" cy="352479"/>
+            </a:xfrm>
+            <a:prstGeom prst="ellipse">
+              <a:avLst/>
+            </a:prstGeom>
+            <a:noFill/>
+          </p:spPr>
+          <p:style>
+            <a:lnRef idx="2">
+              <a:schemeClr val="accent1">
+                <a:shade val="50000"/>
+              </a:schemeClr>
+            </a:lnRef>
+            <a:fillRef idx="1">
+              <a:schemeClr val="accent1"/>
+            </a:fillRef>
+            <a:effectRef idx="0">
+              <a:schemeClr val="accent1"/>
+            </a:effectRef>
+            <a:fontRef idx="minor">
+              <a:schemeClr val="lt1"/>
+            </a:fontRef>
+          </p:style>
+          <p:txBody>
+            <a:bodyPr rtlCol="0" anchor="ctr"/>
+            <a:lstStyle/>
+            <a:p>
+              <a:pPr algn="ctr"/>
+              <a:endParaRPr lang="ko-KR" altLang="en-US" sz="1000" dirty="0">
+                <a:solidFill>
+                  <a:schemeClr val="tx1"/>
+                </a:solidFill>
+              </a:endParaRPr>
+            </a:p>
+          </p:txBody>
+        </p:sp>
+        <p:sp>
+          <p:nvSpPr>
+            <p:cNvPr id="75" name="TextBox 74">
+              <a:extLst>
+                <a:ext uri="{FF2B5EF4-FFF2-40B4-BE49-F238E27FC236}">
+                  <a16:creationId xmlns:a16="http://schemas.microsoft.com/office/drawing/2014/main" id="{D3C2B4A1-BEC5-95DD-2BA8-06D06250F686}"/>
+                </a:ext>
+              </a:extLst>
+            </p:cNvPr>
+            <p:cNvSpPr txBox="1"/>
+            <p:nvPr/>
+          </p:nvSpPr>
+          <p:spPr>
+            <a:xfrm>
+              <a:off x="4118808" y="3266906"/>
+              <a:ext cx="2723823" cy="430887"/>
+            </a:xfrm>
+            <a:prstGeom prst="rect">
+              <a:avLst/>
+            </a:prstGeom>
+            <a:noFill/>
+          </p:spPr>
+          <p:txBody>
+            <a:bodyPr wrap="none" rtlCol="0">
+              <a:spAutoFit/>
+            </a:bodyPr>
+            <a:lstStyle/>
+            <a:p>
+              <a:r>
+                <a:rPr lang="en-US" altLang="ko-KR" sz="1100" dirty="0">
+                  <a:solidFill>
+                    <a:srgbClr val="185E73"/>
+                  </a:solidFill>
+                  <a:latin typeface="Consolas" panose="020B0609020204030204" pitchFamily="49" charset="0"/>
+                </a:rPr>
+                <a:t>Text (dog.name)</a:t>
+              </a:r>
+            </a:p>
+            <a:p>
+              <a:r>
+                <a:rPr lang="en-US" altLang="ko-KR" sz="1100" dirty="0">
+                  <a:solidFill>
+                    <a:srgbClr val="185E73"/>
+                  </a:solidFill>
+                  <a:latin typeface="Consolas" panose="020B0609020204030204" pitchFamily="49" charset="0"/>
+                </a:rPr>
+                <a:t>- </a:t>
+              </a:r>
+              <a:r>
+                <a:rPr lang="en-US" altLang="ko-KR" sz="1100" b="0" dirty="0">
+                  <a:solidFill>
+                    <a:srgbClr val="185E73"/>
+                  </a:solidFill>
+                  <a:effectLst/>
+                  <a:latin typeface="Consolas" panose="020B0609020204030204" pitchFamily="49" charset="0"/>
+                </a:rPr>
+                <a:t>Provider</a:t>
+              </a:r>
+              <a:r>
+                <a:rPr lang="en-US" altLang="ko-KR" sz="1100" b="0" dirty="0">
+                  <a:solidFill>
+                    <a:srgbClr val="0F4A85"/>
+                  </a:solidFill>
+                  <a:effectLst/>
+                  <a:latin typeface="Consolas" panose="020B0609020204030204" pitchFamily="49" charset="0"/>
+                </a:rPr>
+                <a:t>.</a:t>
+              </a:r>
+              <a:r>
+                <a:rPr lang="en-US" altLang="ko-KR" sz="1100" b="0" dirty="0">
+                  <a:solidFill>
+                    <a:srgbClr val="5E2CBC"/>
+                  </a:solidFill>
+                  <a:effectLst/>
+                  <a:latin typeface="Consolas" panose="020B0609020204030204" pitchFamily="49" charset="0"/>
+                </a:rPr>
+                <a:t>of</a:t>
+              </a:r>
+              <a:r>
+                <a:rPr lang="en-US" altLang="ko-KR" sz="1100" b="0" dirty="0">
+                  <a:solidFill>
+                    <a:srgbClr val="0F4A85"/>
+                  </a:solidFill>
+                  <a:effectLst/>
+                  <a:latin typeface="Consolas" panose="020B0609020204030204" pitchFamily="49" charset="0"/>
+                </a:rPr>
+                <a:t>&lt;</a:t>
+              </a:r>
+              <a:r>
+                <a:rPr lang="en-US" altLang="ko-KR" sz="1100" b="0" dirty="0">
+                  <a:solidFill>
+                    <a:srgbClr val="185E73"/>
+                  </a:solidFill>
+                  <a:effectLst/>
+                  <a:latin typeface="Consolas" panose="020B0609020204030204" pitchFamily="49" charset="0"/>
+                </a:rPr>
+                <a:t>Dog</a:t>
+              </a:r>
+              <a:r>
+                <a:rPr lang="en-US" altLang="ko-KR" sz="1100" b="0" dirty="0">
+                  <a:solidFill>
+                    <a:srgbClr val="0F4A85"/>
+                  </a:solidFill>
+                  <a:effectLst/>
+                  <a:latin typeface="Consolas" panose="020B0609020204030204" pitchFamily="49" charset="0"/>
+                </a:rPr>
+                <a:t>&gt;(</a:t>
+              </a:r>
+              <a:r>
+                <a:rPr lang="en-US" altLang="ko-KR" sz="1100" b="0" dirty="0">
+                  <a:solidFill>
+                    <a:srgbClr val="001080"/>
+                  </a:solidFill>
+                  <a:effectLst/>
+                  <a:latin typeface="Consolas" panose="020B0609020204030204" pitchFamily="49" charset="0"/>
+                </a:rPr>
+                <a:t>context</a:t>
+              </a:r>
+              <a:r>
+                <a:rPr lang="en-US" altLang="ko-KR" sz="1100" b="0" dirty="0">
+                  <a:solidFill>
+                    <a:srgbClr val="0F4A85"/>
+                  </a:solidFill>
+                  <a:effectLst/>
+                  <a:latin typeface="Consolas" panose="020B0609020204030204" pitchFamily="49" charset="0"/>
+                </a:rPr>
+                <a:t>).</a:t>
+              </a:r>
+              <a:r>
+                <a:rPr lang="en-US" altLang="ko-KR" sz="1100" b="0" dirty="0">
+                  <a:solidFill>
+                    <a:srgbClr val="001080"/>
+                  </a:solidFill>
+                  <a:effectLst/>
+                  <a:latin typeface="Consolas" panose="020B0609020204030204" pitchFamily="49" charset="0"/>
+                </a:rPr>
+                <a:t>name</a:t>
+              </a:r>
+              <a:endParaRPr lang="en-US" altLang="ko-KR" sz="1100" b="0" dirty="0">
+                <a:solidFill>
+                  <a:srgbClr val="292929"/>
+                </a:solidFill>
+                <a:effectLst/>
+                <a:latin typeface="Consolas" panose="020B0609020204030204" pitchFamily="49" charset="0"/>
+              </a:endParaRPr>
+            </a:p>
+          </p:txBody>
+        </p:sp>
+      </p:grpSp>
+      <p:cxnSp>
+        <p:nvCxnSpPr>
+          <p:cNvPr id="84" name="직선 화살표 연결선 83">
+            <a:extLst>
+              <a:ext uri="{FF2B5EF4-FFF2-40B4-BE49-F238E27FC236}">
+                <a16:creationId xmlns:a16="http://schemas.microsoft.com/office/drawing/2014/main" id="{503C71D5-B205-C09D-0A68-F1A69213DD83}"/>
+              </a:ext>
+            </a:extLst>
+          </p:cNvPr>
+          <p:cNvCxnSpPr>
+            <a:stCxn id="66" idx="0"/>
+            <a:endCxn id="54" idx="4"/>
+          </p:cNvCxnSpPr>
+          <p:nvPr/>
+        </p:nvCxnSpPr>
+        <p:spPr>
+          <a:xfrm flipH="1" flipV="1">
+            <a:off x="5841232" y="3770362"/>
+            <a:ext cx="1390659" cy="320355"/>
+          </a:xfrm>
+          <a:prstGeom prst="straightConnector1">
+            <a:avLst/>
+          </a:prstGeom>
+          <a:ln>
+            <a:tailEnd type="triangle"/>
+          </a:ln>
+        </p:spPr>
+        <p:style>
+          <a:lnRef idx="1">
+            <a:schemeClr val="accent1"/>
+          </a:lnRef>
+          <a:fillRef idx="0">
+            <a:schemeClr val="accent1"/>
+          </a:fillRef>
+          <a:effectRef idx="0">
+            <a:schemeClr val="accent1"/>
+          </a:effectRef>
+          <a:fontRef idx="minor">
+            <a:schemeClr val="tx1"/>
+          </a:fontRef>
+        </p:style>
+      </p:cxnSp>
+      <p:grpSp>
+        <p:nvGrpSpPr>
+          <p:cNvPr id="88" name="그룹 87">
+            <a:extLst>
+              <a:ext uri="{FF2B5EF4-FFF2-40B4-BE49-F238E27FC236}">
+                <a16:creationId xmlns:a16="http://schemas.microsoft.com/office/drawing/2014/main" id="{68DDA8A1-22C5-EAAB-DE53-A7CB668158B0}"/>
+              </a:ext>
+            </a:extLst>
+          </p:cNvPr>
+          <p:cNvGrpSpPr/>
+          <p:nvPr/>
+        </p:nvGrpSpPr>
+        <p:grpSpPr>
+          <a:xfrm>
+            <a:off x="7621825" y="4961293"/>
+            <a:ext cx="2993566" cy="430887"/>
+            <a:chOff x="3849065" y="3266906"/>
+            <a:chExt cx="2993566" cy="430887"/>
+          </a:xfrm>
+        </p:grpSpPr>
+        <p:sp>
+          <p:nvSpPr>
+            <p:cNvPr id="89" name="타원 88">
+              <a:extLst>
+                <a:ext uri="{FF2B5EF4-FFF2-40B4-BE49-F238E27FC236}">
+                  <a16:creationId xmlns:a16="http://schemas.microsoft.com/office/drawing/2014/main" id="{FCAFE599-F162-E8AF-CF6F-F6E3D8A39245}"/>
+                </a:ext>
+              </a:extLst>
+            </p:cNvPr>
+            <p:cNvSpPr/>
+            <p:nvPr/>
+          </p:nvSpPr>
+          <p:spPr>
+            <a:xfrm>
+              <a:off x="3849065" y="3266906"/>
+              <a:ext cx="335402" cy="352479"/>
+            </a:xfrm>
+            <a:prstGeom prst="ellipse">
+              <a:avLst/>
+            </a:prstGeom>
+            <a:noFill/>
+          </p:spPr>
+          <p:style>
+            <a:lnRef idx="2">
+              <a:schemeClr val="accent1">
+                <a:shade val="50000"/>
+              </a:schemeClr>
+            </a:lnRef>
+            <a:fillRef idx="1">
+              <a:schemeClr val="accent1"/>
+            </a:fillRef>
+            <a:effectRef idx="0">
+              <a:schemeClr val="accent1"/>
+            </a:effectRef>
+            <a:fontRef idx="minor">
+              <a:schemeClr val="lt1"/>
+            </a:fontRef>
+          </p:style>
+          <p:txBody>
+            <a:bodyPr rtlCol="0" anchor="ctr"/>
+            <a:lstStyle/>
+            <a:p>
+              <a:pPr algn="ctr"/>
+              <a:endParaRPr lang="ko-KR" altLang="en-US" sz="1000" dirty="0">
+                <a:solidFill>
+                  <a:schemeClr val="tx1"/>
+                </a:solidFill>
+              </a:endParaRPr>
+            </a:p>
+          </p:txBody>
+        </p:sp>
+        <p:sp>
+          <p:nvSpPr>
+            <p:cNvPr id="90" name="TextBox 89">
+              <a:extLst>
+                <a:ext uri="{FF2B5EF4-FFF2-40B4-BE49-F238E27FC236}">
+                  <a16:creationId xmlns:a16="http://schemas.microsoft.com/office/drawing/2014/main" id="{C158C00B-0B7E-4834-E5CE-0C177D8D5687}"/>
+                </a:ext>
+              </a:extLst>
+            </p:cNvPr>
+            <p:cNvSpPr txBox="1"/>
+            <p:nvPr/>
+          </p:nvSpPr>
+          <p:spPr>
+            <a:xfrm>
+              <a:off x="4118808" y="3266906"/>
+              <a:ext cx="2723823" cy="430887"/>
+            </a:xfrm>
+            <a:prstGeom prst="rect">
+              <a:avLst/>
+            </a:prstGeom>
+            <a:noFill/>
+          </p:spPr>
+          <p:txBody>
+            <a:bodyPr wrap="none" rtlCol="0">
+              <a:spAutoFit/>
+            </a:bodyPr>
+            <a:lstStyle/>
+            <a:p>
+              <a:r>
+                <a:rPr lang="en-US" altLang="ko-KR" sz="1100" dirty="0">
+                  <a:solidFill>
+                    <a:srgbClr val="185E73"/>
+                  </a:solidFill>
+                  <a:latin typeface="Consolas" panose="020B0609020204030204" pitchFamily="49" charset="0"/>
+                </a:rPr>
+                <a:t>Text</a:t>
+              </a:r>
+            </a:p>
+            <a:p>
+              <a:r>
+                <a:rPr lang="en-US" altLang="ko-KR" sz="1100" dirty="0">
+                  <a:solidFill>
+                    <a:srgbClr val="185E73"/>
+                  </a:solidFill>
+                  <a:latin typeface="Consolas" panose="020B0609020204030204" pitchFamily="49" charset="0"/>
+                </a:rPr>
+                <a:t>- </a:t>
+              </a:r>
+              <a:r>
+                <a:rPr lang="en-US" altLang="ko-KR" sz="1100" b="0" dirty="0">
+                  <a:solidFill>
+                    <a:srgbClr val="185E73"/>
+                  </a:solidFill>
+                  <a:effectLst/>
+                  <a:latin typeface="Consolas" panose="020B0609020204030204" pitchFamily="49" charset="0"/>
+                </a:rPr>
+                <a:t>Provider</a:t>
+              </a:r>
+              <a:r>
+                <a:rPr lang="en-US" altLang="ko-KR" sz="1100" b="0" dirty="0">
+                  <a:solidFill>
+                    <a:srgbClr val="0F4A85"/>
+                  </a:solidFill>
+                  <a:effectLst/>
+                  <a:latin typeface="Consolas" panose="020B0609020204030204" pitchFamily="49" charset="0"/>
+                </a:rPr>
+                <a:t>.</a:t>
+              </a:r>
+              <a:r>
+                <a:rPr lang="en-US" altLang="ko-KR" sz="1100" b="0" dirty="0">
+                  <a:solidFill>
+                    <a:srgbClr val="5E2CBC"/>
+                  </a:solidFill>
+                  <a:effectLst/>
+                  <a:latin typeface="Consolas" panose="020B0609020204030204" pitchFamily="49" charset="0"/>
+                </a:rPr>
+                <a:t>of</a:t>
+              </a:r>
+              <a:r>
+                <a:rPr lang="en-US" altLang="ko-KR" sz="1100" b="0" dirty="0">
+                  <a:solidFill>
+                    <a:srgbClr val="0F4A85"/>
+                  </a:solidFill>
+                  <a:effectLst/>
+                  <a:latin typeface="Consolas" panose="020B0609020204030204" pitchFamily="49" charset="0"/>
+                </a:rPr>
+                <a:t>&lt;</a:t>
+              </a:r>
+              <a:r>
+                <a:rPr lang="en-US" altLang="ko-KR" sz="1100" b="0" dirty="0">
+                  <a:solidFill>
+                    <a:srgbClr val="185E73"/>
+                  </a:solidFill>
+                  <a:effectLst/>
+                  <a:latin typeface="Consolas" panose="020B0609020204030204" pitchFamily="49" charset="0"/>
+                </a:rPr>
+                <a:t>Dog</a:t>
+              </a:r>
+              <a:r>
+                <a:rPr lang="en-US" altLang="ko-KR" sz="1100" b="0" dirty="0">
+                  <a:solidFill>
+                    <a:srgbClr val="0F4A85"/>
+                  </a:solidFill>
+                  <a:effectLst/>
+                  <a:latin typeface="Consolas" panose="020B0609020204030204" pitchFamily="49" charset="0"/>
+                </a:rPr>
+                <a:t>&gt;(</a:t>
+              </a:r>
+              <a:r>
+                <a:rPr lang="en-US" altLang="ko-KR" sz="1100" b="0" dirty="0">
+                  <a:solidFill>
+                    <a:srgbClr val="001080"/>
+                  </a:solidFill>
+                  <a:effectLst/>
+                  <a:latin typeface="Consolas" panose="020B0609020204030204" pitchFamily="49" charset="0"/>
+                </a:rPr>
+                <a:t>context</a:t>
+              </a:r>
+              <a:r>
+                <a:rPr lang="en-US" altLang="ko-KR" sz="1100" b="0" dirty="0">
+                  <a:solidFill>
+                    <a:srgbClr val="0F4A85"/>
+                  </a:solidFill>
+                  <a:effectLst/>
+                  <a:latin typeface="Consolas" panose="020B0609020204030204" pitchFamily="49" charset="0"/>
+                </a:rPr>
+                <a:t>).</a:t>
+              </a:r>
+              <a:r>
+                <a:rPr lang="en-US" altLang="ko-KR" sz="1100" b="0" dirty="0">
+                  <a:solidFill>
+                    <a:srgbClr val="001080"/>
+                  </a:solidFill>
+                  <a:effectLst/>
+                  <a:latin typeface="Consolas" panose="020B0609020204030204" pitchFamily="49" charset="0"/>
+                </a:rPr>
+                <a:t>breed</a:t>
+              </a:r>
+              <a:endParaRPr lang="en-US" altLang="ko-KR" sz="1100" b="0" dirty="0">
+                <a:solidFill>
+                  <a:srgbClr val="292929"/>
+                </a:solidFill>
+                <a:effectLst/>
+                <a:latin typeface="Consolas" panose="020B0609020204030204" pitchFamily="49" charset="0"/>
+              </a:endParaRPr>
+            </a:p>
+          </p:txBody>
+        </p:sp>
+      </p:grpSp>
+      <p:cxnSp>
+        <p:nvCxnSpPr>
+          <p:cNvPr id="91" name="직선 화살표 연결선 90">
+            <a:extLst>
+              <a:ext uri="{FF2B5EF4-FFF2-40B4-BE49-F238E27FC236}">
+                <a16:creationId xmlns:a16="http://schemas.microsoft.com/office/drawing/2014/main" id="{DEC454E1-DF4A-17C9-2D6F-56363F01ACA9}"/>
+              </a:ext>
+            </a:extLst>
+          </p:cNvPr>
+          <p:cNvCxnSpPr>
+            <a:stCxn id="66" idx="4"/>
+            <a:endCxn id="89" idx="0"/>
+          </p:cNvCxnSpPr>
+          <p:nvPr/>
+        </p:nvCxnSpPr>
+        <p:spPr>
+          <a:xfrm>
+            <a:off x="7231891" y="4667010"/>
+            <a:ext cx="557635" cy="294283"/>
+          </a:xfrm>
+          <a:prstGeom prst="straightConnector1">
+            <a:avLst/>
+          </a:prstGeom>
+          <a:ln>
+            <a:tailEnd type="triangle"/>
+          </a:ln>
+        </p:spPr>
+        <p:style>
+          <a:lnRef idx="1">
+            <a:schemeClr val="accent1"/>
+          </a:lnRef>
+          <a:fillRef idx="0">
+            <a:schemeClr val="accent1"/>
+          </a:fillRef>
+          <a:effectRef idx="0">
+            <a:schemeClr val="accent1"/>
+          </a:effectRef>
+          <a:fontRef idx="minor">
+            <a:schemeClr val="tx1"/>
+          </a:fontRef>
+        </p:style>
+      </p:cxnSp>
+      <p:grpSp>
+        <p:nvGrpSpPr>
+          <p:cNvPr id="92" name="그룹 91">
+            <a:extLst>
+              <a:ext uri="{FF2B5EF4-FFF2-40B4-BE49-F238E27FC236}">
+                <a16:creationId xmlns:a16="http://schemas.microsoft.com/office/drawing/2014/main" id="{1F7E8F96-EC3F-649E-2F23-DC951466D7F3}"/>
+              </a:ext>
+            </a:extLst>
+          </p:cNvPr>
+          <p:cNvGrpSpPr/>
+          <p:nvPr/>
+        </p:nvGrpSpPr>
+        <p:grpSpPr>
+          <a:xfrm>
+            <a:off x="5897978" y="5704595"/>
+            <a:ext cx="3916895" cy="430887"/>
+            <a:chOff x="3849065" y="3266906"/>
+            <a:chExt cx="3916895" cy="430887"/>
+          </a:xfrm>
+        </p:grpSpPr>
+        <p:sp>
+          <p:nvSpPr>
+            <p:cNvPr id="93" name="타원 92">
+              <a:extLst>
+                <a:ext uri="{FF2B5EF4-FFF2-40B4-BE49-F238E27FC236}">
+                  <a16:creationId xmlns:a16="http://schemas.microsoft.com/office/drawing/2014/main" id="{E6767097-1A66-5FD0-BD60-9A4B0229267B}"/>
+                </a:ext>
+              </a:extLst>
+            </p:cNvPr>
+            <p:cNvSpPr/>
+            <p:nvPr/>
+          </p:nvSpPr>
+          <p:spPr>
+            <a:xfrm>
+              <a:off x="3849065" y="3266906"/>
+              <a:ext cx="335402" cy="352479"/>
+            </a:xfrm>
+            <a:prstGeom prst="ellipse">
+              <a:avLst/>
+            </a:prstGeom>
+            <a:noFill/>
+          </p:spPr>
+          <p:style>
+            <a:lnRef idx="2">
+              <a:schemeClr val="accent1">
+                <a:shade val="50000"/>
+              </a:schemeClr>
+            </a:lnRef>
+            <a:fillRef idx="1">
+              <a:schemeClr val="accent1"/>
+            </a:fillRef>
+            <a:effectRef idx="0">
+              <a:schemeClr val="accent1"/>
+            </a:effectRef>
+            <a:fontRef idx="minor">
+              <a:schemeClr val="lt1"/>
+            </a:fontRef>
+          </p:style>
+          <p:txBody>
+            <a:bodyPr rtlCol="0" anchor="ctr"/>
+            <a:lstStyle/>
+            <a:p>
+              <a:pPr algn="ctr"/>
+              <a:endParaRPr lang="ko-KR" altLang="en-US" sz="1000" dirty="0">
+                <a:solidFill>
+                  <a:schemeClr val="tx1"/>
+                </a:solidFill>
+              </a:endParaRPr>
+            </a:p>
+          </p:txBody>
+        </p:sp>
+        <p:sp>
+          <p:nvSpPr>
+            <p:cNvPr id="94" name="TextBox 93">
+              <a:extLst>
+                <a:ext uri="{FF2B5EF4-FFF2-40B4-BE49-F238E27FC236}">
+                  <a16:creationId xmlns:a16="http://schemas.microsoft.com/office/drawing/2014/main" id="{1186B544-92CD-59AE-A93A-707B423618B5}"/>
+                </a:ext>
+              </a:extLst>
+            </p:cNvPr>
+            <p:cNvSpPr txBox="1"/>
+            <p:nvPr/>
+          </p:nvSpPr>
+          <p:spPr>
+            <a:xfrm>
+              <a:off x="4118808" y="3266906"/>
+              <a:ext cx="3647152" cy="430887"/>
+            </a:xfrm>
+            <a:prstGeom prst="rect">
+              <a:avLst/>
+            </a:prstGeom>
+            <a:noFill/>
+          </p:spPr>
+          <p:txBody>
+            <a:bodyPr wrap="none" rtlCol="0">
+              <a:spAutoFit/>
+            </a:bodyPr>
+            <a:lstStyle/>
+            <a:p>
+              <a:r>
+                <a:rPr lang="en-US" altLang="ko-KR" sz="1100" dirty="0">
+                  <a:solidFill>
+                    <a:srgbClr val="185E73"/>
+                  </a:solidFill>
+                  <a:latin typeface="Consolas" panose="020B0609020204030204" pitchFamily="49" charset="0"/>
+                </a:rPr>
+                <a:t>Text</a:t>
+              </a:r>
+            </a:p>
+            <a:p>
+              <a:r>
+                <a:rPr lang="en-US" altLang="ko-KR" sz="1100" dirty="0">
+                  <a:solidFill>
+                    <a:srgbClr val="185E73"/>
+                  </a:solidFill>
+                  <a:latin typeface="Consolas" panose="020B0609020204030204" pitchFamily="49" charset="0"/>
+                </a:rPr>
+                <a:t>- </a:t>
+              </a:r>
+              <a:r>
+                <a:rPr lang="en-US" altLang="ko-KR" sz="1100" b="0" dirty="0">
+                  <a:solidFill>
+                    <a:srgbClr val="185E73"/>
+                  </a:solidFill>
+                  <a:effectLst/>
+                  <a:latin typeface="Consolas" panose="020B0609020204030204" pitchFamily="49" charset="0"/>
+                </a:rPr>
+                <a:t>Provider</a:t>
+              </a:r>
+              <a:r>
+                <a:rPr lang="en-US" altLang="ko-KR" sz="1100" b="0" dirty="0">
+                  <a:solidFill>
+                    <a:srgbClr val="0F4A85"/>
+                  </a:solidFill>
+                  <a:effectLst/>
+                  <a:latin typeface="Consolas" panose="020B0609020204030204" pitchFamily="49" charset="0"/>
+                </a:rPr>
+                <a:t>.</a:t>
+              </a:r>
+              <a:r>
+                <a:rPr lang="en-US" altLang="ko-KR" sz="1100" b="0" dirty="0">
+                  <a:solidFill>
+                    <a:srgbClr val="5E2CBC"/>
+                  </a:solidFill>
+                  <a:effectLst/>
+                  <a:latin typeface="Consolas" panose="020B0609020204030204" pitchFamily="49" charset="0"/>
+                </a:rPr>
+                <a:t>of</a:t>
+              </a:r>
+              <a:r>
+                <a:rPr lang="en-US" altLang="ko-KR" sz="1100" b="0" dirty="0">
+                  <a:solidFill>
+                    <a:srgbClr val="0F4A85"/>
+                  </a:solidFill>
+                  <a:effectLst/>
+                  <a:latin typeface="Consolas" panose="020B0609020204030204" pitchFamily="49" charset="0"/>
+                </a:rPr>
+                <a:t>&lt;</a:t>
+              </a:r>
+              <a:r>
+                <a:rPr lang="en-US" altLang="ko-KR" sz="1100" b="0" dirty="0">
+                  <a:solidFill>
+                    <a:srgbClr val="185E73"/>
+                  </a:solidFill>
+                  <a:effectLst/>
+                  <a:latin typeface="Consolas" panose="020B0609020204030204" pitchFamily="49" charset="0"/>
+                </a:rPr>
+                <a:t>Dog</a:t>
+              </a:r>
+              <a:r>
+                <a:rPr lang="en-US" altLang="ko-KR" sz="1100" b="0" dirty="0">
+                  <a:solidFill>
+                    <a:srgbClr val="0F4A85"/>
+                  </a:solidFill>
+                  <a:effectLst/>
+                  <a:latin typeface="Consolas" panose="020B0609020204030204" pitchFamily="49" charset="0"/>
+                </a:rPr>
+                <a:t>&gt;(</a:t>
+              </a:r>
+              <a:r>
+                <a:rPr lang="en-US" altLang="ko-KR" sz="1100" b="0" dirty="0">
+                  <a:solidFill>
+                    <a:srgbClr val="001080"/>
+                  </a:solidFill>
+                  <a:effectLst/>
+                  <a:latin typeface="Consolas" panose="020B0609020204030204" pitchFamily="49" charset="0"/>
+                </a:rPr>
+                <a:t>context</a:t>
+              </a:r>
+              <a:r>
+                <a:rPr lang="en-US" altLang="ko-KR" sz="1100" b="0" dirty="0">
+                  <a:solidFill>
+                    <a:srgbClr val="0F4A85"/>
+                  </a:solidFill>
+                  <a:effectLst/>
+                  <a:latin typeface="Consolas" panose="020B0609020204030204" pitchFamily="49" charset="0"/>
+                </a:rPr>
+                <a:t>, </a:t>
+              </a:r>
+              <a:r>
+                <a:rPr lang="en-US" altLang="ko-KR" sz="1100" b="0" dirty="0">
+                  <a:solidFill>
+                    <a:srgbClr val="001080"/>
+                  </a:solidFill>
+                  <a:effectLst/>
+                  <a:latin typeface="Consolas" panose="020B0609020204030204" pitchFamily="49" charset="0"/>
+                </a:rPr>
+                <a:t>listen</a:t>
+              </a:r>
+              <a:r>
+                <a:rPr lang="en-US" altLang="ko-KR" sz="1100" b="0" dirty="0">
+                  <a:solidFill>
+                    <a:srgbClr val="0F4A85"/>
+                  </a:solidFill>
+                  <a:effectLst/>
+                  <a:latin typeface="Consolas" panose="020B0609020204030204" pitchFamily="49" charset="0"/>
+                </a:rPr>
+                <a:t>: true).</a:t>
+              </a:r>
+              <a:r>
+                <a:rPr lang="en-US" altLang="ko-KR" sz="1100" b="0" dirty="0">
+                  <a:solidFill>
+                    <a:srgbClr val="001080"/>
+                  </a:solidFill>
+                  <a:effectLst/>
+                  <a:latin typeface="Consolas" panose="020B0609020204030204" pitchFamily="49" charset="0"/>
+                </a:rPr>
+                <a:t>age</a:t>
+              </a:r>
+              <a:endParaRPr lang="en-US" altLang="ko-KR" sz="1100" b="0" dirty="0">
+                <a:solidFill>
+                  <a:srgbClr val="292929"/>
+                </a:solidFill>
+                <a:effectLst/>
+                <a:latin typeface="Consolas" panose="020B0609020204030204" pitchFamily="49" charset="0"/>
+              </a:endParaRPr>
+            </a:p>
+          </p:txBody>
+        </p:sp>
+      </p:grpSp>
+      <p:grpSp>
+        <p:nvGrpSpPr>
+          <p:cNvPr id="95" name="그룹 94">
+            <a:extLst>
+              <a:ext uri="{FF2B5EF4-FFF2-40B4-BE49-F238E27FC236}">
+                <a16:creationId xmlns:a16="http://schemas.microsoft.com/office/drawing/2014/main" id="{293DCABE-BE96-31C5-5590-375D6A116305}"/>
+              </a:ext>
+            </a:extLst>
+          </p:cNvPr>
+          <p:cNvGrpSpPr/>
+          <p:nvPr/>
+        </p:nvGrpSpPr>
+        <p:grpSpPr>
+          <a:xfrm>
+            <a:off x="5897978" y="6108995"/>
+            <a:ext cx="4147728" cy="430887"/>
+            <a:chOff x="3849065" y="3266906"/>
+            <a:chExt cx="4147728" cy="430887"/>
+          </a:xfrm>
+        </p:grpSpPr>
+        <p:sp>
+          <p:nvSpPr>
+            <p:cNvPr id="96" name="타원 95">
+              <a:extLst>
+                <a:ext uri="{FF2B5EF4-FFF2-40B4-BE49-F238E27FC236}">
+                  <a16:creationId xmlns:a16="http://schemas.microsoft.com/office/drawing/2014/main" id="{0AA6E410-0CC5-5DF1-C070-0B5FC03EBA52}"/>
+                </a:ext>
+              </a:extLst>
+            </p:cNvPr>
+            <p:cNvSpPr/>
+            <p:nvPr/>
+          </p:nvSpPr>
+          <p:spPr>
+            <a:xfrm>
+              <a:off x="3849065" y="3266906"/>
+              <a:ext cx="335402" cy="352479"/>
+            </a:xfrm>
+            <a:prstGeom prst="ellipse">
+              <a:avLst/>
+            </a:prstGeom>
+            <a:noFill/>
+          </p:spPr>
+          <p:style>
+            <a:lnRef idx="2">
+              <a:schemeClr val="accent1">
+                <a:shade val="50000"/>
+              </a:schemeClr>
+            </a:lnRef>
+            <a:fillRef idx="1">
+              <a:schemeClr val="accent1"/>
+            </a:fillRef>
+            <a:effectRef idx="0">
+              <a:schemeClr val="accent1"/>
+            </a:effectRef>
+            <a:fontRef idx="minor">
+              <a:schemeClr val="lt1"/>
+            </a:fontRef>
+          </p:style>
+          <p:txBody>
+            <a:bodyPr rtlCol="0" anchor="ctr"/>
+            <a:lstStyle/>
+            <a:p>
+              <a:pPr algn="ctr"/>
+              <a:endParaRPr lang="ko-KR" altLang="en-US" sz="1000" dirty="0">
+                <a:solidFill>
+                  <a:schemeClr val="tx1"/>
+                </a:solidFill>
+              </a:endParaRPr>
+            </a:p>
+          </p:txBody>
+        </p:sp>
+        <p:sp>
+          <p:nvSpPr>
+            <p:cNvPr id="97" name="TextBox 96">
+              <a:extLst>
+                <a:ext uri="{FF2B5EF4-FFF2-40B4-BE49-F238E27FC236}">
+                  <a16:creationId xmlns:a16="http://schemas.microsoft.com/office/drawing/2014/main" id="{06F614F0-0728-08FD-9408-BE5F42CCE532}"/>
+                </a:ext>
+              </a:extLst>
+            </p:cNvPr>
+            <p:cNvSpPr txBox="1"/>
+            <p:nvPr/>
+          </p:nvSpPr>
+          <p:spPr>
+            <a:xfrm>
+              <a:off x="4118808" y="3266906"/>
+              <a:ext cx="3877985" cy="430887"/>
+            </a:xfrm>
+            <a:prstGeom prst="rect">
+              <a:avLst/>
+            </a:prstGeom>
+            <a:noFill/>
+          </p:spPr>
+          <p:txBody>
+            <a:bodyPr wrap="none" rtlCol="0">
+              <a:spAutoFit/>
+            </a:bodyPr>
+            <a:lstStyle/>
+            <a:p>
+              <a:r>
+                <a:rPr lang="en-US" altLang="ko-KR" sz="1100" dirty="0">
+                  <a:solidFill>
+                    <a:srgbClr val="185E73"/>
+                  </a:solidFill>
+                  <a:latin typeface="Consolas" panose="020B0609020204030204" pitchFamily="49" charset="0"/>
+                </a:rPr>
+                <a:t>ElevateButton</a:t>
+              </a:r>
+            </a:p>
+            <a:p>
+              <a:r>
+                <a:rPr lang="en-US" altLang="ko-KR" sz="1100" dirty="0">
+                  <a:solidFill>
+                    <a:srgbClr val="185E73"/>
+                  </a:solidFill>
+                  <a:latin typeface="Consolas" panose="020B0609020204030204" pitchFamily="49" charset="0"/>
+                </a:rPr>
+                <a:t>-</a:t>
+              </a:r>
+              <a:r>
+                <a:rPr lang="en-US" altLang="ko-KR" sz="1100" b="0" dirty="0">
+                  <a:solidFill>
+                    <a:srgbClr val="185E73"/>
+                  </a:solidFill>
+                  <a:effectLst/>
+                  <a:latin typeface="Consolas" panose="020B0609020204030204" pitchFamily="49" charset="0"/>
+                </a:rPr>
+                <a:t>Provider</a:t>
+              </a:r>
+              <a:r>
+                <a:rPr lang="en-US" altLang="ko-KR" sz="1100" b="0" dirty="0">
+                  <a:solidFill>
+                    <a:srgbClr val="292929"/>
+                  </a:solidFill>
+                  <a:effectLst/>
+                  <a:latin typeface="Consolas" panose="020B0609020204030204" pitchFamily="49" charset="0"/>
+                </a:rPr>
+                <a:t>.</a:t>
+              </a:r>
+              <a:r>
+                <a:rPr lang="en-US" altLang="ko-KR" sz="1100" b="0" dirty="0">
+                  <a:solidFill>
+                    <a:srgbClr val="5E2CBC"/>
+                  </a:solidFill>
+                  <a:effectLst/>
+                  <a:latin typeface="Consolas" panose="020B0609020204030204" pitchFamily="49" charset="0"/>
+                </a:rPr>
+                <a:t>of</a:t>
+              </a:r>
+              <a:r>
+                <a:rPr lang="en-US" altLang="ko-KR" sz="1100" b="0" dirty="0">
+                  <a:solidFill>
+                    <a:srgbClr val="292929"/>
+                  </a:solidFill>
+                  <a:effectLst/>
+                  <a:latin typeface="Consolas" panose="020B0609020204030204" pitchFamily="49" charset="0"/>
+                </a:rPr>
+                <a:t>&lt;</a:t>
+              </a:r>
+              <a:r>
+                <a:rPr lang="en-US" altLang="ko-KR" sz="1100" b="0" dirty="0">
+                  <a:solidFill>
+                    <a:srgbClr val="185E73"/>
+                  </a:solidFill>
+                  <a:effectLst/>
+                  <a:latin typeface="Consolas" panose="020B0609020204030204" pitchFamily="49" charset="0"/>
+                </a:rPr>
+                <a:t>Dog</a:t>
+              </a:r>
+              <a:r>
+                <a:rPr lang="en-US" altLang="ko-KR" sz="1100" b="0" dirty="0">
+                  <a:solidFill>
+                    <a:srgbClr val="292929"/>
+                  </a:solidFill>
+                  <a:effectLst/>
+                  <a:latin typeface="Consolas" panose="020B0609020204030204" pitchFamily="49" charset="0"/>
+                </a:rPr>
+                <a:t>&gt;(context, listen: </a:t>
+              </a:r>
+              <a:r>
+                <a:rPr lang="en-US" altLang="ko-KR" sz="1100" b="0" dirty="0">
+                  <a:solidFill>
+                    <a:srgbClr val="0F4A85"/>
+                  </a:solidFill>
+                  <a:effectLst/>
+                  <a:latin typeface="Consolas" panose="020B0609020204030204" pitchFamily="49" charset="0"/>
+                </a:rPr>
+                <a:t>false</a:t>
+              </a:r>
+              <a:r>
+                <a:rPr lang="en-US" altLang="ko-KR" sz="1100" b="0" dirty="0">
+                  <a:solidFill>
+                    <a:srgbClr val="292929"/>
+                  </a:solidFill>
+                  <a:effectLst/>
+                  <a:latin typeface="Consolas" panose="020B0609020204030204" pitchFamily="49" charset="0"/>
+                </a:rPr>
+                <a:t>).</a:t>
+              </a:r>
+              <a:r>
+                <a:rPr lang="en-US" altLang="ko-KR" sz="1100" b="0" dirty="0">
+                  <a:solidFill>
+                    <a:srgbClr val="5E2CBC"/>
+                  </a:solidFill>
+                  <a:effectLst/>
+                  <a:latin typeface="Consolas" panose="020B0609020204030204" pitchFamily="49" charset="0"/>
+                </a:rPr>
+                <a:t>grow</a:t>
+              </a:r>
+              <a:r>
+                <a:rPr lang="en-US" altLang="ko-KR" sz="1100" b="0" dirty="0">
+                  <a:solidFill>
+                    <a:srgbClr val="292929"/>
+                  </a:solidFill>
+                  <a:effectLst/>
+                  <a:latin typeface="Consolas" panose="020B0609020204030204" pitchFamily="49" charset="0"/>
+                </a:rPr>
+                <a:t>()</a:t>
+              </a:r>
+            </a:p>
+          </p:txBody>
+        </p:sp>
+      </p:grpSp>
+      <p:cxnSp>
+        <p:nvCxnSpPr>
+          <p:cNvPr id="98" name="직선 화살표 연결선 97">
+            <a:extLst>
+              <a:ext uri="{FF2B5EF4-FFF2-40B4-BE49-F238E27FC236}">
+                <a16:creationId xmlns:a16="http://schemas.microsoft.com/office/drawing/2014/main" id="{BD281E8D-E076-057E-AA38-22B635A17E2E}"/>
+              </a:ext>
+            </a:extLst>
+          </p:cNvPr>
+          <p:cNvCxnSpPr>
+            <a:cxnSpLocks/>
+            <a:stCxn id="70" idx="4"/>
+            <a:endCxn id="93" idx="7"/>
+          </p:cNvCxnSpPr>
+          <p:nvPr/>
+        </p:nvCxnSpPr>
+        <p:spPr>
+          <a:xfrm flipH="1">
+            <a:off x="6184262" y="5521235"/>
+            <a:ext cx="493547" cy="234979"/>
+          </a:xfrm>
+          <a:prstGeom prst="straightConnector1">
+            <a:avLst/>
+          </a:prstGeom>
+          <a:ln>
+            <a:tailEnd type="triangle"/>
+          </a:ln>
+        </p:spPr>
+        <p:style>
+          <a:lnRef idx="1">
+            <a:schemeClr val="accent1"/>
+          </a:lnRef>
+          <a:fillRef idx="0">
+            <a:schemeClr val="accent1"/>
+          </a:fillRef>
+          <a:effectRef idx="0">
+            <a:schemeClr val="accent1"/>
+          </a:effectRef>
+          <a:fontRef idx="minor">
+            <a:schemeClr val="tx1"/>
+          </a:fontRef>
+        </p:style>
+      </p:cxnSp>
+      <p:cxnSp>
+        <p:nvCxnSpPr>
+          <p:cNvPr id="99" name="직선 화살표 연결선 98">
+            <a:extLst>
+              <a:ext uri="{FF2B5EF4-FFF2-40B4-BE49-F238E27FC236}">
+                <a16:creationId xmlns:a16="http://schemas.microsoft.com/office/drawing/2014/main" id="{57C40F5E-1A9D-20DB-E68E-90A230D6DA28}"/>
+              </a:ext>
+            </a:extLst>
+          </p:cNvPr>
+          <p:cNvCxnSpPr>
+            <a:cxnSpLocks/>
+            <a:stCxn id="54" idx="4"/>
+            <a:endCxn id="74" idx="0"/>
+          </p:cNvCxnSpPr>
+          <p:nvPr/>
+        </p:nvCxnSpPr>
+        <p:spPr>
+          <a:xfrm flipH="1">
+            <a:off x="3534685" y="3770362"/>
+            <a:ext cx="2306547" cy="467001"/>
+          </a:xfrm>
+          <a:prstGeom prst="straightConnector1">
+            <a:avLst/>
+          </a:prstGeom>
+          <a:ln>
+            <a:tailEnd type="triangle"/>
+          </a:ln>
+        </p:spPr>
+        <p:style>
+          <a:lnRef idx="1">
+            <a:schemeClr val="accent1"/>
+          </a:lnRef>
+          <a:fillRef idx="0">
+            <a:schemeClr val="accent1"/>
+          </a:fillRef>
+          <a:effectRef idx="0">
+            <a:schemeClr val="accent1"/>
+          </a:effectRef>
+          <a:fontRef idx="minor">
+            <a:schemeClr val="tx1"/>
+          </a:fontRef>
+        </p:style>
+      </p:cxnSp>
+      <p:sp>
+        <p:nvSpPr>
+          <p:cNvPr id="100" name="TextBox 99">
+            <a:extLst>
+              <a:ext uri="{FF2B5EF4-FFF2-40B4-BE49-F238E27FC236}">
+                <a16:creationId xmlns:a16="http://schemas.microsoft.com/office/drawing/2014/main" id="{A9AFB107-57BE-3FF3-7AFF-962C2368E148}"/>
+              </a:ext>
+            </a:extLst>
+          </p:cNvPr>
+          <p:cNvSpPr txBox="1"/>
+          <p:nvPr/>
+        </p:nvSpPr>
+        <p:spPr>
+          <a:xfrm>
+            <a:off x="135382" y="401313"/>
+            <a:ext cx="2921732" cy="2631490"/>
+          </a:xfrm>
+          <a:prstGeom prst="rect">
+            <a:avLst/>
+          </a:prstGeom>
+          <a:noFill/>
+          <a:ln>
+            <a:solidFill>
+              <a:schemeClr val="accent1"/>
+            </a:solidFill>
+          </a:ln>
+        </p:spPr>
+        <p:txBody>
+          <a:bodyPr wrap="square">
+            <a:spAutoFit/>
+          </a:bodyPr>
+          <a:lstStyle/>
+          <a:p>
+            <a:r>
+              <a:rPr lang="en-US" altLang="ko-KR" sz="1100" b="0" dirty="0">
+                <a:solidFill>
+                  <a:srgbClr val="0F4A85"/>
+                </a:solidFill>
+                <a:effectLst/>
+                <a:latin typeface="Consolas" panose="020B0609020204030204" pitchFamily="49" charset="0"/>
+              </a:rPr>
+              <a:t>class</a:t>
+            </a:r>
+            <a:r>
+              <a:rPr lang="en-US" altLang="ko-KR" sz="1100" b="0" dirty="0">
+                <a:solidFill>
+                  <a:srgbClr val="292929"/>
+                </a:solidFill>
+                <a:effectLst/>
+                <a:latin typeface="Consolas" panose="020B0609020204030204" pitchFamily="49" charset="0"/>
+              </a:rPr>
+              <a:t> </a:t>
+            </a:r>
+            <a:r>
+              <a:rPr lang="en-US" altLang="ko-KR" sz="1100" b="0" dirty="0">
+                <a:solidFill>
+                  <a:srgbClr val="185E73"/>
+                </a:solidFill>
+                <a:effectLst/>
+                <a:latin typeface="Consolas" panose="020B0609020204030204" pitchFamily="49" charset="0"/>
+              </a:rPr>
+              <a:t>Dog</a:t>
+            </a:r>
+            <a:r>
+              <a:rPr lang="en-US" altLang="ko-KR" sz="1100" b="0" dirty="0">
+                <a:solidFill>
+                  <a:srgbClr val="292929"/>
+                </a:solidFill>
+                <a:effectLst/>
+                <a:latin typeface="Consolas" panose="020B0609020204030204" pitchFamily="49" charset="0"/>
+              </a:rPr>
+              <a:t> {</a:t>
+            </a:r>
+          </a:p>
+          <a:p>
+            <a:r>
+              <a:rPr lang="en-US" altLang="ko-KR" sz="1100" b="0" dirty="0">
+                <a:solidFill>
+                  <a:srgbClr val="292929"/>
+                </a:solidFill>
+                <a:effectLst/>
+                <a:latin typeface="Consolas" panose="020B0609020204030204" pitchFamily="49" charset="0"/>
+              </a:rPr>
+              <a:t>  </a:t>
+            </a:r>
+            <a:r>
+              <a:rPr lang="en-US" altLang="ko-KR" sz="1100" b="0" dirty="0">
+                <a:solidFill>
+                  <a:srgbClr val="0F4A85"/>
+                </a:solidFill>
+                <a:effectLst/>
+                <a:latin typeface="Consolas" panose="020B0609020204030204" pitchFamily="49" charset="0"/>
+              </a:rPr>
+              <a:t>final</a:t>
+            </a:r>
+            <a:r>
+              <a:rPr lang="en-US" altLang="ko-KR" sz="1100" b="0" dirty="0">
+                <a:solidFill>
+                  <a:srgbClr val="292929"/>
+                </a:solidFill>
+                <a:effectLst/>
+                <a:latin typeface="Consolas" panose="020B0609020204030204" pitchFamily="49" charset="0"/>
+              </a:rPr>
+              <a:t> </a:t>
+            </a:r>
+            <a:r>
+              <a:rPr lang="en-US" altLang="ko-KR" sz="1100" b="0" dirty="0">
+                <a:solidFill>
+                  <a:srgbClr val="185E73"/>
+                </a:solidFill>
+                <a:effectLst/>
+                <a:latin typeface="Consolas" panose="020B0609020204030204" pitchFamily="49" charset="0"/>
+              </a:rPr>
+              <a:t>String</a:t>
+            </a:r>
+            <a:r>
+              <a:rPr lang="en-US" altLang="ko-KR" sz="1100" b="0" dirty="0">
+                <a:solidFill>
+                  <a:srgbClr val="292929"/>
+                </a:solidFill>
+                <a:effectLst/>
+                <a:latin typeface="Consolas" panose="020B0609020204030204" pitchFamily="49" charset="0"/>
+              </a:rPr>
+              <a:t> name;</a:t>
+            </a:r>
+          </a:p>
+          <a:p>
+            <a:r>
+              <a:rPr lang="en-US" altLang="ko-KR" sz="1100" b="0" dirty="0">
+                <a:solidFill>
+                  <a:srgbClr val="292929"/>
+                </a:solidFill>
+                <a:effectLst/>
+                <a:latin typeface="Consolas" panose="020B0609020204030204" pitchFamily="49" charset="0"/>
+              </a:rPr>
+              <a:t>  </a:t>
+            </a:r>
+            <a:r>
+              <a:rPr lang="en-US" altLang="ko-KR" sz="1100" b="0" dirty="0">
+                <a:solidFill>
+                  <a:srgbClr val="0F4A85"/>
+                </a:solidFill>
+                <a:effectLst/>
+                <a:latin typeface="Consolas" panose="020B0609020204030204" pitchFamily="49" charset="0"/>
+              </a:rPr>
+              <a:t>final</a:t>
+            </a:r>
+            <a:r>
+              <a:rPr lang="en-US" altLang="ko-KR" sz="1100" b="0" dirty="0">
+                <a:solidFill>
+                  <a:srgbClr val="292929"/>
+                </a:solidFill>
+                <a:effectLst/>
+                <a:latin typeface="Consolas" panose="020B0609020204030204" pitchFamily="49" charset="0"/>
+              </a:rPr>
+              <a:t> </a:t>
+            </a:r>
+            <a:r>
+              <a:rPr lang="en-US" altLang="ko-KR" sz="1100" b="0" dirty="0">
+                <a:solidFill>
+                  <a:srgbClr val="185E73"/>
+                </a:solidFill>
+                <a:effectLst/>
+                <a:latin typeface="Consolas" panose="020B0609020204030204" pitchFamily="49" charset="0"/>
+              </a:rPr>
+              <a:t>String</a:t>
+            </a:r>
+            <a:r>
+              <a:rPr lang="en-US" altLang="ko-KR" sz="1100" b="0" dirty="0">
+                <a:solidFill>
+                  <a:srgbClr val="292929"/>
+                </a:solidFill>
+                <a:effectLst/>
+                <a:latin typeface="Consolas" panose="020B0609020204030204" pitchFamily="49" charset="0"/>
+              </a:rPr>
+              <a:t> breed;</a:t>
+            </a:r>
+          </a:p>
+          <a:p>
+            <a:r>
+              <a:rPr lang="en-US" altLang="ko-KR" sz="1100" b="0" dirty="0">
+                <a:solidFill>
+                  <a:srgbClr val="292929"/>
+                </a:solidFill>
+                <a:effectLst/>
+                <a:latin typeface="Consolas" panose="020B0609020204030204" pitchFamily="49" charset="0"/>
+              </a:rPr>
+              <a:t>  </a:t>
+            </a:r>
+            <a:r>
+              <a:rPr lang="en-US" altLang="ko-KR" sz="1100" b="0" dirty="0">
+                <a:solidFill>
+                  <a:srgbClr val="185E73"/>
+                </a:solidFill>
+                <a:effectLst/>
+                <a:latin typeface="Consolas" panose="020B0609020204030204" pitchFamily="49" charset="0"/>
+              </a:rPr>
+              <a:t>int</a:t>
+            </a:r>
+            <a:r>
+              <a:rPr lang="en-US" altLang="ko-KR" sz="1100" b="0" dirty="0">
+                <a:solidFill>
+                  <a:srgbClr val="292929"/>
+                </a:solidFill>
+                <a:effectLst/>
+                <a:latin typeface="Consolas" panose="020B0609020204030204" pitchFamily="49" charset="0"/>
+              </a:rPr>
+              <a:t> age;</a:t>
+            </a:r>
+          </a:p>
+          <a:p>
+            <a:r>
+              <a:rPr lang="en-US" altLang="ko-KR" sz="1100" b="0" dirty="0">
+                <a:solidFill>
+                  <a:srgbClr val="292929"/>
+                </a:solidFill>
+                <a:effectLst/>
+                <a:latin typeface="Consolas" panose="020B0609020204030204" pitchFamily="49" charset="0"/>
+              </a:rPr>
+              <a:t>  </a:t>
+            </a:r>
+            <a:r>
+              <a:rPr lang="en-US" altLang="ko-KR" sz="1100" b="0" dirty="0">
+                <a:solidFill>
+                  <a:srgbClr val="185E73"/>
+                </a:solidFill>
+                <a:effectLst/>
+                <a:latin typeface="Consolas" panose="020B0609020204030204" pitchFamily="49" charset="0"/>
+              </a:rPr>
+              <a:t>Dog</a:t>
+            </a:r>
+            <a:r>
+              <a:rPr lang="en-US" altLang="ko-KR" sz="1100" b="0" dirty="0">
+                <a:solidFill>
+                  <a:srgbClr val="292929"/>
+                </a:solidFill>
+                <a:effectLst/>
+                <a:latin typeface="Consolas" panose="020B0609020204030204" pitchFamily="49" charset="0"/>
+              </a:rPr>
+              <a:t>({</a:t>
+            </a:r>
+          </a:p>
+          <a:p>
+            <a:r>
+              <a:rPr lang="en-US" altLang="ko-KR" sz="1100" b="0" dirty="0">
+                <a:solidFill>
+                  <a:srgbClr val="292929"/>
+                </a:solidFill>
+                <a:effectLst/>
+                <a:latin typeface="Consolas" panose="020B0609020204030204" pitchFamily="49" charset="0"/>
+              </a:rPr>
+              <a:t>    </a:t>
+            </a:r>
+            <a:r>
+              <a:rPr lang="en-US" altLang="ko-KR" sz="1100" b="0" dirty="0">
+                <a:solidFill>
+                  <a:srgbClr val="0F4A85"/>
+                </a:solidFill>
+                <a:effectLst/>
+                <a:latin typeface="Consolas" panose="020B0609020204030204" pitchFamily="49" charset="0"/>
+              </a:rPr>
+              <a:t>required</a:t>
+            </a:r>
+            <a:r>
+              <a:rPr lang="en-US" altLang="ko-KR" sz="1100" b="0" dirty="0">
+                <a:solidFill>
+                  <a:srgbClr val="292929"/>
+                </a:solidFill>
+                <a:effectLst/>
+                <a:latin typeface="Consolas" panose="020B0609020204030204" pitchFamily="49" charset="0"/>
+              </a:rPr>
+              <a:t> </a:t>
+            </a:r>
+            <a:r>
+              <a:rPr lang="en-US" altLang="ko-KR" sz="1100" b="0" dirty="0">
+                <a:solidFill>
+                  <a:srgbClr val="0F4A85"/>
+                </a:solidFill>
+                <a:effectLst/>
+                <a:latin typeface="Consolas" panose="020B0609020204030204" pitchFamily="49" charset="0"/>
+              </a:rPr>
+              <a:t>this</a:t>
+            </a:r>
+            <a:r>
+              <a:rPr lang="en-US" altLang="ko-KR" sz="1100" b="0" dirty="0">
+                <a:solidFill>
+                  <a:srgbClr val="292929"/>
+                </a:solidFill>
+                <a:effectLst/>
+                <a:latin typeface="Consolas" panose="020B0609020204030204" pitchFamily="49" charset="0"/>
+              </a:rPr>
+              <a:t>.name,</a:t>
+            </a:r>
+          </a:p>
+          <a:p>
+            <a:r>
+              <a:rPr lang="en-US" altLang="ko-KR" sz="1100" b="0" dirty="0">
+                <a:solidFill>
+                  <a:srgbClr val="292929"/>
+                </a:solidFill>
+                <a:effectLst/>
+                <a:latin typeface="Consolas" panose="020B0609020204030204" pitchFamily="49" charset="0"/>
+              </a:rPr>
+              <a:t>    </a:t>
+            </a:r>
+            <a:r>
+              <a:rPr lang="en-US" altLang="ko-KR" sz="1100" b="0" dirty="0">
+                <a:solidFill>
+                  <a:srgbClr val="0F4A85"/>
+                </a:solidFill>
+                <a:effectLst/>
+                <a:latin typeface="Consolas" panose="020B0609020204030204" pitchFamily="49" charset="0"/>
+              </a:rPr>
+              <a:t>required</a:t>
+            </a:r>
+            <a:r>
+              <a:rPr lang="en-US" altLang="ko-KR" sz="1100" b="0" dirty="0">
+                <a:solidFill>
+                  <a:srgbClr val="292929"/>
+                </a:solidFill>
+                <a:effectLst/>
+                <a:latin typeface="Consolas" panose="020B0609020204030204" pitchFamily="49" charset="0"/>
+              </a:rPr>
+              <a:t> </a:t>
+            </a:r>
+            <a:r>
+              <a:rPr lang="en-US" altLang="ko-KR" sz="1100" b="0" dirty="0">
+                <a:solidFill>
+                  <a:srgbClr val="0F4A85"/>
+                </a:solidFill>
+                <a:effectLst/>
+                <a:latin typeface="Consolas" panose="020B0609020204030204" pitchFamily="49" charset="0"/>
+              </a:rPr>
+              <a:t>this</a:t>
+            </a:r>
+            <a:r>
+              <a:rPr lang="en-US" altLang="ko-KR" sz="1100" b="0" dirty="0">
+                <a:solidFill>
+                  <a:srgbClr val="292929"/>
+                </a:solidFill>
+                <a:effectLst/>
+                <a:latin typeface="Consolas" panose="020B0609020204030204" pitchFamily="49" charset="0"/>
+              </a:rPr>
+              <a:t>.breed,</a:t>
+            </a:r>
+          </a:p>
+          <a:p>
+            <a:r>
+              <a:rPr lang="en-US" altLang="ko-KR" sz="1100" b="0" dirty="0">
+                <a:solidFill>
+                  <a:srgbClr val="292929"/>
+                </a:solidFill>
+                <a:effectLst/>
+                <a:latin typeface="Consolas" panose="020B0609020204030204" pitchFamily="49" charset="0"/>
+              </a:rPr>
+              <a:t>    </a:t>
+            </a:r>
+            <a:r>
+              <a:rPr lang="en-US" altLang="ko-KR" sz="1100" b="0" dirty="0">
+                <a:solidFill>
+                  <a:srgbClr val="0F4A85"/>
+                </a:solidFill>
+                <a:effectLst/>
+                <a:latin typeface="Consolas" panose="020B0609020204030204" pitchFamily="49" charset="0"/>
+              </a:rPr>
+              <a:t>this</a:t>
+            </a:r>
+            <a:r>
+              <a:rPr lang="en-US" altLang="ko-KR" sz="1100" b="0" dirty="0">
+                <a:solidFill>
+                  <a:srgbClr val="292929"/>
+                </a:solidFill>
+                <a:effectLst/>
+                <a:latin typeface="Consolas" panose="020B0609020204030204" pitchFamily="49" charset="0"/>
+              </a:rPr>
+              <a:t>.age </a:t>
+            </a:r>
+            <a:r>
+              <a:rPr lang="en-US" altLang="ko-KR" sz="1100" b="0" dirty="0">
+                <a:solidFill>
+                  <a:srgbClr val="000000"/>
+                </a:solidFill>
+                <a:effectLst/>
+                <a:latin typeface="Consolas" panose="020B0609020204030204" pitchFamily="49" charset="0"/>
+              </a:rPr>
+              <a:t>=</a:t>
+            </a:r>
+            <a:r>
+              <a:rPr lang="en-US" altLang="ko-KR" sz="1100" b="0" dirty="0">
+                <a:solidFill>
+                  <a:srgbClr val="292929"/>
+                </a:solidFill>
+                <a:effectLst/>
+                <a:latin typeface="Consolas" panose="020B0609020204030204" pitchFamily="49" charset="0"/>
+              </a:rPr>
+              <a:t> </a:t>
+            </a:r>
+            <a:r>
+              <a:rPr lang="en-US" altLang="ko-KR" sz="1100" b="0" dirty="0">
+                <a:solidFill>
+                  <a:srgbClr val="096D48"/>
+                </a:solidFill>
+                <a:effectLst/>
+                <a:latin typeface="Consolas" panose="020B0609020204030204" pitchFamily="49" charset="0"/>
+              </a:rPr>
+              <a:t>1</a:t>
+            </a:r>
+            <a:r>
+              <a:rPr lang="en-US" altLang="ko-KR" sz="1100" b="0" dirty="0">
+                <a:solidFill>
+                  <a:srgbClr val="292929"/>
+                </a:solidFill>
+                <a:effectLst/>
+                <a:latin typeface="Consolas" panose="020B0609020204030204" pitchFamily="49" charset="0"/>
+              </a:rPr>
+              <a:t>,</a:t>
+            </a:r>
+          </a:p>
+          <a:p>
+            <a:r>
+              <a:rPr lang="en-US" altLang="ko-KR" sz="1100" b="0" dirty="0">
+                <a:solidFill>
+                  <a:srgbClr val="292929"/>
+                </a:solidFill>
+                <a:effectLst/>
+                <a:latin typeface="Consolas" panose="020B0609020204030204" pitchFamily="49" charset="0"/>
+              </a:rPr>
+              <a:t>  });</a:t>
+            </a:r>
+          </a:p>
+          <a:p>
+            <a:br>
+              <a:rPr lang="en-US" altLang="ko-KR" sz="1100" b="0" dirty="0">
+                <a:solidFill>
+                  <a:srgbClr val="292929"/>
+                </a:solidFill>
+                <a:effectLst/>
+                <a:latin typeface="Consolas" panose="020B0609020204030204" pitchFamily="49" charset="0"/>
+              </a:rPr>
+            </a:br>
+            <a:r>
+              <a:rPr lang="en-US" altLang="ko-KR" sz="1100" b="0" dirty="0">
+                <a:solidFill>
+                  <a:srgbClr val="292929"/>
+                </a:solidFill>
+                <a:effectLst/>
+                <a:latin typeface="Consolas" panose="020B0609020204030204" pitchFamily="49" charset="0"/>
+              </a:rPr>
+              <a:t>  </a:t>
+            </a:r>
+            <a:r>
+              <a:rPr lang="en-US" altLang="ko-KR" sz="1100" b="0" dirty="0">
+                <a:solidFill>
+                  <a:srgbClr val="0F4A85"/>
+                </a:solidFill>
+                <a:effectLst/>
+                <a:latin typeface="Consolas" panose="020B0609020204030204" pitchFamily="49" charset="0"/>
+              </a:rPr>
+              <a:t>void</a:t>
+            </a:r>
+            <a:r>
+              <a:rPr lang="en-US" altLang="ko-KR" sz="1100" b="0" dirty="0">
+                <a:solidFill>
+                  <a:srgbClr val="292929"/>
+                </a:solidFill>
+                <a:effectLst/>
+                <a:latin typeface="Consolas" panose="020B0609020204030204" pitchFamily="49" charset="0"/>
+              </a:rPr>
+              <a:t> </a:t>
+            </a:r>
+            <a:r>
+              <a:rPr lang="en-US" altLang="ko-KR" sz="1100" b="0" dirty="0">
+                <a:solidFill>
+                  <a:srgbClr val="5E2CBC"/>
+                </a:solidFill>
+                <a:effectLst/>
+                <a:latin typeface="Consolas" panose="020B0609020204030204" pitchFamily="49" charset="0"/>
+              </a:rPr>
+              <a:t>grow</a:t>
+            </a:r>
+            <a:r>
+              <a:rPr lang="en-US" altLang="ko-KR" sz="1100" b="0" dirty="0">
+                <a:solidFill>
+                  <a:srgbClr val="292929"/>
+                </a:solidFill>
+                <a:effectLst/>
+                <a:latin typeface="Consolas" panose="020B0609020204030204" pitchFamily="49" charset="0"/>
+              </a:rPr>
+              <a:t>() {</a:t>
+            </a:r>
+          </a:p>
+          <a:p>
+            <a:r>
+              <a:rPr lang="en-US" altLang="ko-KR" sz="1100" b="0" dirty="0">
+                <a:solidFill>
+                  <a:srgbClr val="292929"/>
+                </a:solidFill>
+                <a:effectLst/>
+                <a:latin typeface="Consolas" panose="020B0609020204030204" pitchFamily="49" charset="0"/>
+              </a:rPr>
+              <a:t>    age</a:t>
+            </a:r>
+            <a:r>
+              <a:rPr lang="en-US" altLang="ko-KR" sz="1100" b="0" dirty="0">
+                <a:solidFill>
+                  <a:srgbClr val="000000"/>
+                </a:solidFill>
+                <a:effectLst/>
+                <a:latin typeface="Consolas" panose="020B0609020204030204" pitchFamily="49" charset="0"/>
+              </a:rPr>
+              <a:t>++</a:t>
+            </a:r>
+            <a:r>
+              <a:rPr lang="en-US" altLang="ko-KR" sz="1100" b="0" dirty="0">
+                <a:solidFill>
+                  <a:srgbClr val="292929"/>
+                </a:solidFill>
+                <a:effectLst/>
+                <a:latin typeface="Consolas" panose="020B0609020204030204" pitchFamily="49" charset="0"/>
+              </a:rPr>
+              <a:t>;</a:t>
+            </a:r>
+          </a:p>
+          <a:p>
+            <a:r>
+              <a:rPr lang="en-US" altLang="ko-KR" sz="1100" b="0" dirty="0">
+                <a:solidFill>
+                  <a:srgbClr val="292929"/>
+                </a:solidFill>
+                <a:effectLst/>
+                <a:latin typeface="Consolas" panose="020B0609020204030204" pitchFamily="49" charset="0"/>
+              </a:rPr>
+              <a:t>    </a:t>
+            </a:r>
+            <a:r>
+              <a:rPr lang="en-US" altLang="ko-KR" sz="1100" b="0" dirty="0">
+                <a:solidFill>
+                  <a:srgbClr val="5E2CBC"/>
+                </a:solidFill>
+                <a:effectLst/>
+                <a:latin typeface="Consolas" panose="020B0609020204030204" pitchFamily="49" charset="0"/>
+              </a:rPr>
+              <a:t>print</a:t>
+            </a:r>
+            <a:r>
+              <a:rPr lang="en-US" altLang="ko-KR" sz="1100" b="0" dirty="0">
+                <a:solidFill>
+                  <a:srgbClr val="292929"/>
+                </a:solidFill>
+                <a:effectLst/>
+                <a:latin typeface="Consolas" panose="020B0609020204030204" pitchFamily="49" charset="0"/>
+              </a:rPr>
+              <a:t>(</a:t>
+            </a:r>
+            <a:r>
+              <a:rPr lang="en-US" altLang="ko-KR" sz="1100" b="0" dirty="0">
+                <a:solidFill>
+                  <a:srgbClr val="0F4A85"/>
+                </a:solidFill>
+                <a:effectLst/>
+                <a:latin typeface="Consolas" panose="020B0609020204030204" pitchFamily="49" charset="0"/>
+              </a:rPr>
+              <a:t>'age: $</a:t>
+            </a:r>
+            <a:r>
+              <a:rPr lang="en-US" altLang="ko-KR" sz="1100" b="0" dirty="0">
+                <a:solidFill>
+                  <a:srgbClr val="001080"/>
+                </a:solidFill>
+                <a:effectLst/>
+                <a:latin typeface="Consolas" panose="020B0609020204030204" pitchFamily="49" charset="0"/>
+              </a:rPr>
+              <a:t>age</a:t>
+            </a:r>
+            <a:r>
+              <a:rPr lang="en-US" altLang="ko-KR" sz="1100" b="0" dirty="0">
+                <a:solidFill>
+                  <a:srgbClr val="0F4A85"/>
+                </a:solidFill>
+                <a:effectLst/>
+                <a:latin typeface="Consolas" panose="020B0609020204030204" pitchFamily="49" charset="0"/>
+              </a:rPr>
+              <a:t>'</a:t>
+            </a:r>
+            <a:r>
+              <a:rPr lang="en-US" altLang="ko-KR" sz="1100" b="0" dirty="0">
+                <a:solidFill>
+                  <a:srgbClr val="292929"/>
+                </a:solidFill>
+                <a:effectLst/>
+                <a:latin typeface="Consolas" panose="020B0609020204030204" pitchFamily="49" charset="0"/>
+              </a:rPr>
+              <a:t>);</a:t>
+            </a:r>
+          </a:p>
+          <a:p>
+            <a:r>
+              <a:rPr lang="en-US" altLang="ko-KR" sz="1100" b="0" dirty="0">
+                <a:solidFill>
+                  <a:srgbClr val="292929"/>
+                </a:solidFill>
+                <a:effectLst/>
+                <a:latin typeface="Consolas" panose="020B0609020204030204" pitchFamily="49" charset="0"/>
+              </a:rPr>
+              <a:t>  }</a:t>
+            </a:r>
+          </a:p>
+          <a:p>
+            <a:r>
+              <a:rPr lang="en-US" altLang="ko-KR" sz="1100" b="0" dirty="0">
+                <a:solidFill>
+                  <a:srgbClr val="292929"/>
+                </a:solidFill>
+                <a:effectLst/>
+                <a:latin typeface="Consolas" panose="020B0609020204030204" pitchFamily="49" charset="0"/>
+              </a:rPr>
+              <a:t>}</a:t>
+            </a:r>
+          </a:p>
+        </p:txBody>
+      </p:sp>
+      <p:cxnSp>
+        <p:nvCxnSpPr>
+          <p:cNvPr id="102" name="직선 화살표 연결선 101">
+            <a:extLst>
+              <a:ext uri="{FF2B5EF4-FFF2-40B4-BE49-F238E27FC236}">
+                <a16:creationId xmlns:a16="http://schemas.microsoft.com/office/drawing/2014/main" id="{C7F49767-6642-D432-4A3F-77074786F1A0}"/>
+              </a:ext>
+            </a:extLst>
+          </p:cNvPr>
+          <p:cNvCxnSpPr>
+            <a:cxnSpLocks/>
+            <a:stCxn id="70" idx="0"/>
+            <a:endCxn id="66" idx="4"/>
+          </p:cNvCxnSpPr>
+          <p:nvPr/>
+        </p:nvCxnSpPr>
+        <p:spPr>
+          <a:xfrm flipV="1">
+            <a:off x="6677809" y="4667010"/>
+            <a:ext cx="554082" cy="277932"/>
+          </a:xfrm>
+          <a:prstGeom prst="straightConnector1">
+            <a:avLst/>
+          </a:prstGeom>
+          <a:ln>
+            <a:tailEnd type="triangle"/>
+          </a:ln>
+        </p:spPr>
+        <p:style>
+          <a:lnRef idx="1">
+            <a:schemeClr val="accent1"/>
+          </a:lnRef>
+          <a:fillRef idx="0">
+            <a:schemeClr val="accent1"/>
+          </a:fillRef>
+          <a:effectRef idx="0">
+            <a:schemeClr val="accent1"/>
+          </a:effectRef>
+          <a:fontRef idx="minor">
+            <a:schemeClr val="tx1"/>
+          </a:fontRef>
+        </p:style>
+      </p:cxnSp>
+    </p:spTree>
+    <p:extLst>
+      <p:ext uri="{BB962C8B-B14F-4D97-AF65-F5344CB8AC3E}">
+        <p14:creationId xmlns:p14="http://schemas.microsoft.com/office/powerpoint/2010/main" val="1362349775"/>
+      </p:ext>
+    </p:extLst>
+  </p:cSld>
+  <p:clrMapOvr>
+    <a:masterClrMapping/>
+  </p:clrMapOvr>
+</p:sld>
+</file>
+
+<file path=ppt/slides/slide2.xml><?xml version="1.0" encoding="utf-8"?>
+<p:sld xmlns:a="http://schemas.openxmlformats.org/drawingml/2006/main" xmlns:r="http://schemas.openxmlformats.org/officeDocument/2006/relationships" xmlns:p="http://schemas.openxmlformats.org/presentationml/2006/main">
+  <p:cSld>
+    <p:spTree>
+      <p:nvGrpSpPr>
+        <p:cNvPr id="1" name=""/>
+        <p:cNvGrpSpPr/>
+        <p:nvPr/>
+      </p:nvGrpSpPr>
+      <p:grpSpPr>
+        <a:xfrm>
+          <a:off x="0" y="0"/>
+          <a:ext cx="0" cy="0"/>
+          <a:chOff x="0" y="0"/>
+          <a:chExt cx="0" cy="0"/>
+        </a:xfrm>
+      </p:grpSpPr>
+      <p:sp>
+        <p:nvSpPr>
           <p:cNvPr id="5" name="TextBox 4">
             <a:extLst>
               <a:ext uri="{FF2B5EF4-FFF2-40B4-BE49-F238E27FC236}">
@@ -3412,7 +6480,7 @@
         </p:nvSpPr>
         <p:spPr>
           <a:xfrm>
-            <a:off x="162560" y="466245"/>
+            <a:off x="3188772" y="401313"/>
             <a:ext cx="6334196" cy="1615827"/>
           </a:xfrm>
           <a:prstGeom prst="rect">
@@ -4038,7 +7106,7 @@
         </p:nvGrpSpPr>
         <p:grpSpPr>
           <a:xfrm>
-            <a:off x="4386043" y="2490757"/>
+            <a:off x="5570075" y="3194069"/>
             <a:ext cx="1512818" cy="576293"/>
             <a:chOff x="4256021" y="2438509"/>
             <a:chExt cx="1512818" cy="576293"/>
@@ -4210,7 +7278,7 @@
         </p:nvGrpSpPr>
         <p:grpSpPr>
           <a:xfrm>
-            <a:off x="2263012" y="3395556"/>
+            <a:off x="3447044" y="4098868"/>
             <a:ext cx="1326012" cy="576293"/>
             <a:chOff x="3849064" y="3266906"/>
             <a:chExt cx="1326012" cy="576293"/>
@@ -4382,7 +7450,7 @@
         </p:nvGrpSpPr>
         <p:grpSpPr>
           <a:xfrm>
-            <a:off x="4391011" y="3402734"/>
+            <a:off x="5575043" y="4106046"/>
             <a:ext cx="1402956" cy="576293"/>
             <a:chOff x="3849064" y="3266906"/>
             <a:chExt cx="1402956" cy="576293"/>
@@ -4554,7 +7622,7 @@
         </p:nvGrpSpPr>
         <p:grpSpPr>
           <a:xfrm>
-            <a:off x="6452977" y="3406455"/>
+            <a:off x="7637009" y="4109767"/>
             <a:ext cx="1479900" cy="576293"/>
             <a:chOff x="3849064" y="3266906"/>
             <a:chExt cx="1479900" cy="576293"/>
@@ -4726,7 +7794,7 @@
         </p:nvGrpSpPr>
         <p:grpSpPr>
           <a:xfrm>
-            <a:off x="5898895" y="4260680"/>
+            <a:off x="7082927" y="4963992"/>
             <a:ext cx="864347" cy="576293"/>
             <a:chOff x="3849064" y="3266906"/>
             <a:chExt cx="864347" cy="576293"/>
@@ -4898,7 +7966,7 @@
         </p:nvGrpSpPr>
         <p:grpSpPr>
           <a:xfrm>
-            <a:off x="1560348" y="4238187"/>
+            <a:off x="2744380" y="4941499"/>
             <a:ext cx="1223850" cy="430887"/>
             <a:chOff x="3849065" y="3266906"/>
             <a:chExt cx="1223850" cy="430887"/>
@@ -5021,7 +8089,7 @@
         </p:nvGrpSpPr>
         <p:grpSpPr>
           <a:xfrm>
-            <a:off x="1560348" y="4662388"/>
+            <a:off x="2744380" y="5365700"/>
             <a:ext cx="1300794" cy="430887"/>
             <a:chOff x="3849065" y="3266906"/>
             <a:chExt cx="1300794" cy="430887"/>
@@ -5144,7 +8212,7 @@
         </p:nvGrpSpPr>
         <p:grpSpPr>
           <a:xfrm>
-            <a:off x="4498572" y="4240554"/>
+            <a:off x="5682604" y="4943866"/>
             <a:ext cx="1223850" cy="430887"/>
             <a:chOff x="3849065" y="3230694"/>
             <a:chExt cx="1223850" cy="430887"/>
@@ -5270,7 +8338,7 @@
         </p:nvCxnSpPr>
         <p:spPr>
           <a:xfrm flipH="1" flipV="1">
-            <a:off x="4657200" y="3067050"/>
+            <a:off x="5841232" y="3770362"/>
             <a:ext cx="4968" cy="335684"/>
           </a:xfrm>
           <a:prstGeom prst="straightConnector1">
@@ -5312,7 +8380,7 @@
         </p:nvCxnSpPr>
         <p:spPr>
           <a:xfrm flipV="1">
-            <a:off x="2534169" y="3067050"/>
+            <a:off x="3718201" y="3770362"/>
             <a:ext cx="2123031" cy="328506"/>
           </a:xfrm>
           <a:prstGeom prst="straightConnector1">
@@ -5354,7 +8422,7 @@
         </p:nvCxnSpPr>
         <p:spPr>
           <a:xfrm flipH="1" flipV="1">
-            <a:off x="4657200" y="3067050"/>
+            <a:off x="5841232" y="3770362"/>
             <a:ext cx="2066934" cy="339405"/>
           </a:xfrm>
           <a:prstGeom prst="straightConnector1">
@@ -5396,7 +8464,7 @@
         </p:nvCxnSpPr>
         <p:spPr>
           <a:xfrm flipH="1" flipV="1">
-            <a:off x="2805325" y="3683703"/>
+            <a:off x="3989357" y="4387015"/>
             <a:ext cx="1585686" cy="7178"/>
           </a:xfrm>
           <a:prstGeom prst="straightConnector1">
@@ -5438,7 +8506,7 @@
         </p:nvCxnSpPr>
         <p:spPr>
           <a:xfrm rot="16200000" flipH="1">
-            <a:off x="4515351" y="4125843"/>
+            <a:off x="5699383" y="4829155"/>
             <a:ext cx="297739" cy="4105"/>
           </a:xfrm>
           <a:prstGeom prst="bentConnector3">
@@ -5481,7 +8549,7 @@
         </p:nvCxnSpPr>
         <p:spPr>
           <a:xfrm flipH="1">
-            <a:off x="6170052" y="3982748"/>
+            <a:off x="7354084" y="4686060"/>
             <a:ext cx="554082" cy="277932"/>
           </a:xfrm>
           <a:prstGeom prst="straightConnector1">
@@ -5520,7 +8588,7 @@
         </p:nvGrpSpPr>
         <p:grpSpPr>
           <a:xfrm>
-            <a:off x="7114068" y="4277031"/>
+            <a:off x="8298100" y="4980343"/>
             <a:ext cx="1377739" cy="430887"/>
             <a:chOff x="3849065" y="3266906"/>
             <a:chExt cx="1377739" cy="430887"/>
@@ -5665,7 +8733,7 @@
         </p:nvCxnSpPr>
         <p:spPr>
           <a:xfrm>
-            <a:off x="6724134" y="3982748"/>
+            <a:off x="7908166" y="4686060"/>
             <a:ext cx="557635" cy="294283"/>
           </a:xfrm>
           <a:prstGeom prst="straightConnector1">
@@ -5704,7 +8772,7 @@
         </p:nvGrpSpPr>
         <p:grpSpPr>
           <a:xfrm>
-            <a:off x="5390221" y="5020333"/>
+            <a:off x="6574253" y="5723645"/>
             <a:ext cx="1377739" cy="430887"/>
             <a:chOff x="3849065" y="3266906"/>
             <a:chExt cx="1377739" cy="430887"/>
@@ -5846,7 +8914,7 @@
         </p:nvGrpSpPr>
         <p:grpSpPr>
           <a:xfrm>
-            <a:off x="5390221" y="5424733"/>
+            <a:off x="6574253" y="6128045"/>
             <a:ext cx="1531627" cy="430887"/>
             <a:chOff x="3849065" y="3266906"/>
             <a:chExt cx="1531627" cy="430887"/>
@@ -5973,7 +9041,7 @@
         </p:nvCxnSpPr>
         <p:spPr>
           <a:xfrm flipH="1">
-            <a:off x="5676505" y="4836973"/>
+            <a:off x="6860537" y="5540285"/>
             <a:ext cx="493547" cy="234979"/>
           </a:xfrm>
           <a:prstGeom prst="straightConnector1">
@@ -6016,7 +9084,7 @@
         </p:nvCxnSpPr>
         <p:spPr>
           <a:xfrm flipH="1">
-            <a:off x="1728049" y="3971849"/>
+            <a:off x="2912081" y="4675161"/>
             <a:ext cx="806120" cy="266338"/>
           </a:xfrm>
           <a:prstGeom prst="straightConnector1">
@@ -6041,40 +9109,735 @@
           </a:fontRef>
         </p:style>
       </p:cxnSp>
+      <p:sp>
+        <p:nvSpPr>
+          <p:cNvPr id="4" name="TextBox 3">
+            <a:extLst>
+              <a:ext uri="{FF2B5EF4-FFF2-40B4-BE49-F238E27FC236}">
+                <a16:creationId xmlns:a16="http://schemas.microsoft.com/office/drawing/2014/main" id="{5516DDF8-FD1C-7BEE-2057-9AD360F6C450}"/>
+              </a:ext>
+            </a:extLst>
+          </p:cNvPr>
+          <p:cNvSpPr txBox="1"/>
+          <p:nvPr/>
+        </p:nvSpPr>
+        <p:spPr>
+          <a:xfrm>
+            <a:off x="135382" y="401313"/>
+            <a:ext cx="2921732" cy="2970044"/>
+          </a:xfrm>
+          <a:prstGeom prst="rect">
+            <a:avLst/>
+          </a:prstGeom>
+          <a:noFill/>
+          <a:ln>
+            <a:solidFill>
+              <a:schemeClr val="accent1"/>
+            </a:solidFill>
+          </a:ln>
+        </p:spPr>
+        <p:txBody>
+          <a:bodyPr wrap="square">
+            <a:spAutoFit/>
+          </a:bodyPr>
+          <a:lstStyle/>
+          <a:p>
+            <a:r>
+              <a:rPr lang="en-US" altLang="ko-KR" sz="1100" b="0" dirty="0">
+                <a:solidFill>
+                  <a:srgbClr val="0F4A85"/>
+                </a:solidFill>
+                <a:effectLst/>
+                <a:latin typeface="Consolas" panose="020B0609020204030204" pitchFamily="49" charset="0"/>
+              </a:rPr>
+              <a:t>class</a:t>
+            </a:r>
+            <a:r>
+              <a:rPr lang="en-US" altLang="ko-KR" sz="1100" b="0" dirty="0">
+                <a:solidFill>
+                  <a:srgbClr val="292929"/>
+                </a:solidFill>
+                <a:effectLst/>
+                <a:latin typeface="Consolas" panose="020B0609020204030204" pitchFamily="49" charset="0"/>
+              </a:rPr>
+              <a:t> </a:t>
+            </a:r>
+            <a:r>
+              <a:rPr lang="en-US" altLang="ko-KR" sz="1100" b="0" dirty="0">
+                <a:solidFill>
+                  <a:srgbClr val="185E73"/>
+                </a:solidFill>
+                <a:effectLst/>
+                <a:latin typeface="Consolas" panose="020B0609020204030204" pitchFamily="49" charset="0"/>
+              </a:rPr>
+              <a:t>Dog</a:t>
+            </a:r>
+            <a:r>
+              <a:rPr lang="en-US" altLang="ko-KR" sz="1100" b="0" dirty="0">
+                <a:solidFill>
+                  <a:srgbClr val="292929"/>
+                </a:solidFill>
+                <a:effectLst/>
+                <a:latin typeface="Consolas" panose="020B0609020204030204" pitchFamily="49" charset="0"/>
+              </a:rPr>
+              <a:t> </a:t>
+            </a:r>
+            <a:r>
+              <a:rPr lang="en-US" altLang="ko-KR" sz="1100" b="0" dirty="0">
+                <a:solidFill>
+                  <a:srgbClr val="0F4A85"/>
+                </a:solidFill>
+                <a:effectLst/>
+                <a:latin typeface="Consolas" panose="020B0609020204030204" pitchFamily="49" charset="0"/>
+              </a:rPr>
+              <a:t>with</a:t>
+            </a:r>
+            <a:r>
+              <a:rPr lang="en-US" altLang="ko-KR" sz="1100" b="0" dirty="0">
+                <a:solidFill>
+                  <a:srgbClr val="292929"/>
+                </a:solidFill>
+                <a:effectLst/>
+                <a:latin typeface="Consolas" panose="020B0609020204030204" pitchFamily="49" charset="0"/>
+              </a:rPr>
+              <a:t> </a:t>
+            </a:r>
+            <a:r>
+              <a:rPr lang="en-US" altLang="ko-KR" sz="1100" b="0" dirty="0">
+                <a:solidFill>
+                  <a:srgbClr val="185E73"/>
+                </a:solidFill>
+                <a:effectLst/>
+                <a:latin typeface="Consolas" panose="020B0609020204030204" pitchFamily="49" charset="0"/>
+              </a:rPr>
+              <a:t>ChangeNotifier</a:t>
+            </a:r>
+            <a:r>
+              <a:rPr lang="en-US" altLang="ko-KR" sz="1100" b="0" dirty="0">
+                <a:solidFill>
+                  <a:srgbClr val="292929"/>
+                </a:solidFill>
+                <a:effectLst/>
+                <a:latin typeface="Consolas" panose="020B0609020204030204" pitchFamily="49" charset="0"/>
+              </a:rPr>
+              <a:t> {</a:t>
+            </a:r>
+          </a:p>
+          <a:p>
+            <a:r>
+              <a:rPr lang="en-US" altLang="ko-KR" sz="1100" b="0" dirty="0">
+                <a:solidFill>
+                  <a:srgbClr val="292929"/>
+                </a:solidFill>
+                <a:effectLst/>
+                <a:latin typeface="Consolas" panose="020B0609020204030204" pitchFamily="49" charset="0"/>
+              </a:rPr>
+              <a:t>  </a:t>
+            </a:r>
+            <a:r>
+              <a:rPr lang="en-US" altLang="ko-KR" sz="1100" b="0" dirty="0">
+                <a:solidFill>
+                  <a:srgbClr val="185E73"/>
+                </a:solidFill>
+                <a:effectLst/>
+                <a:latin typeface="Consolas" panose="020B0609020204030204" pitchFamily="49" charset="0"/>
+              </a:rPr>
+              <a:t>String</a:t>
+            </a:r>
+            <a:r>
+              <a:rPr lang="en-US" altLang="ko-KR" sz="1100" b="0" dirty="0">
+                <a:solidFill>
+                  <a:srgbClr val="292929"/>
+                </a:solidFill>
+                <a:effectLst/>
+                <a:latin typeface="Consolas" panose="020B0609020204030204" pitchFamily="49" charset="0"/>
+              </a:rPr>
+              <a:t> name;</a:t>
+            </a:r>
+          </a:p>
+          <a:p>
+            <a:r>
+              <a:rPr lang="en-US" altLang="ko-KR" sz="1100" b="0" dirty="0">
+                <a:solidFill>
+                  <a:srgbClr val="292929"/>
+                </a:solidFill>
+                <a:effectLst/>
+                <a:latin typeface="Consolas" panose="020B0609020204030204" pitchFamily="49" charset="0"/>
+              </a:rPr>
+              <a:t>  </a:t>
+            </a:r>
+            <a:r>
+              <a:rPr lang="en-US" altLang="ko-KR" sz="1100" b="0" dirty="0">
+                <a:solidFill>
+                  <a:srgbClr val="185E73"/>
+                </a:solidFill>
+                <a:effectLst/>
+                <a:latin typeface="Consolas" panose="020B0609020204030204" pitchFamily="49" charset="0"/>
+              </a:rPr>
+              <a:t>String</a:t>
+            </a:r>
+            <a:r>
+              <a:rPr lang="en-US" altLang="ko-KR" sz="1100" b="0" dirty="0">
+                <a:solidFill>
+                  <a:srgbClr val="292929"/>
+                </a:solidFill>
+                <a:effectLst/>
+                <a:latin typeface="Consolas" panose="020B0609020204030204" pitchFamily="49" charset="0"/>
+              </a:rPr>
+              <a:t> breed;</a:t>
+            </a:r>
+          </a:p>
+          <a:p>
+            <a:r>
+              <a:rPr lang="en-US" altLang="ko-KR" sz="1100" b="0" dirty="0">
+                <a:solidFill>
+                  <a:srgbClr val="292929"/>
+                </a:solidFill>
+                <a:effectLst/>
+                <a:latin typeface="Consolas" panose="020B0609020204030204" pitchFamily="49" charset="0"/>
+              </a:rPr>
+              <a:t>  </a:t>
+            </a:r>
+            <a:r>
+              <a:rPr lang="en-US" altLang="ko-KR" sz="1100" b="0" dirty="0">
+                <a:solidFill>
+                  <a:srgbClr val="185E73"/>
+                </a:solidFill>
+                <a:effectLst/>
+                <a:latin typeface="Consolas" panose="020B0609020204030204" pitchFamily="49" charset="0"/>
+              </a:rPr>
+              <a:t>int</a:t>
+            </a:r>
+            <a:r>
+              <a:rPr lang="en-US" altLang="ko-KR" sz="1100" b="0" dirty="0">
+                <a:solidFill>
+                  <a:srgbClr val="292929"/>
+                </a:solidFill>
+                <a:effectLst/>
+                <a:latin typeface="Consolas" panose="020B0609020204030204" pitchFamily="49" charset="0"/>
+              </a:rPr>
+              <a:t> age;</a:t>
+            </a:r>
+          </a:p>
+          <a:p>
+            <a:r>
+              <a:rPr lang="en-US" altLang="ko-KR" sz="1100" b="0" dirty="0">
+                <a:solidFill>
+                  <a:srgbClr val="292929"/>
+                </a:solidFill>
+                <a:effectLst/>
+                <a:latin typeface="Consolas" panose="020B0609020204030204" pitchFamily="49" charset="0"/>
+              </a:rPr>
+              <a:t>  </a:t>
+            </a:r>
+            <a:r>
+              <a:rPr lang="en-US" altLang="ko-KR" sz="1100" b="0" dirty="0">
+                <a:solidFill>
+                  <a:srgbClr val="185E73"/>
+                </a:solidFill>
+                <a:effectLst/>
+                <a:latin typeface="Consolas" panose="020B0609020204030204" pitchFamily="49" charset="0"/>
+              </a:rPr>
+              <a:t>Dog</a:t>
+            </a:r>
+            <a:r>
+              <a:rPr lang="en-US" altLang="ko-KR" sz="1100" b="0" dirty="0">
+                <a:solidFill>
+                  <a:srgbClr val="292929"/>
+                </a:solidFill>
+                <a:effectLst/>
+                <a:latin typeface="Consolas" panose="020B0609020204030204" pitchFamily="49" charset="0"/>
+              </a:rPr>
+              <a:t>({</a:t>
+            </a:r>
+          </a:p>
+          <a:p>
+            <a:r>
+              <a:rPr lang="en-US" altLang="ko-KR" sz="1100" b="0" dirty="0">
+                <a:solidFill>
+                  <a:srgbClr val="292929"/>
+                </a:solidFill>
+                <a:effectLst/>
+                <a:latin typeface="Consolas" panose="020B0609020204030204" pitchFamily="49" charset="0"/>
+              </a:rPr>
+              <a:t>    </a:t>
+            </a:r>
+            <a:r>
+              <a:rPr lang="en-US" altLang="ko-KR" sz="1100" b="0" dirty="0">
+                <a:solidFill>
+                  <a:srgbClr val="0F4A85"/>
+                </a:solidFill>
+                <a:effectLst/>
+                <a:latin typeface="Consolas" panose="020B0609020204030204" pitchFamily="49" charset="0"/>
+              </a:rPr>
+              <a:t>required</a:t>
+            </a:r>
+            <a:r>
+              <a:rPr lang="en-US" altLang="ko-KR" sz="1100" b="0" dirty="0">
+                <a:solidFill>
+                  <a:srgbClr val="292929"/>
+                </a:solidFill>
+                <a:effectLst/>
+                <a:latin typeface="Consolas" panose="020B0609020204030204" pitchFamily="49" charset="0"/>
+              </a:rPr>
+              <a:t> </a:t>
+            </a:r>
+            <a:r>
+              <a:rPr lang="en-US" altLang="ko-KR" sz="1100" b="0" dirty="0">
+                <a:solidFill>
+                  <a:srgbClr val="0F4A85"/>
+                </a:solidFill>
+                <a:effectLst/>
+                <a:latin typeface="Consolas" panose="020B0609020204030204" pitchFamily="49" charset="0"/>
+              </a:rPr>
+              <a:t>this</a:t>
+            </a:r>
+            <a:r>
+              <a:rPr lang="en-US" altLang="ko-KR" sz="1100" b="0" dirty="0">
+                <a:solidFill>
+                  <a:srgbClr val="292929"/>
+                </a:solidFill>
+                <a:effectLst/>
+                <a:latin typeface="Consolas" panose="020B0609020204030204" pitchFamily="49" charset="0"/>
+              </a:rPr>
+              <a:t>.name,</a:t>
+            </a:r>
+          </a:p>
+          <a:p>
+            <a:r>
+              <a:rPr lang="en-US" altLang="ko-KR" sz="1100" b="0" dirty="0">
+                <a:solidFill>
+                  <a:srgbClr val="292929"/>
+                </a:solidFill>
+                <a:effectLst/>
+                <a:latin typeface="Consolas" panose="020B0609020204030204" pitchFamily="49" charset="0"/>
+              </a:rPr>
+              <a:t>    </a:t>
+            </a:r>
+            <a:r>
+              <a:rPr lang="en-US" altLang="ko-KR" sz="1100" b="0" dirty="0">
+                <a:solidFill>
+                  <a:srgbClr val="0F4A85"/>
+                </a:solidFill>
+                <a:effectLst/>
+                <a:latin typeface="Consolas" panose="020B0609020204030204" pitchFamily="49" charset="0"/>
+              </a:rPr>
+              <a:t>required</a:t>
+            </a:r>
+            <a:r>
+              <a:rPr lang="en-US" altLang="ko-KR" sz="1100" b="0" dirty="0">
+                <a:solidFill>
+                  <a:srgbClr val="292929"/>
+                </a:solidFill>
+                <a:effectLst/>
+                <a:latin typeface="Consolas" panose="020B0609020204030204" pitchFamily="49" charset="0"/>
+              </a:rPr>
+              <a:t> </a:t>
+            </a:r>
+            <a:r>
+              <a:rPr lang="en-US" altLang="ko-KR" sz="1100" b="0" dirty="0">
+                <a:solidFill>
+                  <a:srgbClr val="0F4A85"/>
+                </a:solidFill>
+                <a:effectLst/>
+                <a:latin typeface="Consolas" panose="020B0609020204030204" pitchFamily="49" charset="0"/>
+              </a:rPr>
+              <a:t>this</a:t>
+            </a:r>
+            <a:r>
+              <a:rPr lang="en-US" altLang="ko-KR" sz="1100" b="0" dirty="0">
+                <a:solidFill>
+                  <a:srgbClr val="292929"/>
+                </a:solidFill>
+                <a:effectLst/>
+                <a:latin typeface="Consolas" panose="020B0609020204030204" pitchFamily="49" charset="0"/>
+              </a:rPr>
+              <a:t>.breed,</a:t>
+            </a:r>
+          </a:p>
+          <a:p>
+            <a:r>
+              <a:rPr lang="en-US" altLang="ko-KR" sz="1100" b="0" dirty="0">
+                <a:solidFill>
+                  <a:srgbClr val="292929"/>
+                </a:solidFill>
+                <a:effectLst/>
+                <a:latin typeface="Consolas" panose="020B0609020204030204" pitchFamily="49" charset="0"/>
+              </a:rPr>
+              <a:t>    </a:t>
+            </a:r>
+            <a:r>
+              <a:rPr lang="en-US" altLang="ko-KR" sz="1100" b="0" dirty="0">
+                <a:solidFill>
+                  <a:srgbClr val="0F4A85"/>
+                </a:solidFill>
+                <a:effectLst/>
+                <a:latin typeface="Consolas" panose="020B0609020204030204" pitchFamily="49" charset="0"/>
+              </a:rPr>
+              <a:t>this</a:t>
+            </a:r>
+            <a:r>
+              <a:rPr lang="en-US" altLang="ko-KR" sz="1100" b="0" dirty="0">
+                <a:solidFill>
+                  <a:srgbClr val="292929"/>
+                </a:solidFill>
+                <a:effectLst/>
+                <a:latin typeface="Consolas" panose="020B0609020204030204" pitchFamily="49" charset="0"/>
+              </a:rPr>
+              <a:t>.age </a:t>
+            </a:r>
+            <a:r>
+              <a:rPr lang="en-US" altLang="ko-KR" sz="1100" b="0" dirty="0">
+                <a:solidFill>
+                  <a:srgbClr val="000000"/>
+                </a:solidFill>
+                <a:effectLst/>
+                <a:latin typeface="Consolas" panose="020B0609020204030204" pitchFamily="49" charset="0"/>
+              </a:rPr>
+              <a:t>=</a:t>
+            </a:r>
+            <a:r>
+              <a:rPr lang="en-US" altLang="ko-KR" sz="1100" b="0" dirty="0">
+                <a:solidFill>
+                  <a:srgbClr val="292929"/>
+                </a:solidFill>
+                <a:effectLst/>
+                <a:latin typeface="Consolas" panose="020B0609020204030204" pitchFamily="49" charset="0"/>
+              </a:rPr>
+              <a:t> </a:t>
+            </a:r>
+            <a:r>
+              <a:rPr lang="en-US" altLang="ko-KR" sz="1100" b="0" dirty="0">
+                <a:solidFill>
+                  <a:srgbClr val="096D48"/>
+                </a:solidFill>
+                <a:effectLst/>
+                <a:latin typeface="Consolas" panose="020B0609020204030204" pitchFamily="49" charset="0"/>
+              </a:rPr>
+              <a:t>1</a:t>
+            </a:r>
+            <a:r>
+              <a:rPr lang="en-US" altLang="ko-KR" sz="1100" b="0" dirty="0">
+                <a:solidFill>
+                  <a:srgbClr val="292929"/>
+                </a:solidFill>
+                <a:effectLst/>
+                <a:latin typeface="Consolas" panose="020B0609020204030204" pitchFamily="49" charset="0"/>
+              </a:rPr>
+              <a:t>,</a:t>
+            </a:r>
+          </a:p>
+          <a:p>
+            <a:r>
+              <a:rPr lang="en-US" altLang="ko-KR" sz="1100" b="0" dirty="0">
+                <a:solidFill>
+                  <a:srgbClr val="292929"/>
+                </a:solidFill>
+                <a:effectLst/>
+                <a:latin typeface="Consolas" panose="020B0609020204030204" pitchFamily="49" charset="0"/>
+              </a:rPr>
+              <a:t>  });</a:t>
+            </a:r>
+          </a:p>
+          <a:p>
+            <a:br>
+              <a:rPr lang="en-US" altLang="ko-KR" sz="1100" b="0" dirty="0">
+                <a:solidFill>
+                  <a:srgbClr val="292929"/>
+                </a:solidFill>
+                <a:effectLst/>
+                <a:latin typeface="Consolas" panose="020B0609020204030204" pitchFamily="49" charset="0"/>
+              </a:rPr>
+            </a:br>
+            <a:r>
+              <a:rPr lang="en-US" altLang="ko-KR" sz="1100" b="0" dirty="0">
+                <a:solidFill>
+                  <a:srgbClr val="292929"/>
+                </a:solidFill>
+                <a:effectLst/>
+                <a:latin typeface="Consolas" panose="020B0609020204030204" pitchFamily="49" charset="0"/>
+              </a:rPr>
+              <a:t>  </a:t>
+            </a:r>
+            <a:r>
+              <a:rPr lang="en-US" altLang="ko-KR" sz="1100" b="0" dirty="0">
+                <a:solidFill>
+                  <a:srgbClr val="0F4A85"/>
+                </a:solidFill>
+                <a:effectLst/>
+                <a:latin typeface="Consolas" panose="020B0609020204030204" pitchFamily="49" charset="0"/>
+              </a:rPr>
+              <a:t>void</a:t>
+            </a:r>
+            <a:r>
+              <a:rPr lang="en-US" altLang="ko-KR" sz="1100" b="0" dirty="0">
+                <a:solidFill>
+                  <a:srgbClr val="292929"/>
+                </a:solidFill>
+                <a:effectLst/>
+                <a:latin typeface="Consolas" panose="020B0609020204030204" pitchFamily="49" charset="0"/>
+              </a:rPr>
+              <a:t> </a:t>
+            </a:r>
+            <a:r>
+              <a:rPr lang="en-US" altLang="ko-KR" sz="1100" b="0" dirty="0">
+                <a:solidFill>
+                  <a:srgbClr val="5E2CBC"/>
+                </a:solidFill>
+                <a:effectLst/>
+                <a:latin typeface="Consolas" panose="020B0609020204030204" pitchFamily="49" charset="0"/>
+              </a:rPr>
+              <a:t>grow</a:t>
+            </a:r>
+            <a:r>
+              <a:rPr lang="en-US" altLang="ko-KR" sz="1100" b="0" dirty="0">
+                <a:solidFill>
+                  <a:srgbClr val="292929"/>
+                </a:solidFill>
+                <a:effectLst/>
+                <a:latin typeface="Consolas" panose="020B0609020204030204" pitchFamily="49" charset="0"/>
+              </a:rPr>
+              <a:t>() {</a:t>
+            </a:r>
+          </a:p>
+          <a:p>
+            <a:r>
+              <a:rPr lang="en-US" altLang="ko-KR" sz="1100" b="0" dirty="0">
+                <a:solidFill>
+                  <a:srgbClr val="292929"/>
+                </a:solidFill>
+                <a:effectLst/>
+                <a:latin typeface="Consolas" panose="020B0609020204030204" pitchFamily="49" charset="0"/>
+              </a:rPr>
+              <a:t>    age</a:t>
+            </a:r>
+            <a:r>
+              <a:rPr lang="en-US" altLang="ko-KR" sz="1100" b="0" dirty="0">
+                <a:solidFill>
+                  <a:srgbClr val="000000"/>
+                </a:solidFill>
+                <a:effectLst/>
+                <a:latin typeface="Consolas" panose="020B0609020204030204" pitchFamily="49" charset="0"/>
+              </a:rPr>
+              <a:t>++</a:t>
+            </a:r>
+            <a:r>
+              <a:rPr lang="en-US" altLang="ko-KR" sz="1100" b="0" dirty="0">
+                <a:solidFill>
+                  <a:srgbClr val="292929"/>
+                </a:solidFill>
+                <a:effectLst/>
+                <a:latin typeface="Consolas" panose="020B0609020204030204" pitchFamily="49" charset="0"/>
+              </a:rPr>
+              <a:t>;</a:t>
+            </a:r>
+          </a:p>
+          <a:p>
+            <a:r>
+              <a:rPr lang="en-US" altLang="ko-KR" sz="1100" b="0" dirty="0">
+                <a:solidFill>
+                  <a:srgbClr val="292929"/>
+                </a:solidFill>
+                <a:effectLst/>
+                <a:latin typeface="Consolas" panose="020B0609020204030204" pitchFamily="49" charset="0"/>
+              </a:rPr>
+              <a:t>    name </a:t>
+            </a:r>
+            <a:r>
+              <a:rPr lang="en-US" altLang="ko-KR" sz="1100" b="0" dirty="0">
+                <a:solidFill>
+                  <a:srgbClr val="000000"/>
+                </a:solidFill>
+                <a:effectLst/>
+                <a:latin typeface="Consolas" panose="020B0609020204030204" pitchFamily="49" charset="0"/>
+              </a:rPr>
+              <a:t>=</a:t>
+            </a:r>
+            <a:r>
+              <a:rPr lang="en-US" altLang="ko-KR" sz="1100" b="0" dirty="0">
+                <a:solidFill>
+                  <a:srgbClr val="292929"/>
+                </a:solidFill>
+                <a:effectLst/>
+                <a:latin typeface="Consolas" panose="020B0609020204030204" pitchFamily="49" charset="0"/>
+              </a:rPr>
+              <a:t> </a:t>
+            </a:r>
+            <a:r>
+              <a:rPr lang="en-US" altLang="ko-KR" sz="1100" b="0" dirty="0">
+                <a:solidFill>
+                  <a:srgbClr val="0F4A85"/>
+                </a:solidFill>
+                <a:effectLst/>
+                <a:latin typeface="Consolas" panose="020B0609020204030204" pitchFamily="49" charset="0"/>
+              </a:rPr>
+              <a:t>'dog05 _ $</a:t>
+            </a:r>
+            <a:r>
+              <a:rPr lang="en-US" altLang="ko-KR" sz="1100" b="0" dirty="0">
+                <a:solidFill>
+                  <a:srgbClr val="001080"/>
+                </a:solidFill>
+                <a:effectLst/>
+                <a:latin typeface="Consolas" panose="020B0609020204030204" pitchFamily="49" charset="0"/>
+              </a:rPr>
+              <a:t>age</a:t>
+            </a:r>
+            <a:r>
+              <a:rPr lang="en-US" altLang="ko-KR" sz="1100" b="0" dirty="0">
+                <a:solidFill>
+                  <a:srgbClr val="0F4A85"/>
+                </a:solidFill>
+                <a:effectLst/>
+                <a:latin typeface="Consolas" panose="020B0609020204030204" pitchFamily="49" charset="0"/>
+              </a:rPr>
+              <a:t>'</a:t>
+            </a:r>
+            <a:r>
+              <a:rPr lang="en-US" altLang="ko-KR" sz="1100" b="0" dirty="0">
+                <a:solidFill>
+                  <a:srgbClr val="292929"/>
+                </a:solidFill>
+                <a:effectLst/>
+                <a:latin typeface="Consolas" panose="020B0609020204030204" pitchFamily="49" charset="0"/>
+              </a:rPr>
+              <a:t>;</a:t>
+            </a:r>
+          </a:p>
+          <a:p>
+            <a:r>
+              <a:rPr lang="en-US" altLang="ko-KR" sz="1100" b="0" dirty="0">
+                <a:solidFill>
+                  <a:srgbClr val="292929"/>
+                </a:solidFill>
+                <a:effectLst/>
+                <a:latin typeface="Consolas" panose="020B0609020204030204" pitchFamily="49" charset="0"/>
+              </a:rPr>
+              <a:t>    breed </a:t>
+            </a:r>
+            <a:r>
+              <a:rPr lang="en-US" altLang="ko-KR" sz="1100" b="0" dirty="0">
+                <a:solidFill>
+                  <a:srgbClr val="000000"/>
+                </a:solidFill>
+                <a:effectLst/>
+                <a:latin typeface="Consolas" panose="020B0609020204030204" pitchFamily="49" charset="0"/>
+              </a:rPr>
+              <a:t>=</a:t>
+            </a:r>
+            <a:r>
+              <a:rPr lang="en-US" altLang="ko-KR" sz="1100" b="0" dirty="0">
+                <a:solidFill>
+                  <a:srgbClr val="292929"/>
+                </a:solidFill>
+                <a:effectLst/>
+                <a:latin typeface="Consolas" panose="020B0609020204030204" pitchFamily="49" charset="0"/>
+              </a:rPr>
+              <a:t> </a:t>
+            </a:r>
+            <a:r>
+              <a:rPr lang="en-US" altLang="ko-KR" sz="1100" b="0" dirty="0">
+                <a:solidFill>
+                  <a:srgbClr val="0F4A85"/>
+                </a:solidFill>
+                <a:effectLst/>
+                <a:latin typeface="Consolas" panose="020B0609020204030204" pitchFamily="49" charset="0"/>
+              </a:rPr>
+              <a:t>'bread05 _ $</a:t>
+            </a:r>
+            <a:r>
+              <a:rPr lang="en-US" altLang="ko-KR" sz="1100" b="0" dirty="0">
+                <a:solidFill>
+                  <a:srgbClr val="001080"/>
+                </a:solidFill>
+                <a:effectLst/>
+                <a:latin typeface="Consolas" panose="020B0609020204030204" pitchFamily="49" charset="0"/>
+              </a:rPr>
+              <a:t>age</a:t>
+            </a:r>
+            <a:r>
+              <a:rPr lang="en-US" altLang="ko-KR" sz="1100" b="0" dirty="0">
+                <a:solidFill>
+                  <a:srgbClr val="0F4A85"/>
+                </a:solidFill>
+                <a:effectLst/>
+                <a:latin typeface="Consolas" panose="020B0609020204030204" pitchFamily="49" charset="0"/>
+              </a:rPr>
+              <a:t>'</a:t>
+            </a:r>
+            <a:r>
+              <a:rPr lang="en-US" altLang="ko-KR" sz="1100" b="0" dirty="0">
+                <a:solidFill>
+                  <a:srgbClr val="292929"/>
+                </a:solidFill>
+                <a:effectLst/>
+                <a:latin typeface="Consolas" panose="020B0609020204030204" pitchFamily="49" charset="0"/>
+              </a:rPr>
+              <a:t>;</a:t>
+            </a:r>
+          </a:p>
+          <a:p>
+            <a:r>
+              <a:rPr lang="en-US" altLang="ko-KR" sz="1100" b="0" dirty="0">
+                <a:solidFill>
+                  <a:srgbClr val="292929"/>
+                </a:solidFill>
+                <a:effectLst/>
+                <a:latin typeface="Consolas" panose="020B0609020204030204" pitchFamily="49" charset="0"/>
+              </a:rPr>
+              <a:t>    </a:t>
+            </a:r>
+            <a:r>
+              <a:rPr lang="en-US" altLang="ko-KR" sz="1100" b="0" dirty="0">
+                <a:solidFill>
+                  <a:srgbClr val="5E2CBC"/>
+                </a:solidFill>
+                <a:effectLst/>
+                <a:latin typeface="Consolas" panose="020B0609020204030204" pitchFamily="49" charset="0"/>
+              </a:rPr>
+              <a:t>notifyListeners</a:t>
+            </a:r>
+            <a:r>
+              <a:rPr lang="en-US" altLang="ko-KR" sz="1100" b="0" dirty="0">
+                <a:solidFill>
+                  <a:srgbClr val="292929"/>
+                </a:solidFill>
+                <a:effectLst/>
+                <a:latin typeface="Consolas" panose="020B0609020204030204" pitchFamily="49" charset="0"/>
+              </a:rPr>
+              <a:t>();</a:t>
+            </a:r>
+          </a:p>
+          <a:p>
+            <a:r>
+              <a:rPr lang="en-US" altLang="ko-KR" sz="1100" b="0" dirty="0">
+                <a:solidFill>
+                  <a:srgbClr val="292929"/>
+                </a:solidFill>
+                <a:effectLst/>
+                <a:latin typeface="Consolas" panose="020B0609020204030204" pitchFamily="49" charset="0"/>
+              </a:rPr>
+              <a:t>  }</a:t>
+            </a:r>
+          </a:p>
+          <a:p>
+            <a:r>
+              <a:rPr lang="en-US" altLang="ko-KR" sz="1100" b="0" dirty="0">
+                <a:solidFill>
+                  <a:srgbClr val="292929"/>
+                </a:solidFill>
+                <a:effectLst/>
+                <a:latin typeface="Consolas" panose="020B0609020204030204" pitchFamily="49" charset="0"/>
+              </a:rPr>
+              <a:t>}</a:t>
+            </a:r>
+          </a:p>
+        </p:txBody>
+      </p:sp>
     </p:spTree>
     <p:extLst>
       <p:ext uri="{BB962C8B-B14F-4D97-AF65-F5344CB8AC3E}">
         <p14:creationId xmlns:p14="http://schemas.microsoft.com/office/powerpoint/2010/main" val="4226569168"/>
-      </p:ext>
-    </p:extLst>
-  </p:cSld>
-  <p:clrMapOvr>
-    <a:masterClrMapping/>
-  </p:clrMapOvr>
-</p:sld>
-</file>
-
-<file path=ppt/slides/slide2.xml><?xml version="1.0" encoding="utf-8"?>
-<p:sld xmlns:a="http://schemas.openxmlformats.org/drawingml/2006/main" xmlns:r="http://schemas.openxmlformats.org/officeDocument/2006/relationships" xmlns:p="http://schemas.openxmlformats.org/presentationml/2006/main">
-  <p:cSld>
-    <p:spTree>
-      <p:nvGrpSpPr>
-        <p:cNvPr id="1" name=""/>
-        <p:cNvGrpSpPr/>
-        <p:nvPr/>
-      </p:nvGrpSpPr>
-      <p:grpSpPr>
-        <a:xfrm>
-          <a:off x="0" y="0"/>
-          <a:ext cx="0" cy="0"/>
-          <a:chOff x="0" y="0"/>
-          <a:chExt cx="0" cy="0"/>
-        </a:xfrm>
-      </p:grpSpPr>
-    </p:spTree>
-    <p:extLst>
-      <p:ext uri="{BB962C8B-B14F-4D97-AF65-F5344CB8AC3E}">
-        <p14:creationId xmlns:p14="http://schemas.microsoft.com/office/powerpoint/2010/main" val="1362349775"/>
       </p:ext>
     </p:extLst>
   </p:cSld>

--- a/provider_pattern_udemy/ProviderPatterUdemy.pptx
+++ b/provider_pattern_udemy/ProviderPatterUdemy.pptx
@@ -6,8 +6,8 @@
   </p:sldMasterIdLst>
   <p:sldIdLst>
     <p:sldId id="257" r:id="rId2"/>
-    <p:sldId id="256" r:id="rId3"/>
-    <p:sldId id="258" r:id="rId4"/>
+    <p:sldId id="258" r:id="rId3"/>
+    <p:sldId id="256" r:id="rId4"/>
     <p:sldId id="259" r:id="rId5"/>
     <p:sldId id="260" r:id="rId6"/>
     <p:sldId id="261" r:id="rId7"/>
@@ -3942,17 +3942,7 @@
                 <a:effectLst/>
                 <a:latin typeface="Consolas" panose="020B0609020204030204" pitchFamily="49" charset="0"/>
               </a:rPr>
-              <a:t>//</a:t>
-            </a:r>
-            <a:r>
-              <a:rPr lang="en-US" altLang="ko-KR" sz="1100" b="0" dirty="0" err="1">
-                <a:solidFill>
-                  <a:srgbClr val="515151"/>
-                </a:solidFill>
-                <a:effectLst/>
-                <a:latin typeface="Consolas" panose="020B0609020204030204" pitchFamily="49" charset="0"/>
-              </a:rPr>
-              <a:t>default:true</a:t>
+              <a:t>//default:true</a:t>
             </a:r>
             <a:endParaRPr lang="en-US" altLang="ko-KR" sz="1100" b="0" dirty="0">
               <a:solidFill>
@@ -6379,6 +6369,2321 @@
 </file>
 
 <file path=ppt/slides/slide2.xml><?xml version="1.0" encoding="utf-8"?>
+<p:sld xmlns:a="http://schemas.openxmlformats.org/drawingml/2006/main" xmlns:r="http://schemas.openxmlformats.org/officeDocument/2006/relationships" xmlns:p="http://schemas.openxmlformats.org/presentationml/2006/main">
+  <p:cSld>
+    <p:spTree>
+      <p:nvGrpSpPr>
+        <p:cNvPr id="1" name=""/>
+        <p:cNvGrpSpPr/>
+        <p:nvPr/>
+      </p:nvGrpSpPr>
+      <p:grpSpPr>
+        <a:xfrm>
+          <a:off x="0" y="0"/>
+          <a:ext cx="0" cy="0"/>
+          <a:chOff x="0" y="0"/>
+          <a:chExt cx="0" cy="0"/>
+        </a:xfrm>
+      </p:grpSpPr>
+      <p:sp>
+        <p:nvSpPr>
+          <p:cNvPr id="2" name="TextBox 1">
+            <a:extLst>
+              <a:ext uri="{FF2B5EF4-FFF2-40B4-BE49-F238E27FC236}">
+                <a16:creationId xmlns:a16="http://schemas.microsoft.com/office/drawing/2014/main" id="{FDC041BA-C132-B3FD-FFDD-64306D74D93D}"/>
+              </a:ext>
+            </a:extLst>
+          </p:cNvPr>
+          <p:cNvSpPr txBox="1"/>
+          <p:nvPr/>
+        </p:nvSpPr>
+        <p:spPr>
+          <a:xfrm>
+            <a:off x="10160" y="13454"/>
+            <a:ext cx="6096000" cy="276999"/>
+          </a:xfrm>
+          <a:prstGeom prst="rect">
+            <a:avLst/>
+          </a:prstGeom>
+          <a:noFill/>
+        </p:spPr>
+        <p:txBody>
+          <a:bodyPr wrap="square">
+            <a:spAutoFit/>
+          </a:bodyPr>
+          <a:lstStyle/>
+          <a:p>
+            <a:r>
+              <a:rPr lang="en-US" altLang="ko-KR" sz="1200" dirty="0"/>
+              <a:t>step3_ChangeNotifier</a:t>
+            </a:r>
+            <a:endParaRPr lang="ko-KR" altLang="en-US" sz="1200" dirty="0"/>
+          </a:p>
+        </p:txBody>
+      </p:sp>
+      <p:cxnSp>
+        <p:nvCxnSpPr>
+          <p:cNvPr id="3" name="직선 연결선 2">
+            <a:extLst>
+              <a:ext uri="{FF2B5EF4-FFF2-40B4-BE49-F238E27FC236}">
+                <a16:creationId xmlns:a16="http://schemas.microsoft.com/office/drawing/2014/main" id="{50BB281B-9FE4-A6C8-F065-EA279DB29717}"/>
+              </a:ext>
+            </a:extLst>
+          </p:cNvPr>
+          <p:cNvCxnSpPr/>
+          <p:nvPr/>
+        </p:nvCxnSpPr>
+        <p:spPr>
+          <a:xfrm>
+            <a:off x="0" y="290453"/>
+            <a:ext cx="12192000" cy="0"/>
+          </a:xfrm>
+          <a:prstGeom prst="line">
+            <a:avLst/>
+          </a:prstGeom>
+        </p:spPr>
+        <p:style>
+          <a:lnRef idx="1">
+            <a:schemeClr val="accent1"/>
+          </a:lnRef>
+          <a:fillRef idx="0">
+            <a:schemeClr val="accent1"/>
+          </a:fillRef>
+          <a:effectRef idx="0">
+            <a:schemeClr val="accent1"/>
+          </a:effectRef>
+          <a:fontRef idx="minor">
+            <a:schemeClr val="tx1"/>
+          </a:fontRef>
+        </p:style>
+      </p:cxnSp>
+      <p:sp>
+        <p:nvSpPr>
+          <p:cNvPr id="4" name="TextBox 3">
+            <a:extLst>
+              <a:ext uri="{FF2B5EF4-FFF2-40B4-BE49-F238E27FC236}">
+                <a16:creationId xmlns:a16="http://schemas.microsoft.com/office/drawing/2014/main" id="{8D65B9DB-AC26-3055-99F9-15F9A412F6E9}"/>
+              </a:ext>
+            </a:extLst>
+          </p:cNvPr>
+          <p:cNvSpPr txBox="1"/>
+          <p:nvPr/>
+        </p:nvSpPr>
+        <p:spPr>
+          <a:xfrm>
+            <a:off x="135382" y="401313"/>
+            <a:ext cx="2921732" cy="2800767"/>
+          </a:xfrm>
+          <a:prstGeom prst="rect">
+            <a:avLst/>
+          </a:prstGeom>
+          <a:noFill/>
+          <a:ln>
+            <a:solidFill>
+              <a:schemeClr val="accent1"/>
+            </a:solidFill>
+          </a:ln>
+        </p:spPr>
+        <p:txBody>
+          <a:bodyPr wrap="square">
+            <a:spAutoFit/>
+          </a:bodyPr>
+          <a:lstStyle/>
+          <a:p>
+            <a:r>
+              <a:rPr lang="en-US" altLang="ko-KR" sz="1100" b="0" dirty="0">
+                <a:solidFill>
+                  <a:srgbClr val="0F4A85"/>
+                </a:solidFill>
+                <a:effectLst/>
+                <a:latin typeface="Consolas" panose="020B0609020204030204" pitchFamily="49" charset="0"/>
+              </a:rPr>
+              <a:t>class</a:t>
+            </a:r>
+            <a:r>
+              <a:rPr lang="en-US" altLang="ko-KR" sz="1100" b="0" dirty="0">
+                <a:solidFill>
+                  <a:srgbClr val="292929"/>
+                </a:solidFill>
+                <a:effectLst/>
+                <a:latin typeface="Consolas" panose="020B0609020204030204" pitchFamily="49" charset="0"/>
+              </a:rPr>
+              <a:t> </a:t>
+            </a:r>
+            <a:r>
+              <a:rPr lang="en-US" altLang="ko-KR" sz="1100" b="0" dirty="0">
+                <a:solidFill>
+                  <a:srgbClr val="185E73"/>
+                </a:solidFill>
+                <a:effectLst/>
+                <a:latin typeface="Consolas" panose="020B0609020204030204" pitchFamily="49" charset="0"/>
+              </a:rPr>
+              <a:t>Dog</a:t>
+            </a:r>
+            <a:r>
+              <a:rPr lang="en-US" altLang="ko-KR" sz="1100" b="0" dirty="0">
+                <a:solidFill>
+                  <a:srgbClr val="292929"/>
+                </a:solidFill>
+                <a:effectLst/>
+                <a:latin typeface="Consolas" panose="020B0609020204030204" pitchFamily="49" charset="0"/>
+              </a:rPr>
+              <a:t> </a:t>
+            </a:r>
+            <a:r>
+              <a:rPr lang="en-US" altLang="ko-KR" sz="1100" b="0" dirty="0">
+                <a:solidFill>
+                  <a:srgbClr val="0F4A85"/>
+                </a:solidFill>
+                <a:effectLst/>
+                <a:latin typeface="Consolas" panose="020B0609020204030204" pitchFamily="49" charset="0"/>
+              </a:rPr>
+              <a:t>with</a:t>
+            </a:r>
+            <a:r>
+              <a:rPr lang="en-US" altLang="ko-KR" sz="1100" b="0" dirty="0">
+                <a:solidFill>
+                  <a:srgbClr val="292929"/>
+                </a:solidFill>
+                <a:effectLst/>
+                <a:latin typeface="Consolas" panose="020B0609020204030204" pitchFamily="49" charset="0"/>
+              </a:rPr>
+              <a:t> </a:t>
+            </a:r>
+            <a:r>
+              <a:rPr lang="en-US" altLang="ko-KR" sz="1100" b="0" dirty="0">
+                <a:solidFill>
+                  <a:srgbClr val="185E73"/>
+                </a:solidFill>
+                <a:effectLst/>
+                <a:latin typeface="Consolas" panose="020B0609020204030204" pitchFamily="49" charset="0"/>
+              </a:rPr>
+              <a:t>ChangeNotifier</a:t>
+            </a:r>
+            <a:r>
+              <a:rPr lang="en-US" altLang="ko-KR" sz="1100" b="0" dirty="0">
+                <a:solidFill>
+                  <a:srgbClr val="292929"/>
+                </a:solidFill>
+                <a:effectLst/>
+                <a:latin typeface="Consolas" panose="020B0609020204030204" pitchFamily="49" charset="0"/>
+              </a:rPr>
+              <a:t> {</a:t>
+            </a:r>
+          </a:p>
+          <a:p>
+            <a:r>
+              <a:rPr lang="en-US" altLang="ko-KR" sz="1100" b="0" dirty="0">
+                <a:solidFill>
+                  <a:srgbClr val="292929"/>
+                </a:solidFill>
+                <a:effectLst/>
+                <a:latin typeface="Consolas" panose="020B0609020204030204" pitchFamily="49" charset="0"/>
+              </a:rPr>
+              <a:t>  </a:t>
+            </a:r>
+            <a:r>
+              <a:rPr lang="en-US" altLang="ko-KR" sz="1100" b="0" dirty="0">
+                <a:solidFill>
+                  <a:srgbClr val="0F4A85"/>
+                </a:solidFill>
+                <a:effectLst/>
+                <a:latin typeface="Consolas" panose="020B0609020204030204" pitchFamily="49" charset="0"/>
+              </a:rPr>
+              <a:t>final</a:t>
+            </a:r>
+            <a:r>
+              <a:rPr lang="en-US" altLang="ko-KR" sz="1100" b="0" dirty="0">
+                <a:solidFill>
+                  <a:srgbClr val="292929"/>
+                </a:solidFill>
+                <a:effectLst/>
+                <a:latin typeface="Consolas" panose="020B0609020204030204" pitchFamily="49" charset="0"/>
+              </a:rPr>
+              <a:t> </a:t>
+            </a:r>
+            <a:r>
+              <a:rPr lang="en-US" altLang="ko-KR" sz="1100" b="0" dirty="0">
+                <a:solidFill>
+                  <a:srgbClr val="185E73"/>
+                </a:solidFill>
+                <a:effectLst/>
+                <a:latin typeface="Consolas" panose="020B0609020204030204" pitchFamily="49" charset="0"/>
+              </a:rPr>
+              <a:t>String</a:t>
+            </a:r>
+            <a:r>
+              <a:rPr lang="en-US" altLang="ko-KR" sz="1100" b="0" dirty="0">
+                <a:solidFill>
+                  <a:srgbClr val="292929"/>
+                </a:solidFill>
+                <a:effectLst/>
+                <a:latin typeface="Consolas" panose="020B0609020204030204" pitchFamily="49" charset="0"/>
+              </a:rPr>
+              <a:t> name;</a:t>
+            </a:r>
+          </a:p>
+          <a:p>
+            <a:r>
+              <a:rPr lang="en-US" altLang="ko-KR" sz="1100" b="0" dirty="0">
+                <a:solidFill>
+                  <a:srgbClr val="292929"/>
+                </a:solidFill>
+                <a:effectLst/>
+                <a:latin typeface="Consolas" panose="020B0609020204030204" pitchFamily="49" charset="0"/>
+              </a:rPr>
+              <a:t>  </a:t>
+            </a:r>
+            <a:r>
+              <a:rPr lang="en-US" altLang="ko-KR" sz="1100" b="0" dirty="0">
+                <a:solidFill>
+                  <a:srgbClr val="0F4A85"/>
+                </a:solidFill>
+                <a:effectLst/>
+                <a:latin typeface="Consolas" panose="020B0609020204030204" pitchFamily="49" charset="0"/>
+              </a:rPr>
+              <a:t>final</a:t>
+            </a:r>
+            <a:r>
+              <a:rPr lang="en-US" altLang="ko-KR" sz="1100" b="0" dirty="0">
+                <a:solidFill>
+                  <a:srgbClr val="292929"/>
+                </a:solidFill>
+                <a:effectLst/>
+                <a:latin typeface="Consolas" panose="020B0609020204030204" pitchFamily="49" charset="0"/>
+              </a:rPr>
+              <a:t> </a:t>
+            </a:r>
+            <a:r>
+              <a:rPr lang="en-US" altLang="ko-KR" sz="1100" b="0" dirty="0">
+                <a:solidFill>
+                  <a:srgbClr val="185E73"/>
+                </a:solidFill>
+                <a:effectLst/>
+                <a:latin typeface="Consolas" panose="020B0609020204030204" pitchFamily="49" charset="0"/>
+              </a:rPr>
+              <a:t>String</a:t>
+            </a:r>
+            <a:r>
+              <a:rPr lang="en-US" altLang="ko-KR" sz="1100" b="0" dirty="0">
+                <a:solidFill>
+                  <a:srgbClr val="292929"/>
+                </a:solidFill>
+                <a:effectLst/>
+                <a:latin typeface="Consolas" panose="020B0609020204030204" pitchFamily="49" charset="0"/>
+              </a:rPr>
+              <a:t> breed;</a:t>
+            </a:r>
+          </a:p>
+          <a:p>
+            <a:r>
+              <a:rPr lang="en-US" altLang="ko-KR" sz="1100" b="0" dirty="0">
+                <a:solidFill>
+                  <a:srgbClr val="292929"/>
+                </a:solidFill>
+                <a:effectLst/>
+                <a:latin typeface="Consolas" panose="020B0609020204030204" pitchFamily="49" charset="0"/>
+              </a:rPr>
+              <a:t>  </a:t>
+            </a:r>
+            <a:r>
+              <a:rPr lang="en-US" altLang="ko-KR" sz="1100" b="0" dirty="0">
+                <a:solidFill>
+                  <a:srgbClr val="185E73"/>
+                </a:solidFill>
+                <a:effectLst/>
+                <a:latin typeface="Consolas" panose="020B0609020204030204" pitchFamily="49" charset="0"/>
+              </a:rPr>
+              <a:t>int</a:t>
+            </a:r>
+            <a:r>
+              <a:rPr lang="en-US" altLang="ko-KR" sz="1100" b="0" dirty="0">
+                <a:solidFill>
+                  <a:srgbClr val="292929"/>
+                </a:solidFill>
+                <a:effectLst/>
+                <a:latin typeface="Consolas" panose="020B0609020204030204" pitchFamily="49" charset="0"/>
+              </a:rPr>
+              <a:t> age;</a:t>
+            </a:r>
+          </a:p>
+          <a:p>
+            <a:r>
+              <a:rPr lang="en-US" altLang="ko-KR" sz="1100" b="0" dirty="0">
+                <a:solidFill>
+                  <a:srgbClr val="292929"/>
+                </a:solidFill>
+                <a:effectLst/>
+                <a:latin typeface="Consolas" panose="020B0609020204030204" pitchFamily="49" charset="0"/>
+              </a:rPr>
+              <a:t>  </a:t>
+            </a:r>
+            <a:r>
+              <a:rPr lang="en-US" altLang="ko-KR" sz="1100" b="0" dirty="0">
+                <a:solidFill>
+                  <a:srgbClr val="185E73"/>
+                </a:solidFill>
+                <a:effectLst/>
+                <a:latin typeface="Consolas" panose="020B0609020204030204" pitchFamily="49" charset="0"/>
+              </a:rPr>
+              <a:t>Dog</a:t>
+            </a:r>
+            <a:r>
+              <a:rPr lang="en-US" altLang="ko-KR" sz="1100" b="0" dirty="0">
+                <a:solidFill>
+                  <a:srgbClr val="292929"/>
+                </a:solidFill>
+                <a:effectLst/>
+                <a:latin typeface="Consolas" panose="020B0609020204030204" pitchFamily="49" charset="0"/>
+              </a:rPr>
+              <a:t>({</a:t>
+            </a:r>
+          </a:p>
+          <a:p>
+            <a:r>
+              <a:rPr lang="en-US" altLang="ko-KR" sz="1100" b="0" dirty="0">
+                <a:solidFill>
+                  <a:srgbClr val="292929"/>
+                </a:solidFill>
+                <a:effectLst/>
+                <a:latin typeface="Consolas" panose="020B0609020204030204" pitchFamily="49" charset="0"/>
+              </a:rPr>
+              <a:t>    </a:t>
+            </a:r>
+            <a:r>
+              <a:rPr lang="en-US" altLang="ko-KR" sz="1100" b="0" dirty="0">
+                <a:solidFill>
+                  <a:srgbClr val="0F4A85"/>
+                </a:solidFill>
+                <a:effectLst/>
+                <a:latin typeface="Consolas" panose="020B0609020204030204" pitchFamily="49" charset="0"/>
+              </a:rPr>
+              <a:t>required</a:t>
+            </a:r>
+            <a:r>
+              <a:rPr lang="en-US" altLang="ko-KR" sz="1100" b="0" dirty="0">
+                <a:solidFill>
+                  <a:srgbClr val="292929"/>
+                </a:solidFill>
+                <a:effectLst/>
+                <a:latin typeface="Consolas" panose="020B0609020204030204" pitchFamily="49" charset="0"/>
+              </a:rPr>
+              <a:t> </a:t>
+            </a:r>
+            <a:r>
+              <a:rPr lang="en-US" altLang="ko-KR" sz="1100" b="0" dirty="0">
+                <a:solidFill>
+                  <a:srgbClr val="0F4A85"/>
+                </a:solidFill>
+                <a:effectLst/>
+                <a:latin typeface="Consolas" panose="020B0609020204030204" pitchFamily="49" charset="0"/>
+              </a:rPr>
+              <a:t>this</a:t>
+            </a:r>
+            <a:r>
+              <a:rPr lang="en-US" altLang="ko-KR" sz="1100" b="0" dirty="0">
+                <a:solidFill>
+                  <a:srgbClr val="292929"/>
+                </a:solidFill>
+                <a:effectLst/>
+                <a:latin typeface="Consolas" panose="020B0609020204030204" pitchFamily="49" charset="0"/>
+              </a:rPr>
+              <a:t>.name,</a:t>
+            </a:r>
+          </a:p>
+          <a:p>
+            <a:r>
+              <a:rPr lang="en-US" altLang="ko-KR" sz="1100" b="0" dirty="0">
+                <a:solidFill>
+                  <a:srgbClr val="292929"/>
+                </a:solidFill>
+                <a:effectLst/>
+                <a:latin typeface="Consolas" panose="020B0609020204030204" pitchFamily="49" charset="0"/>
+              </a:rPr>
+              <a:t>    </a:t>
+            </a:r>
+            <a:r>
+              <a:rPr lang="en-US" altLang="ko-KR" sz="1100" b="0" dirty="0">
+                <a:solidFill>
+                  <a:srgbClr val="0F4A85"/>
+                </a:solidFill>
+                <a:effectLst/>
+                <a:latin typeface="Consolas" panose="020B0609020204030204" pitchFamily="49" charset="0"/>
+              </a:rPr>
+              <a:t>required</a:t>
+            </a:r>
+            <a:r>
+              <a:rPr lang="en-US" altLang="ko-KR" sz="1100" b="0" dirty="0">
+                <a:solidFill>
+                  <a:srgbClr val="292929"/>
+                </a:solidFill>
+                <a:effectLst/>
+                <a:latin typeface="Consolas" panose="020B0609020204030204" pitchFamily="49" charset="0"/>
+              </a:rPr>
+              <a:t> </a:t>
+            </a:r>
+            <a:r>
+              <a:rPr lang="en-US" altLang="ko-KR" sz="1100" b="0" dirty="0">
+                <a:solidFill>
+                  <a:srgbClr val="0F4A85"/>
+                </a:solidFill>
+                <a:effectLst/>
+                <a:latin typeface="Consolas" panose="020B0609020204030204" pitchFamily="49" charset="0"/>
+              </a:rPr>
+              <a:t>this</a:t>
+            </a:r>
+            <a:r>
+              <a:rPr lang="en-US" altLang="ko-KR" sz="1100" b="0" dirty="0">
+                <a:solidFill>
+                  <a:srgbClr val="292929"/>
+                </a:solidFill>
+                <a:effectLst/>
+                <a:latin typeface="Consolas" panose="020B0609020204030204" pitchFamily="49" charset="0"/>
+              </a:rPr>
+              <a:t>.breed,</a:t>
+            </a:r>
+          </a:p>
+          <a:p>
+            <a:r>
+              <a:rPr lang="en-US" altLang="ko-KR" sz="1100" b="0" dirty="0">
+                <a:solidFill>
+                  <a:srgbClr val="292929"/>
+                </a:solidFill>
+                <a:effectLst/>
+                <a:latin typeface="Consolas" panose="020B0609020204030204" pitchFamily="49" charset="0"/>
+              </a:rPr>
+              <a:t>    </a:t>
+            </a:r>
+            <a:r>
+              <a:rPr lang="en-US" altLang="ko-KR" sz="1100" b="0" dirty="0">
+                <a:solidFill>
+                  <a:srgbClr val="0F4A85"/>
+                </a:solidFill>
+                <a:effectLst/>
+                <a:latin typeface="Consolas" panose="020B0609020204030204" pitchFamily="49" charset="0"/>
+              </a:rPr>
+              <a:t>this</a:t>
+            </a:r>
+            <a:r>
+              <a:rPr lang="en-US" altLang="ko-KR" sz="1100" b="0" dirty="0">
+                <a:solidFill>
+                  <a:srgbClr val="292929"/>
+                </a:solidFill>
+                <a:effectLst/>
+                <a:latin typeface="Consolas" panose="020B0609020204030204" pitchFamily="49" charset="0"/>
+              </a:rPr>
+              <a:t>.age </a:t>
+            </a:r>
+            <a:r>
+              <a:rPr lang="en-US" altLang="ko-KR" sz="1100" b="0" dirty="0">
+                <a:solidFill>
+                  <a:srgbClr val="000000"/>
+                </a:solidFill>
+                <a:effectLst/>
+                <a:latin typeface="Consolas" panose="020B0609020204030204" pitchFamily="49" charset="0"/>
+              </a:rPr>
+              <a:t>=</a:t>
+            </a:r>
+            <a:r>
+              <a:rPr lang="en-US" altLang="ko-KR" sz="1100" b="0" dirty="0">
+                <a:solidFill>
+                  <a:srgbClr val="292929"/>
+                </a:solidFill>
+                <a:effectLst/>
+                <a:latin typeface="Consolas" panose="020B0609020204030204" pitchFamily="49" charset="0"/>
+              </a:rPr>
+              <a:t> </a:t>
+            </a:r>
+            <a:r>
+              <a:rPr lang="en-US" altLang="ko-KR" sz="1100" b="0" dirty="0">
+                <a:solidFill>
+                  <a:srgbClr val="096D48"/>
+                </a:solidFill>
+                <a:effectLst/>
+                <a:latin typeface="Consolas" panose="020B0609020204030204" pitchFamily="49" charset="0"/>
+              </a:rPr>
+              <a:t>1</a:t>
+            </a:r>
+            <a:r>
+              <a:rPr lang="en-US" altLang="ko-KR" sz="1100" b="0" dirty="0">
+                <a:solidFill>
+                  <a:srgbClr val="292929"/>
+                </a:solidFill>
+                <a:effectLst/>
+                <a:latin typeface="Consolas" panose="020B0609020204030204" pitchFamily="49" charset="0"/>
+              </a:rPr>
+              <a:t>,</a:t>
+            </a:r>
+          </a:p>
+          <a:p>
+            <a:r>
+              <a:rPr lang="en-US" altLang="ko-KR" sz="1100" b="0" dirty="0">
+                <a:solidFill>
+                  <a:srgbClr val="292929"/>
+                </a:solidFill>
+                <a:effectLst/>
+                <a:latin typeface="Consolas" panose="020B0609020204030204" pitchFamily="49" charset="0"/>
+              </a:rPr>
+              <a:t>  });</a:t>
+            </a:r>
+          </a:p>
+          <a:p>
+            <a:br>
+              <a:rPr lang="en-US" altLang="ko-KR" sz="1100" b="0" dirty="0">
+                <a:solidFill>
+                  <a:srgbClr val="292929"/>
+                </a:solidFill>
+                <a:effectLst/>
+                <a:latin typeface="Consolas" panose="020B0609020204030204" pitchFamily="49" charset="0"/>
+              </a:rPr>
+            </a:br>
+            <a:r>
+              <a:rPr lang="en-US" altLang="ko-KR" sz="1100" b="0" dirty="0">
+                <a:solidFill>
+                  <a:srgbClr val="292929"/>
+                </a:solidFill>
+                <a:effectLst/>
+                <a:latin typeface="Consolas" panose="020B0609020204030204" pitchFamily="49" charset="0"/>
+              </a:rPr>
+              <a:t>  </a:t>
+            </a:r>
+            <a:r>
+              <a:rPr lang="en-US" altLang="ko-KR" sz="1100" b="0" dirty="0">
+                <a:solidFill>
+                  <a:srgbClr val="0F4A85"/>
+                </a:solidFill>
+                <a:effectLst/>
+                <a:latin typeface="Consolas" panose="020B0609020204030204" pitchFamily="49" charset="0"/>
+              </a:rPr>
+              <a:t>void</a:t>
+            </a:r>
+            <a:r>
+              <a:rPr lang="en-US" altLang="ko-KR" sz="1100" b="0" dirty="0">
+                <a:solidFill>
+                  <a:srgbClr val="292929"/>
+                </a:solidFill>
+                <a:effectLst/>
+                <a:latin typeface="Consolas" panose="020B0609020204030204" pitchFamily="49" charset="0"/>
+              </a:rPr>
+              <a:t> </a:t>
+            </a:r>
+            <a:r>
+              <a:rPr lang="en-US" altLang="ko-KR" sz="1100" b="0" dirty="0">
+                <a:solidFill>
+                  <a:srgbClr val="5E2CBC"/>
+                </a:solidFill>
+                <a:effectLst/>
+                <a:latin typeface="Consolas" panose="020B0609020204030204" pitchFamily="49" charset="0"/>
+              </a:rPr>
+              <a:t>grow</a:t>
+            </a:r>
+            <a:r>
+              <a:rPr lang="en-US" altLang="ko-KR" sz="1100" b="0" dirty="0">
+                <a:solidFill>
+                  <a:srgbClr val="292929"/>
+                </a:solidFill>
+                <a:effectLst/>
+                <a:latin typeface="Consolas" panose="020B0609020204030204" pitchFamily="49" charset="0"/>
+              </a:rPr>
+              <a:t>() {</a:t>
+            </a:r>
+          </a:p>
+          <a:p>
+            <a:r>
+              <a:rPr lang="en-US" altLang="ko-KR" sz="1100" b="0" dirty="0">
+                <a:solidFill>
+                  <a:srgbClr val="292929"/>
+                </a:solidFill>
+                <a:effectLst/>
+                <a:latin typeface="Consolas" panose="020B0609020204030204" pitchFamily="49" charset="0"/>
+              </a:rPr>
+              <a:t>    age</a:t>
+            </a:r>
+            <a:r>
+              <a:rPr lang="en-US" altLang="ko-KR" sz="1100" b="0" dirty="0">
+                <a:solidFill>
+                  <a:srgbClr val="000000"/>
+                </a:solidFill>
+                <a:effectLst/>
+                <a:latin typeface="Consolas" panose="020B0609020204030204" pitchFamily="49" charset="0"/>
+              </a:rPr>
+              <a:t>++</a:t>
+            </a:r>
+            <a:r>
+              <a:rPr lang="en-US" altLang="ko-KR" sz="1100" b="0" dirty="0">
+                <a:solidFill>
+                  <a:srgbClr val="292929"/>
+                </a:solidFill>
+                <a:effectLst/>
+                <a:latin typeface="Consolas" panose="020B0609020204030204" pitchFamily="49" charset="0"/>
+              </a:rPr>
+              <a:t>;</a:t>
+            </a:r>
+          </a:p>
+          <a:p>
+            <a:r>
+              <a:rPr lang="en-US" altLang="ko-KR" sz="1100" b="0" dirty="0">
+                <a:solidFill>
+                  <a:srgbClr val="292929"/>
+                </a:solidFill>
+                <a:effectLst/>
+                <a:latin typeface="Consolas" panose="020B0609020204030204" pitchFamily="49" charset="0"/>
+              </a:rPr>
+              <a:t>    </a:t>
+            </a:r>
+            <a:r>
+              <a:rPr lang="en-US" altLang="ko-KR" sz="1100" b="0" dirty="0">
+                <a:solidFill>
+                  <a:srgbClr val="5E2CBC"/>
+                </a:solidFill>
+                <a:effectLst/>
+                <a:latin typeface="Consolas" panose="020B0609020204030204" pitchFamily="49" charset="0"/>
+              </a:rPr>
+              <a:t>notifyListeners</a:t>
+            </a:r>
+            <a:r>
+              <a:rPr lang="en-US" altLang="ko-KR" sz="1100" b="0" dirty="0">
+                <a:solidFill>
+                  <a:srgbClr val="292929"/>
+                </a:solidFill>
+                <a:effectLst/>
+                <a:latin typeface="Consolas" panose="020B0609020204030204" pitchFamily="49" charset="0"/>
+              </a:rPr>
+              <a:t>();</a:t>
+            </a:r>
+          </a:p>
+          <a:p>
+            <a:r>
+              <a:rPr lang="en-US" altLang="ko-KR" sz="1100" b="0" dirty="0">
+                <a:solidFill>
+                  <a:srgbClr val="292929"/>
+                </a:solidFill>
+                <a:effectLst/>
+                <a:latin typeface="Consolas" panose="020B0609020204030204" pitchFamily="49" charset="0"/>
+              </a:rPr>
+              <a:t>    </a:t>
+            </a:r>
+            <a:r>
+              <a:rPr lang="en-US" altLang="ko-KR" sz="1100" b="0" dirty="0">
+                <a:solidFill>
+                  <a:srgbClr val="5E2CBC"/>
+                </a:solidFill>
+                <a:effectLst/>
+                <a:latin typeface="Consolas" panose="020B0609020204030204" pitchFamily="49" charset="0"/>
+              </a:rPr>
+              <a:t>print</a:t>
+            </a:r>
+            <a:r>
+              <a:rPr lang="en-US" altLang="ko-KR" sz="1100" b="0" dirty="0">
+                <a:solidFill>
+                  <a:srgbClr val="292929"/>
+                </a:solidFill>
+                <a:effectLst/>
+                <a:latin typeface="Consolas" panose="020B0609020204030204" pitchFamily="49" charset="0"/>
+              </a:rPr>
+              <a:t>(</a:t>
+            </a:r>
+            <a:r>
+              <a:rPr lang="en-US" altLang="ko-KR" sz="1100" b="0" dirty="0">
+                <a:solidFill>
+                  <a:srgbClr val="0F4A85"/>
+                </a:solidFill>
+                <a:effectLst/>
+                <a:latin typeface="Consolas" panose="020B0609020204030204" pitchFamily="49" charset="0"/>
+              </a:rPr>
+              <a:t>'age: $</a:t>
+            </a:r>
+            <a:r>
+              <a:rPr lang="en-US" altLang="ko-KR" sz="1100" b="0" dirty="0">
+                <a:solidFill>
+                  <a:srgbClr val="001080"/>
+                </a:solidFill>
+                <a:effectLst/>
+                <a:latin typeface="Consolas" panose="020B0609020204030204" pitchFamily="49" charset="0"/>
+              </a:rPr>
+              <a:t>age</a:t>
+            </a:r>
+            <a:r>
+              <a:rPr lang="en-US" altLang="ko-KR" sz="1100" b="0" dirty="0">
+                <a:solidFill>
+                  <a:srgbClr val="0F4A85"/>
+                </a:solidFill>
+                <a:effectLst/>
+                <a:latin typeface="Consolas" panose="020B0609020204030204" pitchFamily="49" charset="0"/>
+              </a:rPr>
+              <a:t>'</a:t>
+            </a:r>
+            <a:r>
+              <a:rPr lang="en-US" altLang="ko-KR" sz="1100" b="0" dirty="0">
+                <a:solidFill>
+                  <a:srgbClr val="292929"/>
+                </a:solidFill>
+                <a:effectLst/>
+                <a:latin typeface="Consolas" panose="020B0609020204030204" pitchFamily="49" charset="0"/>
+              </a:rPr>
+              <a:t>);</a:t>
+            </a:r>
+          </a:p>
+          <a:p>
+            <a:r>
+              <a:rPr lang="en-US" altLang="ko-KR" sz="1100" b="0" dirty="0">
+                <a:solidFill>
+                  <a:srgbClr val="292929"/>
+                </a:solidFill>
+                <a:effectLst/>
+                <a:latin typeface="Consolas" panose="020B0609020204030204" pitchFamily="49" charset="0"/>
+              </a:rPr>
+              <a:t>  }</a:t>
+            </a:r>
+          </a:p>
+          <a:p>
+            <a:r>
+              <a:rPr lang="en-US" altLang="ko-KR" sz="1100" b="0" dirty="0">
+                <a:solidFill>
+                  <a:srgbClr val="292929"/>
+                </a:solidFill>
+                <a:effectLst/>
+                <a:latin typeface="Consolas" panose="020B0609020204030204" pitchFamily="49" charset="0"/>
+              </a:rPr>
+              <a:t>}</a:t>
+            </a:r>
+          </a:p>
+        </p:txBody>
+      </p:sp>
+      <p:grpSp>
+        <p:nvGrpSpPr>
+          <p:cNvPr id="52" name="그룹 51">
+            <a:extLst>
+              <a:ext uri="{FF2B5EF4-FFF2-40B4-BE49-F238E27FC236}">
+                <a16:creationId xmlns:a16="http://schemas.microsoft.com/office/drawing/2014/main" id="{1E6B2946-4EE3-5101-6011-928FF52FBC5A}"/>
+              </a:ext>
+            </a:extLst>
+          </p:cNvPr>
+          <p:cNvGrpSpPr/>
+          <p:nvPr/>
+        </p:nvGrpSpPr>
+        <p:grpSpPr>
+          <a:xfrm>
+            <a:off x="5563235" y="412101"/>
+            <a:ext cx="4387002" cy="576293"/>
+            <a:chOff x="4256021" y="2438509"/>
+            <a:chExt cx="4387002" cy="576293"/>
+          </a:xfrm>
+        </p:grpSpPr>
+        <p:sp>
+          <p:nvSpPr>
+            <p:cNvPr id="53" name="타원 52">
+              <a:extLst>
+                <a:ext uri="{FF2B5EF4-FFF2-40B4-BE49-F238E27FC236}">
+                  <a16:creationId xmlns:a16="http://schemas.microsoft.com/office/drawing/2014/main" id="{2540847C-1957-554D-EE91-915224D6E1E8}"/>
+                </a:ext>
+              </a:extLst>
+            </p:cNvPr>
+            <p:cNvSpPr/>
+            <p:nvPr/>
+          </p:nvSpPr>
+          <p:spPr>
+            <a:xfrm>
+              <a:off x="4256021" y="2438509"/>
+              <a:ext cx="542313" cy="576293"/>
+            </a:xfrm>
+            <a:prstGeom prst="ellipse">
+              <a:avLst/>
+            </a:prstGeom>
+            <a:noFill/>
+          </p:spPr>
+          <p:style>
+            <a:lnRef idx="2">
+              <a:schemeClr val="accent1">
+                <a:shade val="50000"/>
+              </a:schemeClr>
+            </a:lnRef>
+            <a:fillRef idx="1">
+              <a:schemeClr val="accent1"/>
+            </a:fillRef>
+            <a:effectRef idx="0">
+              <a:schemeClr val="accent1"/>
+            </a:effectRef>
+            <a:fontRef idx="minor">
+              <a:schemeClr val="lt1"/>
+            </a:fontRef>
+          </p:style>
+          <p:txBody>
+            <a:bodyPr rtlCol="0" anchor="ctr"/>
+            <a:lstStyle/>
+            <a:p>
+              <a:pPr algn="ctr"/>
+              <a:endParaRPr lang="ko-KR" altLang="en-US" sz="1000" dirty="0">
+                <a:solidFill>
+                  <a:schemeClr val="tx1"/>
+                </a:solidFill>
+              </a:endParaRPr>
+            </a:p>
+          </p:txBody>
+        </p:sp>
+        <p:sp>
+          <p:nvSpPr>
+            <p:cNvPr id="54" name="타원 53">
+              <a:extLst>
+                <a:ext uri="{FF2B5EF4-FFF2-40B4-BE49-F238E27FC236}">
+                  <a16:creationId xmlns:a16="http://schemas.microsoft.com/office/drawing/2014/main" id="{ABDD9EEF-21A7-480C-BA13-94F9F1EADC1D}"/>
+                </a:ext>
+              </a:extLst>
+            </p:cNvPr>
+            <p:cNvSpPr/>
+            <p:nvPr/>
+          </p:nvSpPr>
+          <p:spPr>
+            <a:xfrm>
+              <a:off x="4391377" y="2585155"/>
+              <a:ext cx="293511" cy="304800"/>
+            </a:xfrm>
+            <a:prstGeom prst="ellipse">
+              <a:avLst/>
+            </a:prstGeom>
+            <a:noFill/>
+            <a:ln w="22225">
+              <a:solidFill>
+                <a:srgbClr val="FF0000"/>
+              </a:solidFill>
+            </a:ln>
+          </p:spPr>
+          <p:style>
+            <a:lnRef idx="2">
+              <a:schemeClr val="accent1">
+                <a:shade val="50000"/>
+              </a:schemeClr>
+            </a:lnRef>
+            <a:fillRef idx="1">
+              <a:schemeClr val="accent1"/>
+            </a:fillRef>
+            <a:effectRef idx="0">
+              <a:schemeClr val="accent1"/>
+            </a:effectRef>
+            <a:fontRef idx="minor">
+              <a:schemeClr val="lt1"/>
+            </a:fontRef>
+          </p:style>
+          <p:txBody>
+            <a:bodyPr rtlCol="0" anchor="ctr"/>
+            <a:lstStyle/>
+            <a:p>
+              <a:pPr algn="ctr"/>
+              <a:endParaRPr lang="ko-KR" altLang="en-US"/>
+            </a:p>
+          </p:txBody>
+        </p:sp>
+        <p:sp>
+          <p:nvSpPr>
+            <p:cNvPr id="55" name="TextBox 54">
+              <a:extLst>
+                <a:ext uri="{FF2B5EF4-FFF2-40B4-BE49-F238E27FC236}">
+                  <a16:creationId xmlns:a16="http://schemas.microsoft.com/office/drawing/2014/main" id="{979D325A-8841-E478-6125-4D1EF9AC8C2D}"/>
+                </a:ext>
+              </a:extLst>
+            </p:cNvPr>
+            <p:cNvSpPr txBox="1"/>
+            <p:nvPr/>
+          </p:nvSpPr>
+          <p:spPr>
+            <a:xfrm>
+              <a:off x="4684888" y="2439733"/>
+              <a:ext cx="3958135" cy="430887"/>
+            </a:xfrm>
+            <a:prstGeom prst="rect">
+              <a:avLst/>
+            </a:prstGeom>
+            <a:noFill/>
+          </p:spPr>
+          <p:txBody>
+            <a:bodyPr wrap="none" rtlCol="0">
+              <a:spAutoFit/>
+            </a:bodyPr>
+            <a:lstStyle/>
+            <a:p>
+              <a:r>
+                <a:rPr lang="en-US" altLang="ko-KR" sz="1100" dirty="0">
+                  <a:solidFill>
+                    <a:schemeClr val="accent1">
+                      <a:lumMod val="75000"/>
+                    </a:schemeClr>
+                  </a:solidFill>
+                </a:rPr>
+                <a:t>MyHomePage</a:t>
+              </a:r>
+            </a:p>
+            <a:p>
+              <a:r>
+                <a:rPr lang="en-US" altLang="ko-KR" sz="1100" dirty="0">
+                  <a:solidFill>
+                    <a:schemeClr val="accent1">
+                      <a:lumMod val="75000"/>
+                    </a:schemeClr>
+                  </a:solidFill>
+                </a:rPr>
+                <a:t>  -</a:t>
+              </a:r>
+              <a:r>
+                <a:rPr lang="da-DK" altLang="ko-KR" sz="1100" b="0" dirty="0">
+                  <a:solidFill>
+                    <a:srgbClr val="185E73"/>
+                  </a:solidFill>
+                  <a:effectLst/>
+                  <a:latin typeface="Consolas" panose="020B0609020204030204" pitchFamily="49" charset="0"/>
+                </a:rPr>
+                <a:t>Dog</a:t>
+              </a:r>
+              <a:r>
+                <a:rPr lang="da-DK" altLang="ko-KR" sz="1100" b="0" dirty="0">
+                  <a:solidFill>
+                    <a:srgbClr val="292929"/>
+                  </a:solidFill>
+                  <a:effectLst/>
+                  <a:latin typeface="Consolas" panose="020B0609020204030204" pitchFamily="49" charset="0"/>
+                </a:rPr>
+                <a:t> dog </a:t>
+              </a:r>
+              <a:r>
+                <a:rPr lang="da-DK" altLang="ko-KR" sz="1100" b="0" dirty="0">
+                  <a:solidFill>
+                    <a:srgbClr val="000000"/>
+                  </a:solidFill>
+                  <a:effectLst/>
+                  <a:latin typeface="Consolas" panose="020B0609020204030204" pitchFamily="49" charset="0"/>
+                </a:rPr>
+                <a:t>=</a:t>
+              </a:r>
+              <a:r>
+                <a:rPr lang="da-DK" altLang="ko-KR" sz="1100" b="0" dirty="0">
+                  <a:solidFill>
+                    <a:srgbClr val="292929"/>
+                  </a:solidFill>
+                  <a:effectLst/>
+                  <a:latin typeface="Consolas" panose="020B0609020204030204" pitchFamily="49" charset="0"/>
+                </a:rPr>
+                <a:t> </a:t>
+              </a:r>
+              <a:r>
+                <a:rPr lang="da-DK" altLang="ko-KR" sz="1100" b="0" dirty="0">
+                  <a:solidFill>
+                    <a:srgbClr val="185E73"/>
+                  </a:solidFill>
+                  <a:effectLst/>
+                  <a:latin typeface="Consolas" panose="020B0609020204030204" pitchFamily="49" charset="0"/>
+                </a:rPr>
+                <a:t>Dog</a:t>
+              </a:r>
+              <a:r>
+                <a:rPr lang="da-DK" altLang="ko-KR" sz="1100" b="0" dirty="0">
+                  <a:solidFill>
+                    <a:srgbClr val="292929"/>
+                  </a:solidFill>
+                  <a:effectLst/>
+                  <a:latin typeface="Consolas" panose="020B0609020204030204" pitchFamily="49" charset="0"/>
+                </a:rPr>
+                <a:t>(name</a:t>
+              </a:r>
+              <a:r>
+                <a:rPr lang="da-DK" altLang="ko-KR" sz="1100" b="0" dirty="0">
+                  <a:solidFill>
+                    <a:srgbClr val="000000"/>
+                  </a:solidFill>
+                  <a:effectLst/>
+                  <a:latin typeface="Consolas" panose="020B0609020204030204" pitchFamily="49" charset="0"/>
+                </a:rPr>
+                <a:t>:</a:t>
+              </a:r>
+              <a:r>
+                <a:rPr lang="da-DK" altLang="ko-KR" sz="1100" b="0" dirty="0">
+                  <a:solidFill>
+                    <a:srgbClr val="292929"/>
+                  </a:solidFill>
+                  <a:effectLst/>
+                  <a:latin typeface="Consolas" panose="020B0609020204030204" pitchFamily="49" charset="0"/>
+                </a:rPr>
+                <a:t> </a:t>
+              </a:r>
+              <a:r>
+                <a:rPr lang="da-DK" altLang="ko-KR" sz="1100" b="0" dirty="0">
+                  <a:solidFill>
+                    <a:srgbClr val="0F4A85"/>
+                  </a:solidFill>
+                  <a:effectLst/>
+                  <a:latin typeface="Consolas" panose="020B0609020204030204" pitchFamily="49" charset="0"/>
+                </a:rPr>
+                <a:t>'dog03'</a:t>
+              </a:r>
+              <a:r>
+                <a:rPr lang="da-DK" altLang="ko-KR" sz="1100" b="0" dirty="0">
+                  <a:solidFill>
+                    <a:srgbClr val="292929"/>
+                  </a:solidFill>
+                  <a:effectLst/>
+                  <a:latin typeface="Consolas" panose="020B0609020204030204" pitchFamily="49" charset="0"/>
+                </a:rPr>
+                <a:t>, breed</a:t>
+              </a:r>
+              <a:r>
+                <a:rPr lang="da-DK" altLang="ko-KR" sz="1100" b="0" dirty="0">
+                  <a:solidFill>
+                    <a:srgbClr val="000000"/>
+                  </a:solidFill>
+                  <a:effectLst/>
+                  <a:latin typeface="Consolas" panose="020B0609020204030204" pitchFamily="49" charset="0"/>
+                </a:rPr>
+                <a:t>:</a:t>
+              </a:r>
+              <a:r>
+                <a:rPr lang="da-DK" altLang="ko-KR" sz="1100" b="0" dirty="0">
+                  <a:solidFill>
+                    <a:srgbClr val="292929"/>
+                  </a:solidFill>
+                  <a:effectLst/>
+                  <a:latin typeface="Consolas" panose="020B0609020204030204" pitchFamily="49" charset="0"/>
+                </a:rPr>
+                <a:t> </a:t>
+              </a:r>
+              <a:r>
+                <a:rPr lang="da-DK" altLang="ko-KR" sz="1100" b="0" dirty="0">
+                  <a:solidFill>
+                    <a:srgbClr val="0F4A85"/>
+                  </a:solidFill>
+                  <a:effectLst/>
+                  <a:latin typeface="Consolas" panose="020B0609020204030204" pitchFamily="49" charset="0"/>
+                </a:rPr>
+                <a:t>'breed03'</a:t>
+              </a:r>
+              <a:r>
+                <a:rPr lang="da-DK" altLang="ko-KR" sz="1100" b="0" dirty="0">
+                  <a:solidFill>
+                    <a:srgbClr val="292929"/>
+                  </a:solidFill>
+                  <a:effectLst/>
+                  <a:latin typeface="Consolas" panose="020B0609020204030204" pitchFamily="49" charset="0"/>
+                </a:rPr>
+                <a:t>);</a:t>
+              </a:r>
+            </a:p>
+          </p:txBody>
+        </p:sp>
+      </p:grpSp>
+      <p:grpSp>
+        <p:nvGrpSpPr>
+          <p:cNvPr id="56" name="그룹 55">
+            <a:extLst>
+              <a:ext uri="{FF2B5EF4-FFF2-40B4-BE49-F238E27FC236}">
+                <a16:creationId xmlns:a16="http://schemas.microsoft.com/office/drawing/2014/main" id="{1E96B5E6-413A-1F2A-C5BA-FAEF2D809B35}"/>
+              </a:ext>
+            </a:extLst>
+          </p:cNvPr>
+          <p:cNvGrpSpPr/>
+          <p:nvPr/>
+        </p:nvGrpSpPr>
+        <p:grpSpPr>
+          <a:xfrm>
+            <a:off x="6953894" y="1308749"/>
+            <a:ext cx="1479900" cy="576293"/>
+            <a:chOff x="3849064" y="3266906"/>
+            <a:chExt cx="1479900" cy="576293"/>
+          </a:xfrm>
+        </p:grpSpPr>
+        <p:sp>
+          <p:nvSpPr>
+            <p:cNvPr id="57" name="타원 56">
+              <a:extLst>
+                <a:ext uri="{FF2B5EF4-FFF2-40B4-BE49-F238E27FC236}">
+                  <a16:creationId xmlns:a16="http://schemas.microsoft.com/office/drawing/2014/main" id="{FE1E297F-3739-5F8B-9FFD-936FCD81CBCC}"/>
+                </a:ext>
+              </a:extLst>
+            </p:cNvPr>
+            <p:cNvSpPr/>
+            <p:nvPr/>
+          </p:nvSpPr>
+          <p:spPr>
+            <a:xfrm>
+              <a:off x="3849064" y="3266906"/>
+              <a:ext cx="542313" cy="576293"/>
+            </a:xfrm>
+            <a:prstGeom prst="ellipse">
+              <a:avLst/>
+            </a:prstGeom>
+            <a:noFill/>
+          </p:spPr>
+          <p:style>
+            <a:lnRef idx="2">
+              <a:schemeClr val="accent1">
+                <a:shade val="50000"/>
+              </a:schemeClr>
+            </a:lnRef>
+            <a:fillRef idx="1">
+              <a:schemeClr val="accent1"/>
+            </a:fillRef>
+            <a:effectRef idx="0">
+              <a:schemeClr val="accent1"/>
+            </a:effectRef>
+            <a:fontRef idx="minor">
+              <a:schemeClr val="lt1"/>
+            </a:fontRef>
+          </p:style>
+          <p:txBody>
+            <a:bodyPr rtlCol="0" anchor="ctr"/>
+            <a:lstStyle/>
+            <a:p>
+              <a:pPr algn="ctr"/>
+              <a:endParaRPr lang="ko-KR" altLang="en-US" sz="1000" dirty="0">
+                <a:solidFill>
+                  <a:schemeClr val="tx1"/>
+                </a:solidFill>
+              </a:endParaRPr>
+            </a:p>
+          </p:txBody>
+        </p:sp>
+        <p:sp>
+          <p:nvSpPr>
+            <p:cNvPr id="58" name="타원 57">
+              <a:extLst>
+                <a:ext uri="{FF2B5EF4-FFF2-40B4-BE49-F238E27FC236}">
+                  <a16:creationId xmlns:a16="http://schemas.microsoft.com/office/drawing/2014/main" id="{A42CC31C-1B21-7C2C-D7FB-F87E1E7891DD}"/>
+                </a:ext>
+              </a:extLst>
+            </p:cNvPr>
+            <p:cNvSpPr/>
+            <p:nvPr/>
+          </p:nvSpPr>
+          <p:spPr>
+            <a:xfrm>
+              <a:off x="3984420" y="3413552"/>
+              <a:ext cx="293511" cy="304800"/>
+            </a:xfrm>
+            <a:prstGeom prst="ellipse">
+              <a:avLst/>
+            </a:prstGeom>
+            <a:noFill/>
+            <a:ln w="22225">
+              <a:solidFill>
+                <a:srgbClr val="FF0000"/>
+              </a:solidFill>
+            </a:ln>
+          </p:spPr>
+          <p:style>
+            <a:lnRef idx="2">
+              <a:schemeClr val="accent1">
+                <a:shade val="50000"/>
+              </a:schemeClr>
+            </a:lnRef>
+            <a:fillRef idx="1">
+              <a:schemeClr val="accent1"/>
+            </a:fillRef>
+            <a:effectRef idx="0">
+              <a:schemeClr val="accent1"/>
+            </a:effectRef>
+            <a:fontRef idx="minor">
+              <a:schemeClr val="lt1"/>
+            </a:fontRef>
+          </p:style>
+          <p:txBody>
+            <a:bodyPr rtlCol="0" anchor="ctr"/>
+            <a:lstStyle/>
+            <a:p>
+              <a:pPr algn="ctr"/>
+              <a:endParaRPr lang="ko-KR" altLang="en-US"/>
+            </a:p>
+          </p:txBody>
+        </p:sp>
+        <p:sp>
+          <p:nvSpPr>
+            <p:cNvPr id="59" name="TextBox 58">
+              <a:extLst>
+                <a:ext uri="{FF2B5EF4-FFF2-40B4-BE49-F238E27FC236}">
+                  <a16:creationId xmlns:a16="http://schemas.microsoft.com/office/drawing/2014/main" id="{342CB278-7D06-2C2A-AE5D-AE6A7EC4AC1C}"/>
+                </a:ext>
+              </a:extLst>
+            </p:cNvPr>
+            <p:cNvSpPr txBox="1"/>
+            <p:nvPr/>
+          </p:nvSpPr>
+          <p:spPr>
+            <a:xfrm>
+              <a:off x="4297913" y="3291568"/>
+              <a:ext cx="1031051" cy="261610"/>
+            </a:xfrm>
+            <a:prstGeom prst="rect">
+              <a:avLst/>
+            </a:prstGeom>
+            <a:noFill/>
+          </p:spPr>
+          <p:txBody>
+            <a:bodyPr wrap="none" rtlCol="0">
+              <a:spAutoFit/>
+            </a:bodyPr>
+            <a:lstStyle/>
+            <a:p>
+              <a:r>
+                <a:rPr lang="en-US" altLang="ko-KR" sz="1100" b="0" dirty="0">
+                  <a:solidFill>
+                    <a:srgbClr val="185E73"/>
+                  </a:solidFill>
+                  <a:effectLst/>
+                  <a:latin typeface="Consolas" panose="020B0609020204030204" pitchFamily="49" charset="0"/>
+                </a:rPr>
+                <a:t>BreedAndAge</a:t>
+              </a:r>
+              <a:endParaRPr lang="en-US" altLang="ko-KR" sz="1100" b="0" dirty="0">
+                <a:solidFill>
+                  <a:srgbClr val="292929"/>
+                </a:solidFill>
+                <a:effectLst/>
+                <a:latin typeface="Consolas" panose="020B0609020204030204" pitchFamily="49" charset="0"/>
+              </a:endParaRPr>
+            </a:p>
+          </p:txBody>
+        </p:sp>
+      </p:grpSp>
+      <p:grpSp>
+        <p:nvGrpSpPr>
+          <p:cNvPr id="60" name="그룹 59">
+            <a:extLst>
+              <a:ext uri="{FF2B5EF4-FFF2-40B4-BE49-F238E27FC236}">
+                <a16:creationId xmlns:a16="http://schemas.microsoft.com/office/drawing/2014/main" id="{4EFF543B-69FD-8227-3B03-B7D21FDD69D8}"/>
+              </a:ext>
+            </a:extLst>
+          </p:cNvPr>
+          <p:cNvGrpSpPr/>
+          <p:nvPr/>
+        </p:nvGrpSpPr>
+        <p:grpSpPr>
+          <a:xfrm>
+            <a:off x="6399812" y="2162974"/>
+            <a:ext cx="864347" cy="576293"/>
+            <a:chOff x="3849064" y="3266906"/>
+            <a:chExt cx="864347" cy="576293"/>
+          </a:xfrm>
+        </p:grpSpPr>
+        <p:sp>
+          <p:nvSpPr>
+            <p:cNvPr id="61" name="타원 60">
+              <a:extLst>
+                <a:ext uri="{FF2B5EF4-FFF2-40B4-BE49-F238E27FC236}">
+                  <a16:creationId xmlns:a16="http://schemas.microsoft.com/office/drawing/2014/main" id="{4297EDA3-EC89-5B53-EE28-2538D5BFA758}"/>
+                </a:ext>
+              </a:extLst>
+            </p:cNvPr>
+            <p:cNvSpPr/>
+            <p:nvPr/>
+          </p:nvSpPr>
+          <p:spPr>
+            <a:xfrm>
+              <a:off x="3849064" y="3266906"/>
+              <a:ext cx="542313" cy="576293"/>
+            </a:xfrm>
+            <a:prstGeom prst="ellipse">
+              <a:avLst/>
+            </a:prstGeom>
+            <a:noFill/>
+          </p:spPr>
+          <p:style>
+            <a:lnRef idx="2">
+              <a:schemeClr val="accent1">
+                <a:shade val="50000"/>
+              </a:schemeClr>
+            </a:lnRef>
+            <a:fillRef idx="1">
+              <a:schemeClr val="accent1"/>
+            </a:fillRef>
+            <a:effectRef idx="0">
+              <a:schemeClr val="accent1"/>
+            </a:effectRef>
+            <a:fontRef idx="minor">
+              <a:schemeClr val="lt1"/>
+            </a:fontRef>
+          </p:style>
+          <p:txBody>
+            <a:bodyPr rtlCol="0" anchor="ctr"/>
+            <a:lstStyle/>
+            <a:p>
+              <a:pPr algn="ctr"/>
+              <a:endParaRPr lang="ko-KR" altLang="en-US" sz="1000" dirty="0">
+                <a:solidFill>
+                  <a:schemeClr val="tx1"/>
+                </a:solidFill>
+              </a:endParaRPr>
+            </a:p>
+          </p:txBody>
+        </p:sp>
+        <p:sp>
+          <p:nvSpPr>
+            <p:cNvPr id="62" name="타원 61">
+              <a:extLst>
+                <a:ext uri="{FF2B5EF4-FFF2-40B4-BE49-F238E27FC236}">
+                  <a16:creationId xmlns:a16="http://schemas.microsoft.com/office/drawing/2014/main" id="{28D87282-A771-762E-0956-6876166031B5}"/>
+                </a:ext>
+              </a:extLst>
+            </p:cNvPr>
+            <p:cNvSpPr/>
+            <p:nvPr/>
+          </p:nvSpPr>
+          <p:spPr>
+            <a:xfrm>
+              <a:off x="3984420" y="3413552"/>
+              <a:ext cx="293511" cy="304800"/>
+            </a:xfrm>
+            <a:prstGeom prst="ellipse">
+              <a:avLst/>
+            </a:prstGeom>
+            <a:noFill/>
+            <a:ln w="22225">
+              <a:solidFill>
+                <a:srgbClr val="FF0000"/>
+              </a:solidFill>
+            </a:ln>
+          </p:spPr>
+          <p:style>
+            <a:lnRef idx="2">
+              <a:schemeClr val="accent1">
+                <a:shade val="50000"/>
+              </a:schemeClr>
+            </a:lnRef>
+            <a:fillRef idx="1">
+              <a:schemeClr val="accent1"/>
+            </a:fillRef>
+            <a:effectRef idx="0">
+              <a:schemeClr val="accent1"/>
+            </a:effectRef>
+            <a:fontRef idx="minor">
+              <a:schemeClr val="lt1"/>
+            </a:fontRef>
+          </p:style>
+          <p:txBody>
+            <a:bodyPr rtlCol="0" anchor="ctr"/>
+            <a:lstStyle/>
+            <a:p>
+              <a:pPr algn="ctr"/>
+              <a:endParaRPr lang="ko-KR" altLang="en-US"/>
+            </a:p>
+          </p:txBody>
+        </p:sp>
+        <p:sp>
+          <p:nvSpPr>
+            <p:cNvPr id="63" name="TextBox 62">
+              <a:extLst>
+                <a:ext uri="{FF2B5EF4-FFF2-40B4-BE49-F238E27FC236}">
+                  <a16:creationId xmlns:a16="http://schemas.microsoft.com/office/drawing/2014/main" id="{8190B63B-5C78-DF8D-4D78-C50FAEEF009F}"/>
+                </a:ext>
+              </a:extLst>
+            </p:cNvPr>
+            <p:cNvSpPr txBox="1"/>
+            <p:nvPr/>
+          </p:nvSpPr>
+          <p:spPr>
+            <a:xfrm>
+              <a:off x="4297913" y="3291568"/>
+              <a:ext cx="415498" cy="261610"/>
+            </a:xfrm>
+            <a:prstGeom prst="rect">
+              <a:avLst/>
+            </a:prstGeom>
+            <a:noFill/>
+          </p:spPr>
+          <p:txBody>
+            <a:bodyPr wrap="none" rtlCol="0">
+              <a:spAutoFit/>
+            </a:bodyPr>
+            <a:lstStyle/>
+            <a:p>
+              <a:r>
+                <a:rPr lang="en-US" altLang="ko-KR" sz="1100" b="0" dirty="0">
+                  <a:solidFill>
+                    <a:srgbClr val="185E73"/>
+                  </a:solidFill>
+                  <a:effectLst/>
+                  <a:latin typeface="Consolas" panose="020B0609020204030204" pitchFamily="49" charset="0"/>
+                </a:rPr>
+                <a:t>Age</a:t>
+              </a:r>
+              <a:endParaRPr lang="en-US" altLang="ko-KR" sz="1100" b="0" dirty="0">
+                <a:solidFill>
+                  <a:srgbClr val="292929"/>
+                </a:solidFill>
+                <a:effectLst/>
+                <a:latin typeface="Consolas" panose="020B0609020204030204" pitchFamily="49" charset="0"/>
+              </a:endParaRPr>
+            </a:p>
+          </p:txBody>
+        </p:sp>
+      </p:grpSp>
+      <p:grpSp>
+        <p:nvGrpSpPr>
+          <p:cNvPr id="64" name="그룹 63">
+            <a:extLst>
+              <a:ext uri="{FF2B5EF4-FFF2-40B4-BE49-F238E27FC236}">
+                <a16:creationId xmlns:a16="http://schemas.microsoft.com/office/drawing/2014/main" id="{179D7467-A6B6-C105-D744-849624AEDF28}"/>
+              </a:ext>
+            </a:extLst>
+          </p:cNvPr>
+          <p:cNvGrpSpPr/>
+          <p:nvPr/>
+        </p:nvGrpSpPr>
+        <p:grpSpPr>
+          <a:xfrm>
+            <a:off x="3360144" y="1455395"/>
+            <a:ext cx="1608571" cy="352479"/>
+            <a:chOff x="3849065" y="3266906"/>
+            <a:chExt cx="1608571" cy="352479"/>
+          </a:xfrm>
+        </p:grpSpPr>
+        <p:sp>
+          <p:nvSpPr>
+            <p:cNvPr id="65" name="타원 64">
+              <a:extLst>
+                <a:ext uri="{FF2B5EF4-FFF2-40B4-BE49-F238E27FC236}">
+                  <a16:creationId xmlns:a16="http://schemas.microsoft.com/office/drawing/2014/main" id="{ED557DCF-12D0-0AEE-AC92-C47318955E4F}"/>
+                </a:ext>
+              </a:extLst>
+            </p:cNvPr>
+            <p:cNvSpPr/>
+            <p:nvPr/>
+          </p:nvSpPr>
+          <p:spPr>
+            <a:xfrm>
+              <a:off x="3849065" y="3266906"/>
+              <a:ext cx="335402" cy="352479"/>
+            </a:xfrm>
+            <a:prstGeom prst="ellipse">
+              <a:avLst/>
+            </a:prstGeom>
+            <a:noFill/>
+          </p:spPr>
+          <p:style>
+            <a:lnRef idx="2">
+              <a:schemeClr val="accent1">
+                <a:shade val="50000"/>
+              </a:schemeClr>
+            </a:lnRef>
+            <a:fillRef idx="1">
+              <a:schemeClr val="accent1"/>
+            </a:fillRef>
+            <a:effectRef idx="0">
+              <a:schemeClr val="accent1"/>
+            </a:effectRef>
+            <a:fontRef idx="minor">
+              <a:schemeClr val="lt1"/>
+            </a:fontRef>
+          </p:style>
+          <p:txBody>
+            <a:bodyPr rtlCol="0" anchor="ctr"/>
+            <a:lstStyle/>
+            <a:p>
+              <a:pPr algn="ctr"/>
+              <a:endParaRPr lang="ko-KR" altLang="en-US" sz="1000" dirty="0">
+                <a:solidFill>
+                  <a:schemeClr val="tx1"/>
+                </a:solidFill>
+              </a:endParaRPr>
+            </a:p>
+          </p:txBody>
+        </p:sp>
+        <p:sp>
+          <p:nvSpPr>
+            <p:cNvPr id="66" name="TextBox 65">
+              <a:extLst>
+                <a:ext uri="{FF2B5EF4-FFF2-40B4-BE49-F238E27FC236}">
+                  <a16:creationId xmlns:a16="http://schemas.microsoft.com/office/drawing/2014/main" id="{A60239C9-155E-C896-851D-6D4A895BDE5B}"/>
+                </a:ext>
+              </a:extLst>
+            </p:cNvPr>
+            <p:cNvSpPr txBox="1"/>
+            <p:nvPr/>
+          </p:nvSpPr>
+          <p:spPr>
+            <a:xfrm>
+              <a:off x="4118808" y="3266906"/>
+              <a:ext cx="1338828" cy="261610"/>
+            </a:xfrm>
+            <a:prstGeom prst="rect">
+              <a:avLst/>
+            </a:prstGeom>
+            <a:noFill/>
+          </p:spPr>
+          <p:txBody>
+            <a:bodyPr wrap="none" rtlCol="0">
+              <a:spAutoFit/>
+            </a:bodyPr>
+            <a:lstStyle/>
+            <a:p>
+              <a:r>
+                <a:rPr lang="en-US" altLang="ko-KR" sz="1100" dirty="0">
+                  <a:solidFill>
+                    <a:srgbClr val="185E73"/>
+                  </a:solidFill>
+                  <a:latin typeface="Consolas" panose="020B0609020204030204" pitchFamily="49" charset="0"/>
+                </a:rPr>
+                <a:t>Text (dog.name)</a:t>
+              </a:r>
+            </a:p>
+          </p:txBody>
+        </p:sp>
+      </p:grpSp>
+      <p:cxnSp>
+        <p:nvCxnSpPr>
+          <p:cNvPr id="67" name="직선 화살표 연결선 66">
+            <a:extLst>
+              <a:ext uri="{FF2B5EF4-FFF2-40B4-BE49-F238E27FC236}">
+                <a16:creationId xmlns:a16="http://schemas.microsoft.com/office/drawing/2014/main" id="{07FD9E7A-5F8E-DE2D-95D1-6ACCF7635A06}"/>
+              </a:ext>
+            </a:extLst>
+          </p:cNvPr>
+          <p:cNvCxnSpPr>
+            <a:stCxn id="57" idx="0"/>
+            <a:endCxn id="53" idx="4"/>
+          </p:cNvCxnSpPr>
+          <p:nvPr/>
+        </p:nvCxnSpPr>
+        <p:spPr>
+          <a:xfrm flipH="1" flipV="1">
+            <a:off x="5834392" y="988394"/>
+            <a:ext cx="1390659" cy="320355"/>
+          </a:xfrm>
+          <a:prstGeom prst="straightConnector1">
+            <a:avLst/>
+          </a:prstGeom>
+          <a:ln>
+            <a:tailEnd type="triangle"/>
+          </a:ln>
+        </p:spPr>
+        <p:style>
+          <a:lnRef idx="1">
+            <a:schemeClr val="accent1"/>
+          </a:lnRef>
+          <a:fillRef idx="0">
+            <a:schemeClr val="accent1"/>
+          </a:fillRef>
+          <a:effectRef idx="0">
+            <a:schemeClr val="accent1"/>
+          </a:effectRef>
+          <a:fontRef idx="minor">
+            <a:schemeClr val="tx1"/>
+          </a:fontRef>
+        </p:style>
+      </p:cxnSp>
+      <p:grpSp>
+        <p:nvGrpSpPr>
+          <p:cNvPr id="68" name="그룹 67">
+            <a:extLst>
+              <a:ext uri="{FF2B5EF4-FFF2-40B4-BE49-F238E27FC236}">
+                <a16:creationId xmlns:a16="http://schemas.microsoft.com/office/drawing/2014/main" id="{EDF022B5-A047-8AF4-12C6-5E14909797FC}"/>
+              </a:ext>
+            </a:extLst>
+          </p:cNvPr>
+          <p:cNvGrpSpPr/>
+          <p:nvPr/>
+        </p:nvGrpSpPr>
+        <p:grpSpPr>
+          <a:xfrm>
+            <a:off x="7614985" y="2179325"/>
+            <a:ext cx="1608571" cy="352479"/>
+            <a:chOff x="3849065" y="3266906"/>
+            <a:chExt cx="1608571" cy="352479"/>
+          </a:xfrm>
+        </p:grpSpPr>
+        <p:sp>
+          <p:nvSpPr>
+            <p:cNvPr id="69" name="타원 68">
+              <a:extLst>
+                <a:ext uri="{FF2B5EF4-FFF2-40B4-BE49-F238E27FC236}">
+                  <a16:creationId xmlns:a16="http://schemas.microsoft.com/office/drawing/2014/main" id="{6F9A7C9A-E552-3250-312A-104249E0BB93}"/>
+                </a:ext>
+              </a:extLst>
+            </p:cNvPr>
+            <p:cNvSpPr/>
+            <p:nvPr/>
+          </p:nvSpPr>
+          <p:spPr>
+            <a:xfrm>
+              <a:off x="3849065" y="3266906"/>
+              <a:ext cx="335402" cy="352479"/>
+            </a:xfrm>
+            <a:prstGeom prst="ellipse">
+              <a:avLst/>
+            </a:prstGeom>
+            <a:noFill/>
+          </p:spPr>
+          <p:style>
+            <a:lnRef idx="2">
+              <a:schemeClr val="accent1">
+                <a:shade val="50000"/>
+              </a:schemeClr>
+            </a:lnRef>
+            <a:fillRef idx="1">
+              <a:schemeClr val="accent1"/>
+            </a:fillRef>
+            <a:effectRef idx="0">
+              <a:schemeClr val="accent1"/>
+            </a:effectRef>
+            <a:fontRef idx="minor">
+              <a:schemeClr val="lt1"/>
+            </a:fontRef>
+          </p:style>
+          <p:txBody>
+            <a:bodyPr rtlCol="0" anchor="ctr"/>
+            <a:lstStyle/>
+            <a:p>
+              <a:pPr algn="ctr"/>
+              <a:endParaRPr lang="ko-KR" altLang="en-US" sz="1000" dirty="0">
+                <a:solidFill>
+                  <a:schemeClr val="tx1"/>
+                </a:solidFill>
+              </a:endParaRPr>
+            </a:p>
+          </p:txBody>
+        </p:sp>
+        <p:sp>
+          <p:nvSpPr>
+            <p:cNvPr id="70" name="TextBox 69">
+              <a:extLst>
+                <a:ext uri="{FF2B5EF4-FFF2-40B4-BE49-F238E27FC236}">
+                  <a16:creationId xmlns:a16="http://schemas.microsoft.com/office/drawing/2014/main" id="{14592610-503F-1455-2450-DDC858ECFBD5}"/>
+                </a:ext>
+              </a:extLst>
+            </p:cNvPr>
+            <p:cNvSpPr txBox="1"/>
+            <p:nvPr/>
+          </p:nvSpPr>
+          <p:spPr>
+            <a:xfrm>
+              <a:off x="4118808" y="3266906"/>
+              <a:ext cx="1338828" cy="261610"/>
+            </a:xfrm>
+            <a:prstGeom prst="rect">
+              <a:avLst/>
+            </a:prstGeom>
+            <a:noFill/>
+          </p:spPr>
+          <p:txBody>
+            <a:bodyPr wrap="none" rtlCol="0">
+              <a:spAutoFit/>
+            </a:bodyPr>
+            <a:lstStyle/>
+            <a:p>
+              <a:r>
+                <a:rPr lang="en-US" altLang="ko-KR" sz="1100" dirty="0">
+                  <a:solidFill>
+                    <a:srgbClr val="185E73"/>
+                  </a:solidFill>
+                  <a:latin typeface="Consolas" panose="020B0609020204030204" pitchFamily="49" charset="0"/>
+                </a:rPr>
+                <a:t>Text(dog.breed)</a:t>
+              </a:r>
+              <a:endParaRPr lang="en-US" altLang="ko-KR" sz="1100" b="0" dirty="0">
+                <a:solidFill>
+                  <a:srgbClr val="292929"/>
+                </a:solidFill>
+                <a:effectLst/>
+                <a:latin typeface="Consolas" panose="020B0609020204030204" pitchFamily="49" charset="0"/>
+              </a:endParaRPr>
+            </a:p>
+          </p:txBody>
+        </p:sp>
+      </p:grpSp>
+      <p:cxnSp>
+        <p:nvCxnSpPr>
+          <p:cNvPr id="71" name="직선 화살표 연결선 70">
+            <a:extLst>
+              <a:ext uri="{FF2B5EF4-FFF2-40B4-BE49-F238E27FC236}">
+                <a16:creationId xmlns:a16="http://schemas.microsoft.com/office/drawing/2014/main" id="{ED2A316E-E22E-16BD-8864-6B9779B1B25E}"/>
+              </a:ext>
+            </a:extLst>
+          </p:cNvPr>
+          <p:cNvCxnSpPr>
+            <a:stCxn id="57" idx="4"/>
+            <a:endCxn id="69" idx="0"/>
+          </p:cNvCxnSpPr>
+          <p:nvPr/>
+        </p:nvCxnSpPr>
+        <p:spPr>
+          <a:xfrm>
+            <a:off x="7225051" y="1885042"/>
+            <a:ext cx="557635" cy="294283"/>
+          </a:xfrm>
+          <a:prstGeom prst="straightConnector1">
+            <a:avLst/>
+          </a:prstGeom>
+          <a:ln>
+            <a:tailEnd type="triangle"/>
+          </a:ln>
+        </p:spPr>
+        <p:style>
+          <a:lnRef idx="1">
+            <a:schemeClr val="accent1"/>
+          </a:lnRef>
+          <a:fillRef idx="0">
+            <a:schemeClr val="accent1"/>
+          </a:fillRef>
+          <a:effectRef idx="0">
+            <a:schemeClr val="accent1"/>
+          </a:effectRef>
+          <a:fontRef idx="minor">
+            <a:schemeClr val="tx1"/>
+          </a:fontRef>
+        </p:style>
+      </p:cxnSp>
+      <p:grpSp>
+        <p:nvGrpSpPr>
+          <p:cNvPr id="72" name="그룹 71">
+            <a:extLst>
+              <a:ext uri="{FF2B5EF4-FFF2-40B4-BE49-F238E27FC236}">
+                <a16:creationId xmlns:a16="http://schemas.microsoft.com/office/drawing/2014/main" id="{3E65D050-9588-C00F-FDC1-A4F7509C62C2}"/>
+              </a:ext>
+            </a:extLst>
+          </p:cNvPr>
+          <p:cNvGrpSpPr/>
+          <p:nvPr/>
+        </p:nvGrpSpPr>
+        <p:grpSpPr>
+          <a:xfrm>
+            <a:off x="5891138" y="2922627"/>
+            <a:ext cx="1454683" cy="352479"/>
+            <a:chOff x="3849065" y="3266906"/>
+            <a:chExt cx="1454683" cy="352479"/>
+          </a:xfrm>
+        </p:grpSpPr>
+        <p:sp>
+          <p:nvSpPr>
+            <p:cNvPr id="73" name="타원 72">
+              <a:extLst>
+                <a:ext uri="{FF2B5EF4-FFF2-40B4-BE49-F238E27FC236}">
+                  <a16:creationId xmlns:a16="http://schemas.microsoft.com/office/drawing/2014/main" id="{B33F4F85-AC45-333C-37D8-9196CD6226A6}"/>
+                </a:ext>
+              </a:extLst>
+            </p:cNvPr>
+            <p:cNvSpPr/>
+            <p:nvPr/>
+          </p:nvSpPr>
+          <p:spPr>
+            <a:xfrm>
+              <a:off x="3849065" y="3266906"/>
+              <a:ext cx="335402" cy="352479"/>
+            </a:xfrm>
+            <a:prstGeom prst="ellipse">
+              <a:avLst/>
+            </a:prstGeom>
+            <a:noFill/>
+          </p:spPr>
+          <p:style>
+            <a:lnRef idx="2">
+              <a:schemeClr val="accent1">
+                <a:shade val="50000"/>
+              </a:schemeClr>
+            </a:lnRef>
+            <a:fillRef idx="1">
+              <a:schemeClr val="accent1"/>
+            </a:fillRef>
+            <a:effectRef idx="0">
+              <a:schemeClr val="accent1"/>
+            </a:effectRef>
+            <a:fontRef idx="minor">
+              <a:schemeClr val="lt1"/>
+            </a:fontRef>
+          </p:style>
+          <p:txBody>
+            <a:bodyPr rtlCol="0" anchor="ctr"/>
+            <a:lstStyle/>
+            <a:p>
+              <a:pPr algn="ctr"/>
+              <a:endParaRPr lang="ko-KR" altLang="en-US" sz="1000" dirty="0">
+                <a:solidFill>
+                  <a:schemeClr val="tx1"/>
+                </a:solidFill>
+              </a:endParaRPr>
+            </a:p>
+          </p:txBody>
+        </p:sp>
+        <p:sp>
+          <p:nvSpPr>
+            <p:cNvPr id="74" name="TextBox 73">
+              <a:extLst>
+                <a:ext uri="{FF2B5EF4-FFF2-40B4-BE49-F238E27FC236}">
+                  <a16:creationId xmlns:a16="http://schemas.microsoft.com/office/drawing/2014/main" id="{64DF6416-15E7-9CC1-3926-AD47AC233313}"/>
+                </a:ext>
+              </a:extLst>
+            </p:cNvPr>
+            <p:cNvSpPr txBox="1"/>
+            <p:nvPr/>
+          </p:nvSpPr>
+          <p:spPr>
+            <a:xfrm>
+              <a:off x="4118808" y="3266906"/>
+              <a:ext cx="1184940" cy="261610"/>
+            </a:xfrm>
+            <a:prstGeom prst="rect">
+              <a:avLst/>
+            </a:prstGeom>
+            <a:noFill/>
+          </p:spPr>
+          <p:txBody>
+            <a:bodyPr wrap="none" rtlCol="0">
+              <a:spAutoFit/>
+            </a:bodyPr>
+            <a:lstStyle/>
+            <a:p>
+              <a:r>
+                <a:rPr lang="en-US" altLang="ko-KR" sz="1100" dirty="0">
+                  <a:solidFill>
+                    <a:srgbClr val="185E73"/>
+                  </a:solidFill>
+                  <a:latin typeface="Consolas" panose="020B0609020204030204" pitchFamily="49" charset="0"/>
+                </a:rPr>
+                <a:t>Text(dog.age)</a:t>
+              </a:r>
+              <a:endParaRPr lang="en-US" altLang="ko-KR" sz="1100" b="0" dirty="0">
+                <a:solidFill>
+                  <a:srgbClr val="292929"/>
+                </a:solidFill>
+                <a:effectLst/>
+                <a:latin typeface="Consolas" panose="020B0609020204030204" pitchFamily="49" charset="0"/>
+              </a:endParaRPr>
+            </a:p>
+          </p:txBody>
+        </p:sp>
+      </p:grpSp>
+      <p:grpSp>
+        <p:nvGrpSpPr>
+          <p:cNvPr id="75" name="그룹 74">
+            <a:extLst>
+              <a:ext uri="{FF2B5EF4-FFF2-40B4-BE49-F238E27FC236}">
+                <a16:creationId xmlns:a16="http://schemas.microsoft.com/office/drawing/2014/main" id="{FE75ECAC-F863-3315-F00A-2C9B0F1AE208}"/>
+              </a:ext>
+            </a:extLst>
+          </p:cNvPr>
+          <p:cNvGrpSpPr/>
+          <p:nvPr/>
+        </p:nvGrpSpPr>
+        <p:grpSpPr>
+          <a:xfrm>
+            <a:off x="5891138" y="3327027"/>
+            <a:ext cx="1454683" cy="430887"/>
+            <a:chOff x="3849065" y="3266906"/>
+            <a:chExt cx="1454683" cy="430887"/>
+          </a:xfrm>
+        </p:grpSpPr>
+        <p:sp>
+          <p:nvSpPr>
+            <p:cNvPr id="76" name="타원 75">
+              <a:extLst>
+                <a:ext uri="{FF2B5EF4-FFF2-40B4-BE49-F238E27FC236}">
+                  <a16:creationId xmlns:a16="http://schemas.microsoft.com/office/drawing/2014/main" id="{6EED4E66-7893-E8F3-9E34-1E9082CC9CBF}"/>
+                </a:ext>
+              </a:extLst>
+            </p:cNvPr>
+            <p:cNvSpPr/>
+            <p:nvPr/>
+          </p:nvSpPr>
+          <p:spPr>
+            <a:xfrm>
+              <a:off x="3849065" y="3266906"/>
+              <a:ext cx="335402" cy="352479"/>
+            </a:xfrm>
+            <a:prstGeom prst="ellipse">
+              <a:avLst/>
+            </a:prstGeom>
+            <a:noFill/>
+          </p:spPr>
+          <p:style>
+            <a:lnRef idx="2">
+              <a:schemeClr val="accent1">
+                <a:shade val="50000"/>
+              </a:schemeClr>
+            </a:lnRef>
+            <a:fillRef idx="1">
+              <a:schemeClr val="accent1"/>
+            </a:fillRef>
+            <a:effectRef idx="0">
+              <a:schemeClr val="accent1"/>
+            </a:effectRef>
+            <a:fontRef idx="minor">
+              <a:schemeClr val="lt1"/>
+            </a:fontRef>
+          </p:style>
+          <p:txBody>
+            <a:bodyPr rtlCol="0" anchor="ctr"/>
+            <a:lstStyle/>
+            <a:p>
+              <a:pPr algn="ctr"/>
+              <a:endParaRPr lang="ko-KR" altLang="en-US" sz="1000" dirty="0">
+                <a:solidFill>
+                  <a:schemeClr val="tx1"/>
+                </a:solidFill>
+              </a:endParaRPr>
+            </a:p>
+          </p:txBody>
+        </p:sp>
+        <p:sp>
+          <p:nvSpPr>
+            <p:cNvPr id="77" name="TextBox 76">
+              <a:extLst>
+                <a:ext uri="{FF2B5EF4-FFF2-40B4-BE49-F238E27FC236}">
+                  <a16:creationId xmlns:a16="http://schemas.microsoft.com/office/drawing/2014/main" id="{DF0CB2AE-FEDE-4513-7F62-DDE42B06DF11}"/>
+                </a:ext>
+              </a:extLst>
+            </p:cNvPr>
+            <p:cNvSpPr txBox="1"/>
+            <p:nvPr/>
+          </p:nvSpPr>
+          <p:spPr>
+            <a:xfrm>
+              <a:off x="4118808" y="3266906"/>
+              <a:ext cx="1184940" cy="430887"/>
+            </a:xfrm>
+            <a:prstGeom prst="rect">
+              <a:avLst/>
+            </a:prstGeom>
+            <a:noFill/>
+          </p:spPr>
+          <p:txBody>
+            <a:bodyPr wrap="none" rtlCol="0">
+              <a:spAutoFit/>
+            </a:bodyPr>
+            <a:lstStyle/>
+            <a:p>
+              <a:r>
+                <a:rPr lang="en-US" altLang="ko-KR" sz="1100" dirty="0">
+                  <a:solidFill>
+                    <a:srgbClr val="185E73"/>
+                  </a:solidFill>
+                  <a:latin typeface="Consolas" panose="020B0609020204030204" pitchFamily="49" charset="0"/>
+                </a:rPr>
+                <a:t>ElevateButton</a:t>
+              </a:r>
+            </a:p>
+            <a:p>
+              <a:r>
+                <a:rPr lang="en-US" altLang="ko-KR" sz="1100" dirty="0">
+                  <a:solidFill>
+                    <a:srgbClr val="185E73"/>
+                  </a:solidFill>
+                  <a:latin typeface="Consolas" panose="020B0609020204030204" pitchFamily="49" charset="0"/>
+                </a:rPr>
+                <a:t>- dog</a:t>
+              </a:r>
+              <a:r>
+                <a:rPr lang="en-US" altLang="ko-KR" sz="1100" b="0" dirty="0">
+                  <a:solidFill>
+                    <a:srgbClr val="292929"/>
+                  </a:solidFill>
+                  <a:effectLst/>
+                  <a:latin typeface="Consolas" panose="020B0609020204030204" pitchFamily="49" charset="0"/>
+                </a:rPr>
+                <a:t>.</a:t>
+              </a:r>
+              <a:r>
+                <a:rPr lang="en-US" altLang="ko-KR" sz="1100" b="0" dirty="0">
+                  <a:solidFill>
+                    <a:srgbClr val="5E2CBC"/>
+                  </a:solidFill>
+                  <a:effectLst/>
+                  <a:latin typeface="Consolas" panose="020B0609020204030204" pitchFamily="49" charset="0"/>
+                </a:rPr>
+                <a:t>grow</a:t>
+              </a:r>
+              <a:r>
+                <a:rPr lang="en-US" altLang="ko-KR" sz="1100" b="0" dirty="0">
+                  <a:solidFill>
+                    <a:srgbClr val="292929"/>
+                  </a:solidFill>
+                  <a:effectLst/>
+                  <a:latin typeface="Consolas" panose="020B0609020204030204" pitchFamily="49" charset="0"/>
+                </a:rPr>
+                <a:t>()</a:t>
+              </a:r>
+            </a:p>
+          </p:txBody>
+        </p:sp>
+      </p:grpSp>
+      <p:cxnSp>
+        <p:nvCxnSpPr>
+          <p:cNvPr id="78" name="직선 화살표 연결선 77">
+            <a:extLst>
+              <a:ext uri="{FF2B5EF4-FFF2-40B4-BE49-F238E27FC236}">
+                <a16:creationId xmlns:a16="http://schemas.microsoft.com/office/drawing/2014/main" id="{0FC8FCAE-25EA-582B-7FC9-F113242608B5}"/>
+              </a:ext>
+            </a:extLst>
+          </p:cNvPr>
+          <p:cNvCxnSpPr>
+            <a:cxnSpLocks/>
+            <a:stCxn id="61" idx="4"/>
+            <a:endCxn id="73" idx="7"/>
+          </p:cNvCxnSpPr>
+          <p:nvPr/>
+        </p:nvCxnSpPr>
+        <p:spPr>
+          <a:xfrm flipH="1">
+            <a:off x="6177422" y="2739267"/>
+            <a:ext cx="493547" cy="234979"/>
+          </a:xfrm>
+          <a:prstGeom prst="straightConnector1">
+            <a:avLst/>
+          </a:prstGeom>
+          <a:ln>
+            <a:tailEnd type="triangle"/>
+          </a:ln>
+        </p:spPr>
+        <p:style>
+          <a:lnRef idx="1">
+            <a:schemeClr val="accent1"/>
+          </a:lnRef>
+          <a:fillRef idx="0">
+            <a:schemeClr val="accent1"/>
+          </a:fillRef>
+          <a:effectRef idx="0">
+            <a:schemeClr val="accent1"/>
+          </a:effectRef>
+          <a:fontRef idx="minor">
+            <a:schemeClr val="tx1"/>
+          </a:fontRef>
+        </p:style>
+      </p:cxnSp>
+      <p:cxnSp>
+        <p:nvCxnSpPr>
+          <p:cNvPr id="79" name="직선 화살표 연결선 78">
+            <a:extLst>
+              <a:ext uri="{FF2B5EF4-FFF2-40B4-BE49-F238E27FC236}">
+                <a16:creationId xmlns:a16="http://schemas.microsoft.com/office/drawing/2014/main" id="{E63123B7-8739-916A-D878-B153E2CB23AE}"/>
+              </a:ext>
+            </a:extLst>
+          </p:cNvPr>
+          <p:cNvCxnSpPr>
+            <a:cxnSpLocks/>
+            <a:stCxn id="53" idx="4"/>
+            <a:endCxn id="65" idx="0"/>
+          </p:cNvCxnSpPr>
+          <p:nvPr/>
+        </p:nvCxnSpPr>
+        <p:spPr>
+          <a:xfrm flipH="1">
+            <a:off x="3527845" y="988394"/>
+            <a:ext cx="2306547" cy="467001"/>
+          </a:xfrm>
+          <a:prstGeom prst="straightConnector1">
+            <a:avLst/>
+          </a:prstGeom>
+          <a:ln>
+            <a:tailEnd type="triangle"/>
+          </a:ln>
+        </p:spPr>
+        <p:style>
+          <a:lnRef idx="1">
+            <a:schemeClr val="accent1"/>
+          </a:lnRef>
+          <a:fillRef idx="0">
+            <a:schemeClr val="accent1"/>
+          </a:fillRef>
+          <a:effectRef idx="0">
+            <a:schemeClr val="accent1"/>
+          </a:effectRef>
+          <a:fontRef idx="minor">
+            <a:schemeClr val="tx1"/>
+          </a:fontRef>
+        </p:style>
+      </p:cxnSp>
+      <p:cxnSp>
+        <p:nvCxnSpPr>
+          <p:cNvPr id="80" name="직선 화살표 연결선 79">
+            <a:extLst>
+              <a:ext uri="{FF2B5EF4-FFF2-40B4-BE49-F238E27FC236}">
+                <a16:creationId xmlns:a16="http://schemas.microsoft.com/office/drawing/2014/main" id="{9F914B28-63FA-29D9-5D05-FD726A1C4DFD}"/>
+              </a:ext>
+            </a:extLst>
+          </p:cNvPr>
+          <p:cNvCxnSpPr>
+            <a:cxnSpLocks/>
+            <a:stCxn id="61" idx="0"/>
+            <a:endCxn id="57" idx="4"/>
+          </p:cNvCxnSpPr>
+          <p:nvPr/>
+        </p:nvCxnSpPr>
+        <p:spPr>
+          <a:xfrm flipV="1">
+            <a:off x="6670969" y="1885042"/>
+            <a:ext cx="554082" cy="277932"/>
+          </a:xfrm>
+          <a:prstGeom prst="straightConnector1">
+            <a:avLst/>
+          </a:prstGeom>
+          <a:ln>
+            <a:tailEnd type="triangle"/>
+          </a:ln>
+        </p:spPr>
+        <p:style>
+          <a:lnRef idx="1">
+            <a:schemeClr val="accent1"/>
+          </a:lnRef>
+          <a:fillRef idx="0">
+            <a:schemeClr val="accent1"/>
+          </a:fillRef>
+          <a:effectRef idx="0">
+            <a:schemeClr val="accent1"/>
+          </a:effectRef>
+          <a:fontRef idx="minor">
+            <a:schemeClr val="tx1"/>
+          </a:fontRef>
+        </p:style>
+      </p:cxnSp>
+      <p:sp>
+        <p:nvSpPr>
+          <p:cNvPr id="84" name="TextBox 83">
+            <a:extLst>
+              <a:ext uri="{FF2B5EF4-FFF2-40B4-BE49-F238E27FC236}">
+                <a16:creationId xmlns:a16="http://schemas.microsoft.com/office/drawing/2014/main" id="{AE87AF8A-371B-5CF8-4394-05309BB9D2F4}"/>
+              </a:ext>
+            </a:extLst>
+          </p:cNvPr>
+          <p:cNvSpPr txBox="1"/>
+          <p:nvPr/>
+        </p:nvSpPr>
+        <p:spPr>
+          <a:xfrm>
+            <a:off x="5093438" y="1131532"/>
+            <a:ext cx="1685077" cy="600164"/>
+          </a:xfrm>
+          <a:prstGeom prst="rect">
+            <a:avLst/>
+          </a:prstGeom>
+          <a:noFill/>
+          <a:ln>
+            <a:solidFill>
+              <a:schemeClr val="accent1"/>
+            </a:solidFill>
+            <a:prstDash val="sysDash"/>
+          </a:ln>
+        </p:spPr>
+        <p:txBody>
+          <a:bodyPr wrap="none" rtlCol="0">
+            <a:spAutoFit/>
+          </a:bodyPr>
+          <a:lstStyle/>
+          <a:p>
+            <a:r>
+              <a:rPr lang="en-US" altLang="ko-KR" sz="1100" dirty="0">
+                <a:solidFill>
+                  <a:srgbClr val="185E73"/>
+                </a:solidFill>
+                <a:latin typeface="Consolas" panose="020B0609020204030204" pitchFamily="49" charset="0"/>
+              </a:rPr>
+              <a:t>Dog</a:t>
+            </a:r>
+            <a:r>
+              <a:rPr lang="ko-KR" altLang="en-US" sz="1100" dirty="0">
+                <a:solidFill>
+                  <a:srgbClr val="185E73"/>
+                </a:solidFill>
+                <a:latin typeface="Consolas" panose="020B0609020204030204" pitchFamily="49" charset="0"/>
+              </a:rPr>
+              <a:t> </a:t>
+            </a:r>
+            <a:r>
+              <a:rPr lang="en-US" altLang="ko-KR" sz="1100" dirty="0">
+                <a:solidFill>
+                  <a:srgbClr val="185E73"/>
+                </a:solidFill>
+                <a:latin typeface="Consolas" panose="020B0609020204030204" pitchFamily="49" charset="0"/>
+              </a:rPr>
+              <a:t>instance</a:t>
+            </a:r>
+            <a:r>
+              <a:rPr lang="ko-KR" altLang="en-US" sz="1100" dirty="0">
+                <a:solidFill>
+                  <a:srgbClr val="185E73"/>
+                </a:solidFill>
+                <a:latin typeface="Consolas" panose="020B0609020204030204" pitchFamily="49" charset="0"/>
+              </a:rPr>
+              <a:t>를</a:t>
+            </a:r>
+            <a:endParaRPr lang="en-US" altLang="ko-KR" sz="1100" dirty="0">
+              <a:solidFill>
+                <a:srgbClr val="185E73"/>
+              </a:solidFill>
+              <a:latin typeface="Consolas" panose="020B0609020204030204" pitchFamily="49" charset="0"/>
+            </a:endParaRPr>
+          </a:p>
+          <a:p>
+            <a:r>
+              <a:rPr lang="ko-KR" altLang="en-US" sz="1100" dirty="0">
+                <a:solidFill>
+                  <a:srgbClr val="185E73"/>
+                </a:solidFill>
+                <a:latin typeface="Consolas" panose="020B0609020204030204" pitchFamily="49" charset="0"/>
+              </a:rPr>
+              <a:t>하위 </a:t>
+            </a:r>
+            <a:r>
+              <a:rPr lang="en-US" altLang="ko-KR" sz="1100" dirty="0">
+                <a:solidFill>
+                  <a:srgbClr val="185E73"/>
+                </a:solidFill>
+                <a:latin typeface="Consolas" panose="020B0609020204030204" pitchFamily="49" charset="0"/>
+              </a:rPr>
+              <a:t>Widget(class)</a:t>
+            </a:r>
+            <a:r>
+              <a:rPr lang="ko-KR" altLang="en-US" sz="1100" dirty="0">
+                <a:solidFill>
+                  <a:srgbClr val="185E73"/>
+                </a:solidFill>
+                <a:latin typeface="Consolas" panose="020B0609020204030204" pitchFamily="49" charset="0"/>
+              </a:rPr>
+              <a:t>로</a:t>
+            </a:r>
+            <a:endParaRPr lang="en-US" altLang="ko-KR" sz="1100" dirty="0">
+              <a:solidFill>
+                <a:srgbClr val="185E73"/>
+              </a:solidFill>
+              <a:latin typeface="Consolas" panose="020B0609020204030204" pitchFamily="49" charset="0"/>
+            </a:endParaRPr>
+          </a:p>
+          <a:p>
+            <a:r>
+              <a:rPr lang="en-US" altLang="ko-KR" sz="1100" dirty="0">
+                <a:solidFill>
+                  <a:srgbClr val="185E73"/>
+                </a:solidFill>
+                <a:latin typeface="Consolas" panose="020B0609020204030204" pitchFamily="49" charset="0"/>
+              </a:rPr>
+              <a:t>Arg</a:t>
+            </a:r>
+            <a:r>
+              <a:rPr lang="ko-KR" altLang="en-US" sz="1100" dirty="0">
+                <a:solidFill>
+                  <a:srgbClr val="185E73"/>
+                </a:solidFill>
+                <a:latin typeface="Consolas" panose="020B0609020204030204" pitchFamily="49" charset="0"/>
+              </a:rPr>
+              <a:t>형태로 전달한다</a:t>
+            </a:r>
+            <a:r>
+              <a:rPr lang="en-US" altLang="ko-KR" sz="1100" dirty="0">
+                <a:solidFill>
+                  <a:srgbClr val="185E73"/>
+                </a:solidFill>
+                <a:latin typeface="Consolas" panose="020B0609020204030204" pitchFamily="49" charset="0"/>
+              </a:rPr>
+              <a:t>.</a:t>
+            </a:r>
+          </a:p>
+        </p:txBody>
+      </p:sp>
+    </p:spTree>
+    <p:extLst>
+      <p:ext uri="{BB962C8B-B14F-4D97-AF65-F5344CB8AC3E}">
+        <p14:creationId xmlns:p14="http://schemas.microsoft.com/office/powerpoint/2010/main" val="1473304183"/>
+      </p:ext>
+    </p:extLst>
+  </p:cSld>
+  <p:clrMapOvr>
+    <a:masterClrMapping/>
+  </p:clrMapOvr>
+</p:sld>
+</file>
+
+<file path=ppt/slides/slide3.xml><?xml version="1.0" encoding="utf-8"?>
 <p:sld xmlns:a="http://schemas.openxmlformats.org/drawingml/2006/main" xmlns:r="http://schemas.openxmlformats.org/officeDocument/2006/relationships" xmlns:p="http://schemas.openxmlformats.org/presentationml/2006/main">
   <p:cSld>
     <p:spTree>
@@ -9838,36 +12143,6 @@
     <p:extLst>
       <p:ext uri="{BB962C8B-B14F-4D97-AF65-F5344CB8AC3E}">
         <p14:creationId xmlns:p14="http://schemas.microsoft.com/office/powerpoint/2010/main" val="4226569168"/>
-      </p:ext>
-    </p:extLst>
-  </p:cSld>
-  <p:clrMapOvr>
-    <a:masterClrMapping/>
-  </p:clrMapOvr>
-</p:sld>
-</file>
-
-<file path=ppt/slides/slide3.xml><?xml version="1.0" encoding="utf-8"?>
-<p:sld xmlns:a="http://schemas.openxmlformats.org/drawingml/2006/main" xmlns:r="http://schemas.openxmlformats.org/officeDocument/2006/relationships" xmlns:p="http://schemas.openxmlformats.org/presentationml/2006/main">
-  <p:cSld>
-    <p:spTree>
-      <p:nvGrpSpPr>
-        <p:cNvPr id="1" name=""/>
-        <p:cNvGrpSpPr/>
-        <p:nvPr/>
-      </p:nvGrpSpPr>
-      <p:grpSpPr>
-        <a:xfrm>
-          <a:off x="0" y="0"/>
-          <a:ext cx="0" cy="0"/>
-          <a:chOff x="0" y="0"/>
-          <a:chExt cx="0" cy="0"/>
-        </a:xfrm>
-      </p:grpSpPr>
-    </p:spTree>
-    <p:extLst>
-      <p:ext uri="{BB962C8B-B14F-4D97-AF65-F5344CB8AC3E}">
-        <p14:creationId xmlns:p14="http://schemas.microsoft.com/office/powerpoint/2010/main" val="1473304183"/>
       </p:ext>
     </p:extLst>
   </p:cSld>

--- a/provider_pattern_udemy/ProviderPatterUdemy.pptx
+++ b/provider_pattern_udemy/ProviderPatterUdemy.pptx
@@ -12169,6 +12169,2145 @@
           <a:chExt cx="0" cy="0"/>
         </a:xfrm>
       </p:grpSpPr>
+      <p:sp>
+        <p:nvSpPr>
+          <p:cNvPr id="2" name="TextBox 1">
+            <a:extLst>
+              <a:ext uri="{FF2B5EF4-FFF2-40B4-BE49-F238E27FC236}">
+                <a16:creationId xmlns:a16="http://schemas.microsoft.com/office/drawing/2014/main" id="{5CEA5AF8-2128-1FA9-E959-A72E42F06F6A}"/>
+              </a:ext>
+            </a:extLst>
+          </p:cNvPr>
+          <p:cNvSpPr txBox="1"/>
+          <p:nvPr/>
+        </p:nvSpPr>
+        <p:spPr>
+          <a:xfrm>
+            <a:off x="10160" y="13454"/>
+            <a:ext cx="6096000" cy="276999"/>
+          </a:xfrm>
+          <a:prstGeom prst="rect">
+            <a:avLst/>
+          </a:prstGeom>
+          <a:noFill/>
+        </p:spPr>
+        <p:txBody>
+          <a:bodyPr wrap="square">
+            <a:spAutoFit/>
+          </a:bodyPr>
+          <a:lstStyle/>
+          <a:p>
+            <a:r>
+              <a:rPr lang="en-US" altLang="ko-KR" sz="1200" dirty="0"/>
+              <a:t>step6_FutureProvider</a:t>
+            </a:r>
+            <a:endParaRPr lang="ko-KR" altLang="en-US" sz="1200" dirty="0"/>
+          </a:p>
+        </p:txBody>
+      </p:sp>
+      <p:cxnSp>
+        <p:nvCxnSpPr>
+          <p:cNvPr id="3" name="직선 연결선 2">
+            <a:extLst>
+              <a:ext uri="{FF2B5EF4-FFF2-40B4-BE49-F238E27FC236}">
+                <a16:creationId xmlns:a16="http://schemas.microsoft.com/office/drawing/2014/main" id="{6798324F-7FB1-EB3B-D4F5-CCE0DB0DF5EF}"/>
+              </a:ext>
+            </a:extLst>
+          </p:cNvPr>
+          <p:cNvCxnSpPr/>
+          <p:nvPr/>
+        </p:nvCxnSpPr>
+        <p:spPr>
+          <a:xfrm>
+            <a:off x="0" y="290453"/>
+            <a:ext cx="12192000" cy="0"/>
+          </a:xfrm>
+          <a:prstGeom prst="line">
+            <a:avLst/>
+          </a:prstGeom>
+        </p:spPr>
+        <p:style>
+          <a:lnRef idx="1">
+            <a:schemeClr val="accent1"/>
+          </a:lnRef>
+          <a:fillRef idx="0">
+            <a:schemeClr val="accent1"/>
+          </a:fillRef>
+          <a:effectRef idx="0">
+            <a:schemeClr val="accent1"/>
+          </a:effectRef>
+          <a:fontRef idx="minor">
+            <a:schemeClr val="tx1"/>
+          </a:fontRef>
+        </p:style>
+      </p:cxnSp>
+      <p:sp>
+        <p:nvSpPr>
+          <p:cNvPr id="4" name="TextBox 3">
+            <a:extLst>
+              <a:ext uri="{FF2B5EF4-FFF2-40B4-BE49-F238E27FC236}">
+                <a16:creationId xmlns:a16="http://schemas.microsoft.com/office/drawing/2014/main" id="{8488DBE7-8BEC-53D4-1682-A928603A3CA0}"/>
+              </a:ext>
+            </a:extLst>
+          </p:cNvPr>
+          <p:cNvSpPr txBox="1"/>
+          <p:nvPr/>
+        </p:nvSpPr>
+        <p:spPr>
+          <a:xfrm>
+            <a:off x="121722" y="391788"/>
+            <a:ext cx="6069528" cy="3647152"/>
+          </a:xfrm>
+          <a:prstGeom prst="rect">
+            <a:avLst/>
+          </a:prstGeom>
+          <a:noFill/>
+          <a:ln>
+            <a:solidFill>
+              <a:schemeClr val="accent1"/>
+            </a:solidFill>
+          </a:ln>
+        </p:spPr>
+        <p:txBody>
+          <a:bodyPr wrap="square">
+            <a:spAutoFit/>
+          </a:bodyPr>
+          <a:lstStyle/>
+          <a:p>
+            <a:r>
+              <a:rPr lang="en-US" altLang="ko-KR" sz="1100" b="0" dirty="0">
+                <a:solidFill>
+                  <a:srgbClr val="0F4A85"/>
+                </a:solidFill>
+                <a:effectLst/>
+                <a:latin typeface="Consolas" panose="020B0609020204030204" pitchFamily="49" charset="0"/>
+              </a:rPr>
+              <a:t>class</a:t>
+            </a:r>
+            <a:r>
+              <a:rPr lang="en-US" altLang="ko-KR" sz="1100" b="0" dirty="0">
+                <a:solidFill>
+                  <a:srgbClr val="292929"/>
+                </a:solidFill>
+                <a:effectLst/>
+                <a:latin typeface="Consolas" panose="020B0609020204030204" pitchFamily="49" charset="0"/>
+              </a:rPr>
+              <a:t> </a:t>
+            </a:r>
+            <a:r>
+              <a:rPr lang="en-US" altLang="ko-KR" sz="1100" b="0" dirty="0">
+                <a:solidFill>
+                  <a:srgbClr val="185E73"/>
+                </a:solidFill>
+                <a:effectLst/>
+                <a:latin typeface="Consolas" panose="020B0609020204030204" pitchFamily="49" charset="0"/>
+              </a:rPr>
+              <a:t>MyApp</a:t>
+            </a:r>
+            <a:r>
+              <a:rPr lang="en-US" altLang="ko-KR" sz="1100" b="0" dirty="0">
+                <a:solidFill>
+                  <a:srgbClr val="292929"/>
+                </a:solidFill>
+                <a:effectLst/>
+                <a:latin typeface="Consolas" panose="020B0609020204030204" pitchFamily="49" charset="0"/>
+              </a:rPr>
+              <a:t> </a:t>
+            </a:r>
+            <a:r>
+              <a:rPr lang="en-US" altLang="ko-KR" sz="1100" b="0" dirty="0">
+                <a:solidFill>
+                  <a:srgbClr val="0F4A85"/>
+                </a:solidFill>
+                <a:effectLst/>
+                <a:latin typeface="Consolas" panose="020B0609020204030204" pitchFamily="49" charset="0"/>
+              </a:rPr>
+              <a:t>extends</a:t>
+            </a:r>
+            <a:r>
+              <a:rPr lang="en-US" altLang="ko-KR" sz="1100" b="0" dirty="0">
+                <a:solidFill>
+                  <a:srgbClr val="292929"/>
+                </a:solidFill>
+                <a:effectLst/>
+                <a:latin typeface="Consolas" panose="020B0609020204030204" pitchFamily="49" charset="0"/>
+              </a:rPr>
+              <a:t> </a:t>
+            </a:r>
+            <a:r>
+              <a:rPr lang="en-US" altLang="ko-KR" sz="1100" b="0" dirty="0">
+                <a:solidFill>
+                  <a:srgbClr val="185E73"/>
+                </a:solidFill>
+                <a:effectLst/>
+                <a:latin typeface="Consolas" panose="020B0609020204030204" pitchFamily="49" charset="0"/>
+              </a:rPr>
+              <a:t>StatelessWidget</a:t>
+            </a:r>
+            <a:r>
+              <a:rPr lang="en-US" altLang="ko-KR" sz="1100" b="0" dirty="0">
+                <a:solidFill>
+                  <a:srgbClr val="292929"/>
+                </a:solidFill>
+                <a:effectLst/>
+                <a:latin typeface="Consolas" panose="020B0609020204030204" pitchFamily="49" charset="0"/>
+              </a:rPr>
+              <a:t> {</a:t>
+            </a:r>
+          </a:p>
+          <a:p>
+            <a:r>
+              <a:rPr lang="en-US" altLang="ko-KR" sz="1100" b="0" dirty="0">
+                <a:solidFill>
+                  <a:srgbClr val="292929"/>
+                </a:solidFill>
+                <a:effectLst/>
+                <a:latin typeface="Consolas" panose="020B0609020204030204" pitchFamily="49" charset="0"/>
+              </a:rPr>
+              <a:t>  </a:t>
+            </a:r>
+            <a:r>
+              <a:rPr lang="en-US" altLang="ko-KR" sz="1100" b="0" dirty="0">
+                <a:solidFill>
+                  <a:srgbClr val="0F4A85"/>
+                </a:solidFill>
+                <a:effectLst/>
+                <a:latin typeface="Consolas" panose="020B0609020204030204" pitchFamily="49" charset="0"/>
+              </a:rPr>
+              <a:t>……</a:t>
+            </a:r>
+            <a:endParaRPr lang="en-US" altLang="ko-KR" sz="1100" b="0" dirty="0">
+              <a:solidFill>
+                <a:srgbClr val="292929"/>
+              </a:solidFill>
+              <a:effectLst/>
+              <a:latin typeface="Consolas" panose="020B0609020204030204" pitchFamily="49" charset="0"/>
+            </a:endParaRPr>
+          </a:p>
+          <a:p>
+            <a:r>
+              <a:rPr lang="en-US" altLang="ko-KR" sz="1100" b="0" dirty="0">
+                <a:solidFill>
+                  <a:srgbClr val="292929"/>
+                </a:solidFill>
+                <a:effectLst/>
+                <a:latin typeface="Consolas" panose="020B0609020204030204" pitchFamily="49" charset="0"/>
+              </a:rPr>
+              <a:t>  </a:t>
+            </a:r>
+            <a:r>
+              <a:rPr lang="en-US" altLang="ko-KR" sz="1100" b="0" dirty="0">
+                <a:solidFill>
+                  <a:srgbClr val="185E73"/>
+                </a:solidFill>
+                <a:effectLst/>
+                <a:latin typeface="Consolas" panose="020B0609020204030204" pitchFamily="49" charset="0"/>
+              </a:rPr>
+              <a:t>Widget</a:t>
+            </a:r>
+            <a:r>
+              <a:rPr lang="en-US" altLang="ko-KR" sz="1100" b="0" dirty="0">
+                <a:solidFill>
+                  <a:srgbClr val="292929"/>
+                </a:solidFill>
+                <a:effectLst/>
+                <a:latin typeface="Consolas" panose="020B0609020204030204" pitchFamily="49" charset="0"/>
+              </a:rPr>
+              <a:t> </a:t>
+            </a:r>
+            <a:r>
+              <a:rPr lang="en-US" altLang="ko-KR" sz="1100" b="0" dirty="0">
+                <a:solidFill>
+                  <a:srgbClr val="5E2CBC"/>
+                </a:solidFill>
+                <a:effectLst/>
+                <a:latin typeface="Consolas" panose="020B0609020204030204" pitchFamily="49" charset="0"/>
+              </a:rPr>
+              <a:t>build</a:t>
+            </a:r>
+            <a:r>
+              <a:rPr lang="en-US" altLang="ko-KR" sz="1100" b="0" dirty="0">
+                <a:solidFill>
+                  <a:srgbClr val="292929"/>
+                </a:solidFill>
+                <a:effectLst/>
+                <a:latin typeface="Consolas" panose="020B0609020204030204" pitchFamily="49" charset="0"/>
+              </a:rPr>
+              <a:t>(</a:t>
+            </a:r>
+            <a:r>
+              <a:rPr lang="en-US" altLang="ko-KR" sz="1100" b="0" dirty="0">
+                <a:solidFill>
+                  <a:srgbClr val="185E73"/>
+                </a:solidFill>
+                <a:effectLst/>
+                <a:latin typeface="Consolas" panose="020B0609020204030204" pitchFamily="49" charset="0"/>
+              </a:rPr>
+              <a:t>BuildContext</a:t>
+            </a:r>
+            <a:r>
+              <a:rPr lang="en-US" altLang="ko-KR" sz="1100" b="0" dirty="0">
+                <a:solidFill>
+                  <a:srgbClr val="292929"/>
+                </a:solidFill>
+                <a:effectLst/>
+                <a:latin typeface="Consolas" panose="020B0609020204030204" pitchFamily="49" charset="0"/>
+              </a:rPr>
+              <a:t> context) {</a:t>
+            </a:r>
+          </a:p>
+          <a:p>
+            <a:r>
+              <a:rPr lang="en-US" altLang="ko-KR" sz="1100" b="0" dirty="0">
+                <a:solidFill>
+                  <a:srgbClr val="292929"/>
+                </a:solidFill>
+                <a:effectLst/>
+                <a:latin typeface="Consolas" panose="020B0609020204030204" pitchFamily="49" charset="0"/>
+              </a:rPr>
+              <a:t>    </a:t>
+            </a:r>
+            <a:r>
+              <a:rPr lang="en-US" altLang="ko-KR" sz="1100" b="0" dirty="0">
+                <a:solidFill>
+                  <a:srgbClr val="B5200D"/>
+                </a:solidFill>
+                <a:effectLst/>
+                <a:latin typeface="Consolas" panose="020B0609020204030204" pitchFamily="49" charset="0"/>
+              </a:rPr>
+              <a:t>return</a:t>
+            </a:r>
+            <a:r>
+              <a:rPr lang="en-US" altLang="ko-KR" sz="1100" b="0" dirty="0">
+                <a:solidFill>
+                  <a:srgbClr val="292929"/>
+                </a:solidFill>
+                <a:effectLst/>
+                <a:latin typeface="Consolas" panose="020B0609020204030204" pitchFamily="49" charset="0"/>
+              </a:rPr>
+              <a:t> </a:t>
+            </a:r>
+            <a:r>
+              <a:rPr lang="en-US" altLang="ko-KR" sz="1100" b="0" dirty="0">
+                <a:solidFill>
+                  <a:srgbClr val="185E73"/>
+                </a:solidFill>
+                <a:effectLst/>
+                <a:latin typeface="Consolas" panose="020B0609020204030204" pitchFamily="49" charset="0"/>
+              </a:rPr>
+              <a:t>MultiProvider</a:t>
+            </a:r>
+            <a:r>
+              <a:rPr lang="en-US" altLang="ko-KR" sz="1100" b="0" dirty="0">
+                <a:solidFill>
+                  <a:srgbClr val="292929"/>
+                </a:solidFill>
+                <a:effectLst/>
+                <a:latin typeface="Consolas" panose="020B0609020204030204" pitchFamily="49" charset="0"/>
+              </a:rPr>
+              <a:t>(</a:t>
+            </a:r>
+          </a:p>
+          <a:p>
+            <a:r>
+              <a:rPr lang="en-US" altLang="ko-KR" sz="1100" b="0" dirty="0">
+                <a:solidFill>
+                  <a:srgbClr val="292929"/>
+                </a:solidFill>
+                <a:effectLst/>
+                <a:latin typeface="Consolas" panose="020B0609020204030204" pitchFamily="49" charset="0"/>
+              </a:rPr>
+              <a:t>      providers</a:t>
+            </a:r>
+            <a:r>
+              <a:rPr lang="en-US" altLang="ko-KR" sz="1100" b="0" dirty="0">
+                <a:solidFill>
+                  <a:srgbClr val="000000"/>
+                </a:solidFill>
+                <a:effectLst/>
+                <a:latin typeface="Consolas" panose="020B0609020204030204" pitchFamily="49" charset="0"/>
+              </a:rPr>
+              <a:t>:</a:t>
+            </a:r>
+            <a:r>
+              <a:rPr lang="en-US" altLang="ko-KR" sz="1100" b="0" dirty="0">
+                <a:solidFill>
+                  <a:srgbClr val="292929"/>
+                </a:solidFill>
+                <a:effectLst/>
+                <a:latin typeface="Consolas" panose="020B0609020204030204" pitchFamily="49" charset="0"/>
+              </a:rPr>
+              <a:t> [</a:t>
+            </a:r>
+          </a:p>
+          <a:p>
+            <a:r>
+              <a:rPr lang="en-US" altLang="ko-KR" sz="1100" b="0" dirty="0">
+                <a:solidFill>
+                  <a:srgbClr val="292929"/>
+                </a:solidFill>
+                <a:effectLst/>
+                <a:latin typeface="Consolas" panose="020B0609020204030204" pitchFamily="49" charset="0"/>
+              </a:rPr>
+              <a:t>        </a:t>
+            </a:r>
+            <a:r>
+              <a:rPr lang="en-US" altLang="ko-KR" sz="1100" b="0" dirty="0">
+                <a:solidFill>
+                  <a:srgbClr val="185E73"/>
+                </a:solidFill>
+                <a:effectLst/>
+                <a:latin typeface="Consolas" panose="020B0609020204030204" pitchFamily="49" charset="0"/>
+              </a:rPr>
+              <a:t>ChangeNotifierProvider</a:t>
+            </a:r>
+            <a:r>
+              <a:rPr lang="en-US" altLang="ko-KR" sz="1100" b="0" dirty="0">
+                <a:solidFill>
+                  <a:srgbClr val="292929"/>
+                </a:solidFill>
+                <a:effectLst/>
+                <a:latin typeface="Consolas" panose="020B0609020204030204" pitchFamily="49" charset="0"/>
+              </a:rPr>
+              <a:t>&lt;</a:t>
+            </a:r>
+            <a:r>
+              <a:rPr lang="en-US" altLang="ko-KR" sz="1100" b="0" dirty="0">
+                <a:solidFill>
+                  <a:srgbClr val="185E73"/>
+                </a:solidFill>
+                <a:effectLst/>
+                <a:latin typeface="Consolas" panose="020B0609020204030204" pitchFamily="49" charset="0"/>
+              </a:rPr>
+              <a:t>Dog</a:t>
+            </a:r>
+            <a:r>
+              <a:rPr lang="en-US" altLang="ko-KR" sz="1100" b="0" dirty="0">
+                <a:solidFill>
+                  <a:srgbClr val="292929"/>
+                </a:solidFill>
+                <a:effectLst/>
+                <a:latin typeface="Consolas" panose="020B0609020204030204" pitchFamily="49" charset="0"/>
+              </a:rPr>
+              <a:t>&gt;(</a:t>
+            </a:r>
+          </a:p>
+          <a:p>
+            <a:r>
+              <a:rPr lang="en-US" altLang="ko-KR" sz="1100" b="0" dirty="0">
+                <a:solidFill>
+                  <a:srgbClr val="292929"/>
+                </a:solidFill>
+                <a:effectLst/>
+                <a:latin typeface="Consolas" panose="020B0609020204030204" pitchFamily="49" charset="0"/>
+              </a:rPr>
+              <a:t>          create</a:t>
+            </a:r>
+            <a:r>
+              <a:rPr lang="en-US" altLang="ko-KR" sz="1100" b="0" dirty="0">
+                <a:solidFill>
+                  <a:srgbClr val="000000"/>
+                </a:solidFill>
+                <a:effectLst/>
+                <a:latin typeface="Consolas" panose="020B0609020204030204" pitchFamily="49" charset="0"/>
+              </a:rPr>
+              <a:t>:</a:t>
+            </a:r>
+            <a:r>
+              <a:rPr lang="en-US" altLang="ko-KR" sz="1100" b="0" dirty="0">
+                <a:solidFill>
+                  <a:srgbClr val="292929"/>
+                </a:solidFill>
+                <a:effectLst/>
+                <a:latin typeface="Consolas" panose="020B0609020204030204" pitchFamily="49" charset="0"/>
+              </a:rPr>
+              <a:t> (context) </a:t>
+            </a:r>
+            <a:r>
+              <a:rPr lang="en-US" altLang="ko-KR" sz="1100" b="0" dirty="0">
+                <a:solidFill>
+                  <a:srgbClr val="000000"/>
+                </a:solidFill>
+                <a:effectLst/>
+                <a:latin typeface="Consolas" panose="020B0609020204030204" pitchFamily="49" charset="0"/>
+              </a:rPr>
+              <a:t>=&gt;</a:t>
+            </a:r>
+            <a:r>
+              <a:rPr lang="en-US" altLang="ko-KR" sz="1100" b="0" dirty="0">
+                <a:solidFill>
+                  <a:srgbClr val="292929"/>
+                </a:solidFill>
+                <a:effectLst/>
+                <a:latin typeface="Consolas" panose="020B0609020204030204" pitchFamily="49" charset="0"/>
+              </a:rPr>
+              <a:t> </a:t>
+            </a:r>
+            <a:r>
+              <a:rPr lang="en-US" altLang="ko-KR" sz="1100" b="0" dirty="0">
+                <a:solidFill>
+                  <a:srgbClr val="185E73"/>
+                </a:solidFill>
+                <a:effectLst/>
+                <a:latin typeface="Consolas" panose="020B0609020204030204" pitchFamily="49" charset="0"/>
+              </a:rPr>
+              <a:t>Dog</a:t>
+            </a:r>
+            <a:r>
+              <a:rPr lang="en-US" altLang="ko-KR" sz="1100" b="0" dirty="0">
+                <a:solidFill>
+                  <a:srgbClr val="292929"/>
+                </a:solidFill>
+                <a:effectLst/>
+                <a:latin typeface="Consolas" panose="020B0609020204030204" pitchFamily="49" charset="0"/>
+              </a:rPr>
+              <a:t>(name</a:t>
+            </a:r>
+            <a:r>
+              <a:rPr lang="en-US" altLang="ko-KR" sz="1100" b="0" dirty="0">
+                <a:solidFill>
+                  <a:srgbClr val="000000"/>
+                </a:solidFill>
+                <a:effectLst/>
+                <a:latin typeface="Consolas" panose="020B0609020204030204" pitchFamily="49" charset="0"/>
+              </a:rPr>
+              <a:t>:</a:t>
+            </a:r>
+            <a:r>
+              <a:rPr lang="en-US" altLang="ko-KR" sz="1100" b="0" dirty="0">
+                <a:solidFill>
+                  <a:srgbClr val="292929"/>
+                </a:solidFill>
+                <a:effectLst/>
+                <a:latin typeface="Consolas" panose="020B0609020204030204" pitchFamily="49" charset="0"/>
+              </a:rPr>
+              <a:t> </a:t>
+            </a:r>
+            <a:r>
+              <a:rPr lang="en-US" altLang="ko-KR" sz="1100" b="0" dirty="0">
+                <a:solidFill>
+                  <a:srgbClr val="0F4A85"/>
+                </a:solidFill>
+                <a:effectLst/>
+                <a:latin typeface="Consolas" panose="020B0609020204030204" pitchFamily="49" charset="0"/>
+              </a:rPr>
+              <a:t>'dog06'</a:t>
+            </a:r>
+            <a:r>
+              <a:rPr lang="en-US" altLang="ko-KR" sz="1100" b="0" dirty="0">
+                <a:solidFill>
+                  <a:srgbClr val="292929"/>
+                </a:solidFill>
+                <a:effectLst/>
+                <a:latin typeface="Consolas" panose="020B0609020204030204" pitchFamily="49" charset="0"/>
+              </a:rPr>
+              <a:t>, breed</a:t>
+            </a:r>
+            <a:r>
+              <a:rPr lang="en-US" altLang="ko-KR" sz="1100" b="0" dirty="0">
+                <a:solidFill>
+                  <a:srgbClr val="000000"/>
+                </a:solidFill>
+                <a:effectLst/>
+                <a:latin typeface="Consolas" panose="020B0609020204030204" pitchFamily="49" charset="0"/>
+              </a:rPr>
+              <a:t>:</a:t>
+            </a:r>
+            <a:r>
+              <a:rPr lang="en-US" altLang="ko-KR" sz="1100" b="0" dirty="0">
+                <a:solidFill>
+                  <a:srgbClr val="292929"/>
+                </a:solidFill>
+                <a:effectLst/>
+                <a:latin typeface="Consolas" panose="020B0609020204030204" pitchFamily="49" charset="0"/>
+              </a:rPr>
+              <a:t> </a:t>
+            </a:r>
+            <a:r>
+              <a:rPr lang="en-US" altLang="ko-KR" sz="1100" b="0" dirty="0">
+                <a:solidFill>
+                  <a:srgbClr val="0F4A85"/>
+                </a:solidFill>
+                <a:effectLst/>
+                <a:latin typeface="Consolas" panose="020B0609020204030204" pitchFamily="49" charset="0"/>
+              </a:rPr>
+              <a:t>'breed06'</a:t>
+            </a:r>
+            <a:r>
+              <a:rPr lang="en-US" altLang="ko-KR" sz="1100" b="0" dirty="0">
+                <a:solidFill>
+                  <a:srgbClr val="292929"/>
+                </a:solidFill>
+                <a:effectLst/>
+                <a:latin typeface="Consolas" panose="020B0609020204030204" pitchFamily="49" charset="0"/>
+              </a:rPr>
+              <a:t>, age</a:t>
+            </a:r>
+            <a:r>
+              <a:rPr lang="en-US" altLang="ko-KR" sz="1100" b="0" dirty="0">
+                <a:solidFill>
+                  <a:srgbClr val="000000"/>
+                </a:solidFill>
+                <a:effectLst/>
+                <a:latin typeface="Consolas" panose="020B0609020204030204" pitchFamily="49" charset="0"/>
+              </a:rPr>
+              <a:t>:</a:t>
+            </a:r>
+            <a:r>
+              <a:rPr lang="en-US" altLang="ko-KR" sz="1100" b="0" dirty="0">
+                <a:solidFill>
+                  <a:srgbClr val="292929"/>
+                </a:solidFill>
+                <a:effectLst/>
+                <a:latin typeface="Consolas" panose="020B0609020204030204" pitchFamily="49" charset="0"/>
+              </a:rPr>
+              <a:t> </a:t>
+            </a:r>
+            <a:r>
+              <a:rPr lang="en-US" altLang="ko-KR" sz="1100" b="0" dirty="0">
+                <a:solidFill>
+                  <a:srgbClr val="096D48"/>
+                </a:solidFill>
+                <a:effectLst/>
+                <a:latin typeface="Consolas" panose="020B0609020204030204" pitchFamily="49" charset="0"/>
+              </a:rPr>
+              <a:t>1</a:t>
+            </a:r>
+            <a:r>
+              <a:rPr lang="en-US" altLang="ko-KR" sz="1100" b="0" dirty="0">
+                <a:solidFill>
+                  <a:srgbClr val="292929"/>
+                </a:solidFill>
+                <a:effectLst/>
+                <a:latin typeface="Consolas" panose="020B0609020204030204" pitchFamily="49" charset="0"/>
+              </a:rPr>
+              <a:t>),</a:t>
+            </a:r>
+          </a:p>
+          <a:p>
+            <a:r>
+              <a:rPr lang="en-US" altLang="ko-KR" sz="1100" b="0" dirty="0">
+                <a:solidFill>
+                  <a:srgbClr val="292929"/>
+                </a:solidFill>
+                <a:effectLst/>
+                <a:latin typeface="Consolas" panose="020B0609020204030204" pitchFamily="49" charset="0"/>
+              </a:rPr>
+              <a:t>        ),</a:t>
+            </a:r>
+          </a:p>
+          <a:p>
+            <a:r>
+              <a:rPr lang="ko-KR" altLang="en-US" sz="1100" b="0" dirty="0">
+                <a:solidFill>
+                  <a:srgbClr val="292929"/>
+                </a:solidFill>
+                <a:effectLst/>
+                <a:latin typeface="Consolas" panose="020B0609020204030204" pitchFamily="49" charset="0"/>
+              </a:rPr>
+              <a:t>      </a:t>
+            </a:r>
+            <a:r>
+              <a:rPr lang="en-US" altLang="ko-KR" sz="1100" b="0" dirty="0">
+                <a:solidFill>
+                  <a:srgbClr val="185E73"/>
+                </a:solidFill>
+                <a:effectLst/>
+                <a:latin typeface="Consolas" panose="020B0609020204030204" pitchFamily="49" charset="0"/>
+              </a:rPr>
+              <a:t>FutureProvider</a:t>
+            </a:r>
+            <a:r>
+              <a:rPr lang="en-US" altLang="ko-KR" sz="1100" b="0" dirty="0">
+                <a:solidFill>
+                  <a:srgbClr val="292929"/>
+                </a:solidFill>
+                <a:effectLst/>
+                <a:latin typeface="Consolas" panose="020B0609020204030204" pitchFamily="49" charset="0"/>
+              </a:rPr>
+              <a:t>&lt;</a:t>
+            </a:r>
+            <a:r>
+              <a:rPr lang="en-US" altLang="ko-KR" sz="1100" b="0" dirty="0">
+                <a:solidFill>
+                  <a:srgbClr val="185E73"/>
+                </a:solidFill>
+                <a:effectLst/>
+                <a:latin typeface="Consolas" panose="020B0609020204030204" pitchFamily="49" charset="0"/>
+              </a:rPr>
+              <a:t>int</a:t>
+            </a:r>
+            <a:r>
+              <a:rPr lang="en-US" altLang="ko-KR" sz="1100" b="0" dirty="0">
+                <a:solidFill>
+                  <a:srgbClr val="292929"/>
+                </a:solidFill>
+                <a:effectLst/>
+                <a:latin typeface="Consolas" panose="020B0609020204030204" pitchFamily="49" charset="0"/>
+              </a:rPr>
+              <a:t>&gt;(</a:t>
+            </a:r>
+          </a:p>
+          <a:p>
+            <a:r>
+              <a:rPr lang="en-US" altLang="ko-KR" sz="1100" b="0" dirty="0">
+                <a:solidFill>
+                  <a:srgbClr val="292929"/>
+                </a:solidFill>
+                <a:effectLst/>
+                <a:latin typeface="Consolas" panose="020B0609020204030204" pitchFamily="49" charset="0"/>
+              </a:rPr>
+              <a:t>          initialData</a:t>
+            </a:r>
+            <a:r>
+              <a:rPr lang="en-US" altLang="ko-KR" sz="1100" b="0" dirty="0">
+                <a:solidFill>
+                  <a:srgbClr val="000000"/>
+                </a:solidFill>
+                <a:effectLst/>
+                <a:latin typeface="Consolas" panose="020B0609020204030204" pitchFamily="49" charset="0"/>
+              </a:rPr>
+              <a:t>:</a:t>
+            </a:r>
+            <a:r>
+              <a:rPr lang="en-US" altLang="ko-KR" sz="1100" b="0" dirty="0">
+                <a:solidFill>
+                  <a:srgbClr val="292929"/>
+                </a:solidFill>
+                <a:effectLst/>
+                <a:latin typeface="Consolas" panose="020B0609020204030204" pitchFamily="49" charset="0"/>
+              </a:rPr>
+              <a:t> </a:t>
+            </a:r>
+            <a:r>
+              <a:rPr lang="en-US" altLang="ko-KR" sz="1100" b="0" dirty="0">
+                <a:solidFill>
+                  <a:srgbClr val="096D48"/>
+                </a:solidFill>
+                <a:effectLst/>
+                <a:latin typeface="Consolas" panose="020B0609020204030204" pitchFamily="49" charset="0"/>
+              </a:rPr>
+              <a:t>3</a:t>
+            </a:r>
+            <a:r>
+              <a:rPr lang="en-US" altLang="ko-KR" sz="1100" b="0" dirty="0">
+                <a:solidFill>
+                  <a:srgbClr val="292929"/>
+                </a:solidFill>
+                <a:effectLst/>
+                <a:latin typeface="Consolas" panose="020B0609020204030204" pitchFamily="49" charset="0"/>
+              </a:rPr>
+              <a:t>,</a:t>
+            </a:r>
+          </a:p>
+          <a:p>
+            <a:r>
+              <a:rPr lang="en-US" altLang="ko-KR" sz="1100" b="0" dirty="0">
+                <a:solidFill>
+                  <a:srgbClr val="292929"/>
+                </a:solidFill>
+                <a:effectLst/>
+                <a:latin typeface="Consolas" panose="020B0609020204030204" pitchFamily="49" charset="0"/>
+              </a:rPr>
+              <a:t>          create</a:t>
+            </a:r>
+            <a:r>
+              <a:rPr lang="en-US" altLang="ko-KR" sz="1100" b="0" dirty="0">
+                <a:solidFill>
+                  <a:srgbClr val="000000"/>
+                </a:solidFill>
+                <a:effectLst/>
+                <a:latin typeface="Consolas" panose="020B0609020204030204" pitchFamily="49" charset="0"/>
+              </a:rPr>
+              <a:t>:</a:t>
+            </a:r>
+            <a:r>
+              <a:rPr lang="en-US" altLang="ko-KR" sz="1100" b="0" dirty="0">
+                <a:solidFill>
+                  <a:srgbClr val="292929"/>
+                </a:solidFill>
+                <a:effectLst/>
+                <a:latin typeface="Consolas" panose="020B0609020204030204" pitchFamily="49" charset="0"/>
+              </a:rPr>
+              <a:t> (context) {</a:t>
+            </a:r>
+          </a:p>
+          <a:p>
+            <a:r>
+              <a:rPr lang="en-US" altLang="ko-KR" sz="1100" b="0" dirty="0">
+                <a:solidFill>
+                  <a:srgbClr val="292929"/>
+                </a:solidFill>
+                <a:effectLst/>
+                <a:latin typeface="Consolas" panose="020B0609020204030204" pitchFamily="49" charset="0"/>
+              </a:rPr>
+              <a:t>            </a:t>
+            </a:r>
+            <a:r>
+              <a:rPr lang="en-US" altLang="ko-KR" sz="1100" b="0" dirty="0">
+                <a:solidFill>
+                  <a:srgbClr val="0F4A85"/>
+                </a:solidFill>
+                <a:effectLst/>
+                <a:latin typeface="Consolas" panose="020B0609020204030204" pitchFamily="49" charset="0"/>
+              </a:rPr>
+              <a:t>final</a:t>
+            </a:r>
+            <a:r>
+              <a:rPr lang="en-US" altLang="ko-KR" sz="1100" b="0" dirty="0">
+                <a:solidFill>
+                  <a:srgbClr val="292929"/>
+                </a:solidFill>
+                <a:effectLst/>
+                <a:latin typeface="Consolas" panose="020B0609020204030204" pitchFamily="49" charset="0"/>
+              </a:rPr>
+              <a:t> </a:t>
+            </a:r>
+            <a:r>
+              <a:rPr lang="en-US" altLang="ko-KR" sz="1100" b="0" dirty="0">
+                <a:solidFill>
+                  <a:srgbClr val="185E73"/>
+                </a:solidFill>
+                <a:effectLst/>
+                <a:latin typeface="Consolas" panose="020B0609020204030204" pitchFamily="49" charset="0"/>
+              </a:rPr>
+              <a:t>int</a:t>
+            </a:r>
+            <a:r>
+              <a:rPr lang="en-US" altLang="ko-KR" sz="1100" b="0" dirty="0">
+                <a:solidFill>
+                  <a:srgbClr val="292929"/>
+                </a:solidFill>
+                <a:effectLst/>
+                <a:latin typeface="Consolas" panose="020B0609020204030204" pitchFamily="49" charset="0"/>
+              </a:rPr>
+              <a:t> dogAge </a:t>
+            </a:r>
+            <a:r>
+              <a:rPr lang="en-US" altLang="ko-KR" sz="1100" b="0" dirty="0">
+                <a:solidFill>
+                  <a:srgbClr val="000000"/>
+                </a:solidFill>
+                <a:effectLst/>
+                <a:latin typeface="Consolas" panose="020B0609020204030204" pitchFamily="49" charset="0"/>
+              </a:rPr>
+              <a:t>=</a:t>
+            </a:r>
+            <a:r>
+              <a:rPr lang="en-US" altLang="ko-KR" sz="1100" b="0" dirty="0">
+                <a:solidFill>
+                  <a:srgbClr val="292929"/>
+                </a:solidFill>
+                <a:effectLst/>
+                <a:latin typeface="Consolas" panose="020B0609020204030204" pitchFamily="49" charset="0"/>
+              </a:rPr>
+              <a:t> context.</a:t>
+            </a:r>
+            <a:r>
+              <a:rPr lang="en-US" altLang="ko-KR" sz="1100" b="0" dirty="0">
+                <a:solidFill>
+                  <a:srgbClr val="5E2CBC"/>
+                </a:solidFill>
+                <a:effectLst/>
+                <a:latin typeface="Consolas" panose="020B0609020204030204" pitchFamily="49" charset="0"/>
+              </a:rPr>
+              <a:t>read</a:t>
+            </a:r>
+            <a:r>
+              <a:rPr lang="en-US" altLang="ko-KR" sz="1100" b="0" dirty="0">
+                <a:solidFill>
+                  <a:srgbClr val="292929"/>
+                </a:solidFill>
+                <a:effectLst/>
+                <a:latin typeface="Consolas" panose="020B0609020204030204" pitchFamily="49" charset="0"/>
+              </a:rPr>
+              <a:t>&lt;</a:t>
+            </a:r>
+            <a:r>
+              <a:rPr lang="en-US" altLang="ko-KR" sz="1100" b="0" dirty="0">
+                <a:solidFill>
+                  <a:srgbClr val="185E73"/>
+                </a:solidFill>
+                <a:effectLst/>
+                <a:latin typeface="Consolas" panose="020B0609020204030204" pitchFamily="49" charset="0"/>
+              </a:rPr>
+              <a:t>Dog</a:t>
+            </a:r>
+            <a:r>
+              <a:rPr lang="en-US" altLang="ko-KR" sz="1100" b="0" dirty="0">
+                <a:solidFill>
+                  <a:srgbClr val="292929"/>
+                </a:solidFill>
+                <a:effectLst/>
+                <a:latin typeface="Consolas" panose="020B0609020204030204" pitchFamily="49" charset="0"/>
+              </a:rPr>
+              <a:t>&gt;().age;</a:t>
+            </a:r>
+          </a:p>
+          <a:p>
+            <a:r>
+              <a:rPr lang="en-US" altLang="ko-KR" sz="1100" b="0" dirty="0">
+                <a:solidFill>
+                  <a:srgbClr val="292929"/>
+                </a:solidFill>
+                <a:effectLst/>
+                <a:latin typeface="Consolas" panose="020B0609020204030204" pitchFamily="49" charset="0"/>
+              </a:rPr>
+              <a:t>            </a:t>
+            </a:r>
+            <a:r>
+              <a:rPr lang="en-US" altLang="ko-KR" sz="1100" b="0" dirty="0">
+                <a:solidFill>
+                  <a:srgbClr val="0F4A85"/>
+                </a:solidFill>
+                <a:effectLst/>
+                <a:latin typeface="Consolas" panose="020B0609020204030204" pitchFamily="49" charset="0"/>
+              </a:rPr>
+              <a:t>final</a:t>
+            </a:r>
+            <a:r>
+              <a:rPr lang="en-US" altLang="ko-KR" sz="1100" b="0" dirty="0">
+                <a:solidFill>
+                  <a:srgbClr val="292929"/>
+                </a:solidFill>
+                <a:effectLst/>
+                <a:latin typeface="Consolas" panose="020B0609020204030204" pitchFamily="49" charset="0"/>
+              </a:rPr>
+              <a:t> babies </a:t>
+            </a:r>
+            <a:r>
+              <a:rPr lang="en-US" altLang="ko-KR" sz="1100" b="0" dirty="0">
+                <a:solidFill>
+                  <a:srgbClr val="000000"/>
+                </a:solidFill>
+                <a:effectLst/>
+                <a:latin typeface="Consolas" panose="020B0609020204030204" pitchFamily="49" charset="0"/>
+              </a:rPr>
+              <a:t>=</a:t>
+            </a:r>
+            <a:r>
+              <a:rPr lang="en-US" altLang="ko-KR" sz="1100" b="0" dirty="0">
+                <a:solidFill>
+                  <a:srgbClr val="292929"/>
+                </a:solidFill>
+                <a:effectLst/>
+                <a:latin typeface="Consolas" panose="020B0609020204030204" pitchFamily="49" charset="0"/>
+              </a:rPr>
+              <a:t> </a:t>
+            </a:r>
+            <a:r>
+              <a:rPr lang="en-US" altLang="ko-KR" sz="1100" b="0" dirty="0">
+                <a:solidFill>
+                  <a:srgbClr val="185E73"/>
+                </a:solidFill>
+                <a:effectLst/>
+                <a:latin typeface="Consolas" panose="020B0609020204030204" pitchFamily="49" charset="0"/>
+              </a:rPr>
+              <a:t>Babies</a:t>
+            </a:r>
+            <a:r>
+              <a:rPr lang="en-US" altLang="ko-KR" sz="1100" b="0" dirty="0">
+                <a:solidFill>
+                  <a:srgbClr val="292929"/>
+                </a:solidFill>
+                <a:effectLst/>
+                <a:latin typeface="Consolas" panose="020B0609020204030204" pitchFamily="49" charset="0"/>
+              </a:rPr>
+              <a:t>(age</a:t>
+            </a:r>
+            <a:r>
+              <a:rPr lang="en-US" altLang="ko-KR" sz="1100" b="0" dirty="0">
+                <a:solidFill>
+                  <a:srgbClr val="000000"/>
+                </a:solidFill>
+                <a:effectLst/>
+                <a:latin typeface="Consolas" panose="020B0609020204030204" pitchFamily="49" charset="0"/>
+              </a:rPr>
+              <a:t>:</a:t>
+            </a:r>
+            <a:r>
+              <a:rPr lang="en-US" altLang="ko-KR" sz="1100" b="0" dirty="0">
+                <a:solidFill>
+                  <a:srgbClr val="292929"/>
+                </a:solidFill>
+                <a:effectLst/>
+                <a:latin typeface="Consolas" panose="020B0609020204030204" pitchFamily="49" charset="0"/>
+              </a:rPr>
+              <a:t> dogAge);</a:t>
+            </a:r>
+          </a:p>
+          <a:p>
+            <a:r>
+              <a:rPr lang="en-US" altLang="ko-KR" sz="1100" b="0" dirty="0">
+                <a:solidFill>
+                  <a:srgbClr val="292929"/>
+                </a:solidFill>
+                <a:effectLst/>
+                <a:latin typeface="Consolas" panose="020B0609020204030204" pitchFamily="49" charset="0"/>
+              </a:rPr>
+              <a:t>            </a:t>
+            </a:r>
+            <a:r>
+              <a:rPr lang="en-US" altLang="ko-KR" sz="1100" b="0" dirty="0">
+                <a:solidFill>
+                  <a:srgbClr val="B5200D"/>
+                </a:solidFill>
+                <a:effectLst/>
+                <a:latin typeface="Consolas" panose="020B0609020204030204" pitchFamily="49" charset="0"/>
+              </a:rPr>
+              <a:t>return</a:t>
+            </a:r>
+            <a:r>
+              <a:rPr lang="en-US" altLang="ko-KR" sz="1100" b="0" dirty="0">
+                <a:solidFill>
+                  <a:srgbClr val="292929"/>
+                </a:solidFill>
+                <a:effectLst/>
+                <a:latin typeface="Consolas" panose="020B0609020204030204" pitchFamily="49" charset="0"/>
+              </a:rPr>
+              <a:t> babies.</a:t>
+            </a:r>
+            <a:r>
+              <a:rPr lang="en-US" altLang="ko-KR" sz="1100" b="0" dirty="0">
+                <a:solidFill>
+                  <a:srgbClr val="5E2CBC"/>
+                </a:solidFill>
+                <a:effectLst/>
+                <a:latin typeface="Consolas" panose="020B0609020204030204" pitchFamily="49" charset="0"/>
+              </a:rPr>
+              <a:t>getBabies</a:t>
+            </a:r>
+            <a:r>
+              <a:rPr lang="en-US" altLang="ko-KR" sz="1100" b="0" dirty="0">
+                <a:solidFill>
+                  <a:srgbClr val="292929"/>
+                </a:solidFill>
+                <a:effectLst/>
+                <a:latin typeface="Consolas" panose="020B0609020204030204" pitchFamily="49" charset="0"/>
+              </a:rPr>
+              <a:t>();</a:t>
+            </a:r>
+          </a:p>
+          <a:p>
+            <a:r>
+              <a:rPr lang="en-US" altLang="ko-KR" sz="1100" b="0" dirty="0">
+                <a:solidFill>
+                  <a:srgbClr val="292929"/>
+                </a:solidFill>
+                <a:effectLst/>
+                <a:latin typeface="Consolas" panose="020B0609020204030204" pitchFamily="49" charset="0"/>
+              </a:rPr>
+              <a:t>          },</a:t>
+            </a:r>
+          </a:p>
+          <a:p>
+            <a:r>
+              <a:rPr lang="en-US" altLang="ko-KR" sz="1100" b="0" dirty="0">
+                <a:solidFill>
+                  <a:srgbClr val="292929"/>
+                </a:solidFill>
+                <a:effectLst/>
+                <a:latin typeface="Consolas" panose="020B0609020204030204" pitchFamily="49" charset="0"/>
+              </a:rPr>
+              <a:t>        ),</a:t>
+            </a:r>
+          </a:p>
+          <a:p>
+            <a:r>
+              <a:rPr lang="en-US" altLang="ko-KR" sz="1100" b="0" dirty="0">
+                <a:solidFill>
+                  <a:srgbClr val="292929"/>
+                </a:solidFill>
+                <a:effectLst/>
+                <a:latin typeface="Consolas" panose="020B0609020204030204" pitchFamily="49" charset="0"/>
+              </a:rPr>
+              <a:t>      ],</a:t>
+            </a:r>
+          </a:p>
+          <a:p>
+            <a:r>
+              <a:rPr lang="en-US" altLang="ko-KR" sz="1100" b="0" dirty="0">
+                <a:solidFill>
+                  <a:srgbClr val="292929"/>
+                </a:solidFill>
+                <a:effectLst/>
+                <a:latin typeface="Consolas" panose="020B0609020204030204" pitchFamily="49" charset="0"/>
+              </a:rPr>
+              <a:t>      child</a:t>
+            </a:r>
+            <a:r>
+              <a:rPr lang="en-US" altLang="ko-KR" sz="1100" b="0" dirty="0">
+                <a:solidFill>
+                  <a:srgbClr val="000000"/>
+                </a:solidFill>
+                <a:effectLst/>
+                <a:latin typeface="Consolas" panose="020B0609020204030204" pitchFamily="49" charset="0"/>
+              </a:rPr>
+              <a:t>:</a:t>
+            </a:r>
+            <a:r>
+              <a:rPr lang="en-US" altLang="ko-KR" sz="1100" b="0" dirty="0">
+                <a:solidFill>
+                  <a:srgbClr val="292929"/>
+                </a:solidFill>
+                <a:effectLst/>
+                <a:latin typeface="Consolas" panose="020B0609020204030204" pitchFamily="49" charset="0"/>
+              </a:rPr>
+              <a:t> </a:t>
+            </a:r>
+            <a:r>
+              <a:rPr lang="en-US" altLang="ko-KR" sz="1100" b="0" dirty="0">
+                <a:solidFill>
+                  <a:srgbClr val="185E73"/>
+                </a:solidFill>
+                <a:effectLst/>
+                <a:latin typeface="Consolas" panose="020B0609020204030204" pitchFamily="49" charset="0"/>
+              </a:rPr>
+              <a:t>MaterialApp</a:t>
+            </a:r>
+            <a:r>
+              <a:rPr lang="en-US" altLang="ko-KR" sz="1100" b="0" dirty="0">
+                <a:solidFill>
+                  <a:srgbClr val="292929"/>
+                </a:solidFill>
+                <a:effectLst/>
+                <a:latin typeface="Consolas" panose="020B0609020204030204" pitchFamily="49" charset="0"/>
+              </a:rPr>
+              <a:t>( home</a:t>
+            </a:r>
+            <a:r>
+              <a:rPr lang="en-US" altLang="ko-KR" sz="1100" b="0" dirty="0">
+                <a:solidFill>
+                  <a:srgbClr val="000000"/>
+                </a:solidFill>
+                <a:effectLst/>
+                <a:latin typeface="Consolas" panose="020B0609020204030204" pitchFamily="49" charset="0"/>
+              </a:rPr>
+              <a:t>:</a:t>
+            </a:r>
+            <a:r>
+              <a:rPr lang="en-US" altLang="ko-KR" sz="1100" b="0" dirty="0">
+                <a:solidFill>
+                  <a:srgbClr val="292929"/>
+                </a:solidFill>
+                <a:effectLst/>
+                <a:latin typeface="Consolas" panose="020B0609020204030204" pitchFamily="49" charset="0"/>
+              </a:rPr>
+              <a:t> </a:t>
+            </a:r>
+            <a:r>
+              <a:rPr lang="en-US" altLang="ko-KR" sz="1100" b="0" dirty="0">
+                <a:solidFill>
+                  <a:srgbClr val="0F4A85"/>
+                </a:solidFill>
+                <a:effectLst/>
+                <a:latin typeface="Consolas" panose="020B0609020204030204" pitchFamily="49" charset="0"/>
+              </a:rPr>
+              <a:t>const</a:t>
+            </a:r>
+            <a:r>
+              <a:rPr lang="en-US" altLang="ko-KR" sz="1100" b="0" dirty="0">
+                <a:solidFill>
+                  <a:srgbClr val="292929"/>
+                </a:solidFill>
+                <a:effectLst/>
+                <a:latin typeface="Consolas" panose="020B0609020204030204" pitchFamily="49" charset="0"/>
+              </a:rPr>
+              <a:t> </a:t>
+            </a:r>
+            <a:r>
+              <a:rPr lang="en-US" altLang="ko-KR" sz="1100" b="0" dirty="0">
+                <a:solidFill>
+                  <a:srgbClr val="185E73"/>
+                </a:solidFill>
+                <a:effectLst/>
+                <a:latin typeface="Consolas" panose="020B0609020204030204" pitchFamily="49" charset="0"/>
+              </a:rPr>
+              <a:t>MyHomePage</a:t>
+            </a:r>
+            <a:r>
+              <a:rPr lang="en-US" altLang="ko-KR" sz="1100" b="0" dirty="0">
+                <a:solidFill>
+                  <a:srgbClr val="292929"/>
+                </a:solidFill>
+                <a:effectLst/>
+                <a:latin typeface="Consolas" panose="020B0609020204030204" pitchFamily="49" charset="0"/>
+              </a:rPr>
+              <a:t>() ),</a:t>
+            </a:r>
+          </a:p>
+          <a:p>
+            <a:r>
+              <a:rPr lang="en-US" altLang="ko-KR" sz="1100" b="0" dirty="0">
+                <a:solidFill>
+                  <a:srgbClr val="292929"/>
+                </a:solidFill>
+                <a:effectLst/>
+                <a:latin typeface="Consolas" panose="020B0609020204030204" pitchFamily="49" charset="0"/>
+              </a:rPr>
+              <a:t>    );</a:t>
+            </a:r>
+          </a:p>
+          <a:p>
+            <a:r>
+              <a:rPr lang="en-US" altLang="ko-KR" sz="1100" b="0" dirty="0">
+                <a:solidFill>
+                  <a:srgbClr val="292929"/>
+                </a:solidFill>
+                <a:effectLst/>
+                <a:latin typeface="Consolas" panose="020B0609020204030204" pitchFamily="49" charset="0"/>
+              </a:rPr>
+              <a:t>  }</a:t>
+            </a:r>
+          </a:p>
+          <a:p>
+            <a:r>
+              <a:rPr lang="en-US" altLang="ko-KR" sz="1100" b="0" dirty="0">
+                <a:solidFill>
+                  <a:srgbClr val="292929"/>
+                </a:solidFill>
+                <a:effectLst/>
+                <a:latin typeface="Consolas" panose="020B0609020204030204" pitchFamily="49" charset="0"/>
+              </a:rPr>
+              <a:t>}</a:t>
+            </a:r>
+          </a:p>
+        </p:txBody>
+      </p:sp>
+      <p:sp>
+        <p:nvSpPr>
+          <p:cNvPr id="5" name="TextBox 4">
+            <a:extLst>
+              <a:ext uri="{FF2B5EF4-FFF2-40B4-BE49-F238E27FC236}">
+                <a16:creationId xmlns:a16="http://schemas.microsoft.com/office/drawing/2014/main" id="{3EF0F84B-DE2D-C47A-6171-2D7154774E24}"/>
+              </a:ext>
+            </a:extLst>
+          </p:cNvPr>
+          <p:cNvSpPr txBox="1"/>
+          <p:nvPr/>
+        </p:nvSpPr>
+        <p:spPr>
+          <a:xfrm>
+            <a:off x="6265347" y="383525"/>
+            <a:ext cx="4316928" cy="3139321"/>
+          </a:xfrm>
+          <a:prstGeom prst="rect">
+            <a:avLst/>
+          </a:prstGeom>
+          <a:noFill/>
+          <a:ln>
+            <a:solidFill>
+              <a:schemeClr val="accent1"/>
+            </a:solidFill>
+          </a:ln>
+        </p:spPr>
+        <p:txBody>
+          <a:bodyPr wrap="square">
+            <a:spAutoFit/>
+          </a:bodyPr>
+          <a:lstStyle/>
+          <a:p>
+            <a:r>
+              <a:rPr lang="en-US" altLang="ko-KR" sz="1100" b="0" dirty="0">
+                <a:solidFill>
+                  <a:srgbClr val="0F4A85"/>
+                </a:solidFill>
+                <a:effectLst/>
+                <a:latin typeface="Consolas" panose="020B0609020204030204" pitchFamily="49" charset="0"/>
+              </a:rPr>
+              <a:t>class</a:t>
+            </a:r>
+            <a:r>
+              <a:rPr lang="en-US" altLang="ko-KR" sz="1100" b="0" dirty="0">
+                <a:solidFill>
+                  <a:srgbClr val="292929"/>
+                </a:solidFill>
+                <a:effectLst/>
+                <a:latin typeface="Consolas" panose="020B0609020204030204" pitchFamily="49" charset="0"/>
+              </a:rPr>
+              <a:t> </a:t>
+            </a:r>
+            <a:r>
+              <a:rPr lang="en-US" altLang="ko-KR" sz="1100" b="0" dirty="0">
+                <a:solidFill>
+                  <a:srgbClr val="185E73"/>
+                </a:solidFill>
+                <a:effectLst/>
+                <a:latin typeface="Consolas" panose="020B0609020204030204" pitchFamily="49" charset="0"/>
+              </a:rPr>
+              <a:t>Babies</a:t>
+            </a:r>
+            <a:r>
+              <a:rPr lang="en-US" altLang="ko-KR" sz="1100" b="0" dirty="0">
+                <a:solidFill>
+                  <a:srgbClr val="292929"/>
+                </a:solidFill>
+                <a:effectLst/>
+                <a:latin typeface="Consolas" panose="020B0609020204030204" pitchFamily="49" charset="0"/>
+              </a:rPr>
+              <a:t> {</a:t>
+            </a:r>
+          </a:p>
+          <a:p>
+            <a:r>
+              <a:rPr lang="en-US" altLang="ko-KR" sz="1100" b="0" dirty="0">
+                <a:solidFill>
+                  <a:srgbClr val="292929"/>
+                </a:solidFill>
+                <a:effectLst/>
+                <a:latin typeface="Consolas" panose="020B0609020204030204" pitchFamily="49" charset="0"/>
+              </a:rPr>
+              <a:t>  </a:t>
+            </a:r>
+            <a:r>
+              <a:rPr lang="en-US" altLang="ko-KR" sz="1100" b="0" dirty="0">
+                <a:solidFill>
+                  <a:srgbClr val="0F4A85"/>
+                </a:solidFill>
+                <a:effectLst/>
+                <a:latin typeface="Consolas" panose="020B0609020204030204" pitchFamily="49" charset="0"/>
+              </a:rPr>
+              <a:t>final</a:t>
+            </a:r>
+            <a:r>
+              <a:rPr lang="en-US" altLang="ko-KR" sz="1100" b="0" dirty="0">
+                <a:solidFill>
+                  <a:srgbClr val="292929"/>
+                </a:solidFill>
+                <a:effectLst/>
+                <a:latin typeface="Consolas" panose="020B0609020204030204" pitchFamily="49" charset="0"/>
+              </a:rPr>
+              <a:t> </a:t>
+            </a:r>
+            <a:r>
+              <a:rPr lang="en-US" altLang="ko-KR" sz="1100" b="0" dirty="0">
+                <a:solidFill>
+                  <a:srgbClr val="185E73"/>
+                </a:solidFill>
+                <a:effectLst/>
+                <a:latin typeface="Consolas" panose="020B0609020204030204" pitchFamily="49" charset="0"/>
+              </a:rPr>
+              <a:t>int</a:t>
+            </a:r>
+            <a:r>
+              <a:rPr lang="en-US" altLang="ko-KR" sz="1100" b="0" dirty="0">
+                <a:solidFill>
+                  <a:srgbClr val="292929"/>
+                </a:solidFill>
+                <a:effectLst/>
+                <a:latin typeface="Consolas" panose="020B0609020204030204" pitchFamily="49" charset="0"/>
+              </a:rPr>
+              <a:t> age;</a:t>
+            </a:r>
+          </a:p>
+          <a:p>
+            <a:r>
+              <a:rPr lang="en-US" altLang="ko-KR" sz="1100" b="0" dirty="0">
+                <a:solidFill>
+                  <a:srgbClr val="292929"/>
+                </a:solidFill>
+                <a:effectLst/>
+                <a:latin typeface="Consolas" panose="020B0609020204030204" pitchFamily="49" charset="0"/>
+              </a:rPr>
+              <a:t>  </a:t>
+            </a:r>
+            <a:r>
+              <a:rPr lang="en-US" altLang="ko-KR" sz="1100" b="0" dirty="0">
+                <a:solidFill>
+                  <a:srgbClr val="185E73"/>
+                </a:solidFill>
+                <a:effectLst/>
+                <a:latin typeface="Consolas" panose="020B0609020204030204" pitchFamily="49" charset="0"/>
+              </a:rPr>
+              <a:t>Babies</a:t>
+            </a:r>
+            <a:r>
+              <a:rPr lang="en-US" altLang="ko-KR" sz="1100" b="0" dirty="0">
+                <a:solidFill>
+                  <a:srgbClr val="292929"/>
+                </a:solidFill>
+                <a:effectLst/>
+                <a:latin typeface="Consolas" panose="020B0609020204030204" pitchFamily="49" charset="0"/>
+              </a:rPr>
+              <a:t>({</a:t>
+            </a:r>
+          </a:p>
+          <a:p>
+            <a:r>
+              <a:rPr lang="en-US" altLang="ko-KR" sz="1100" b="0" dirty="0">
+                <a:solidFill>
+                  <a:srgbClr val="292929"/>
+                </a:solidFill>
+                <a:effectLst/>
+                <a:latin typeface="Consolas" panose="020B0609020204030204" pitchFamily="49" charset="0"/>
+              </a:rPr>
+              <a:t>    </a:t>
+            </a:r>
+            <a:r>
+              <a:rPr lang="en-US" altLang="ko-KR" sz="1100" b="0" dirty="0">
+                <a:solidFill>
+                  <a:srgbClr val="0F4A85"/>
+                </a:solidFill>
+                <a:effectLst/>
+                <a:latin typeface="Consolas" panose="020B0609020204030204" pitchFamily="49" charset="0"/>
+              </a:rPr>
+              <a:t>required</a:t>
+            </a:r>
+            <a:r>
+              <a:rPr lang="en-US" altLang="ko-KR" sz="1100" b="0" dirty="0">
+                <a:solidFill>
+                  <a:srgbClr val="292929"/>
+                </a:solidFill>
+                <a:effectLst/>
+                <a:latin typeface="Consolas" panose="020B0609020204030204" pitchFamily="49" charset="0"/>
+              </a:rPr>
+              <a:t> </a:t>
+            </a:r>
+            <a:r>
+              <a:rPr lang="en-US" altLang="ko-KR" sz="1100" b="0" dirty="0">
+                <a:solidFill>
+                  <a:srgbClr val="0F4A85"/>
+                </a:solidFill>
+                <a:effectLst/>
+                <a:latin typeface="Consolas" panose="020B0609020204030204" pitchFamily="49" charset="0"/>
+              </a:rPr>
+              <a:t>this</a:t>
+            </a:r>
+            <a:r>
+              <a:rPr lang="en-US" altLang="ko-KR" sz="1100" b="0" dirty="0">
+                <a:solidFill>
+                  <a:srgbClr val="292929"/>
+                </a:solidFill>
+                <a:effectLst/>
+                <a:latin typeface="Consolas" panose="020B0609020204030204" pitchFamily="49" charset="0"/>
+              </a:rPr>
+              <a:t>.age,</a:t>
+            </a:r>
+          </a:p>
+          <a:p>
+            <a:r>
+              <a:rPr lang="en-US" altLang="ko-KR" sz="1100" b="0" dirty="0">
+                <a:solidFill>
+                  <a:srgbClr val="292929"/>
+                </a:solidFill>
+                <a:effectLst/>
+                <a:latin typeface="Consolas" panose="020B0609020204030204" pitchFamily="49" charset="0"/>
+              </a:rPr>
+              <a:t>  });</a:t>
+            </a:r>
+          </a:p>
+          <a:p>
+            <a:br>
+              <a:rPr lang="en-US" altLang="ko-KR" sz="1100" b="0" dirty="0">
+                <a:solidFill>
+                  <a:srgbClr val="292929"/>
+                </a:solidFill>
+                <a:effectLst/>
+                <a:latin typeface="Consolas" panose="020B0609020204030204" pitchFamily="49" charset="0"/>
+              </a:rPr>
+            </a:br>
+            <a:r>
+              <a:rPr lang="en-US" altLang="ko-KR" sz="1100" b="0" dirty="0">
+                <a:solidFill>
+                  <a:srgbClr val="292929"/>
+                </a:solidFill>
+                <a:effectLst/>
+                <a:latin typeface="Consolas" panose="020B0609020204030204" pitchFamily="49" charset="0"/>
+              </a:rPr>
+              <a:t>  </a:t>
+            </a:r>
+            <a:r>
+              <a:rPr lang="en-US" altLang="ko-KR" sz="1100" b="0" dirty="0">
+                <a:solidFill>
+                  <a:srgbClr val="185E73"/>
+                </a:solidFill>
+                <a:effectLst/>
+                <a:latin typeface="Consolas" panose="020B0609020204030204" pitchFamily="49" charset="0"/>
+              </a:rPr>
+              <a:t>Future</a:t>
+            </a:r>
+            <a:r>
+              <a:rPr lang="en-US" altLang="ko-KR" sz="1100" b="0" dirty="0">
+                <a:solidFill>
+                  <a:srgbClr val="292929"/>
+                </a:solidFill>
+                <a:effectLst/>
+                <a:latin typeface="Consolas" panose="020B0609020204030204" pitchFamily="49" charset="0"/>
+              </a:rPr>
+              <a:t>&lt;</a:t>
+            </a:r>
+            <a:r>
+              <a:rPr lang="en-US" altLang="ko-KR" sz="1100" b="0" dirty="0">
+                <a:solidFill>
+                  <a:srgbClr val="185E73"/>
+                </a:solidFill>
+                <a:effectLst/>
+                <a:latin typeface="Consolas" panose="020B0609020204030204" pitchFamily="49" charset="0"/>
+              </a:rPr>
+              <a:t>int</a:t>
+            </a:r>
+            <a:r>
+              <a:rPr lang="en-US" altLang="ko-KR" sz="1100" b="0" dirty="0">
+                <a:solidFill>
+                  <a:srgbClr val="292929"/>
+                </a:solidFill>
+                <a:effectLst/>
+                <a:latin typeface="Consolas" panose="020B0609020204030204" pitchFamily="49" charset="0"/>
+              </a:rPr>
+              <a:t>&gt; </a:t>
+            </a:r>
+            <a:r>
+              <a:rPr lang="en-US" altLang="ko-KR" sz="1100" b="0" dirty="0">
+                <a:solidFill>
+                  <a:srgbClr val="5E2CBC"/>
+                </a:solidFill>
+                <a:effectLst/>
+                <a:latin typeface="Consolas" panose="020B0609020204030204" pitchFamily="49" charset="0"/>
+              </a:rPr>
+              <a:t>getBabies</a:t>
+            </a:r>
+            <a:r>
+              <a:rPr lang="en-US" altLang="ko-KR" sz="1100" b="0" dirty="0">
+                <a:solidFill>
+                  <a:srgbClr val="292929"/>
+                </a:solidFill>
+                <a:effectLst/>
+                <a:latin typeface="Consolas" panose="020B0609020204030204" pitchFamily="49" charset="0"/>
+              </a:rPr>
+              <a:t>() </a:t>
+            </a:r>
+            <a:r>
+              <a:rPr lang="en-US" altLang="ko-KR" sz="1100" b="0" dirty="0">
+                <a:solidFill>
+                  <a:srgbClr val="B5200D"/>
+                </a:solidFill>
+                <a:effectLst/>
+                <a:latin typeface="Consolas" panose="020B0609020204030204" pitchFamily="49" charset="0"/>
+              </a:rPr>
+              <a:t>async</a:t>
+            </a:r>
+            <a:r>
+              <a:rPr lang="en-US" altLang="ko-KR" sz="1100" b="0" dirty="0">
+                <a:solidFill>
+                  <a:srgbClr val="292929"/>
+                </a:solidFill>
+                <a:effectLst/>
+                <a:latin typeface="Consolas" panose="020B0609020204030204" pitchFamily="49" charset="0"/>
+              </a:rPr>
+              <a:t> {</a:t>
+            </a:r>
+          </a:p>
+          <a:p>
+            <a:r>
+              <a:rPr lang="en-US" altLang="ko-KR" sz="1100" b="0" dirty="0">
+                <a:solidFill>
+                  <a:srgbClr val="292929"/>
+                </a:solidFill>
+                <a:effectLst/>
+                <a:latin typeface="Consolas" panose="020B0609020204030204" pitchFamily="49" charset="0"/>
+              </a:rPr>
+              <a:t>    </a:t>
+            </a:r>
+            <a:r>
+              <a:rPr lang="en-US" altLang="ko-KR" sz="1100" b="0" dirty="0">
+                <a:solidFill>
+                  <a:srgbClr val="B5200D"/>
+                </a:solidFill>
+                <a:effectLst/>
+                <a:latin typeface="Consolas" panose="020B0609020204030204" pitchFamily="49" charset="0"/>
+              </a:rPr>
+              <a:t>await</a:t>
+            </a:r>
+            <a:r>
+              <a:rPr lang="en-US" altLang="ko-KR" sz="1100" b="0" dirty="0">
+                <a:solidFill>
+                  <a:srgbClr val="292929"/>
+                </a:solidFill>
+                <a:effectLst/>
+                <a:latin typeface="Consolas" panose="020B0609020204030204" pitchFamily="49" charset="0"/>
+              </a:rPr>
+              <a:t> </a:t>
+            </a:r>
+            <a:r>
+              <a:rPr lang="en-US" altLang="ko-KR" sz="1100" b="0" dirty="0" err="1">
+                <a:solidFill>
+                  <a:srgbClr val="185E73"/>
+                </a:solidFill>
+                <a:effectLst/>
+                <a:latin typeface="Consolas" panose="020B0609020204030204" pitchFamily="49" charset="0"/>
+              </a:rPr>
+              <a:t>Future</a:t>
+            </a:r>
+            <a:r>
+              <a:rPr lang="en-US" altLang="ko-KR" sz="1100" b="0" dirty="0" err="1">
+                <a:solidFill>
+                  <a:srgbClr val="292929"/>
+                </a:solidFill>
+                <a:effectLst/>
+                <a:latin typeface="Consolas" panose="020B0609020204030204" pitchFamily="49" charset="0"/>
+              </a:rPr>
+              <a:t>.</a:t>
+            </a:r>
+            <a:r>
+              <a:rPr lang="en-US" altLang="ko-KR" sz="1100" b="0" dirty="0" err="1">
+                <a:solidFill>
+                  <a:srgbClr val="5E2CBC"/>
+                </a:solidFill>
+                <a:effectLst/>
+                <a:latin typeface="Consolas" panose="020B0609020204030204" pitchFamily="49" charset="0"/>
+              </a:rPr>
+              <a:t>delayed</a:t>
+            </a:r>
+            <a:r>
+              <a:rPr lang="en-US" altLang="ko-KR" sz="1100" b="0" dirty="0">
+                <a:solidFill>
+                  <a:srgbClr val="292929"/>
+                </a:solidFill>
+                <a:effectLst/>
+                <a:latin typeface="Consolas" panose="020B0609020204030204" pitchFamily="49" charset="0"/>
+              </a:rPr>
+              <a:t>(</a:t>
+            </a:r>
+            <a:r>
+              <a:rPr lang="en-US" altLang="ko-KR" sz="1100" b="0" dirty="0">
+                <a:solidFill>
+                  <a:srgbClr val="0F4A85"/>
+                </a:solidFill>
+                <a:effectLst/>
+                <a:latin typeface="Consolas" panose="020B0609020204030204" pitchFamily="49" charset="0"/>
+              </a:rPr>
+              <a:t>const</a:t>
+            </a:r>
+            <a:r>
+              <a:rPr lang="en-US" altLang="ko-KR" sz="1100" b="0" dirty="0">
+                <a:solidFill>
+                  <a:srgbClr val="292929"/>
+                </a:solidFill>
+                <a:effectLst/>
+                <a:latin typeface="Consolas" panose="020B0609020204030204" pitchFamily="49" charset="0"/>
+              </a:rPr>
+              <a:t> </a:t>
+            </a:r>
+            <a:r>
+              <a:rPr lang="en-US" altLang="ko-KR" sz="1100" b="0" dirty="0">
+                <a:solidFill>
+                  <a:srgbClr val="185E73"/>
+                </a:solidFill>
+                <a:effectLst/>
+                <a:latin typeface="Consolas" panose="020B0609020204030204" pitchFamily="49" charset="0"/>
+              </a:rPr>
+              <a:t>Duration</a:t>
+            </a:r>
+            <a:r>
+              <a:rPr lang="en-US" altLang="ko-KR" sz="1100" b="0" dirty="0">
+                <a:solidFill>
+                  <a:srgbClr val="292929"/>
+                </a:solidFill>
+                <a:effectLst/>
+                <a:latin typeface="Consolas" panose="020B0609020204030204" pitchFamily="49" charset="0"/>
+              </a:rPr>
+              <a:t>(seconds</a:t>
+            </a:r>
+            <a:r>
+              <a:rPr lang="en-US" altLang="ko-KR" sz="1100" b="0" dirty="0">
+                <a:solidFill>
+                  <a:srgbClr val="000000"/>
+                </a:solidFill>
+                <a:effectLst/>
+                <a:latin typeface="Consolas" panose="020B0609020204030204" pitchFamily="49" charset="0"/>
+              </a:rPr>
+              <a:t>:</a:t>
+            </a:r>
+            <a:r>
+              <a:rPr lang="en-US" altLang="ko-KR" sz="1100" b="0" dirty="0">
+                <a:solidFill>
+                  <a:srgbClr val="292929"/>
+                </a:solidFill>
+                <a:effectLst/>
+                <a:latin typeface="Consolas" panose="020B0609020204030204" pitchFamily="49" charset="0"/>
+              </a:rPr>
+              <a:t> </a:t>
+            </a:r>
+            <a:r>
+              <a:rPr lang="en-US" altLang="ko-KR" sz="1100" b="0" dirty="0">
+                <a:solidFill>
+                  <a:srgbClr val="096D48"/>
+                </a:solidFill>
+                <a:effectLst/>
+                <a:latin typeface="Consolas" panose="020B0609020204030204" pitchFamily="49" charset="0"/>
+              </a:rPr>
+              <a:t>2</a:t>
+            </a:r>
+            <a:r>
+              <a:rPr lang="en-US" altLang="ko-KR" sz="1100" b="0" dirty="0">
+                <a:solidFill>
+                  <a:srgbClr val="292929"/>
+                </a:solidFill>
+                <a:effectLst/>
+                <a:latin typeface="Consolas" panose="020B0609020204030204" pitchFamily="49" charset="0"/>
+              </a:rPr>
+              <a:t>));</a:t>
+            </a:r>
+          </a:p>
+          <a:p>
+            <a:br>
+              <a:rPr lang="en-US" altLang="ko-KR" sz="1100" b="0" dirty="0">
+                <a:solidFill>
+                  <a:srgbClr val="292929"/>
+                </a:solidFill>
+                <a:effectLst/>
+                <a:latin typeface="Consolas" panose="020B0609020204030204" pitchFamily="49" charset="0"/>
+              </a:rPr>
+            </a:br>
+            <a:r>
+              <a:rPr lang="en-US" altLang="ko-KR" sz="1100" b="0" dirty="0">
+                <a:solidFill>
+                  <a:srgbClr val="292929"/>
+                </a:solidFill>
+                <a:effectLst/>
+                <a:latin typeface="Consolas" panose="020B0609020204030204" pitchFamily="49" charset="0"/>
+              </a:rPr>
+              <a:t>    </a:t>
+            </a:r>
+            <a:r>
+              <a:rPr lang="en-US" altLang="ko-KR" sz="1100" b="0" dirty="0">
+                <a:solidFill>
+                  <a:srgbClr val="B5200D"/>
+                </a:solidFill>
+                <a:effectLst/>
+                <a:latin typeface="Consolas" panose="020B0609020204030204" pitchFamily="49" charset="0"/>
+              </a:rPr>
+              <a:t>if</a:t>
+            </a:r>
+            <a:r>
+              <a:rPr lang="en-US" altLang="ko-KR" sz="1100" b="0" dirty="0">
+                <a:solidFill>
+                  <a:srgbClr val="292929"/>
+                </a:solidFill>
+                <a:effectLst/>
+                <a:latin typeface="Consolas" panose="020B0609020204030204" pitchFamily="49" charset="0"/>
+              </a:rPr>
+              <a:t> (age </a:t>
+            </a:r>
+            <a:r>
+              <a:rPr lang="en-US" altLang="ko-KR" sz="1100" b="0" dirty="0">
+                <a:solidFill>
+                  <a:srgbClr val="000000"/>
+                </a:solidFill>
+                <a:effectLst/>
+                <a:latin typeface="Consolas" panose="020B0609020204030204" pitchFamily="49" charset="0"/>
+              </a:rPr>
+              <a:t>&gt;</a:t>
+            </a:r>
+            <a:r>
+              <a:rPr lang="en-US" altLang="ko-KR" sz="1100" b="0" dirty="0">
+                <a:solidFill>
+                  <a:srgbClr val="292929"/>
+                </a:solidFill>
+                <a:effectLst/>
+                <a:latin typeface="Consolas" panose="020B0609020204030204" pitchFamily="49" charset="0"/>
+              </a:rPr>
+              <a:t> </a:t>
+            </a:r>
+            <a:r>
+              <a:rPr lang="en-US" altLang="ko-KR" sz="1100" b="0" dirty="0">
+                <a:solidFill>
+                  <a:srgbClr val="096D48"/>
+                </a:solidFill>
+                <a:effectLst/>
+                <a:latin typeface="Consolas" panose="020B0609020204030204" pitchFamily="49" charset="0"/>
+              </a:rPr>
+              <a:t>1</a:t>
+            </a:r>
+            <a:r>
+              <a:rPr lang="en-US" altLang="ko-KR" sz="1100" b="0" dirty="0">
+                <a:solidFill>
+                  <a:srgbClr val="292929"/>
+                </a:solidFill>
+                <a:effectLst/>
+                <a:latin typeface="Consolas" panose="020B0609020204030204" pitchFamily="49" charset="0"/>
+              </a:rPr>
+              <a:t> </a:t>
+            </a:r>
+            <a:r>
+              <a:rPr lang="en-US" altLang="ko-KR" sz="1100" b="0" dirty="0">
+                <a:solidFill>
+                  <a:srgbClr val="000000"/>
+                </a:solidFill>
+                <a:effectLst/>
+                <a:latin typeface="Consolas" panose="020B0609020204030204" pitchFamily="49" charset="0"/>
+              </a:rPr>
+              <a:t>&amp;&amp;</a:t>
+            </a:r>
+            <a:r>
+              <a:rPr lang="en-US" altLang="ko-KR" sz="1100" b="0" dirty="0">
+                <a:solidFill>
+                  <a:srgbClr val="292929"/>
+                </a:solidFill>
+                <a:effectLst/>
+                <a:latin typeface="Consolas" panose="020B0609020204030204" pitchFamily="49" charset="0"/>
+              </a:rPr>
+              <a:t> age </a:t>
+            </a:r>
+            <a:r>
+              <a:rPr lang="en-US" altLang="ko-KR" sz="1100" b="0" dirty="0">
+                <a:solidFill>
+                  <a:srgbClr val="000000"/>
+                </a:solidFill>
+                <a:effectLst/>
+                <a:latin typeface="Consolas" panose="020B0609020204030204" pitchFamily="49" charset="0"/>
+              </a:rPr>
+              <a:t>&lt;</a:t>
+            </a:r>
+            <a:r>
+              <a:rPr lang="en-US" altLang="ko-KR" sz="1100" b="0" dirty="0">
+                <a:solidFill>
+                  <a:srgbClr val="292929"/>
+                </a:solidFill>
+                <a:effectLst/>
+                <a:latin typeface="Consolas" panose="020B0609020204030204" pitchFamily="49" charset="0"/>
+              </a:rPr>
+              <a:t> </a:t>
+            </a:r>
+            <a:r>
+              <a:rPr lang="en-US" altLang="ko-KR" sz="1100" b="0" dirty="0">
+                <a:solidFill>
+                  <a:srgbClr val="096D48"/>
+                </a:solidFill>
+                <a:effectLst/>
+                <a:latin typeface="Consolas" panose="020B0609020204030204" pitchFamily="49" charset="0"/>
+              </a:rPr>
+              <a:t>5</a:t>
+            </a:r>
+            <a:r>
+              <a:rPr lang="en-US" altLang="ko-KR" sz="1100" b="0" dirty="0">
+                <a:solidFill>
+                  <a:srgbClr val="292929"/>
+                </a:solidFill>
+                <a:effectLst/>
+                <a:latin typeface="Consolas" panose="020B0609020204030204" pitchFamily="49" charset="0"/>
+              </a:rPr>
+              <a:t>) {</a:t>
+            </a:r>
+          </a:p>
+          <a:p>
+            <a:r>
+              <a:rPr lang="en-US" altLang="ko-KR" sz="1100" b="0" dirty="0">
+                <a:solidFill>
+                  <a:srgbClr val="292929"/>
+                </a:solidFill>
+                <a:effectLst/>
+                <a:latin typeface="Consolas" panose="020B0609020204030204" pitchFamily="49" charset="0"/>
+              </a:rPr>
+              <a:t>      </a:t>
+            </a:r>
+            <a:r>
+              <a:rPr lang="en-US" altLang="ko-KR" sz="1100" b="0" dirty="0">
+                <a:solidFill>
+                  <a:srgbClr val="B5200D"/>
+                </a:solidFill>
+                <a:effectLst/>
+                <a:latin typeface="Consolas" panose="020B0609020204030204" pitchFamily="49" charset="0"/>
+              </a:rPr>
+              <a:t>return</a:t>
+            </a:r>
+            <a:r>
+              <a:rPr lang="en-US" altLang="ko-KR" sz="1100" b="0" dirty="0">
+                <a:solidFill>
+                  <a:srgbClr val="292929"/>
+                </a:solidFill>
+                <a:effectLst/>
+                <a:latin typeface="Consolas" panose="020B0609020204030204" pitchFamily="49" charset="0"/>
+              </a:rPr>
+              <a:t> </a:t>
+            </a:r>
+            <a:r>
+              <a:rPr lang="en-US" altLang="ko-KR" sz="1100" b="0" dirty="0">
+                <a:solidFill>
+                  <a:srgbClr val="096D48"/>
+                </a:solidFill>
+                <a:effectLst/>
+                <a:latin typeface="Consolas" panose="020B0609020204030204" pitchFamily="49" charset="0"/>
+              </a:rPr>
+              <a:t>4</a:t>
+            </a:r>
+            <a:r>
+              <a:rPr lang="en-US" altLang="ko-KR" sz="1100" b="0" dirty="0">
+                <a:solidFill>
+                  <a:srgbClr val="292929"/>
+                </a:solidFill>
+                <a:effectLst/>
+                <a:latin typeface="Consolas" panose="020B0609020204030204" pitchFamily="49" charset="0"/>
+              </a:rPr>
+              <a:t>;</a:t>
+            </a:r>
+          </a:p>
+          <a:p>
+            <a:r>
+              <a:rPr lang="en-US" altLang="ko-KR" sz="1100" b="0" dirty="0">
+                <a:solidFill>
+                  <a:srgbClr val="292929"/>
+                </a:solidFill>
+                <a:effectLst/>
+                <a:latin typeface="Consolas" panose="020B0609020204030204" pitchFamily="49" charset="0"/>
+              </a:rPr>
+              <a:t>    } </a:t>
+            </a:r>
+            <a:r>
+              <a:rPr lang="en-US" altLang="ko-KR" sz="1100" b="0" dirty="0">
+                <a:solidFill>
+                  <a:srgbClr val="B5200D"/>
+                </a:solidFill>
+                <a:effectLst/>
+                <a:latin typeface="Consolas" panose="020B0609020204030204" pitchFamily="49" charset="0"/>
+              </a:rPr>
+              <a:t>else</a:t>
+            </a:r>
+            <a:r>
+              <a:rPr lang="en-US" altLang="ko-KR" sz="1100" b="0" dirty="0">
+                <a:solidFill>
+                  <a:srgbClr val="292929"/>
+                </a:solidFill>
+                <a:effectLst/>
+                <a:latin typeface="Consolas" panose="020B0609020204030204" pitchFamily="49" charset="0"/>
+              </a:rPr>
+              <a:t> </a:t>
+            </a:r>
+            <a:r>
+              <a:rPr lang="en-US" altLang="ko-KR" sz="1100" b="0" dirty="0">
+                <a:solidFill>
+                  <a:srgbClr val="B5200D"/>
+                </a:solidFill>
+                <a:effectLst/>
+                <a:latin typeface="Consolas" panose="020B0609020204030204" pitchFamily="49" charset="0"/>
+              </a:rPr>
+              <a:t>if</a:t>
+            </a:r>
+            <a:r>
+              <a:rPr lang="en-US" altLang="ko-KR" sz="1100" b="0" dirty="0">
+                <a:solidFill>
+                  <a:srgbClr val="292929"/>
+                </a:solidFill>
+                <a:effectLst/>
+                <a:latin typeface="Consolas" panose="020B0609020204030204" pitchFamily="49" charset="0"/>
+              </a:rPr>
+              <a:t> (age </a:t>
+            </a:r>
+            <a:r>
+              <a:rPr lang="en-US" altLang="ko-KR" sz="1100" b="0" dirty="0">
+                <a:solidFill>
+                  <a:srgbClr val="000000"/>
+                </a:solidFill>
+                <a:effectLst/>
+                <a:latin typeface="Consolas" panose="020B0609020204030204" pitchFamily="49" charset="0"/>
+              </a:rPr>
+              <a:t>&lt;=</a:t>
+            </a:r>
+            <a:r>
+              <a:rPr lang="en-US" altLang="ko-KR" sz="1100" b="0" dirty="0">
+                <a:solidFill>
+                  <a:srgbClr val="292929"/>
+                </a:solidFill>
+                <a:effectLst/>
+                <a:latin typeface="Consolas" panose="020B0609020204030204" pitchFamily="49" charset="0"/>
+              </a:rPr>
+              <a:t> </a:t>
+            </a:r>
+            <a:r>
+              <a:rPr lang="en-US" altLang="ko-KR" sz="1100" b="0" dirty="0">
+                <a:solidFill>
+                  <a:srgbClr val="096D48"/>
+                </a:solidFill>
+                <a:effectLst/>
+                <a:latin typeface="Consolas" panose="020B0609020204030204" pitchFamily="49" charset="0"/>
+              </a:rPr>
+              <a:t>1</a:t>
+            </a:r>
+            <a:r>
+              <a:rPr lang="en-US" altLang="ko-KR" sz="1100" b="0" dirty="0">
+                <a:solidFill>
+                  <a:srgbClr val="292929"/>
+                </a:solidFill>
+                <a:effectLst/>
+                <a:latin typeface="Consolas" panose="020B0609020204030204" pitchFamily="49" charset="0"/>
+              </a:rPr>
+              <a:t>) {</a:t>
+            </a:r>
+          </a:p>
+          <a:p>
+            <a:r>
+              <a:rPr lang="en-US" altLang="ko-KR" sz="1100" b="0" dirty="0">
+                <a:solidFill>
+                  <a:srgbClr val="292929"/>
+                </a:solidFill>
+                <a:effectLst/>
+                <a:latin typeface="Consolas" panose="020B0609020204030204" pitchFamily="49" charset="0"/>
+              </a:rPr>
+              <a:t>      </a:t>
+            </a:r>
+            <a:r>
+              <a:rPr lang="en-US" altLang="ko-KR" sz="1100" b="0" dirty="0">
+                <a:solidFill>
+                  <a:srgbClr val="B5200D"/>
+                </a:solidFill>
+                <a:effectLst/>
+                <a:latin typeface="Consolas" panose="020B0609020204030204" pitchFamily="49" charset="0"/>
+              </a:rPr>
+              <a:t>return</a:t>
+            </a:r>
+            <a:r>
+              <a:rPr lang="en-US" altLang="ko-KR" sz="1100" b="0" dirty="0">
+                <a:solidFill>
+                  <a:srgbClr val="292929"/>
+                </a:solidFill>
+                <a:effectLst/>
+                <a:latin typeface="Consolas" panose="020B0609020204030204" pitchFamily="49" charset="0"/>
+              </a:rPr>
+              <a:t> </a:t>
+            </a:r>
+            <a:r>
+              <a:rPr lang="en-US" altLang="ko-KR" sz="1100" b="0" dirty="0">
+                <a:solidFill>
+                  <a:srgbClr val="096D48"/>
+                </a:solidFill>
+                <a:effectLst/>
+                <a:latin typeface="Consolas" panose="020B0609020204030204" pitchFamily="49" charset="0"/>
+              </a:rPr>
+              <a:t>0</a:t>
+            </a:r>
+            <a:r>
+              <a:rPr lang="en-US" altLang="ko-KR" sz="1100" b="0" dirty="0">
+                <a:solidFill>
+                  <a:srgbClr val="292929"/>
+                </a:solidFill>
+                <a:effectLst/>
+                <a:latin typeface="Consolas" panose="020B0609020204030204" pitchFamily="49" charset="0"/>
+              </a:rPr>
+              <a:t>;</a:t>
+            </a:r>
+          </a:p>
+          <a:p>
+            <a:r>
+              <a:rPr lang="en-US" altLang="ko-KR" sz="1100" b="0" dirty="0">
+                <a:solidFill>
+                  <a:srgbClr val="292929"/>
+                </a:solidFill>
+                <a:effectLst/>
+                <a:latin typeface="Consolas" panose="020B0609020204030204" pitchFamily="49" charset="0"/>
+              </a:rPr>
+              <a:t>    } </a:t>
+            </a:r>
+            <a:r>
+              <a:rPr lang="en-US" altLang="ko-KR" sz="1100" b="0" dirty="0">
+                <a:solidFill>
+                  <a:srgbClr val="B5200D"/>
+                </a:solidFill>
+                <a:effectLst/>
+                <a:latin typeface="Consolas" panose="020B0609020204030204" pitchFamily="49" charset="0"/>
+              </a:rPr>
+              <a:t>else</a:t>
+            </a:r>
+            <a:r>
+              <a:rPr lang="en-US" altLang="ko-KR" sz="1100" b="0" dirty="0">
+                <a:solidFill>
+                  <a:srgbClr val="292929"/>
+                </a:solidFill>
+                <a:effectLst/>
+                <a:latin typeface="Consolas" panose="020B0609020204030204" pitchFamily="49" charset="0"/>
+              </a:rPr>
+              <a:t> {</a:t>
+            </a:r>
+          </a:p>
+          <a:p>
+            <a:r>
+              <a:rPr lang="en-US" altLang="ko-KR" sz="1100" b="0" dirty="0">
+                <a:solidFill>
+                  <a:srgbClr val="292929"/>
+                </a:solidFill>
+                <a:effectLst/>
+                <a:latin typeface="Consolas" panose="020B0609020204030204" pitchFamily="49" charset="0"/>
+              </a:rPr>
+              <a:t>      </a:t>
+            </a:r>
+            <a:r>
+              <a:rPr lang="en-US" altLang="ko-KR" sz="1100" b="0" dirty="0">
+                <a:solidFill>
+                  <a:srgbClr val="B5200D"/>
+                </a:solidFill>
+                <a:effectLst/>
+                <a:latin typeface="Consolas" panose="020B0609020204030204" pitchFamily="49" charset="0"/>
+              </a:rPr>
+              <a:t>return</a:t>
+            </a:r>
+            <a:r>
+              <a:rPr lang="en-US" altLang="ko-KR" sz="1100" b="0" dirty="0">
+                <a:solidFill>
+                  <a:srgbClr val="292929"/>
+                </a:solidFill>
+                <a:effectLst/>
+                <a:latin typeface="Consolas" panose="020B0609020204030204" pitchFamily="49" charset="0"/>
+              </a:rPr>
+              <a:t> </a:t>
+            </a:r>
+            <a:r>
+              <a:rPr lang="en-US" altLang="ko-KR" sz="1100" b="0" dirty="0">
+                <a:solidFill>
+                  <a:srgbClr val="096D48"/>
+                </a:solidFill>
+                <a:effectLst/>
+                <a:latin typeface="Consolas" panose="020B0609020204030204" pitchFamily="49" charset="0"/>
+              </a:rPr>
+              <a:t>2</a:t>
+            </a:r>
+            <a:r>
+              <a:rPr lang="en-US" altLang="ko-KR" sz="1100" b="0" dirty="0">
+                <a:solidFill>
+                  <a:srgbClr val="292929"/>
+                </a:solidFill>
+                <a:effectLst/>
+                <a:latin typeface="Consolas" panose="020B0609020204030204" pitchFamily="49" charset="0"/>
+              </a:rPr>
+              <a:t>;</a:t>
+            </a:r>
+          </a:p>
+          <a:p>
+            <a:r>
+              <a:rPr lang="en-US" altLang="ko-KR" sz="1100" b="0" dirty="0">
+                <a:solidFill>
+                  <a:srgbClr val="292929"/>
+                </a:solidFill>
+                <a:effectLst/>
+                <a:latin typeface="Consolas" panose="020B0609020204030204" pitchFamily="49" charset="0"/>
+              </a:rPr>
+              <a:t>    }</a:t>
+            </a:r>
+          </a:p>
+          <a:p>
+            <a:r>
+              <a:rPr lang="en-US" altLang="ko-KR" sz="1100" b="0" dirty="0">
+                <a:solidFill>
+                  <a:srgbClr val="292929"/>
+                </a:solidFill>
+                <a:effectLst/>
+                <a:latin typeface="Consolas" panose="020B0609020204030204" pitchFamily="49" charset="0"/>
+              </a:rPr>
+              <a:t>  }</a:t>
+            </a:r>
+          </a:p>
+          <a:p>
+            <a:r>
+              <a:rPr lang="en-US" altLang="ko-KR" sz="1100" b="0" dirty="0">
+                <a:solidFill>
+                  <a:srgbClr val="292929"/>
+                </a:solidFill>
+                <a:effectLst/>
+                <a:latin typeface="Consolas" panose="020B0609020204030204" pitchFamily="49" charset="0"/>
+              </a:rPr>
+              <a:t>}</a:t>
+            </a:r>
+          </a:p>
+        </p:txBody>
+      </p:sp>
     </p:spTree>
     <p:extLst>
       <p:ext uri="{BB962C8B-B14F-4D97-AF65-F5344CB8AC3E}">

--- a/provider_pattern_udemy/ProviderPatterUdemy.pptx
+++ b/provider_pattern_udemy/ProviderPatterUdemy.pptx
@@ -112,7 +112,7 @@
   </p:defaultTextStyle>
   <p:extLst>
     <p:ext uri="{EFAFB233-063F-42B5-8137-9DF3F51BA10A}">
-      <p15:sldGuideLst xmlns:p15="http://schemas.microsoft.com/office/powerpoint/2012/main"/>
+      <p15:sldGuideLst xmlns:p15="http://schemas.microsoft.com/office/powerpoint/2012/main" xmlns=""/>
     </p:ext>
   </p:extLst>
 </p:presentation>
@@ -140,7 +140,7 @@
           <p:cNvPr id="2" name="제목 1">
             <a:extLst>
               <a:ext uri="{FF2B5EF4-FFF2-40B4-BE49-F238E27FC236}">
-                <a16:creationId xmlns:a16="http://schemas.microsoft.com/office/drawing/2014/main" id="{49F40279-CD25-8B7A-3975-12664637434F}"/>
+                <a16:creationId xmlns:a16="http://schemas.microsoft.com/office/drawing/2014/main" xmlns="" id="{49F40279-CD25-8B7A-3975-12664637434F}"/>
               </a:ext>
             </a:extLst>
           </p:cNvPr>
@@ -177,7 +177,7 @@
           <p:cNvPr id="3" name="부제목 2">
             <a:extLst>
               <a:ext uri="{FF2B5EF4-FFF2-40B4-BE49-F238E27FC236}">
-                <a16:creationId xmlns:a16="http://schemas.microsoft.com/office/drawing/2014/main" id="{0CBD974B-C55E-F38B-99CE-864D2D01E33C}"/>
+                <a16:creationId xmlns:a16="http://schemas.microsoft.com/office/drawing/2014/main" xmlns="" id="{0CBD974B-C55E-F38B-99CE-864D2D01E33C}"/>
               </a:ext>
             </a:extLst>
           </p:cNvPr>
@@ -247,7 +247,7 @@
           <p:cNvPr id="4" name="날짜 개체 틀 3">
             <a:extLst>
               <a:ext uri="{FF2B5EF4-FFF2-40B4-BE49-F238E27FC236}">
-                <a16:creationId xmlns:a16="http://schemas.microsoft.com/office/drawing/2014/main" id="{632E0770-9CC2-F36E-EA57-6F860D9A1EBB}"/>
+                <a16:creationId xmlns:a16="http://schemas.microsoft.com/office/drawing/2014/main" xmlns="" id="{632E0770-9CC2-F36E-EA57-6F860D9A1EBB}"/>
               </a:ext>
             </a:extLst>
           </p:cNvPr>
@@ -265,7 +265,7 @@
           <a:p>
             <a:fld id="{DE1A4F41-A76E-4852-8F55-2746E7B52609}" type="datetimeFigureOut">
               <a:rPr lang="ko-KR" altLang="en-US" smtClean="0"/>
-              <a:t>2022-12-08</a:t>
+              <a:t>2022-12-10</a:t>
             </a:fld>
             <a:endParaRPr lang="ko-KR" altLang="en-US"/>
           </a:p>
@@ -276,7 +276,7 @@
           <p:cNvPr id="5" name="바닥글 개체 틀 4">
             <a:extLst>
               <a:ext uri="{FF2B5EF4-FFF2-40B4-BE49-F238E27FC236}">
-                <a16:creationId xmlns:a16="http://schemas.microsoft.com/office/drawing/2014/main" id="{F121A2AE-6467-02FB-D453-492614D4BFEB}"/>
+                <a16:creationId xmlns:a16="http://schemas.microsoft.com/office/drawing/2014/main" xmlns="" id="{F121A2AE-6467-02FB-D453-492614D4BFEB}"/>
               </a:ext>
             </a:extLst>
           </p:cNvPr>
@@ -301,7 +301,7 @@
           <p:cNvPr id="6" name="슬라이드 번호 개체 틀 5">
             <a:extLst>
               <a:ext uri="{FF2B5EF4-FFF2-40B4-BE49-F238E27FC236}">
-                <a16:creationId xmlns:a16="http://schemas.microsoft.com/office/drawing/2014/main" id="{303BD8BA-6B34-C296-B8FB-3D08D9C017D5}"/>
+                <a16:creationId xmlns:a16="http://schemas.microsoft.com/office/drawing/2014/main" xmlns="" id="{303BD8BA-6B34-C296-B8FB-3D08D9C017D5}"/>
               </a:ext>
             </a:extLst>
           </p:cNvPr>
@@ -360,7 +360,7 @@
           <p:cNvPr id="2" name="제목 1">
             <a:extLst>
               <a:ext uri="{FF2B5EF4-FFF2-40B4-BE49-F238E27FC236}">
-                <a16:creationId xmlns:a16="http://schemas.microsoft.com/office/drawing/2014/main" id="{3AD112FC-8C68-581D-E4A7-BD6A0CD3F1F8}"/>
+                <a16:creationId xmlns:a16="http://schemas.microsoft.com/office/drawing/2014/main" xmlns="" id="{3AD112FC-8C68-581D-E4A7-BD6A0CD3F1F8}"/>
               </a:ext>
             </a:extLst>
           </p:cNvPr>
@@ -388,7 +388,7 @@
           <p:cNvPr id="3" name="세로 텍스트 개체 틀 2">
             <a:extLst>
               <a:ext uri="{FF2B5EF4-FFF2-40B4-BE49-F238E27FC236}">
-                <a16:creationId xmlns:a16="http://schemas.microsoft.com/office/drawing/2014/main" id="{705BDFBA-8161-5E9D-5306-39633F919ADC}"/>
+                <a16:creationId xmlns:a16="http://schemas.microsoft.com/office/drawing/2014/main" xmlns="" id="{705BDFBA-8161-5E9D-5306-39633F919ADC}"/>
               </a:ext>
             </a:extLst>
           </p:cNvPr>
@@ -445,7 +445,7 @@
           <p:cNvPr id="4" name="날짜 개체 틀 3">
             <a:extLst>
               <a:ext uri="{FF2B5EF4-FFF2-40B4-BE49-F238E27FC236}">
-                <a16:creationId xmlns:a16="http://schemas.microsoft.com/office/drawing/2014/main" id="{10499AED-EBEE-AE14-843F-F54D9763A2BB}"/>
+                <a16:creationId xmlns:a16="http://schemas.microsoft.com/office/drawing/2014/main" xmlns="" id="{10499AED-EBEE-AE14-843F-F54D9763A2BB}"/>
               </a:ext>
             </a:extLst>
           </p:cNvPr>
@@ -463,7 +463,7 @@
           <a:p>
             <a:fld id="{DE1A4F41-A76E-4852-8F55-2746E7B52609}" type="datetimeFigureOut">
               <a:rPr lang="ko-KR" altLang="en-US" smtClean="0"/>
-              <a:t>2022-12-08</a:t>
+              <a:t>2022-12-10</a:t>
             </a:fld>
             <a:endParaRPr lang="ko-KR" altLang="en-US"/>
           </a:p>
@@ -474,7 +474,7 @@
           <p:cNvPr id="5" name="바닥글 개체 틀 4">
             <a:extLst>
               <a:ext uri="{FF2B5EF4-FFF2-40B4-BE49-F238E27FC236}">
-                <a16:creationId xmlns:a16="http://schemas.microsoft.com/office/drawing/2014/main" id="{5AC494CD-4343-5B23-B816-E01AB3C6B81B}"/>
+                <a16:creationId xmlns:a16="http://schemas.microsoft.com/office/drawing/2014/main" xmlns="" id="{5AC494CD-4343-5B23-B816-E01AB3C6B81B}"/>
               </a:ext>
             </a:extLst>
           </p:cNvPr>
@@ -499,7 +499,7 @@
           <p:cNvPr id="6" name="슬라이드 번호 개체 틀 5">
             <a:extLst>
               <a:ext uri="{FF2B5EF4-FFF2-40B4-BE49-F238E27FC236}">
-                <a16:creationId xmlns:a16="http://schemas.microsoft.com/office/drawing/2014/main" id="{DE9BA120-4C37-4762-5D4F-283594989455}"/>
+                <a16:creationId xmlns:a16="http://schemas.microsoft.com/office/drawing/2014/main" xmlns="" id="{DE9BA120-4C37-4762-5D4F-283594989455}"/>
               </a:ext>
             </a:extLst>
           </p:cNvPr>
@@ -558,7 +558,7 @@
           <p:cNvPr id="2" name="세로 제목 1">
             <a:extLst>
               <a:ext uri="{FF2B5EF4-FFF2-40B4-BE49-F238E27FC236}">
-                <a16:creationId xmlns:a16="http://schemas.microsoft.com/office/drawing/2014/main" id="{7BA90191-E178-F795-23DA-8AA8F61E0780}"/>
+                <a16:creationId xmlns:a16="http://schemas.microsoft.com/office/drawing/2014/main" xmlns="" id="{7BA90191-E178-F795-23DA-8AA8F61E0780}"/>
               </a:ext>
             </a:extLst>
           </p:cNvPr>
@@ -591,7 +591,7 @@
           <p:cNvPr id="3" name="세로 텍스트 개체 틀 2">
             <a:extLst>
               <a:ext uri="{FF2B5EF4-FFF2-40B4-BE49-F238E27FC236}">
-                <a16:creationId xmlns:a16="http://schemas.microsoft.com/office/drawing/2014/main" id="{B37A81A2-3574-97A0-B669-B1F9002B2242}"/>
+                <a16:creationId xmlns:a16="http://schemas.microsoft.com/office/drawing/2014/main" xmlns="" id="{B37A81A2-3574-97A0-B669-B1F9002B2242}"/>
               </a:ext>
             </a:extLst>
           </p:cNvPr>
@@ -653,7 +653,7 @@
           <p:cNvPr id="4" name="날짜 개체 틀 3">
             <a:extLst>
               <a:ext uri="{FF2B5EF4-FFF2-40B4-BE49-F238E27FC236}">
-                <a16:creationId xmlns:a16="http://schemas.microsoft.com/office/drawing/2014/main" id="{7093D321-9553-C5FC-1AB8-1C21AA853EA2}"/>
+                <a16:creationId xmlns:a16="http://schemas.microsoft.com/office/drawing/2014/main" xmlns="" id="{7093D321-9553-C5FC-1AB8-1C21AA853EA2}"/>
               </a:ext>
             </a:extLst>
           </p:cNvPr>
@@ -671,7 +671,7 @@
           <a:p>
             <a:fld id="{DE1A4F41-A76E-4852-8F55-2746E7B52609}" type="datetimeFigureOut">
               <a:rPr lang="ko-KR" altLang="en-US" smtClean="0"/>
-              <a:t>2022-12-08</a:t>
+              <a:t>2022-12-10</a:t>
             </a:fld>
             <a:endParaRPr lang="ko-KR" altLang="en-US"/>
           </a:p>
@@ -682,7 +682,7 @@
           <p:cNvPr id="5" name="바닥글 개체 틀 4">
             <a:extLst>
               <a:ext uri="{FF2B5EF4-FFF2-40B4-BE49-F238E27FC236}">
-                <a16:creationId xmlns:a16="http://schemas.microsoft.com/office/drawing/2014/main" id="{4A9DA5EA-7E92-CDEB-C16D-DBADEA4E7C4F}"/>
+                <a16:creationId xmlns:a16="http://schemas.microsoft.com/office/drawing/2014/main" xmlns="" id="{4A9DA5EA-7E92-CDEB-C16D-DBADEA4E7C4F}"/>
               </a:ext>
             </a:extLst>
           </p:cNvPr>
@@ -707,7 +707,7 @@
           <p:cNvPr id="6" name="슬라이드 번호 개체 틀 5">
             <a:extLst>
               <a:ext uri="{FF2B5EF4-FFF2-40B4-BE49-F238E27FC236}">
-                <a16:creationId xmlns:a16="http://schemas.microsoft.com/office/drawing/2014/main" id="{2B70D6E9-EB43-591B-BC67-8D20CB9E4CB8}"/>
+                <a16:creationId xmlns:a16="http://schemas.microsoft.com/office/drawing/2014/main" xmlns="" id="{2B70D6E9-EB43-591B-BC67-8D20CB9E4CB8}"/>
               </a:ext>
             </a:extLst>
           </p:cNvPr>
@@ -766,7 +766,7 @@
           <p:cNvPr id="2" name="제목 1">
             <a:extLst>
               <a:ext uri="{FF2B5EF4-FFF2-40B4-BE49-F238E27FC236}">
-                <a16:creationId xmlns:a16="http://schemas.microsoft.com/office/drawing/2014/main" id="{496F6A08-6278-2ED1-2DC9-F0749523920E}"/>
+                <a16:creationId xmlns:a16="http://schemas.microsoft.com/office/drawing/2014/main" xmlns="" id="{496F6A08-6278-2ED1-2DC9-F0749523920E}"/>
               </a:ext>
             </a:extLst>
           </p:cNvPr>
@@ -794,7 +794,7 @@
           <p:cNvPr id="3" name="내용 개체 틀 2">
             <a:extLst>
               <a:ext uri="{FF2B5EF4-FFF2-40B4-BE49-F238E27FC236}">
-                <a16:creationId xmlns:a16="http://schemas.microsoft.com/office/drawing/2014/main" id="{2B799D18-5EEC-FEF7-9226-42049F00748A}"/>
+                <a16:creationId xmlns:a16="http://schemas.microsoft.com/office/drawing/2014/main" xmlns="" id="{2B799D18-5EEC-FEF7-9226-42049F00748A}"/>
               </a:ext>
             </a:extLst>
           </p:cNvPr>
@@ -851,7 +851,7 @@
           <p:cNvPr id="4" name="날짜 개체 틀 3">
             <a:extLst>
               <a:ext uri="{FF2B5EF4-FFF2-40B4-BE49-F238E27FC236}">
-                <a16:creationId xmlns:a16="http://schemas.microsoft.com/office/drawing/2014/main" id="{DEC7297D-BDEA-3DA8-A093-9A35E2D859D3}"/>
+                <a16:creationId xmlns:a16="http://schemas.microsoft.com/office/drawing/2014/main" xmlns="" id="{DEC7297D-BDEA-3DA8-A093-9A35E2D859D3}"/>
               </a:ext>
             </a:extLst>
           </p:cNvPr>
@@ -869,7 +869,7 @@
           <a:p>
             <a:fld id="{DE1A4F41-A76E-4852-8F55-2746E7B52609}" type="datetimeFigureOut">
               <a:rPr lang="ko-KR" altLang="en-US" smtClean="0"/>
-              <a:t>2022-12-08</a:t>
+              <a:t>2022-12-10</a:t>
             </a:fld>
             <a:endParaRPr lang="ko-KR" altLang="en-US"/>
           </a:p>
@@ -880,7 +880,7 @@
           <p:cNvPr id="5" name="바닥글 개체 틀 4">
             <a:extLst>
               <a:ext uri="{FF2B5EF4-FFF2-40B4-BE49-F238E27FC236}">
-                <a16:creationId xmlns:a16="http://schemas.microsoft.com/office/drawing/2014/main" id="{800F4056-960F-6EAC-6C33-EE67DD917FA0}"/>
+                <a16:creationId xmlns:a16="http://schemas.microsoft.com/office/drawing/2014/main" xmlns="" id="{800F4056-960F-6EAC-6C33-EE67DD917FA0}"/>
               </a:ext>
             </a:extLst>
           </p:cNvPr>
@@ -905,7 +905,7 @@
           <p:cNvPr id="6" name="슬라이드 번호 개체 틀 5">
             <a:extLst>
               <a:ext uri="{FF2B5EF4-FFF2-40B4-BE49-F238E27FC236}">
-                <a16:creationId xmlns:a16="http://schemas.microsoft.com/office/drawing/2014/main" id="{F1A9033F-69E8-0003-4D3A-E0E03C97A11D}"/>
+                <a16:creationId xmlns:a16="http://schemas.microsoft.com/office/drawing/2014/main" xmlns="" id="{F1A9033F-69E8-0003-4D3A-E0E03C97A11D}"/>
               </a:ext>
             </a:extLst>
           </p:cNvPr>
@@ -964,7 +964,7 @@
           <p:cNvPr id="2" name="제목 1">
             <a:extLst>
               <a:ext uri="{FF2B5EF4-FFF2-40B4-BE49-F238E27FC236}">
-                <a16:creationId xmlns:a16="http://schemas.microsoft.com/office/drawing/2014/main" id="{EEEFD127-F6C9-EA9E-1B8E-5B8FEF536F49}"/>
+                <a16:creationId xmlns:a16="http://schemas.microsoft.com/office/drawing/2014/main" xmlns="" id="{EEEFD127-F6C9-EA9E-1B8E-5B8FEF536F49}"/>
               </a:ext>
             </a:extLst>
           </p:cNvPr>
@@ -1001,7 +1001,7 @@
           <p:cNvPr id="3" name="텍스트 개체 틀 2">
             <a:extLst>
               <a:ext uri="{FF2B5EF4-FFF2-40B4-BE49-F238E27FC236}">
-                <a16:creationId xmlns:a16="http://schemas.microsoft.com/office/drawing/2014/main" id="{A016A7B9-E5BE-67CD-8D4B-C56AC3FD4361}"/>
+                <a16:creationId xmlns:a16="http://schemas.microsoft.com/office/drawing/2014/main" xmlns="" id="{A016A7B9-E5BE-67CD-8D4B-C56AC3FD4361}"/>
               </a:ext>
             </a:extLst>
           </p:cNvPr>
@@ -1126,7 +1126,7 @@
           <p:cNvPr id="4" name="날짜 개체 틀 3">
             <a:extLst>
               <a:ext uri="{FF2B5EF4-FFF2-40B4-BE49-F238E27FC236}">
-                <a16:creationId xmlns:a16="http://schemas.microsoft.com/office/drawing/2014/main" id="{BB46CCD3-D772-1248-E16D-4B1E0AD6158A}"/>
+                <a16:creationId xmlns:a16="http://schemas.microsoft.com/office/drawing/2014/main" xmlns="" id="{BB46CCD3-D772-1248-E16D-4B1E0AD6158A}"/>
               </a:ext>
             </a:extLst>
           </p:cNvPr>
@@ -1144,7 +1144,7 @@
           <a:p>
             <a:fld id="{DE1A4F41-A76E-4852-8F55-2746E7B52609}" type="datetimeFigureOut">
               <a:rPr lang="ko-KR" altLang="en-US" smtClean="0"/>
-              <a:t>2022-12-08</a:t>
+              <a:t>2022-12-10</a:t>
             </a:fld>
             <a:endParaRPr lang="ko-KR" altLang="en-US"/>
           </a:p>
@@ -1155,7 +1155,7 @@
           <p:cNvPr id="5" name="바닥글 개체 틀 4">
             <a:extLst>
               <a:ext uri="{FF2B5EF4-FFF2-40B4-BE49-F238E27FC236}">
-                <a16:creationId xmlns:a16="http://schemas.microsoft.com/office/drawing/2014/main" id="{0D0B4FF8-A64B-78A0-DE84-D324A0C948FD}"/>
+                <a16:creationId xmlns:a16="http://schemas.microsoft.com/office/drawing/2014/main" xmlns="" id="{0D0B4FF8-A64B-78A0-DE84-D324A0C948FD}"/>
               </a:ext>
             </a:extLst>
           </p:cNvPr>
@@ -1180,7 +1180,7 @@
           <p:cNvPr id="6" name="슬라이드 번호 개체 틀 5">
             <a:extLst>
               <a:ext uri="{FF2B5EF4-FFF2-40B4-BE49-F238E27FC236}">
-                <a16:creationId xmlns:a16="http://schemas.microsoft.com/office/drawing/2014/main" id="{1D5CDF91-EF48-538A-7D98-74BF79A289F6}"/>
+                <a16:creationId xmlns:a16="http://schemas.microsoft.com/office/drawing/2014/main" xmlns="" id="{1D5CDF91-EF48-538A-7D98-74BF79A289F6}"/>
               </a:ext>
             </a:extLst>
           </p:cNvPr>
@@ -1239,7 +1239,7 @@
           <p:cNvPr id="2" name="제목 1">
             <a:extLst>
               <a:ext uri="{FF2B5EF4-FFF2-40B4-BE49-F238E27FC236}">
-                <a16:creationId xmlns:a16="http://schemas.microsoft.com/office/drawing/2014/main" id="{BD5D7BC4-8EFB-4113-FBE1-3F9E2F2B12A7}"/>
+                <a16:creationId xmlns:a16="http://schemas.microsoft.com/office/drawing/2014/main" xmlns="" id="{BD5D7BC4-8EFB-4113-FBE1-3F9E2F2B12A7}"/>
               </a:ext>
             </a:extLst>
           </p:cNvPr>
@@ -1267,7 +1267,7 @@
           <p:cNvPr id="3" name="내용 개체 틀 2">
             <a:extLst>
               <a:ext uri="{FF2B5EF4-FFF2-40B4-BE49-F238E27FC236}">
-                <a16:creationId xmlns:a16="http://schemas.microsoft.com/office/drawing/2014/main" id="{EDEE2099-518F-F1DE-11DD-D45C853B987A}"/>
+                <a16:creationId xmlns:a16="http://schemas.microsoft.com/office/drawing/2014/main" xmlns="" id="{EDEE2099-518F-F1DE-11DD-D45C853B987A}"/>
               </a:ext>
             </a:extLst>
           </p:cNvPr>
@@ -1329,7 +1329,7 @@
           <p:cNvPr id="4" name="내용 개체 틀 3">
             <a:extLst>
               <a:ext uri="{FF2B5EF4-FFF2-40B4-BE49-F238E27FC236}">
-                <a16:creationId xmlns:a16="http://schemas.microsoft.com/office/drawing/2014/main" id="{82D71EF5-CB72-2F30-8F64-1B8D8DCCB216}"/>
+                <a16:creationId xmlns:a16="http://schemas.microsoft.com/office/drawing/2014/main" xmlns="" id="{82D71EF5-CB72-2F30-8F64-1B8D8DCCB216}"/>
               </a:ext>
             </a:extLst>
           </p:cNvPr>
@@ -1391,7 +1391,7 @@
           <p:cNvPr id="5" name="날짜 개체 틀 4">
             <a:extLst>
               <a:ext uri="{FF2B5EF4-FFF2-40B4-BE49-F238E27FC236}">
-                <a16:creationId xmlns:a16="http://schemas.microsoft.com/office/drawing/2014/main" id="{DA892DC2-6A22-4FD0-8DC1-B2CB97CAF876}"/>
+                <a16:creationId xmlns:a16="http://schemas.microsoft.com/office/drawing/2014/main" xmlns="" id="{DA892DC2-6A22-4FD0-8DC1-B2CB97CAF876}"/>
               </a:ext>
             </a:extLst>
           </p:cNvPr>
@@ -1409,7 +1409,7 @@
           <a:p>
             <a:fld id="{DE1A4F41-A76E-4852-8F55-2746E7B52609}" type="datetimeFigureOut">
               <a:rPr lang="ko-KR" altLang="en-US" smtClean="0"/>
-              <a:t>2022-12-08</a:t>
+              <a:t>2022-12-10</a:t>
             </a:fld>
             <a:endParaRPr lang="ko-KR" altLang="en-US"/>
           </a:p>
@@ -1420,7 +1420,7 @@
           <p:cNvPr id="6" name="바닥글 개체 틀 5">
             <a:extLst>
               <a:ext uri="{FF2B5EF4-FFF2-40B4-BE49-F238E27FC236}">
-                <a16:creationId xmlns:a16="http://schemas.microsoft.com/office/drawing/2014/main" id="{9166CFA2-FC53-08F1-02D1-35AE2347463E}"/>
+                <a16:creationId xmlns:a16="http://schemas.microsoft.com/office/drawing/2014/main" xmlns="" id="{9166CFA2-FC53-08F1-02D1-35AE2347463E}"/>
               </a:ext>
             </a:extLst>
           </p:cNvPr>
@@ -1445,7 +1445,7 @@
           <p:cNvPr id="7" name="슬라이드 번호 개체 틀 6">
             <a:extLst>
               <a:ext uri="{FF2B5EF4-FFF2-40B4-BE49-F238E27FC236}">
-                <a16:creationId xmlns:a16="http://schemas.microsoft.com/office/drawing/2014/main" id="{4D7CA0AE-9097-9CDD-0EC0-C228B78D5726}"/>
+                <a16:creationId xmlns:a16="http://schemas.microsoft.com/office/drawing/2014/main" xmlns="" id="{4D7CA0AE-9097-9CDD-0EC0-C228B78D5726}"/>
               </a:ext>
             </a:extLst>
           </p:cNvPr>
@@ -1504,7 +1504,7 @@
           <p:cNvPr id="2" name="제목 1">
             <a:extLst>
               <a:ext uri="{FF2B5EF4-FFF2-40B4-BE49-F238E27FC236}">
-                <a16:creationId xmlns:a16="http://schemas.microsoft.com/office/drawing/2014/main" id="{1BA7C5F6-1881-DD1E-74A3-3F1B650EB668}"/>
+                <a16:creationId xmlns:a16="http://schemas.microsoft.com/office/drawing/2014/main" xmlns="" id="{1BA7C5F6-1881-DD1E-74A3-3F1B650EB668}"/>
               </a:ext>
             </a:extLst>
           </p:cNvPr>
@@ -1537,7 +1537,7 @@
           <p:cNvPr id="3" name="텍스트 개체 틀 2">
             <a:extLst>
               <a:ext uri="{FF2B5EF4-FFF2-40B4-BE49-F238E27FC236}">
-                <a16:creationId xmlns:a16="http://schemas.microsoft.com/office/drawing/2014/main" id="{6B24FA09-E8AD-D36F-C255-FE14A2FFD897}"/>
+                <a16:creationId xmlns:a16="http://schemas.microsoft.com/office/drawing/2014/main" xmlns="" id="{6B24FA09-E8AD-D36F-C255-FE14A2FFD897}"/>
               </a:ext>
             </a:extLst>
           </p:cNvPr>
@@ -1608,7 +1608,7 @@
           <p:cNvPr id="4" name="내용 개체 틀 3">
             <a:extLst>
               <a:ext uri="{FF2B5EF4-FFF2-40B4-BE49-F238E27FC236}">
-                <a16:creationId xmlns:a16="http://schemas.microsoft.com/office/drawing/2014/main" id="{DBB30CBF-9D01-5B61-BB91-4004D55C5B9D}"/>
+                <a16:creationId xmlns:a16="http://schemas.microsoft.com/office/drawing/2014/main" xmlns="" id="{DBB30CBF-9D01-5B61-BB91-4004D55C5B9D}"/>
               </a:ext>
             </a:extLst>
           </p:cNvPr>
@@ -1670,7 +1670,7 @@
           <p:cNvPr id="5" name="텍스트 개체 틀 4">
             <a:extLst>
               <a:ext uri="{FF2B5EF4-FFF2-40B4-BE49-F238E27FC236}">
-                <a16:creationId xmlns:a16="http://schemas.microsoft.com/office/drawing/2014/main" id="{71CD3E62-5AC7-6980-02D4-C365698333FF}"/>
+                <a16:creationId xmlns:a16="http://schemas.microsoft.com/office/drawing/2014/main" xmlns="" id="{71CD3E62-5AC7-6980-02D4-C365698333FF}"/>
               </a:ext>
             </a:extLst>
           </p:cNvPr>
@@ -1741,7 +1741,7 @@
           <p:cNvPr id="6" name="내용 개체 틀 5">
             <a:extLst>
               <a:ext uri="{FF2B5EF4-FFF2-40B4-BE49-F238E27FC236}">
-                <a16:creationId xmlns:a16="http://schemas.microsoft.com/office/drawing/2014/main" id="{57FEA27C-E8A2-F4DE-3B64-B79EDF0C2AB4}"/>
+                <a16:creationId xmlns:a16="http://schemas.microsoft.com/office/drawing/2014/main" xmlns="" id="{57FEA27C-E8A2-F4DE-3B64-B79EDF0C2AB4}"/>
               </a:ext>
             </a:extLst>
           </p:cNvPr>
@@ -1803,7 +1803,7 @@
           <p:cNvPr id="7" name="날짜 개체 틀 6">
             <a:extLst>
               <a:ext uri="{FF2B5EF4-FFF2-40B4-BE49-F238E27FC236}">
-                <a16:creationId xmlns:a16="http://schemas.microsoft.com/office/drawing/2014/main" id="{383282FE-19FC-7783-3251-D73A65D21215}"/>
+                <a16:creationId xmlns:a16="http://schemas.microsoft.com/office/drawing/2014/main" xmlns="" id="{383282FE-19FC-7783-3251-D73A65D21215}"/>
               </a:ext>
             </a:extLst>
           </p:cNvPr>
@@ -1821,7 +1821,7 @@
           <a:p>
             <a:fld id="{DE1A4F41-A76E-4852-8F55-2746E7B52609}" type="datetimeFigureOut">
               <a:rPr lang="ko-KR" altLang="en-US" smtClean="0"/>
-              <a:t>2022-12-08</a:t>
+              <a:t>2022-12-10</a:t>
             </a:fld>
             <a:endParaRPr lang="ko-KR" altLang="en-US"/>
           </a:p>
@@ -1832,7 +1832,7 @@
           <p:cNvPr id="8" name="바닥글 개체 틀 7">
             <a:extLst>
               <a:ext uri="{FF2B5EF4-FFF2-40B4-BE49-F238E27FC236}">
-                <a16:creationId xmlns:a16="http://schemas.microsoft.com/office/drawing/2014/main" id="{3198D3F6-3FAF-F6F6-CD58-C3EDB5594E03}"/>
+                <a16:creationId xmlns:a16="http://schemas.microsoft.com/office/drawing/2014/main" xmlns="" id="{3198D3F6-3FAF-F6F6-CD58-C3EDB5594E03}"/>
               </a:ext>
             </a:extLst>
           </p:cNvPr>
@@ -1857,7 +1857,7 @@
           <p:cNvPr id="9" name="슬라이드 번호 개체 틀 8">
             <a:extLst>
               <a:ext uri="{FF2B5EF4-FFF2-40B4-BE49-F238E27FC236}">
-                <a16:creationId xmlns:a16="http://schemas.microsoft.com/office/drawing/2014/main" id="{864C2091-4172-467B-FD82-D456CF54B887}"/>
+                <a16:creationId xmlns:a16="http://schemas.microsoft.com/office/drawing/2014/main" xmlns="" id="{864C2091-4172-467B-FD82-D456CF54B887}"/>
               </a:ext>
             </a:extLst>
           </p:cNvPr>
@@ -1916,7 +1916,7 @@
           <p:cNvPr id="2" name="제목 1">
             <a:extLst>
               <a:ext uri="{FF2B5EF4-FFF2-40B4-BE49-F238E27FC236}">
-                <a16:creationId xmlns:a16="http://schemas.microsoft.com/office/drawing/2014/main" id="{4D89B6B3-9B9E-4619-2DA7-4BED1C5ABE42}"/>
+                <a16:creationId xmlns:a16="http://schemas.microsoft.com/office/drawing/2014/main" xmlns="" id="{4D89B6B3-9B9E-4619-2DA7-4BED1C5ABE42}"/>
               </a:ext>
             </a:extLst>
           </p:cNvPr>
@@ -1944,7 +1944,7 @@
           <p:cNvPr id="3" name="날짜 개체 틀 2">
             <a:extLst>
               <a:ext uri="{FF2B5EF4-FFF2-40B4-BE49-F238E27FC236}">
-                <a16:creationId xmlns:a16="http://schemas.microsoft.com/office/drawing/2014/main" id="{9AF481D9-47AD-582E-E07A-2B5BBC1F9E90}"/>
+                <a16:creationId xmlns:a16="http://schemas.microsoft.com/office/drawing/2014/main" xmlns="" id="{9AF481D9-47AD-582E-E07A-2B5BBC1F9E90}"/>
               </a:ext>
             </a:extLst>
           </p:cNvPr>
@@ -1962,7 +1962,7 @@
           <a:p>
             <a:fld id="{DE1A4F41-A76E-4852-8F55-2746E7B52609}" type="datetimeFigureOut">
               <a:rPr lang="ko-KR" altLang="en-US" smtClean="0"/>
-              <a:t>2022-12-08</a:t>
+              <a:t>2022-12-10</a:t>
             </a:fld>
             <a:endParaRPr lang="ko-KR" altLang="en-US"/>
           </a:p>
@@ -1973,7 +1973,7 @@
           <p:cNvPr id="4" name="바닥글 개체 틀 3">
             <a:extLst>
               <a:ext uri="{FF2B5EF4-FFF2-40B4-BE49-F238E27FC236}">
-                <a16:creationId xmlns:a16="http://schemas.microsoft.com/office/drawing/2014/main" id="{FC6850E4-5315-D71D-16F3-9CAD912C4CA3}"/>
+                <a16:creationId xmlns:a16="http://schemas.microsoft.com/office/drawing/2014/main" xmlns="" id="{FC6850E4-5315-D71D-16F3-9CAD912C4CA3}"/>
               </a:ext>
             </a:extLst>
           </p:cNvPr>
@@ -1998,7 +1998,7 @@
           <p:cNvPr id="5" name="슬라이드 번호 개체 틀 4">
             <a:extLst>
               <a:ext uri="{FF2B5EF4-FFF2-40B4-BE49-F238E27FC236}">
-                <a16:creationId xmlns:a16="http://schemas.microsoft.com/office/drawing/2014/main" id="{0AC696C9-0B85-9376-FF07-69C6A745F8B9}"/>
+                <a16:creationId xmlns:a16="http://schemas.microsoft.com/office/drawing/2014/main" xmlns="" id="{0AC696C9-0B85-9376-FF07-69C6A745F8B9}"/>
               </a:ext>
             </a:extLst>
           </p:cNvPr>
@@ -2057,7 +2057,7 @@
           <p:cNvPr id="2" name="날짜 개체 틀 1">
             <a:extLst>
               <a:ext uri="{FF2B5EF4-FFF2-40B4-BE49-F238E27FC236}">
-                <a16:creationId xmlns:a16="http://schemas.microsoft.com/office/drawing/2014/main" id="{5E5C0E46-B042-D235-D5AE-306492D51C17}"/>
+                <a16:creationId xmlns:a16="http://schemas.microsoft.com/office/drawing/2014/main" xmlns="" id="{5E5C0E46-B042-D235-D5AE-306492D51C17}"/>
               </a:ext>
             </a:extLst>
           </p:cNvPr>
@@ -2075,7 +2075,7 @@
           <a:p>
             <a:fld id="{DE1A4F41-A76E-4852-8F55-2746E7B52609}" type="datetimeFigureOut">
               <a:rPr lang="ko-KR" altLang="en-US" smtClean="0"/>
-              <a:t>2022-12-08</a:t>
+              <a:t>2022-12-10</a:t>
             </a:fld>
             <a:endParaRPr lang="ko-KR" altLang="en-US"/>
           </a:p>
@@ -2086,7 +2086,7 @@
           <p:cNvPr id="3" name="바닥글 개체 틀 2">
             <a:extLst>
               <a:ext uri="{FF2B5EF4-FFF2-40B4-BE49-F238E27FC236}">
-                <a16:creationId xmlns:a16="http://schemas.microsoft.com/office/drawing/2014/main" id="{2DA7D486-C092-E8AA-84BC-9A92526A1A50}"/>
+                <a16:creationId xmlns:a16="http://schemas.microsoft.com/office/drawing/2014/main" xmlns="" id="{2DA7D486-C092-E8AA-84BC-9A92526A1A50}"/>
               </a:ext>
             </a:extLst>
           </p:cNvPr>
@@ -2111,7 +2111,7 @@
           <p:cNvPr id="4" name="슬라이드 번호 개체 틀 3">
             <a:extLst>
               <a:ext uri="{FF2B5EF4-FFF2-40B4-BE49-F238E27FC236}">
-                <a16:creationId xmlns:a16="http://schemas.microsoft.com/office/drawing/2014/main" id="{1572FB4D-D203-35A9-9424-70F0DD654224}"/>
+                <a16:creationId xmlns:a16="http://schemas.microsoft.com/office/drawing/2014/main" xmlns="" id="{1572FB4D-D203-35A9-9424-70F0DD654224}"/>
               </a:ext>
             </a:extLst>
           </p:cNvPr>
@@ -2170,7 +2170,7 @@
           <p:cNvPr id="2" name="제목 1">
             <a:extLst>
               <a:ext uri="{FF2B5EF4-FFF2-40B4-BE49-F238E27FC236}">
-                <a16:creationId xmlns:a16="http://schemas.microsoft.com/office/drawing/2014/main" id="{E5CA5939-54EE-2351-1822-6804497C9AAE}"/>
+                <a16:creationId xmlns:a16="http://schemas.microsoft.com/office/drawing/2014/main" xmlns="" id="{E5CA5939-54EE-2351-1822-6804497C9AAE}"/>
               </a:ext>
             </a:extLst>
           </p:cNvPr>
@@ -2207,7 +2207,7 @@
           <p:cNvPr id="3" name="내용 개체 틀 2">
             <a:extLst>
               <a:ext uri="{FF2B5EF4-FFF2-40B4-BE49-F238E27FC236}">
-                <a16:creationId xmlns:a16="http://schemas.microsoft.com/office/drawing/2014/main" id="{E7A666E1-6718-6509-8605-FFEFC7079726}"/>
+                <a16:creationId xmlns:a16="http://schemas.microsoft.com/office/drawing/2014/main" xmlns="" id="{E7A666E1-6718-6509-8605-FFEFC7079726}"/>
               </a:ext>
             </a:extLst>
           </p:cNvPr>
@@ -2297,7 +2297,7 @@
           <p:cNvPr id="4" name="텍스트 개체 틀 3">
             <a:extLst>
               <a:ext uri="{FF2B5EF4-FFF2-40B4-BE49-F238E27FC236}">
-                <a16:creationId xmlns:a16="http://schemas.microsoft.com/office/drawing/2014/main" id="{593A06D6-EF69-CCF7-5559-AB04FBD9B38D}"/>
+                <a16:creationId xmlns:a16="http://schemas.microsoft.com/office/drawing/2014/main" xmlns="" id="{593A06D6-EF69-CCF7-5559-AB04FBD9B38D}"/>
               </a:ext>
             </a:extLst>
           </p:cNvPr>
@@ -2368,7 +2368,7 @@
           <p:cNvPr id="5" name="날짜 개체 틀 4">
             <a:extLst>
               <a:ext uri="{FF2B5EF4-FFF2-40B4-BE49-F238E27FC236}">
-                <a16:creationId xmlns:a16="http://schemas.microsoft.com/office/drawing/2014/main" id="{65F4A30C-2DAD-90B2-A9FE-2AEFF0B3EC0A}"/>
+                <a16:creationId xmlns:a16="http://schemas.microsoft.com/office/drawing/2014/main" xmlns="" id="{65F4A30C-2DAD-90B2-A9FE-2AEFF0B3EC0A}"/>
               </a:ext>
             </a:extLst>
           </p:cNvPr>
@@ -2386,7 +2386,7 @@
           <a:p>
             <a:fld id="{DE1A4F41-A76E-4852-8F55-2746E7B52609}" type="datetimeFigureOut">
               <a:rPr lang="ko-KR" altLang="en-US" smtClean="0"/>
-              <a:t>2022-12-08</a:t>
+              <a:t>2022-12-10</a:t>
             </a:fld>
             <a:endParaRPr lang="ko-KR" altLang="en-US"/>
           </a:p>
@@ -2397,7 +2397,7 @@
           <p:cNvPr id="6" name="바닥글 개체 틀 5">
             <a:extLst>
               <a:ext uri="{FF2B5EF4-FFF2-40B4-BE49-F238E27FC236}">
-                <a16:creationId xmlns:a16="http://schemas.microsoft.com/office/drawing/2014/main" id="{8F557E01-8198-954D-B0E7-13954D66D131}"/>
+                <a16:creationId xmlns:a16="http://schemas.microsoft.com/office/drawing/2014/main" xmlns="" id="{8F557E01-8198-954D-B0E7-13954D66D131}"/>
               </a:ext>
             </a:extLst>
           </p:cNvPr>
@@ -2422,7 +2422,7 @@
           <p:cNvPr id="7" name="슬라이드 번호 개체 틀 6">
             <a:extLst>
               <a:ext uri="{FF2B5EF4-FFF2-40B4-BE49-F238E27FC236}">
-                <a16:creationId xmlns:a16="http://schemas.microsoft.com/office/drawing/2014/main" id="{167B4A83-C034-D112-444B-B11282B445C3}"/>
+                <a16:creationId xmlns:a16="http://schemas.microsoft.com/office/drawing/2014/main" xmlns="" id="{167B4A83-C034-D112-444B-B11282B445C3}"/>
               </a:ext>
             </a:extLst>
           </p:cNvPr>
@@ -2481,7 +2481,7 @@
           <p:cNvPr id="2" name="제목 1">
             <a:extLst>
               <a:ext uri="{FF2B5EF4-FFF2-40B4-BE49-F238E27FC236}">
-                <a16:creationId xmlns:a16="http://schemas.microsoft.com/office/drawing/2014/main" id="{D532A6E7-329E-8C6E-AFDB-591B9DA3A024}"/>
+                <a16:creationId xmlns:a16="http://schemas.microsoft.com/office/drawing/2014/main" xmlns="" id="{D532A6E7-329E-8C6E-AFDB-591B9DA3A024}"/>
               </a:ext>
             </a:extLst>
           </p:cNvPr>
@@ -2518,7 +2518,7 @@
           <p:cNvPr id="3" name="그림 개체 틀 2">
             <a:extLst>
               <a:ext uri="{FF2B5EF4-FFF2-40B4-BE49-F238E27FC236}">
-                <a16:creationId xmlns:a16="http://schemas.microsoft.com/office/drawing/2014/main" id="{39F957C3-8976-6187-23AD-77ACBDF03DFA}"/>
+                <a16:creationId xmlns:a16="http://schemas.microsoft.com/office/drawing/2014/main" xmlns="" id="{39F957C3-8976-6187-23AD-77ACBDF03DFA}"/>
               </a:ext>
             </a:extLst>
           </p:cNvPr>
@@ -2585,7 +2585,7 @@
           <p:cNvPr id="4" name="텍스트 개체 틀 3">
             <a:extLst>
               <a:ext uri="{FF2B5EF4-FFF2-40B4-BE49-F238E27FC236}">
-                <a16:creationId xmlns:a16="http://schemas.microsoft.com/office/drawing/2014/main" id="{64D682BF-155B-92D9-2EA2-27EF8A1B7A96}"/>
+                <a16:creationId xmlns:a16="http://schemas.microsoft.com/office/drawing/2014/main" xmlns="" id="{64D682BF-155B-92D9-2EA2-27EF8A1B7A96}"/>
               </a:ext>
             </a:extLst>
           </p:cNvPr>
@@ -2656,7 +2656,7 @@
           <p:cNvPr id="5" name="날짜 개체 틀 4">
             <a:extLst>
               <a:ext uri="{FF2B5EF4-FFF2-40B4-BE49-F238E27FC236}">
-                <a16:creationId xmlns:a16="http://schemas.microsoft.com/office/drawing/2014/main" id="{EDAA8E7E-A032-8DEA-9270-3B0053A6C808}"/>
+                <a16:creationId xmlns:a16="http://schemas.microsoft.com/office/drawing/2014/main" xmlns="" id="{EDAA8E7E-A032-8DEA-9270-3B0053A6C808}"/>
               </a:ext>
             </a:extLst>
           </p:cNvPr>
@@ -2674,7 +2674,7 @@
           <a:p>
             <a:fld id="{DE1A4F41-A76E-4852-8F55-2746E7B52609}" type="datetimeFigureOut">
               <a:rPr lang="ko-KR" altLang="en-US" smtClean="0"/>
-              <a:t>2022-12-08</a:t>
+              <a:t>2022-12-10</a:t>
             </a:fld>
             <a:endParaRPr lang="ko-KR" altLang="en-US"/>
           </a:p>
@@ -2685,7 +2685,7 @@
           <p:cNvPr id="6" name="바닥글 개체 틀 5">
             <a:extLst>
               <a:ext uri="{FF2B5EF4-FFF2-40B4-BE49-F238E27FC236}">
-                <a16:creationId xmlns:a16="http://schemas.microsoft.com/office/drawing/2014/main" id="{63CC3B22-58FB-F9A5-B458-9DF305DECB7B}"/>
+                <a16:creationId xmlns:a16="http://schemas.microsoft.com/office/drawing/2014/main" xmlns="" id="{63CC3B22-58FB-F9A5-B458-9DF305DECB7B}"/>
               </a:ext>
             </a:extLst>
           </p:cNvPr>
@@ -2710,7 +2710,7 @@
           <p:cNvPr id="7" name="슬라이드 번호 개체 틀 6">
             <a:extLst>
               <a:ext uri="{FF2B5EF4-FFF2-40B4-BE49-F238E27FC236}">
-                <a16:creationId xmlns:a16="http://schemas.microsoft.com/office/drawing/2014/main" id="{89280F5D-47D9-BF49-1936-F08F5676BB81}"/>
+                <a16:creationId xmlns:a16="http://schemas.microsoft.com/office/drawing/2014/main" xmlns="" id="{89280F5D-47D9-BF49-1936-F08F5676BB81}"/>
               </a:ext>
             </a:extLst>
           </p:cNvPr>
@@ -2774,7 +2774,7 @@
           <p:cNvPr id="2" name="제목 개체 틀 1">
             <a:extLst>
               <a:ext uri="{FF2B5EF4-FFF2-40B4-BE49-F238E27FC236}">
-                <a16:creationId xmlns:a16="http://schemas.microsoft.com/office/drawing/2014/main" id="{87900882-C5C2-B7CB-55AA-73751D230126}"/>
+                <a16:creationId xmlns:a16="http://schemas.microsoft.com/office/drawing/2014/main" xmlns="" id="{87900882-C5C2-B7CB-55AA-73751D230126}"/>
               </a:ext>
             </a:extLst>
           </p:cNvPr>
@@ -2812,7 +2812,7 @@
           <p:cNvPr id="3" name="텍스트 개체 틀 2">
             <a:extLst>
               <a:ext uri="{FF2B5EF4-FFF2-40B4-BE49-F238E27FC236}">
-                <a16:creationId xmlns:a16="http://schemas.microsoft.com/office/drawing/2014/main" id="{7EB48F54-5935-C556-2618-767F14911812}"/>
+                <a16:creationId xmlns:a16="http://schemas.microsoft.com/office/drawing/2014/main" xmlns="" id="{7EB48F54-5935-C556-2618-767F14911812}"/>
               </a:ext>
             </a:extLst>
           </p:cNvPr>
@@ -2879,7 +2879,7 @@
           <p:cNvPr id="4" name="날짜 개체 틀 3">
             <a:extLst>
               <a:ext uri="{FF2B5EF4-FFF2-40B4-BE49-F238E27FC236}">
-                <a16:creationId xmlns:a16="http://schemas.microsoft.com/office/drawing/2014/main" id="{8A18E11C-F843-9EF9-848F-EF6CF70589CF}"/>
+                <a16:creationId xmlns:a16="http://schemas.microsoft.com/office/drawing/2014/main" xmlns="" id="{8A18E11C-F843-9EF9-848F-EF6CF70589CF}"/>
               </a:ext>
             </a:extLst>
           </p:cNvPr>
@@ -2915,7 +2915,7 @@
           <a:p>
             <a:fld id="{DE1A4F41-A76E-4852-8F55-2746E7B52609}" type="datetimeFigureOut">
               <a:rPr lang="ko-KR" altLang="en-US" smtClean="0"/>
-              <a:t>2022-12-08</a:t>
+              <a:t>2022-12-10</a:t>
             </a:fld>
             <a:endParaRPr lang="ko-KR" altLang="en-US"/>
           </a:p>
@@ -2926,7 +2926,7 @@
           <p:cNvPr id="5" name="바닥글 개체 틀 4">
             <a:extLst>
               <a:ext uri="{FF2B5EF4-FFF2-40B4-BE49-F238E27FC236}">
-                <a16:creationId xmlns:a16="http://schemas.microsoft.com/office/drawing/2014/main" id="{F8E4107D-7741-17B8-F71E-BCC0265E58B8}"/>
+                <a16:creationId xmlns:a16="http://schemas.microsoft.com/office/drawing/2014/main" xmlns="" id="{F8E4107D-7741-17B8-F71E-BCC0265E58B8}"/>
               </a:ext>
             </a:extLst>
           </p:cNvPr>
@@ -2969,7 +2969,7 @@
           <p:cNvPr id="6" name="슬라이드 번호 개체 틀 5">
             <a:extLst>
               <a:ext uri="{FF2B5EF4-FFF2-40B4-BE49-F238E27FC236}">
-                <a16:creationId xmlns:a16="http://schemas.microsoft.com/office/drawing/2014/main" id="{22938146-0069-F2A5-89D8-A2B85293C062}"/>
+                <a16:creationId xmlns:a16="http://schemas.microsoft.com/office/drawing/2014/main" xmlns="" id="{22938146-0069-F2A5-89D8-A2B85293C062}"/>
               </a:ext>
             </a:extLst>
           </p:cNvPr>
@@ -3337,7 +3337,7 @@
           <p:cNvPr id="2" name="TextBox 1">
             <a:extLst>
               <a:ext uri="{FF2B5EF4-FFF2-40B4-BE49-F238E27FC236}">
-                <a16:creationId xmlns:a16="http://schemas.microsoft.com/office/drawing/2014/main" id="{C4AF561A-3B7B-158D-BC4D-3C39551F8D95}"/>
+                <a16:creationId xmlns:a16="http://schemas.microsoft.com/office/drawing/2014/main" xmlns="" id="{C4AF561A-3B7B-158D-BC4D-3C39551F8D95}"/>
               </a:ext>
             </a:extLst>
           </p:cNvPr>
@@ -3347,7 +3347,7 @@
         <p:spPr>
           <a:xfrm>
             <a:off x="10160" y="13454"/>
-            <a:ext cx="6096000" cy="276999"/>
+            <a:ext cx="3046954" cy="276999"/>
           </a:xfrm>
           <a:prstGeom prst="rect">
             <a:avLst/>
@@ -3373,7 +3373,7 @@
           <p:cNvPr id="3" name="직선 연결선 2">
             <a:extLst>
               <a:ext uri="{FF2B5EF4-FFF2-40B4-BE49-F238E27FC236}">
-                <a16:creationId xmlns:a16="http://schemas.microsoft.com/office/drawing/2014/main" id="{648A685F-2664-99D3-FAE0-D046BBDCCF84}"/>
+                <a16:creationId xmlns:a16="http://schemas.microsoft.com/office/drawing/2014/main" xmlns="" id="{648A685F-2664-99D3-FAE0-D046BBDCCF84}"/>
               </a:ext>
             </a:extLst>
           </p:cNvPr>
@@ -3409,7 +3409,7 @@
           <p:cNvPr id="52" name="TextBox 51">
             <a:extLst>
               <a:ext uri="{FF2B5EF4-FFF2-40B4-BE49-F238E27FC236}">
-                <a16:creationId xmlns:a16="http://schemas.microsoft.com/office/drawing/2014/main" id="{7EBE89F9-F6C9-1489-EB02-DF30AE0F76EB}"/>
+                <a16:creationId xmlns:a16="http://schemas.microsoft.com/office/drawing/2014/main" xmlns="" id="{7EBE89F9-F6C9-1489-EB02-DF30AE0F76EB}"/>
               </a:ext>
             </a:extLst>
           </p:cNvPr>
@@ -4107,7 +4107,7 @@
           <p:cNvPr id="53" name="그룹 52">
             <a:extLst>
               <a:ext uri="{FF2B5EF4-FFF2-40B4-BE49-F238E27FC236}">
-                <a16:creationId xmlns:a16="http://schemas.microsoft.com/office/drawing/2014/main" id="{8E93ACAA-426C-5E1C-1930-107D570CC812}"/>
+                <a16:creationId xmlns:a16="http://schemas.microsoft.com/office/drawing/2014/main" xmlns="" id="{8E93ACAA-426C-5E1C-1930-107D570CC812}"/>
               </a:ext>
             </a:extLst>
           </p:cNvPr>
@@ -4127,7 +4127,7 @@
             <p:cNvPr id="54" name="타원 53">
               <a:extLst>
                 <a:ext uri="{FF2B5EF4-FFF2-40B4-BE49-F238E27FC236}">
-                  <a16:creationId xmlns:a16="http://schemas.microsoft.com/office/drawing/2014/main" id="{DE4FD053-C4D7-9C12-9DB8-B0B246C7925E}"/>
+                  <a16:creationId xmlns:a16="http://schemas.microsoft.com/office/drawing/2014/main" xmlns="" id="{DE4FD053-C4D7-9C12-9DB8-B0B246C7925E}"/>
                 </a:ext>
               </a:extLst>
             </p:cNvPr>
@@ -4178,7 +4178,7 @@
             <p:cNvPr id="55" name="타원 54">
               <a:extLst>
                 <a:ext uri="{FF2B5EF4-FFF2-40B4-BE49-F238E27FC236}">
-                  <a16:creationId xmlns:a16="http://schemas.microsoft.com/office/drawing/2014/main" id="{4BFE2463-5840-DBE8-5EEB-27EB8639273D}"/>
+                  <a16:creationId xmlns:a16="http://schemas.microsoft.com/office/drawing/2014/main" xmlns="" id="{4BFE2463-5840-DBE8-5EEB-27EB8639273D}"/>
                 </a:ext>
               </a:extLst>
             </p:cNvPr>
@@ -4230,7 +4230,7 @@
             <p:cNvPr id="56" name="TextBox 55">
               <a:extLst>
                 <a:ext uri="{FF2B5EF4-FFF2-40B4-BE49-F238E27FC236}">
-                  <a16:creationId xmlns:a16="http://schemas.microsoft.com/office/drawing/2014/main" id="{6FE9C020-C5C8-8270-E586-CA1E88D41CA6}"/>
+                  <a16:creationId xmlns:a16="http://schemas.microsoft.com/office/drawing/2014/main" xmlns="" id="{6FE9C020-C5C8-8270-E586-CA1E88D41CA6}"/>
                 </a:ext>
               </a:extLst>
             </p:cNvPr>
@@ -4279,7 +4279,7 @@
           <p:cNvPr id="65" name="그룹 64">
             <a:extLst>
               <a:ext uri="{FF2B5EF4-FFF2-40B4-BE49-F238E27FC236}">
-                <a16:creationId xmlns:a16="http://schemas.microsoft.com/office/drawing/2014/main" id="{6649C77A-8986-9FA3-8E3F-30B92CCF4EF1}"/>
+                <a16:creationId xmlns:a16="http://schemas.microsoft.com/office/drawing/2014/main" xmlns="" id="{6649C77A-8986-9FA3-8E3F-30B92CCF4EF1}"/>
               </a:ext>
             </a:extLst>
           </p:cNvPr>
@@ -4299,7 +4299,7 @@
             <p:cNvPr id="66" name="타원 65">
               <a:extLst>
                 <a:ext uri="{FF2B5EF4-FFF2-40B4-BE49-F238E27FC236}">
-                  <a16:creationId xmlns:a16="http://schemas.microsoft.com/office/drawing/2014/main" id="{B54E9234-DF66-8F57-0544-FFC9FF15B969}"/>
+                  <a16:creationId xmlns:a16="http://schemas.microsoft.com/office/drawing/2014/main" xmlns="" id="{B54E9234-DF66-8F57-0544-FFC9FF15B969}"/>
                 </a:ext>
               </a:extLst>
             </p:cNvPr>
@@ -4350,7 +4350,7 @@
             <p:cNvPr id="67" name="타원 66">
               <a:extLst>
                 <a:ext uri="{FF2B5EF4-FFF2-40B4-BE49-F238E27FC236}">
-                  <a16:creationId xmlns:a16="http://schemas.microsoft.com/office/drawing/2014/main" id="{D04FA834-F680-AF01-05D6-74645DCFC65A}"/>
+                  <a16:creationId xmlns:a16="http://schemas.microsoft.com/office/drawing/2014/main" xmlns="" id="{D04FA834-F680-AF01-05D6-74645DCFC65A}"/>
                 </a:ext>
               </a:extLst>
             </p:cNvPr>
@@ -4402,7 +4402,7 @@
             <p:cNvPr id="68" name="TextBox 67">
               <a:extLst>
                 <a:ext uri="{FF2B5EF4-FFF2-40B4-BE49-F238E27FC236}">
-                  <a16:creationId xmlns:a16="http://schemas.microsoft.com/office/drawing/2014/main" id="{7C290AD8-4B63-41B6-E029-FB4C405601AE}"/>
+                  <a16:creationId xmlns:a16="http://schemas.microsoft.com/office/drawing/2014/main" xmlns="" id="{7C290AD8-4B63-41B6-E029-FB4C405601AE}"/>
                 </a:ext>
               </a:extLst>
             </p:cNvPr>
@@ -4451,7 +4451,7 @@
           <p:cNvPr id="69" name="그룹 68">
             <a:extLst>
               <a:ext uri="{FF2B5EF4-FFF2-40B4-BE49-F238E27FC236}">
-                <a16:creationId xmlns:a16="http://schemas.microsoft.com/office/drawing/2014/main" id="{170E1C54-857F-4259-AFDE-2C88308B0A1C}"/>
+                <a16:creationId xmlns:a16="http://schemas.microsoft.com/office/drawing/2014/main" xmlns="" id="{170E1C54-857F-4259-AFDE-2C88308B0A1C}"/>
               </a:ext>
             </a:extLst>
           </p:cNvPr>
@@ -4471,7 +4471,7 @@
             <p:cNvPr id="70" name="타원 69">
               <a:extLst>
                 <a:ext uri="{FF2B5EF4-FFF2-40B4-BE49-F238E27FC236}">
-                  <a16:creationId xmlns:a16="http://schemas.microsoft.com/office/drawing/2014/main" id="{5EBBB633-C548-BBF4-EAF1-8833F4EEE49E}"/>
+                  <a16:creationId xmlns:a16="http://schemas.microsoft.com/office/drawing/2014/main" xmlns="" id="{5EBBB633-C548-BBF4-EAF1-8833F4EEE49E}"/>
                 </a:ext>
               </a:extLst>
             </p:cNvPr>
@@ -4522,7 +4522,7 @@
             <p:cNvPr id="71" name="타원 70">
               <a:extLst>
                 <a:ext uri="{FF2B5EF4-FFF2-40B4-BE49-F238E27FC236}">
-                  <a16:creationId xmlns:a16="http://schemas.microsoft.com/office/drawing/2014/main" id="{200A61E4-1056-E071-4F85-436A43A2F970}"/>
+                  <a16:creationId xmlns:a16="http://schemas.microsoft.com/office/drawing/2014/main" xmlns="" id="{200A61E4-1056-E071-4F85-436A43A2F970}"/>
                 </a:ext>
               </a:extLst>
             </p:cNvPr>
@@ -4574,7 +4574,7 @@
             <p:cNvPr id="72" name="TextBox 71">
               <a:extLst>
                 <a:ext uri="{FF2B5EF4-FFF2-40B4-BE49-F238E27FC236}">
-                  <a16:creationId xmlns:a16="http://schemas.microsoft.com/office/drawing/2014/main" id="{27EA05BF-7C74-254B-36C7-77051D0BF403}"/>
+                  <a16:creationId xmlns:a16="http://schemas.microsoft.com/office/drawing/2014/main" xmlns="" id="{27EA05BF-7C74-254B-36C7-77051D0BF403}"/>
                 </a:ext>
               </a:extLst>
             </p:cNvPr>
@@ -4623,7 +4623,7 @@
           <p:cNvPr id="73" name="그룹 72">
             <a:extLst>
               <a:ext uri="{FF2B5EF4-FFF2-40B4-BE49-F238E27FC236}">
-                <a16:creationId xmlns:a16="http://schemas.microsoft.com/office/drawing/2014/main" id="{E70B9799-77DF-232D-1FE5-565704ADF427}"/>
+                <a16:creationId xmlns:a16="http://schemas.microsoft.com/office/drawing/2014/main" xmlns="" id="{E70B9799-77DF-232D-1FE5-565704ADF427}"/>
               </a:ext>
             </a:extLst>
           </p:cNvPr>
@@ -4643,7 +4643,7 @@
             <p:cNvPr id="74" name="타원 73">
               <a:extLst>
                 <a:ext uri="{FF2B5EF4-FFF2-40B4-BE49-F238E27FC236}">
-                  <a16:creationId xmlns:a16="http://schemas.microsoft.com/office/drawing/2014/main" id="{28F7003E-2B45-DCB3-BCF3-0C4C392D8B41}"/>
+                  <a16:creationId xmlns:a16="http://schemas.microsoft.com/office/drawing/2014/main" xmlns="" id="{28F7003E-2B45-DCB3-BCF3-0C4C392D8B41}"/>
                 </a:ext>
               </a:extLst>
             </p:cNvPr>
@@ -4694,7 +4694,7 @@
             <p:cNvPr id="75" name="TextBox 74">
               <a:extLst>
                 <a:ext uri="{FF2B5EF4-FFF2-40B4-BE49-F238E27FC236}">
-                  <a16:creationId xmlns:a16="http://schemas.microsoft.com/office/drawing/2014/main" id="{D3C2B4A1-BEC5-95DD-2BA8-06D06250F686}"/>
+                  <a16:creationId xmlns:a16="http://schemas.microsoft.com/office/drawing/2014/main" xmlns="" id="{D3C2B4A1-BEC5-95DD-2BA8-06D06250F686}"/>
                 </a:ext>
               </a:extLst>
             </p:cNvPr>
@@ -4843,7 +4843,7 @@
           <p:cNvPr id="84" name="직선 화살표 연결선 83">
             <a:extLst>
               <a:ext uri="{FF2B5EF4-FFF2-40B4-BE49-F238E27FC236}">
-                <a16:creationId xmlns:a16="http://schemas.microsoft.com/office/drawing/2014/main" id="{503C71D5-B205-C09D-0A68-F1A69213DD83}"/>
+                <a16:creationId xmlns:a16="http://schemas.microsoft.com/office/drawing/2014/main" xmlns="" id="{503C71D5-B205-C09D-0A68-F1A69213DD83}"/>
               </a:ext>
             </a:extLst>
           </p:cNvPr>
@@ -4885,7 +4885,7 @@
           <p:cNvPr id="88" name="그룹 87">
             <a:extLst>
               <a:ext uri="{FF2B5EF4-FFF2-40B4-BE49-F238E27FC236}">
-                <a16:creationId xmlns:a16="http://schemas.microsoft.com/office/drawing/2014/main" id="{68DDA8A1-22C5-EAAB-DE53-A7CB668158B0}"/>
+                <a16:creationId xmlns:a16="http://schemas.microsoft.com/office/drawing/2014/main" xmlns="" id="{68DDA8A1-22C5-EAAB-DE53-A7CB668158B0}"/>
               </a:ext>
             </a:extLst>
           </p:cNvPr>
@@ -4905,7 +4905,7 @@
             <p:cNvPr id="89" name="타원 88">
               <a:extLst>
                 <a:ext uri="{FF2B5EF4-FFF2-40B4-BE49-F238E27FC236}">
-                  <a16:creationId xmlns:a16="http://schemas.microsoft.com/office/drawing/2014/main" id="{FCAFE599-F162-E8AF-CF6F-F6E3D8A39245}"/>
+                  <a16:creationId xmlns:a16="http://schemas.microsoft.com/office/drawing/2014/main" xmlns="" id="{FCAFE599-F162-E8AF-CF6F-F6E3D8A39245}"/>
                 </a:ext>
               </a:extLst>
             </p:cNvPr>
@@ -4956,7 +4956,7 @@
             <p:cNvPr id="90" name="TextBox 89">
               <a:extLst>
                 <a:ext uri="{FF2B5EF4-FFF2-40B4-BE49-F238E27FC236}">
-                  <a16:creationId xmlns:a16="http://schemas.microsoft.com/office/drawing/2014/main" id="{C158C00B-0B7E-4834-E5CE-0C177D8D5687}"/>
+                  <a16:creationId xmlns:a16="http://schemas.microsoft.com/office/drawing/2014/main" xmlns="" id="{C158C00B-0B7E-4834-E5CE-0C177D8D5687}"/>
                 </a:ext>
               </a:extLst>
             </p:cNvPr>
@@ -5105,7 +5105,7 @@
           <p:cNvPr id="91" name="직선 화살표 연결선 90">
             <a:extLst>
               <a:ext uri="{FF2B5EF4-FFF2-40B4-BE49-F238E27FC236}">
-                <a16:creationId xmlns:a16="http://schemas.microsoft.com/office/drawing/2014/main" id="{DEC454E1-DF4A-17C9-2D6F-56363F01ACA9}"/>
+                <a16:creationId xmlns:a16="http://schemas.microsoft.com/office/drawing/2014/main" xmlns="" id="{DEC454E1-DF4A-17C9-2D6F-56363F01ACA9}"/>
               </a:ext>
             </a:extLst>
           </p:cNvPr>
@@ -5147,7 +5147,7 @@
           <p:cNvPr id="92" name="그룹 91">
             <a:extLst>
               <a:ext uri="{FF2B5EF4-FFF2-40B4-BE49-F238E27FC236}">
-                <a16:creationId xmlns:a16="http://schemas.microsoft.com/office/drawing/2014/main" id="{1F7E8F96-EC3F-649E-2F23-DC951466D7F3}"/>
+                <a16:creationId xmlns:a16="http://schemas.microsoft.com/office/drawing/2014/main" xmlns="" id="{1F7E8F96-EC3F-649E-2F23-DC951466D7F3}"/>
               </a:ext>
             </a:extLst>
           </p:cNvPr>
@@ -5167,7 +5167,7 @@
             <p:cNvPr id="93" name="타원 92">
               <a:extLst>
                 <a:ext uri="{FF2B5EF4-FFF2-40B4-BE49-F238E27FC236}">
-                  <a16:creationId xmlns:a16="http://schemas.microsoft.com/office/drawing/2014/main" id="{E6767097-1A66-5FD0-BD60-9A4B0229267B}"/>
+                  <a16:creationId xmlns:a16="http://schemas.microsoft.com/office/drawing/2014/main" xmlns="" id="{E6767097-1A66-5FD0-BD60-9A4B0229267B}"/>
                 </a:ext>
               </a:extLst>
             </p:cNvPr>
@@ -5218,7 +5218,7 @@
             <p:cNvPr id="94" name="TextBox 93">
               <a:extLst>
                 <a:ext uri="{FF2B5EF4-FFF2-40B4-BE49-F238E27FC236}">
-                  <a16:creationId xmlns:a16="http://schemas.microsoft.com/office/drawing/2014/main" id="{1186B544-92CD-59AE-A93A-707B423618B5}"/>
+                  <a16:creationId xmlns:a16="http://schemas.microsoft.com/office/drawing/2014/main" xmlns="" id="{1186B544-92CD-59AE-A93A-707B423618B5}"/>
                 </a:ext>
               </a:extLst>
             </p:cNvPr>
@@ -5387,7 +5387,7 @@
           <p:cNvPr id="95" name="그룹 94">
             <a:extLst>
               <a:ext uri="{FF2B5EF4-FFF2-40B4-BE49-F238E27FC236}">
-                <a16:creationId xmlns:a16="http://schemas.microsoft.com/office/drawing/2014/main" id="{293DCABE-BE96-31C5-5590-375D6A116305}"/>
+                <a16:creationId xmlns:a16="http://schemas.microsoft.com/office/drawing/2014/main" xmlns="" id="{293DCABE-BE96-31C5-5590-375D6A116305}"/>
               </a:ext>
             </a:extLst>
           </p:cNvPr>
@@ -5407,7 +5407,7 @@
             <p:cNvPr id="96" name="타원 95">
               <a:extLst>
                 <a:ext uri="{FF2B5EF4-FFF2-40B4-BE49-F238E27FC236}">
-                  <a16:creationId xmlns:a16="http://schemas.microsoft.com/office/drawing/2014/main" id="{0AA6E410-0CC5-5DF1-C070-0B5FC03EBA52}"/>
+                  <a16:creationId xmlns:a16="http://schemas.microsoft.com/office/drawing/2014/main" xmlns="" id="{0AA6E410-0CC5-5DF1-C070-0B5FC03EBA52}"/>
                 </a:ext>
               </a:extLst>
             </p:cNvPr>
@@ -5458,7 +5458,7 @@
             <p:cNvPr id="97" name="TextBox 96">
               <a:extLst>
                 <a:ext uri="{FF2B5EF4-FFF2-40B4-BE49-F238E27FC236}">
-                  <a16:creationId xmlns:a16="http://schemas.microsoft.com/office/drawing/2014/main" id="{06F614F0-0728-08FD-9408-BE5F42CCE532}"/>
+                  <a16:creationId xmlns:a16="http://schemas.microsoft.com/office/drawing/2014/main" xmlns="" id="{06F614F0-0728-08FD-9408-BE5F42CCE532}"/>
                 </a:ext>
               </a:extLst>
             </p:cNvPr>
@@ -5610,7 +5610,7 @@
           <p:cNvPr id="98" name="직선 화살표 연결선 97">
             <a:extLst>
               <a:ext uri="{FF2B5EF4-FFF2-40B4-BE49-F238E27FC236}">
-                <a16:creationId xmlns:a16="http://schemas.microsoft.com/office/drawing/2014/main" id="{BD281E8D-E076-057E-AA38-22B635A17E2E}"/>
+                <a16:creationId xmlns:a16="http://schemas.microsoft.com/office/drawing/2014/main" xmlns="" id="{BD281E8D-E076-057E-AA38-22B635A17E2E}"/>
               </a:ext>
             </a:extLst>
           </p:cNvPr>
@@ -5653,7 +5653,7 @@
           <p:cNvPr id="99" name="직선 화살표 연결선 98">
             <a:extLst>
               <a:ext uri="{FF2B5EF4-FFF2-40B4-BE49-F238E27FC236}">
-                <a16:creationId xmlns:a16="http://schemas.microsoft.com/office/drawing/2014/main" id="{57C40F5E-1A9D-20DB-E68E-90A230D6DA28}"/>
+                <a16:creationId xmlns:a16="http://schemas.microsoft.com/office/drawing/2014/main" xmlns="" id="{57C40F5E-1A9D-20DB-E68E-90A230D6DA28}"/>
               </a:ext>
             </a:extLst>
           </p:cNvPr>
@@ -5696,7 +5696,7 @@
           <p:cNvPr id="100" name="TextBox 99">
             <a:extLst>
               <a:ext uri="{FF2B5EF4-FFF2-40B4-BE49-F238E27FC236}">
-                <a16:creationId xmlns:a16="http://schemas.microsoft.com/office/drawing/2014/main" id="{A9AFB107-57BE-3FF3-7AFF-962C2368E148}"/>
+                <a16:creationId xmlns:a16="http://schemas.microsoft.com/office/drawing/2014/main" xmlns="" id="{A9AFB107-57BE-3FF3-7AFF-962C2368E148}"/>
               </a:ext>
             </a:extLst>
           </p:cNvPr>
@@ -6122,6 +6122,16 @@
             </a:r>
           </a:p>
           <a:p>
+            <a:r>
+              <a:rPr lang="en-US" altLang="ko-KR" sz="1100" b="0" dirty="0">
+                <a:solidFill>
+                  <a:srgbClr val="292929"/>
+                </a:solidFill>
+                <a:effectLst/>
+                <a:latin typeface="Consolas" panose="020B0609020204030204" pitchFamily="49" charset="0"/>
+              </a:rPr>
+              <a:t/>
+            </a:r>
             <a:br>
               <a:rPr lang="en-US" altLang="ko-KR" sz="1100" b="0" dirty="0">
                 <a:solidFill>
@@ -6317,7 +6327,7 @@
           <p:cNvPr id="102" name="직선 화살표 연결선 101">
             <a:extLst>
               <a:ext uri="{FF2B5EF4-FFF2-40B4-BE49-F238E27FC236}">
-                <a16:creationId xmlns:a16="http://schemas.microsoft.com/office/drawing/2014/main" id="{C7F49767-6642-D432-4A3F-77074786F1A0}"/>
+                <a16:creationId xmlns:a16="http://schemas.microsoft.com/office/drawing/2014/main" xmlns="" id="{C7F49767-6642-D432-4A3F-77074786F1A0}"/>
               </a:ext>
             </a:extLst>
           </p:cNvPr>
@@ -6390,7 +6400,7 @@
           <p:cNvPr id="2" name="TextBox 1">
             <a:extLst>
               <a:ext uri="{FF2B5EF4-FFF2-40B4-BE49-F238E27FC236}">
-                <a16:creationId xmlns:a16="http://schemas.microsoft.com/office/drawing/2014/main" id="{FDC041BA-C132-B3FD-FFDD-64306D74D93D}"/>
+                <a16:creationId xmlns:a16="http://schemas.microsoft.com/office/drawing/2014/main" xmlns="" id="{FDC041BA-C132-B3FD-FFDD-64306D74D93D}"/>
               </a:ext>
             </a:extLst>
           </p:cNvPr>
@@ -6426,7 +6436,7 @@
           <p:cNvPr id="3" name="직선 연결선 2">
             <a:extLst>
               <a:ext uri="{FF2B5EF4-FFF2-40B4-BE49-F238E27FC236}">
-                <a16:creationId xmlns:a16="http://schemas.microsoft.com/office/drawing/2014/main" id="{50BB281B-9FE4-A6C8-F065-EA279DB29717}"/>
+                <a16:creationId xmlns:a16="http://schemas.microsoft.com/office/drawing/2014/main" xmlns="" id="{50BB281B-9FE4-A6C8-F065-EA279DB29717}"/>
               </a:ext>
             </a:extLst>
           </p:cNvPr>
@@ -6462,7 +6472,7 @@
           <p:cNvPr id="4" name="TextBox 3">
             <a:extLst>
               <a:ext uri="{FF2B5EF4-FFF2-40B4-BE49-F238E27FC236}">
-                <a16:creationId xmlns:a16="http://schemas.microsoft.com/office/drawing/2014/main" id="{8D65B9DB-AC26-3055-99F9-15F9A412F6E9}"/>
+                <a16:creationId xmlns:a16="http://schemas.microsoft.com/office/drawing/2014/main" xmlns="" id="{8D65B9DB-AC26-3055-99F9-15F9A412F6E9}"/>
               </a:ext>
             </a:extLst>
           </p:cNvPr>
@@ -6928,6 +6938,16 @@
             </a:r>
           </a:p>
           <a:p>
+            <a:r>
+              <a:rPr lang="en-US" altLang="ko-KR" sz="1100" b="0" dirty="0">
+                <a:solidFill>
+                  <a:srgbClr val="292929"/>
+                </a:solidFill>
+                <a:effectLst/>
+                <a:latin typeface="Consolas" panose="020B0609020204030204" pitchFamily="49" charset="0"/>
+              </a:rPr>
+              <a:t/>
+            </a:r>
             <a:br>
               <a:rPr lang="en-US" altLang="ko-KR" sz="1100" b="0" dirty="0">
                 <a:solidFill>
@@ -7155,7 +7175,7 @@
           <p:cNvPr id="52" name="그룹 51">
             <a:extLst>
               <a:ext uri="{FF2B5EF4-FFF2-40B4-BE49-F238E27FC236}">
-                <a16:creationId xmlns:a16="http://schemas.microsoft.com/office/drawing/2014/main" id="{1E6B2946-4EE3-5101-6011-928FF52FBC5A}"/>
+                <a16:creationId xmlns:a16="http://schemas.microsoft.com/office/drawing/2014/main" xmlns="" id="{1E6B2946-4EE3-5101-6011-928FF52FBC5A}"/>
               </a:ext>
             </a:extLst>
           </p:cNvPr>
@@ -7175,7 +7195,7 @@
             <p:cNvPr id="53" name="타원 52">
               <a:extLst>
                 <a:ext uri="{FF2B5EF4-FFF2-40B4-BE49-F238E27FC236}">
-                  <a16:creationId xmlns:a16="http://schemas.microsoft.com/office/drawing/2014/main" id="{2540847C-1957-554D-EE91-915224D6E1E8}"/>
+                  <a16:creationId xmlns:a16="http://schemas.microsoft.com/office/drawing/2014/main" xmlns="" id="{2540847C-1957-554D-EE91-915224D6E1E8}"/>
                 </a:ext>
               </a:extLst>
             </p:cNvPr>
@@ -7226,7 +7246,7 @@
             <p:cNvPr id="54" name="타원 53">
               <a:extLst>
                 <a:ext uri="{FF2B5EF4-FFF2-40B4-BE49-F238E27FC236}">
-                  <a16:creationId xmlns:a16="http://schemas.microsoft.com/office/drawing/2014/main" id="{ABDD9EEF-21A7-480C-BA13-94F9F1EADC1D}"/>
+                  <a16:creationId xmlns:a16="http://schemas.microsoft.com/office/drawing/2014/main" xmlns="" id="{ABDD9EEF-21A7-480C-BA13-94F9F1EADC1D}"/>
                 </a:ext>
               </a:extLst>
             </p:cNvPr>
@@ -7278,7 +7298,7 @@
             <p:cNvPr id="55" name="TextBox 54">
               <a:extLst>
                 <a:ext uri="{FF2B5EF4-FFF2-40B4-BE49-F238E27FC236}">
-                  <a16:creationId xmlns:a16="http://schemas.microsoft.com/office/drawing/2014/main" id="{979D325A-8841-E478-6125-4D1EF9AC8C2D}"/>
+                  <a16:creationId xmlns:a16="http://schemas.microsoft.com/office/drawing/2014/main" xmlns="" id="{979D325A-8841-E478-6125-4D1EF9AC8C2D}"/>
                 </a:ext>
               </a:extLst>
             </p:cNvPr>
@@ -7472,7 +7492,7 @@
           <p:cNvPr id="56" name="그룹 55">
             <a:extLst>
               <a:ext uri="{FF2B5EF4-FFF2-40B4-BE49-F238E27FC236}">
-                <a16:creationId xmlns:a16="http://schemas.microsoft.com/office/drawing/2014/main" id="{1E96B5E6-413A-1F2A-C5BA-FAEF2D809B35}"/>
+                <a16:creationId xmlns:a16="http://schemas.microsoft.com/office/drawing/2014/main" xmlns="" id="{1E96B5E6-413A-1F2A-C5BA-FAEF2D809B35}"/>
               </a:ext>
             </a:extLst>
           </p:cNvPr>
@@ -7492,7 +7512,7 @@
             <p:cNvPr id="57" name="타원 56">
               <a:extLst>
                 <a:ext uri="{FF2B5EF4-FFF2-40B4-BE49-F238E27FC236}">
-                  <a16:creationId xmlns:a16="http://schemas.microsoft.com/office/drawing/2014/main" id="{FE1E297F-3739-5F8B-9FFD-936FCD81CBCC}"/>
+                  <a16:creationId xmlns:a16="http://schemas.microsoft.com/office/drawing/2014/main" xmlns="" id="{FE1E297F-3739-5F8B-9FFD-936FCD81CBCC}"/>
                 </a:ext>
               </a:extLst>
             </p:cNvPr>
@@ -7543,7 +7563,7 @@
             <p:cNvPr id="58" name="타원 57">
               <a:extLst>
                 <a:ext uri="{FF2B5EF4-FFF2-40B4-BE49-F238E27FC236}">
-                  <a16:creationId xmlns:a16="http://schemas.microsoft.com/office/drawing/2014/main" id="{A42CC31C-1B21-7C2C-D7FB-F87E1E7891DD}"/>
+                  <a16:creationId xmlns:a16="http://schemas.microsoft.com/office/drawing/2014/main" xmlns="" id="{A42CC31C-1B21-7C2C-D7FB-F87E1E7891DD}"/>
                 </a:ext>
               </a:extLst>
             </p:cNvPr>
@@ -7595,7 +7615,7 @@
             <p:cNvPr id="59" name="TextBox 58">
               <a:extLst>
                 <a:ext uri="{FF2B5EF4-FFF2-40B4-BE49-F238E27FC236}">
-                  <a16:creationId xmlns:a16="http://schemas.microsoft.com/office/drawing/2014/main" id="{342CB278-7D06-2C2A-AE5D-AE6A7EC4AC1C}"/>
+                  <a16:creationId xmlns:a16="http://schemas.microsoft.com/office/drawing/2014/main" xmlns="" id="{342CB278-7D06-2C2A-AE5D-AE6A7EC4AC1C}"/>
                 </a:ext>
               </a:extLst>
             </p:cNvPr>
@@ -7644,7 +7664,7 @@
           <p:cNvPr id="60" name="그룹 59">
             <a:extLst>
               <a:ext uri="{FF2B5EF4-FFF2-40B4-BE49-F238E27FC236}">
-                <a16:creationId xmlns:a16="http://schemas.microsoft.com/office/drawing/2014/main" id="{4EFF543B-69FD-8227-3B03-B7D21FDD69D8}"/>
+                <a16:creationId xmlns:a16="http://schemas.microsoft.com/office/drawing/2014/main" xmlns="" id="{4EFF543B-69FD-8227-3B03-B7D21FDD69D8}"/>
               </a:ext>
             </a:extLst>
           </p:cNvPr>
@@ -7664,7 +7684,7 @@
             <p:cNvPr id="61" name="타원 60">
               <a:extLst>
                 <a:ext uri="{FF2B5EF4-FFF2-40B4-BE49-F238E27FC236}">
-                  <a16:creationId xmlns:a16="http://schemas.microsoft.com/office/drawing/2014/main" id="{4297EDA3-EC89-5B53-EE28-2538D5BFA758}"/>
+                  <a16:creationId xmlns:a16="http://schemas.microsoft.com/office/drawing/2014/main" xmlns="" id="{4297EDA3-EC89-5B53-EE28-2538D5BFA758}"/>
                 </a:ext>
               </a:extLst>
             </p:cNvPr>
@@ -7715,7 +7735,7 @@
             <p:cNvPr id="62" name="타원 61">
               <a:extLst>
                 <a:ext uri="{FF2B5EF4-FFF2-40B4-BE49-F238E27FC236}">
-                  <a16:creationId xmlns:a16="http://schemas.microsoft.com/office/drawing/2014/main" id="{28D87282-A771-762E-0956-6876166031B5}"/>
+                  <a16:creationId xmlns:a16="http://schemas.microsoft.com/office/drawing/2014/main" xmlns="" id="{28D87282-A771-762E-0956-6876166031B5}"/>
                 </a:ext>
               </a:extLst>
             </p:cNvPr>
@@ -7767,7 +7787,7 @@
             <p:cNvPr id="63" name="TextBox 62">
               <a:extLst>
                 <a:ext uri="{FF2B5EF4-FFF2-40B4-BE49-F238E27FC236}">
-                  <a16:creationId xmlns:a16="http://schemas.microsoft.com/office/drawing/2014/main" id="{8190B63B-5C78-DF8D-4D78-C50FAEEF009F}"/>
+                  <a16:creationId xmlns:a16="http://schemas.microsoft.com/office/drawing/2014/main" xmlns="" id="{8190B63B-5C78-DF8D-4D78-C50FAEEF009F}"/>
                 </a:ext>
               </a:extLst>
             </p:cNvPr>
@@ -7816,7 +7836,7 @@
           <p:cNvPr id="64" name="그룹 63">
             <a:extLst>
               <a:ext uri="{FF2B5EF4-FFF2-40B4-BE49-F238E27FC236}">
-                <a16:creationId xmlns:a16="http://schemas.microsoft.com/office/drawing/2014/main" id="{179D7467-A6B6-C105-D744-849624AEDF28}"/>
+                <a16:creationId xmlns:a16="http://schemas.microsoft.com/office/drawing/2014/main" xmlns="" id="{179D7467-A6B6-C105-D744-849624AEDF28}"/>
               </a:ext>
             </a:extLst>
           </p:cNvPr>
@@ -7836,7 +7856,7 @@
             <p:cNvPr id="65" name="타원 64">
               <a:extLst>
                 <a:ext uri="{FF2B5EF4-FFF2-40B4-BE49-F238E27FC236}">
-                  <a16:creationId xmlns:a16="http://schemas.microsoft.com/office/drawing/2014/main" id="{ED557DCF-12D0-0AEE-AC92-C47318955E4F}"/>
+                  <a16:creationId xmlns:a16="http://schemas.microsoft.com/office/drawing/2014/main" xmlns="" id="{ED557DCF-12D0-0AEE-AC92-C47318955E4F}"/>
                 </a:ext>
               </a:extLst>
             </p:cNvPr>
@@ -7887,7 +7907,7 @@
             <p:cNvPr id="66" name="TextBox 65">
               <a:extLst>
                 <a:ext uri="{FF2B5EF4-FFF2-40B4-BE49-F238E27FC236}">
-                  <a16:creationId xmlns:a16="http://schemas.microsoft.com/office/drawing/2014/main" id="{A60239C9-155E-C896-851D-6D4A895BDE5B}"/>
+                  <a16:creationId xmlns:a16="http://schemas.microsoft.com/office/drawing/2014/main" xmlns="" id="{A60239C9-155E-C896-851D-6D4A895BDE5B}"/>
                 </a:ext>
               </a:extLst>
             </p:cNvPr>
@@ -7928,7 +7948,7 @@
           <p:cNvPr id="67" name="직선 화살표 연결선 66">
             <a:extLst>
               <a:ext uri="{FF2B5EF4-FFF2-40B4-BE49-F238E27FC236}">
-                <a16:creationId xmlns:a16="http://schemas.microsoft.com/office/drawing/2014/main" id="{07FD9E7A-5F8E-DE2D-95D1-6ACCF7635A06}"/>
+                <a16:creationId xmlns:a16="http://schemas.microsoft.com/office/drawing/2014/main" xmlns="" id="{07FD9E7A-5F8E-DE2D-95D1-6ACCF7635A06}"/>
               </a:ext>
             </a:extLst>
           </p:cNvPr>
@@ -7970,7 +7990,7 @@
           <p:cNvPr id="68" name="그룹 67">
             <a:extLst>
               <a:ext uri="{FF2B5EF4-FFF2-40B4-BE49-F238E27FC236}">
-                <a16:creationId xmlns:a16="http://schemas.microsoft.com/office/drawing/2014/main" id="{EDF022B5-A047-8AF4-12C6-5E14909797FC}"/>
+                <a16:creationId xmlns:a16="http://schemas.microsoft.com/office/drawing/2014/main" xmlns="" id="{EDF022B5-A047-8AF4-12C6-5E14909797FC}"/>
               </a:ext>
             </a:extLst>
           </p:cNvPr>
@@ -7990,7 +8010,7 @@
             <p:cNvPr id="69" name="타원 68">
               <a:extLst>
                 <a:ext uri="{FF2B5EF4-FFF2-40B4-BE49-F238E27FC236}">
-                  <a16:creationId xmlns:a16="http://schemas.microsoft.com/office/drawing/2014/main" id="{6F9A7C9A-E552-3250-312A-104249E0BB93}"/>
+                  <a16:creationId xmlns:a16="http://schemas.microsoft.com/office/drawing/2014/main" xmlns="" id="{6F9A7C9A-E552-3250-312A-104249E0BB93}"/>
                 </a:ext>
               </a:extLst>
             </p:cNvPr>
@@ -8041,7 +8061,7 @@
             <p:cNvPr id="70" name="TextBox 69">
               <a:extLst>
                 <a:ext uri="{FF2B5EF4-FFF2-40B4-BE49-F238E27FC236}">
-                  <a16:creationId xmlns:a16="http://schemas.microsoft.com/office/drawing/2014/main" id="{14592610-503F-1455-2450-DDC858ECFBD5}"/>
+                  <a16:creationId xmlns:a16="http://schemas.microsoft.com/office/drawing/2014/main" xmlns="" id="{14592610-503F-1455-2450-DDC858ECFBD5}"/>
                 </a:ext>
               </a:extLst>
             </p:cNvPr>
@@ -8089,7 +8109,7 @@
           <p:cNvPr id="71" name="직선 화살표 연결선 70">
             <a:extLst>
               <a:ext uri="{FF2B5EF4-FFF2-40B4-BE49-F238E27FC236}">
-                <a16:creationId xmlns:a16="http://schemas.microsoft.com/office/drawing/2014/main" id="{ED2A316E-E22E-16BD-8864-6B9779B1B25E}"/>
+                <a16:creationId xmlns:a16="http://schemas.microsoft.com/office/drawing/2014/main" xmlns="" id="{ED2A316E-E22E-16BD-8864-6B9779B1B25E}"/>
               </a:ext>
             </a:extLst>
           </p:cNvPr>
@@ -8131,7 +8151,7 @@
           <p:cNvPr id="72" name="그룹 71">
             <a:extLst>
               <a:ext uri="{FF2B5EF4-FFF2-40B4-BE49-F238E27FC236}">
-                <a16:creationId xmlns:a16="http://schemas.microsoft.com/office/drawing/2014/main" id="{3E65D050-9588-C00F-FDC1-A4F7509C62C2}"/>
+                <a16:creationId xmlns:a16="http://schemas.microsoft.com/office/drawing/2014/main" xmlns="" id="{3E65D050-9588-C00F-FDC1-A4F7509C62C2}"/>
               </a:ext>
             </a:extLst>
           </p:cNvPr>
@@ -8151,7 +8171,7 @@
             <p:cNvPr id="73" name="타원 72">
               <a:extLst>
                 <a:ext uri="{FF2B5EF4-FFF2-40B4-BE49-F238E27FC236}">
-                  <a16:creationId xmlns:a16="http://schemas.microsoft.com/office/drawing/2014/main" id="{B33F4F85-AC45-333C-37D8-9196CD6226A6}"/>
+                  <a16:creationId xmlns:a16="http://schemas.microsoft.com/office/drawing/2014/main" xmlns="" id="{B33F4F85-AC45-333C-37D8-9196CD6226A6}"/>
                 </a:ext>
               </a:extLst>
             </p:cNvPr>
@@ -8202,7 +8222,7 @@
             <p:cNvPr id="74" name="TextBox 73">
               <a:extLst>
                 <a:ext uri="{FF2B5EF4-FFF2-40B4-BE49-F238E27FC236}">
-                  <a16:creationId xmlns:a16="http://schemas.microsoft.com/office/drawing/2014/main" id="{64DF6416-15E7-9CC1-3926-AD47AC233313}"/>
+                  <a16:creationId xmlns:a16="http://schemas.microsoft.com/office/drawing/2014/main" xmlns="" id="{64DF6416-15E7-9CC1-3926-AD47AC233313}"/>
                 </a:ext>
               </a:extLst>
             </p:cNvPr>
@@ -8250,7 +8270,7 @@
           <p:cNvPr id="75" name="그룹 74">
             <a:extLst>
               <a:ext uri="{FF2B5EF4-FFF2-40B4-BE49-F238E27FC236}">
-                <a16:creationId xmlns:a16="http://schemas.microsoft.com/office/drawing/2014/main" id="{FE75ECAC-F863-3315-F00A-2C9B0F1AE208}"/>
+                <a16:creationId xmlns:a16="http://schemas.microsoft.com/office/drawing/2014/main" xmlns="" id="{FE75ECAC-F863-3315-F00A-2C9B0F1AE208}"/>
               </a:ext>
             </a:extLst>
           </p:cNvPr>
@@ -8270,7 +8290,7 @@
             <p:cNvPr id="76" name="타원 75">
               <a:extLst>
                 <a:ext uri="{FF2B5EF4-FFF2-40B4-BE49-F238E27FC236}">
-                  <a16:creationId xmlns:a16="http://schemas.microsoft.com/office/drawing/2014/main" id="{6EED4E66-7893-E8F3-9E34-1E9082CC9CBF}"/>
+                  <a16:creationId xmlns:a16="http://schemas.microsoft.com/office/drawing/2014/main" xmlns="" id="{6EED4E66-7893-E8F3-9E34-1E9082CC9CBF}"/>
                 </a:ext>
               </a:extLst>
             </p:cNvPr>
@@ -8321,7 +8341,7 @@
             <p:cNvPr id="77" name="TextBox 76">
               <a:extLst>
                 <a:ext uri="{FF2B5EF4-FFF2-40B4-BE49-F238E27FC236}">
-                  <a16:creationId xmlns:a16="http://schemas.microsoft.com/office/drawing/2014/main" id="{DF0CB2AE-FEDE-4513-7F62-DDE42B06DF11}"/>
+                  <a16:creationId xmlns:a16="http://schemas.microsoft.com/office/drawing/2014/main" xmlns="" id="{DF0CB2AE-FEDE-4513-7F62-DDE42B06DF11}"/>
                 </a:ext>
               </a:extLst>
             </p:cNvPr>
@@ -8403,7 +8423,7 @@
           <p:cNvPr id="78" name="직선 화살표 연결선 77">
             <a:extLst>
               <a:ext uri="{FF2B5EF4-FFF2-40B4-BE49-F238E27FC236}">
-                <a16:creationId xmlns:a16="http://schemas.microsoft.com/office/drawing/2014/main" id="{0FC8FCAE-25EA-582B-7FC9-F113242608B5}"/>
+                <a16:creationId xmlns:a16="http://schemas.microsoft.com/office/drawing/2014/main" xmlns="" id="{0FC8FCAE-25EA-582B-7FC9-F113242608B5}"/>
               </a:ext>
             </a:extLst>
           </p:cNvPr>
@@ -8446,7 +8466,7 @@
           <p:cNvPr id="79" name="직선 화살표 연결선 78">
             <a:extLst>
               <a:ext uri="{FF2B5EF4-FFF2-40B4-BE49-F238E27FC236}">
-                <a16:creationId xmlns:a16="http://schemas.microsoft.com/office/drawing/2014/main" id="{E63123B7-8739-916A-D878-B153E2CB23AE}"/>
+                <a16:creationId xmlns:a16="http://schemas.microsoft.com/office/drawing/2014/main" xmlns="" id="{E63123B7-8739-916A-D878-B153E2CB23AE}"/>
               </a:ext>
             </a:extLst>
           </p:cNvPr>
@@ -8489,7 +8509,7 @@
           <p:cNvPr id="80" name="직선 화살표 연결선 79">
             <a:extLst>
               <a:ext uri="{FF2B5EF4-FFF2-40B4-BE49-F238E27FC236}">
-                <a16:creationId xmlns:a16="http://schemas.microsoft.com/office/drawing/2014/main" id="{9F914B28-63FA-29D9-5D05-FD726A1C4DFD}"/>
+                <a16:creationId xmlns:a16="http://schemas.microsoft.com/office/drawing/2014/main" xmlns="" id="{9F914B28-63FA-29D9-5D05-FD726A1C4DFD}"/>
               </a:ext>
             </a:extLst>
           </p:cNvPr>
@@ -8532,7 +8552,7 @@
           <p:cNvPr id="84" name="TextBox 83">
             <a:extLst>
               <a:ext uri="{FF2B5EF4-FFF2-40B4-BE49-F238E27FC236}">
-                <a16:creationId xmlns:a16="http://schemas.microsoft.com/office/drawing/2014/main" id="{AE87AF8A-371B-5CF8-4394-05309BB9D2F4}"/>
+                <a16:creationId xmlns:a16="http://schemas.microsoft.com/office/drawing/2014/main" xmlns="" id="{AE87AF8A-371B-5CF8-4394-05309BB9D2F4}"/>
               </a:ext>
             </a:extLst>
           </p:cNvPr>
@@ -8705,7 +8725,7 @@
           <p:cNvPr id="5" name="TextBox 4">
             <a:extLst>
               <a:ext uri="{FF2B5EF4-FFF2-40B4-BE49-F238E27FC236}">
-                <a16:creationId xmlns:a16="http://schemas.microsoft.com/office/drawing/2014/main" id="{615F6B28-E6D0-27E1-ED19-0BB464EA2953}"/>
+                <a16:creationId xmlns:a16="http://schemas.microsoft.com/office/drawing/2014/main" xmlns="" id="{615F6B28-E6D0-27E1-ED19-0BB464EA2953}"/>
               </a:ext>
             </a:extLst>
           </p:cNvPr>
@@ -8740,7 +8760,7 @@
           <p:cNvPr id="7" name="직선 연결선 6">
             <a:extLst>
               <a:ext uri="{FF2B5EF4-FFF2-40B4-BE49-F238E27FC236}">
-                <a16:creationId xmlns:a16="http://schemas.microsoft.com/office/drawing/2014/main" id="{1B2DF335-3B81-B55C-910F-1494784D6AC1}"/>
+                <a16:creationId xmlns:a16="http://schemas.microsoft.com/office/drawing/2014/main" xmlns="" id="{1B2DF335-3B81-B55C-910F-1494784D6AC1}"/>
               </a:ext>
             </a:extLst>
           </p:cNvPr>
@@ -8776,7 +8796,7 @@
           <p:cNvPr id="10" name="TextBox 9">
             <a:extLst>
               <a:ext uri="{FF2B5EF4-FFF2-40B4-BE49-F238E27FC236}">
-                <a16:creationId xmlns:a16="http://schemas.microsoft.com/office/drawing/2014/main" id="{9C51B382-71A0-9145-D863-616446B78152}"/>
+                <a16:creationId xmlns:a16="http://schemas.microsoft.com/office/drawing/2014/main" xmlns="" id="{9C51B382-71A0-9145-D863-616446B78152}"/>
               </a:ext>
             </a:extLst>
           </p:cNvPr>
@@ -9402,7 +9422,7 @@
           <p:cNvPr id="18" name="그룹 17">
             <a:extLst>
               <a:ext uri="{FF2B5EF4-FFF2-40B4-BE49-F238E27FC236}">
-                <a16:creationId xmlns:a16="http://schemas.microsoft.com/office/drawing/2014/main" id="{C1ECC01A-8F3E-19B8-FF15-CD3078B2D86A}"/>
+                <a16:creationId xmlns:a16="http://schemas.microsoft.com/office/drawing/2014/main" xmlns="" id="{C1ECC01A-8F3E-19B8-FF15-CD3078B2D86A}"/>
               </a:ext>
             </a:extLst>
           </p:cNvPr>
@@ -9422,7 +9442,7 @@
             <p:cNvPr id="11" name="타원 10">
               <a:extLst>
                 <a:ext uri="{FF2B5EF4-FFF2-40B4-BE49-F238E27FC236}">
-                  <a16:creationId xmlns:a16="http://schemas.microsoft.com/office/drawing/2014/main" id="{F38199A7-5927-5752-DD6F-2AC67958C0CC}"/>
+                  <a16:creationId xmlns:a16="http://schemas.microsoft.com/office/drawing/2014/main" xmlns="" id="{F38199A7-5927-5752-DD6F-2AC67958C0CC}"/>
                 </a:ext>
               </a:extLst>
             </p:cNvPr>
@@ -9473,7 +9493,7 @@
             <p:cNvPr id="12" name="타원 11">
               <a:extLst>
                 <a:ext uri="{FF2B5EF4-FFF2-40B4-BE49-F238E27FC236}">
-                  <a16:creationId xmlns:a16="http://schemas.microsoft.com/office/drawing/2014/main" id="{FF6C946B-C5CA-31CF-14BB-2F91904CD466}"/>
+                  <a16:creationId xmlns:a16="http://schemas.microsoft.com/office/drawing/2014/main" xmlns="" id="{FF6C946B-C5CA-31CF-14BB-2F91904CD466}"/>
                 </a:ext>
               </a:extLst>
             </p:cNvPr>
@@ -9525,7 +9545,7 @@
             <p:cNvPr id="13" name="TextBox 12">
               <a:extLst>
                 <a:ext uri="{FF2B5EF4-FFF2-40B4-BE49-F238E27FC236}">
-                  <a16:creationId xmlns:a16="http://schemas.microsoft.com/office/drawing/2014/main" id="{D484B947-92CC-607F-E204-15CA9C070B7F}"/>
+                  <a16:creationId xmlns:a16="http://schemas.microsoft.com/office/drawing/2014/main" xmlns="" id="{D484B947-92CC-607F-E204-15CA9C070B7F}"/>
                 </a:ext>
               </a:extLst>
             </p:cNvPr>
@@ -9574,7 +9594,7 @@
           <p:cNvPr id="17" name="그룹 16">
             <a:extLst>
               <a:ext uri="{FF2B5EF4-FFF2-40B4-BE49-F238E27FC236}">
-                <a16:creationId xmlns:a16="http://schemas.microsoft.com/office/drawing/2014/main" id="{1068A9C4-D948-9E41-9529-D071707BA2B3}"/>
+                <a16:creationId xmlns:a16="http://schemas.microsoft.com/office/drawing/2014/main" xmlns="" id="{1068A9C4-D948-9E41-9529-D071707BA2B3}"/>
               </a:ext>
             </a:extLst>
           </p:cNvPr>
@@ -9594,7 +9614,7 @@
             <p:cNvPr id="14" name="타원 13">
               <a:extLst>
                 <a:ext uri="{FF2B5EF4-FFF2-40B4-BE49-F238E27FC236}">
-                  <a16:creationId xmlns:a16="http://schemas.microsoft.com/office/drawing/2014/main" id="{AAB75953-6CE9-1E83-FBDA-68DE2FC7939D}"/>
+                  <a16:creationId xmlns:a16="http://schemas.microsoft.com/office/drawing/2014/main" xmlns="" id="{AAB75953-6CE9-1E83-FBDA-68DE2FC7939D}"/>
                 </a:ext>
               </a:extLst>
             </p:cNvPr>
@@ -9645,7 +9665,7 @@
             <p:cNvPr id="15" name="타원 14">
               <a:extLst>
                 <a:ext uri="{FF2B5EF4-FFF2-40B4-BE49-F238E27FC236}">
-                  <a16:creationId xmlns:a16="http://schemas.microsoft.com/office/drawing/2014/main" id="{C0695358-B919-C345-C394-0B5ADC4B796C}"/>
+                  <a16:creationId xmlns:a16="http://schemas.microsoft.com/office/drawing/2014/main" xmlns="" id="{C0695358-B919-C345-C394-0B5ADC4B796C}"/>
                 </a:ext>
               </a:extLst>
             </p:cNvPr>
@@ -9697,7 +9717,7 @@
             <p:cNvPr id="16" name="TextBox 15">
               <a:extLst>
                 <a:ext uri="{FF2B5EF4-FFF2-40B4-BE49-F238E27FC236}">
-                  <a16:creationId xmlns:a16="http://schemas.microsoft.com/office/drawing/2014/main" id="{39D52F5C-50FC-EC56-D94F-79536BF07198}"/>
+                  <a16:creationId xmlns:a16="http://schemas.microsoft.com/office/drawing/2014/main" xmlns="" id="{39D52F5C-50FC-EC56-D94F-79536BF07198}"/>
                 </a:ext>
               </a:extLst>
             </p:cNvPr>
@@ -9746,7 +9766,7 @@
           <p:cNvPr id="19" name="그룹 18">
             <a:extLst>
               <a:ext uri="{FF2B5EF4-FFF2-40B4-BE49-F238E27FC236}">
-                <a16:creationId xmlns:a16="http://schemas.microsoft.com/office/drawing/2014/main" id="{F31DEACA-C2D6-EAD8-9D7C-BA7336C9247C}"/>
+                <a16:creationId xmlns:a16="http://schemas.microsoft.com/office/drawing/2014/main" xmlns="" id="{F31DEACA-C2D6-EAD8-9D7C-BA7336C9247C}"/>
               </a:ext>
             </a:extLst>
           </p:cNvPr>
@@ -9766,7 +9786,7 @@
             <p:cNvPr id="20" name="타원 19">
               <a:extLst>
                 <a:ext uri="{FF2B5EF4-FFF2-40B4-BE49-F238E27FC236}">
-                  <a16:creationId xmlns:a16="http://schemas.microsoft.com/office/drawing/2014/main" id="{CAB4C7DE-20A4-012C-3373-FA24FC81A293}"/>
+                  <a16:creationId xmlns:a16="http://schemas.microsoft.com/office/drawing/2014/main" xmlns="" id="{CAB4C7DE-20A4-012C-3373-FA24FC81A293}"/>
                 </a:ext>
               </a:extLst>
             </p:cNvPr>
@@ -9817,7 +9837,7 @@
             <p:cNvPr id="21" name="타원 20">
               <a:extLst>
                 <a:ext uri="{FF2B5EF4-FFF2-40B4-BE49-F238E27FC236}">
-                  <a16:creationId xmlns:a16="http://schemas.microsoft.com/office/drawing/2014/main" id="{14F8AFDE-505A-429A-502A-E01A767BAAE5}"/>
+                  <a16:creationId xmlns:a16="http://schemas.microsoft.com/office/drawing/2014/main" xmlns="" id="{14F8AFDE-505A-429A-502A-E01A767BAAE5}"/>
                 </a:ext>
               </a:extLst>
             </p:cNvPr>
@@ -9869,7 +9889,7 @@
             <p:cNvPr id="22" name="TextBox 21">
               <a:extLst>
                 <a:ext uri="{FF2B5EF4-FFF2-40B4-BE49-F238E27FC236}">
-                  <a16:creationId xmlns:a16="http://schemas.microsoft.com/office/drawing/2014/main" id="{E3D36358-7603-53D2-191D-59612F6017FF}"/>
+                  <a16:creationId xmlns:a16="http://schemas.microsoft.com/office/drawing/2014/main" xmlns="" id="{E3D36358-7603-53D2-191D-59612F6017FF}"/>
                 </a:ext>
               </a:extLst>
             </p:cNvPr>
@@ -9918,7 +9938,7 @@
           <p:cNvPr id="23" name="그룹 22">
             <a:extLst>
               <a:ext uri="{FF2B5EF4-FFF2-40B4-BE49-F238E27FC236}">
-                <a16:creationId xmlns:a16="http://schemas.microsoft.com/office/drawing/2014/main" id="{540C4636-6692-3FD2-9C54-43DC01E36470}"/>
+                <a16:creationId xmlns:a16="http://schemas.microsoft.com/office/drawing/2014/main" xmlns="" id="{540C4636-6692-3FD2-9C54-43DC01E36470}"/>
               </a:ext>
             </a:extLst>
           </p:cNvPr>
@@ -9938,7 +9958,7 @@
             <p:cNvPr id="24" name="타원 23">
               <a:extLst>
                 <a:ext uri="{FF2B5EF4-FFF2-40B4-BE49-F238E27FC236}">
-                  <a16:creationId xmlns:a16="http://schemas.microsoft.com/office/drawing/2014/main" id="{A011BCCE-0F6A-9B8A-BA58-2C8D510A10FF}"/>
+                  <a16:creationId xmlns:a16="http://schemas.microsoft.com/office/drawing/2014/main" xmlns="" id="{A011BCCE-0F6A-9B8A-BA58-2C8D510A10FF}"/>
                 </a:ext>
               </a:extLst>
             </p:cNvPr>
@@ -9989,7 +10009,7 @@
             <p:cNvPr id="25" name="타원 24">
               <a:extLst>
                 <a:ext uri="{FF2B5EF4-FFF2-40B4-BE49-F238E27FC236}">
-                  <a16:creationId xmlns:a16="http://schemas.microsoft.com/office/drawing/2014/main" id="{0C562AF4-CDE2-4F7C-2CF0-4169A4309A20}"/>
+                  <a16:creationId xmlns:a16="http://schemas.microsoft.com/office/drawing/2014/main" xmlns="" id="{0C562AF4-CDE2-4F7C-2CF0-4169A4309A20}"/>
                 </a:ext>
               </a:extLst>
             </p:cNvPr>
@@ -10041,7 +10061,7 @@
             <p:cNvPr id="26" name="TextBox 25">
               <a:extLst>
                 <a:ext uri="{FF2B5EF4-FFF2-40B4-BE49-F238E27FC236}">
-                  <a16:creationId xmlns:a16="http://schemas.microsoft.com/office/drawing/2014/main" id="{2A610628-FE35-A8D3-532C-11664239B54B}"/>
+                  <a16:creationId xmlns:a16="http://schemas.microsoft.com/office/drawing/2014/main" xmlns="" id="{2A610628-FE35-A8D3-532C-11664239B54B}"/>
                 </a:ext>
               </a:extLst>
             </p:cNvPr>
@@ -10090,7 +10110,7 @@
           <p:cNvPr id="27" name="그룹 26">
             <a:extLst>
               <a:ext uri="{FF2B5EF4-FFF2-40B4-BE49-F238E27FC236}">
-                <a16:creationId xmlns:a16="http://schemas.microsoft.com/office/drawing/2014/main" id="{615BF994-0A97-D59F-A0D9-B85780EAE807}"/>
+                <a16:creationId xmlns:a16="http://schemas.microsoft.com/office/drawing/2014/main" xmlns="" id="{615BF994-0A97-D59F-A0D9-B85780EAE807}"/>
               </a:ext>
             </a:extLst>
           </p:cNvPr>
@@ -10110,7 +10130,7 @@
             <p:cNvPr id="28" name="타원 27">
               <a:extLst>
                 <a:ext uri="{FF2B5EF4-FFF2-40B4-BE49-F238E27FC236}">
-                  <a16:creationId xmlns:a16="http://schemas.microsoft.com/office/drawing/2014/main" id="{02F81A37-3090-C7EB-34B3-0265B1C30810}"/>
+                  <a16:creationId xmlns:a16="http://schemas.microsoft.com/office/drawing/2014/main" xmlns="" id="{02F81A37-3090-C7EB-34B3-0265B1C30810}"/>
                 </a:ext>
               </a:extLst>
             </p:cNvPr>
@@ -10161,7 +10181,7 @@
             <p:cNvPr id="29" name="타원 28">
               <a:extLst>
                 <a:ext uri="{FF2B5EF4-FFF2-40B4-BE49-F238E27FC236}">
-                  <a16:creationId xmlns:a16="http://schemas.microsoft.com/office/drawing/2014/main" id="{80DD76DF-17F0-F75F-3ED8-7E4471C12DC5}"/>
+                  <a16:creationId xmlns:a16="http://schemas.microsoft.com/office/drawing/2014/main" xmlns="" id="{80DD76DF-17F0-F75F-3ED8-7E4471C12DC5}"/>
                 </a:ext>
               </a:extLst>
             </p:cNvPr>
@@ -10213,7 +10233,7 @@
             <p:cNvPr id="30" name="TextBox 29">
               <a:extLst>
                 <a:ext uri="{FF2B5EF4-FFF2-40B4-BE49-F238E27FC236}">
-                  <a16:creationId xmlns:a16="http://schemas.microsoft.com/office/drawing/2014/main" id="{9B56B804-9CD6-A0F6-0D01-0BE3666C9C87}"/>
+                  <a16:creationId xmlns:a16="http://schemas.microsoft.com/office/drawing/2014/main" xmlns="" id="{9B56B804-9CD6-A0F6-0D01-0BE3666C9C87}"/>
                 </a:ext>
               </a:extLst>
             </p:cNvPr>
@@ -10262,7 +10282,7 @@
           <p:cNvPr id="43" name="그룹 42">
             <a:extLst>
               <a:ext uri="{FF2B5EF4-FFF2-40B4-BE49-F238E27FC236}">
-                <a16:creationId xmlns:a16="http://schemas.microsoft.com/office/drawing/2014/main" id="{4EDD04E3-24E2-8559-2765-4CCC60664B3A}"/>
+                <a16:creationId xmlns:a16="http://schemas.microsoft.com/office/drawing/2014/main" xmlns="" id="{4EDD04E3-24E2-8559-2765-4CCC60664B3A}"/>
               </a:ext>
             </a:extLst>
           </p:cNvPr>
@@ -10282,7 +10302,7 @@
             <p:cNvPr id="44" name="타원 43">
               <a:extLst>
                 <a:ext uri="{FF2B5EF4-FFF2-40B4-BE49-F238E27FC236}">
-                  <a16:creationId xmlns:a16="http://schemas.microsoft.com/office/drawing/2014/main" id="{A90966EE-73AF-4289-BB63-30389566E9A8}"/>
+                  <a16:creationId xmlns:a16="http://schemas.microsoft.com/office/drawing/2014/main" xmlns="" id="{A90966EE-73AF-4289-BB63-30389566E9A8}"/>
                 </a:ext>
               </a:extLst>
             </p:cNvPr>
@@ -10333,7 +10353,7 @@
             <p:cNvPr id="46" name="TextBox 45">
               <a:extLst>
                 <a:ext uri="{FF2B5EF4-FFF2-40B4-BE49-F238E27FC236}">
-                  <a16:creationId xmlns:a16="http://schemas.microsoft.com/office/drawing/2014/main" id="{1A8865F1-654E-4C03-BDC6-A4DF312EEAA8}"/>
+                  <a16:creationId xmlns:a16="http://schemas.microsoft.com/office/drawing/2014/main" xmlns="" id="{1A8865F1-654E-4C03-BDC6-A4DF312EEAA8}"/>
                 </a:ext>
               </a:extLst>
             </p:cNvPr>
@@ -10385,7 +10405,7 @@
           <p:cNvPr id="50" name="그룹 49">
             <a:extLst>
               <a:ext uri="{FF2B5EF4-FFF2-40B4-BE49-F238E27FC236}">
-                <a16:creationId xmlns:a16="http://schemas.microsoft.com/office/drawing/2014/main" id="{E2008B87-6D75-CA1F-C190-F53E02401E9F}"/>
+                <a16:creationId xmlns:a16="http://schemas.microsoft.com/office/drawing/2014/main" xmlns="" id="{E2008B87-6D75-CA1F-C190-F53E02401E9F}"/>
               </a:ext>
             </a:extLst>
           </p:cNvPr>
@@ -10405,7 +10425,7 @@
             <p:cNvPr id="51" name="타원 50">
               <a:extLst>
                 <a:ext uri="{FF2B5EF4-FFF2-40B4-BE49-F238E27FC236}">
-                  <a16:creationId xmlns:a16="http://schemas.microsoft.com/office/drawing/2014/main" id="{11685542-52D5-22ED-9EAB-51F01F680B27}"/>
+                  <a16:creationId xmlns:a16="http://schemas.microsoft.com/office/drawing/2014/main" xmlns="" id="{11685542-52D5-22ED-9EAB-51F01F680B27}"/>
                 </a:ext>
               </a:extLst>
             </p:cNvPr>
@@ -10456,7 +10476,7 @@
             <p:cNvPr id="52" name="TextBox 51">
               <a:extLst>
                 <a:ext uri="{FF2B5EF4-FFF2-40B4-BE49-F238E27FC236}">
-                  <a16:creationId xmlns:a16="http://schemas.microsoft.com/office/drawing/2014/main" id="{04C04754-35D6-6982-D130-229EB1678F54}"/>
+                  <a16:creationId xmlns:a16="http://schemas.microsoft.com/office/drawing/2014/main" xmlns="" id="{04C04754-35D6-6982-D130-229EB1678F54}"/>
                 </a:ext>
               </a:extLst>
             </p:cNvPr>
@@ -10508,7 +10528,7 @@
           <p:cNvPr id="53" name="그룹 52">
             <a:extLst>
               <a:ext uri="{FF2B5EF4-FFF2-40B4-BE49-F238E27FC236}">
-                <a16:creationId xmlns:a16="http://schemas.microsoft.com/office/drawing/2014/main" id="{BA70EAC9-7188-812B-2FA5-76FC6FCECA0F}"/>
+                <a16:creationId xmlns:a16="http://schemas.microsoft.com/office/drawing/2014/main" xmlns="" id="{BA70EAC9-7188-812B-2FA5-76FC6FCECA0F}"/>
               </a:ext>
             </a:extLst>
           </p:cNvPr>
@@ -10528,7 +10548,7 @@
             <p:cNvPr id="54" name="타원 53">
               <a:extLst>
                 <a:ext uri="{FF2B5EF4-FFF2-40B4-BE49-F238E27FC236}">
-                  <a16:creationId xmlns:a16="http://schemas.microsoft.com/office/drawing/2014/main" id="{90C41A3F-09F1-86AF-D3FD-B35F7AF180B4}"/>
+                  <a16:creationId xmlns:a16="http://schemas.microsoft.com/office/drawing/2014/main" xmlns="" id="{90C41A3F-09F1-86AF-D3FD-B35F7AF180B4}"/>
                 </a:ext>
               </a:extLst>
             </p:cNvPr>
@@ -10579,7 +10599,7 @@
             <p:cNvPr id="55" name="TextBox 54">
               <a:extLst>
                 <a:ext uri="{FF2B5EF4-FFF2-40B4-BE49-F238E27FC236}">
-                  <a16:creationId xmlns:a16="http://schemas.microsoft.com/office/drawing/2014/main" id="{A42788A6-4FE0-2F8C-60A7-F026A34B6E3B}"/>
+                  <a16:creationId xmlns:a16="http://schemas.microsoft.com/office/drawing/2014/main" xmlns="" id="{A42788A6-4FE0-2F8C-60A7-F026A34B6E3B}"/>
                 </a:ext>
               </a:extLst>
             </p:cNvPr>
@@ -10631,7 +10651,7 @@
           <p:cNvPr id="61" name="직선 화살표 연결선 60">
             <a:extLst>
               <a:ext uri="{FF2B5EF4-FFF2-40B4-BE49-F238E27FC236}">
-                <a16:creationId xmlns:a16="http://schemas.microsoft.com/office/drawing/2014/main" id="{644DB697-7D84-0DBD-FE01-E3717C759EB0}"/>
+                <a16:creationId xmlns:a16="http://schemas.microsoft.com/office/drawing/2014/main" xmlns="" id="{644DB697-7D84-0DBD-FE01-E3717C759EB0}"/>
               </a:ext>
             </a:extLst>
           </p:cNvPr>
@@ -10673,7 +10693,7 @@
           <p:cNvPr id="63" name="직선 화살표 연결선 62">
             <a:extLst>
               <a:ext uri="{FF2B5EF4-FFF2-40B4-BE49-F238E27FC236}">
-                <a16:creationId xmlns:a16="http://schemas.microsoft.com/office/drawing/2014/main" id="{A4003241-B13F-7CE0-99C9-0CFC7BD9BDD6}"/>
+                <a16:creationId xmlns:a16="http://schemas.microsoft.com/office/drawing/2014/main" xmlns="" id="{A4003241-B13F-7CE0-99C9-0CFC7BD9BDD6}"/>
               </a:ext>
             </a:extLst>
           </p:cNvPr>
@@ -10715,7 +10735,7 @@
           <p:cNvPr id="65" name="직선 화살표 연결선 64">
             <a:extLst>
               <a:ext uri="{FF2B5EF4-FFF2-40B4-BE49-F238E27FC236}">
-                <a16:creationId xmlns:a16="http://schemas.microsoft.com/office/drawing/2014/main" id="{9C05E917-4FA5-7E78-07D5-B877706E672D}"/>
+                <a16:creationId xmlns:a16="http://schemas.microsoft.com/office/drawing/2014/main" xmlns="" id="{9C05E917-4FA5-7E78-07D5-B877706E672D}"/>
               </a:ext>
             </a:extLst>
           </p:cNvPr>
@@ -10757,7 +10777,7 @@
           <p:cNvPr id="67" name="직선 화살표 연결선 66">
             <a:extLst>
               <a:ext uri="{FF2B5EF4-FFF2-40B4-BE49-F238E27FC236}">
-                <a16:creationId xmlns:a16="http://schemas.microsoft.com/office/drawing/2014/main" id="{D90A7974-9151-A347-E394-AD66883E89AC}"/>
+                <a16:creationId xmlns:a16="http://schemas.microsoft.com/office/drawing/2014/main" xmlns="" id="{D90A7974-9151-A347-E394-AD66883E89AC}"/>
               </a:ext>
             </a:extLst>
           </p:cNvPr>
@@ -10799,7 +10819,7 @@
           <p:cNvPr id="71" name="연결선: 꺾임 70">
             <a:extLst>
               <a:ext uri="{FF2B5EF4-FFF2-40B4-BE49-F238E27FC236}">
-                <a16:creationId xmlns:a16="http://schemas.microsoft.com/office/drawing/2014/main" id="{436EDFBF-96E2-46F1-822A-FA0EF4DA10A1}"/>
+                <a16:creationId xmlns:a16="http://schemas.microsoft.com/office/drawing/2014/main" xmlns="" id="{436EDFBF-96E2-46F1-822A-FA0EF4DA10A1}"/>
               </a:ext>
             </a:extLst>
           </p:cNvPr>
@@ -10841,7 +10861,7 @@
           <p:cNvPr id="73" name="직선 화살표 연결선 72">
             <a:extLst>
               <a:ext uri="{FF2B5EF4-FFF2-40B4-BE49-F238E27FC236}">
-                <a16:creationId xmlns:a16="http://schemas.microsoft.com/office/drawing/2014/main" id="{ECB76935-899B-85A7-1F76-033E9B92AB68}"/>
+                <a16:creationId xmlns:a16="http://schemas.microsoft.com/office/drawing/2014/main" xmlns="" id="{ECB76935-899B-85A7-1F76-033E9B92AB68}"/>
               </a:ext>
             </a:extLst>
           </p:cNvPr>
@@ -10884,7 +10904,7 @@
           <p:cNvPr id="74" name="그룹 73">
             <a:extLst>
               <a:ext uri="{FF2B5EF4-FFF2-40B4-BE49-F238E27FC236}">
-                <a16:creationId xmlns:a16="http://schemas.microsoft.com/office/drawing/2014/main" id="{7EC4AF17-BA1E-EDCE-324F-E57C637CC893}"/>
+                <a16:creationId xmlns:a16="http://schemas.microsoft.com/office/drawing/2014/main" xmlns="" id="{7EC4AF17-BA1E-EDCE-324F-E57C637CC893}"/>
               </a:ext>
             </a:extLst>
           </p:cNvPr>
@@ -10904,7 +10924,7 @@
             <p:cNvPr id="75" name="타원 74">
               <a:extLst>
                 <a:ext uri="{FF2B5EF4-FFF2-40B4-BE49-F238E27FC236}">
-                  <a16:creationId xmlns:a16="http://schemas.microsoft.com/office/drawing/2014/main" id="{E8D0EBAA-0F0F-9E2A-C945-BB31042479F5}"/>
+                  <a16:creationId xmlns:a16="http://schemas.microsoft.com/office/drawing/2014/main" xmlns="" id="{E8D0EBAA-0F0F-9E2A-C945-BB31042479F5}"/>
                 </a:ext>
               </a:extLst>
             </p:cNvPr>
@@ -10955,7 +10975,7 @@
             <p:cNvPr id="76" name="TextBox 75">
               <a:extLst>
                 <a:ext uri="{FF2B5EF4-FFF2-40B4-BE49-F238E27FC236}">
-                  <a16:creationId xmlns:a16="http://schemas.microsoft.com/office/drawing/2014/main" id="{D0B38288-E765-C075-D4C9-8D6E08C1EF1F}"/>
+                  <a16:creationId xmlns:a16="http://schemas.microsoft.com/office/drawing/2014/main" xmlns="" id="{D0B38288-E765-C075-D4C9-8D6E08C1EF1F}"/>
                 </a:ext>
               </a:extLst>
             </p:cNvPr>
@@ -11026,7 +11046,7 @@
           <p:cNvPr id="79" name="직선 화살표 연결선 78">
             <a:extLst>
               <a:ext uri="{FF2B5EF4-FFF2-40B4-BE49-F238E27FC236}">
-                <a16:creationId xmlns:a16="http://schemas.microsoft.com/office/drawing/2014/main" id="{559EC7C4-3747-C282-8A50-800ED489629C}"/>
+                <a16:creationId xmlns:a16="http://schemas.microsoft.com/office/drawing/2014/main" xmlns="" id="{559EC7C4-3747-C282-8A50-800ED489629C}"/>
               </a:ext>
             </a:extLst>
           </p:cNvPr>
@@ -11068,7 +11088,7 @@
           <p:cNvPr id="87" name="그룹 86">
             <a:extLst>
               <a:ext uri="{FF2B5EF4-FFF2-40B4-BE49-F238E27FC236}">
-                <a16:creationId xmlns:a16="http://schemas.microsoft.com/office/drawing/2014/main" id="{0BEA076E-D18C-3D6B-E81B-3CD874BF3462}"/>
+                <a16:creationId xmlns:a16="http://schemas.microsoft.com/office/drawing/2014/main" xmlns="" id="{0BEA076E-D18C-3D6B-E81B-3CD874BF3462}"/>
               </a:ext>
             </a:extLst>
           </p:cNvPr>
@@ -11088,7 +11108,7 @@
             <p:cNvPr id="88" name="타원 87">
               <a:extLst>
                 <a:ext uri="{FF2B5EF4-FFF2-40B4-BE49-F238E27FC236}">
-                  <a16:creationId xmlns:a16="http://schemas.microsoft.com/office/drawing/2014/main" id="{44B43A08-7994-0B11-83BD-F0B51273C46E}"/>
+                  <a16:creationId xmlns:a16="http://schemas.microsoft.com/office/drawing/2014/main" xmlns="" id="{44B43A08-7994-0B11-83BD-F0B51273C46E}"/>
                 </a:ext>
               </a:extLst>
             </p:cNvPr>
@@ -11139,7 +11159,7 @@
             <p:cNvPr id="89" name="TextBox 88">
               <a:extLst>
                 <a:ext uri="{FF2B5EF4-FFF2-40B4-BE49-F238E27FC236}">
-                  <a16:creationId xmlns:a16="http://schemas.microsoft.com/office/drawing/2014/main" id="{D5EA1D3A-629E-C89E-42C7-C8A05C81C33D}"/>
+                  <a16:creationId xmlns:a16="http://schemas.microsoft.com/office/drawing/2014/main" xmlns="" id="{D5EA1D3A-629E-C89E-42C7-C8A05C81C33D}"/>
                 </a:ext>
               </a:extLst>
             </p:cNvPr>
@@ -11210,7 +11230,7 @@
           <p:cNvPr id="90" name="그룹 89">
             <a:extLst>
               <a:ext uri="{FF2B5EF4-FFF2-40B4-BE49-F238E27FC236}">
-                <a16:creationId xmlns:a16="http://schemas.microsoft.com/office/drawing/2014/main" id="{302F20EF-3487-423B-C0E7-40A12D26DE98}"/>
+                <a16:creationId xmlns:a16="http://schemas.microsoft.com/office/drawing/2014/main" xmlns="" id="{302F20EF-3487-423B-C0E7-40A12D26DE98}"/>
               </a:ext>
             </a:extLst>
           </p:cNvPr>
@@ -11230,7 +11250,7 @@
             <p:cNvPr id="91" name="타원 90">
               <a:extLst>
                 <a:ext uri="{FF2B5EF4-FFF2-40B4-BE49-F238E27FC236}">
-                  <a16:creationId xmlns:a16="http://schemas.microsoft.com/office/drawing/2014/main" id="{BDF4E729-9AC5-3CEB-85B1-2595F571D5CC}"/>
+                  <a16:creationId xmlns:a16="http://schemas.microsoft.com/office/drawing/2014/main" xmlns="" id="{BDF4E729-9AC5-3CEB-85B1-2595F571D5CC}"/>
                 </a:ext>
               </a:extLst>
             </p:cNvPr>
@@ -11281,7 +11301,7 @@
             <p:cNvPr id="92" name="TextBox 91">
               <a:extLst>
                 <a:ext uri="{FF2B5EF4-FFF2-40B4-BE49-F238E27FC236}">
-                  <a16:creationId xmlns:a16="http://schemas.microsoft.com/office/drawing/2014/main" id="{F1260929-B529-A555-FC2F-18D3AD7E1ECB}"/>
+                  <a16:creationId xmlns:a16="http://schemas.microsoft.com/office/drawing/2014/main" xmlns="" id="{F1260929-B529-A555-FC2F-18D3AD7E1ECB}"/>
                 </a:ext>
               </a:extLst>
             </p:cNvPr>
@@ -11333,7 +11353,7 @@
           <p:cNvPr id="93" name="직선 화살표 연결선 92">
             <a:extLst>
               <a:ext uri="{FF2B5EF4-FFF2-40B4-BE49-F238E27FC236}">
-                <a16:creationId xmlns:a16="http://schemas.microsoft.com/office/drawing/2014/main" id="{19D18296-9450-1FDF-B4C9-BCD71A9CFB05}"/>
+                <a16:creationId xmlns:a16="http://schemas.microsoft.com/office/drawing/2014/main" xmlns="" id="{19D18296-9450-1FDF-B4C9-BCD71A9CFB05}"/>
               </a:ext>
             </a:extLst>
           </p:cNvPr>
@@ -11376,7 +11396,7 @@
           <p:cNvPr id="97" name="직선 화살표 연결선 96">
             <a:extLst>
               <a:ext uri="{FF2B5EF4-FFF2-40B4-BE49-F238E27FC236}">
-                <a16:creationId xmlns:a16="http://schemas.microsoft.com/office/drawing/2014/main" id="{49F35260-BA90-5A57-90DC-EE5AC42A7E33}"/>
+                <a16:creationId xmlns:a16="http://schemas.microsoft.com/office/drawing/2014/main" xmlns="" id="{49F35260-BA90-5A57-90DC-EE5AC42A7E33}"/>
               </a:ext>
             </a:extLst>
           </p:cNvPr>
@@ -11419,7 +11439,7 @@
           <p:cNvPr id="4" name="TextBox 3">
             <a:extLst>
               <a:ext uri="{FF2B5EF4-FFF2-40B4-BE49-F238E27FC236}">
-                <a16:creationId xmlns:a16="http://schemas.microsoft.com/office/drawing/2014/main" id="{5516DDF8-FD1C-7BEE-2057-9AD360F6C450}"/>
+                <a16:creationId xmlns:a16="http://schemas.microsoft.com/office/drawing/2014/main" xmlns="" id="{5516DDF8-FD1C-7BEE-2057-9AD360F6C450}"/>
               </a:ext>
             </a:extLst>
           </p:cNvPr>
@@ -11845,6 +11865,16 @@
             </a:r>
           </a:p>
           <a:p>
+            <a:r>
+              <a:rPr lang="en-US" altLang="ko-KR" sz="1100" b="0" dirty="0">
+                <a:solidFill>
+                  <a:srgbClr val="292929"/>
+                </a:solidFill>
+                <a:effectLst/>
+                <a:latin typeface="Consolas" panose="020B0609020204030204" pitchFamily="49" charset="0"/>
+              </a:rPr>
+              <a:t/>
+            </a:r>
             <a:br>
               <a:rPr lang="en-US" altLang="ko-KR" sz="1100" b="0" dirty="0">
                 <a:solidFill>
@@ -12174,7 +12204,7 @@
           <p:cNvPr id="2" name="TextBox 1">
             <a:extLst>
               <a:ext uri="{FF2B5EF4-FFF2-40B4-BE49-F238E27FC236}">
-                <a16:creationId xmlns:a16="http://schemas.microsoft.com/office/drawing/2014/main" id="{5CEA5AF8-2128-1FA9-E959-A72E42F06F6A}"/>
+                <a16:creationId xmlns:a16="http://schemas.microsoft.com/office/drawing/2014/main" xmlns="" id="{5CEA5AF8-2128-1FA9-E959-A72E42F06F6A}"/>
               </a:ext>
             </a:extLst>
           </p:cNvPr>
@@ -12210,7 +12240,7 @@
           <p:cNvPr id="3" name="직선 연결선 2">
             <a:extLst>
               <a:ext uri="{FF2B5EF4-FFF2-40B4-BE49-F238E27FC236}">
-                <a16:creationId xmlns:a16="http://schemas.microsoft.com/office/drawing/2014/main" id="{6798324F-7FB1-EB3B-D4F5-CCE0DB0DF5EF}"/>
+                <a16:creationId xmlns:a16="http://schemas.microsoft.com/office/drawing/2014/main" xmlns="" id="{6798324F-7FB1-EB3B-D4F5-CCE0DB0DF5EF}"/>
               </a:ext>
             </a:extLst>
           </p:cNvPr>
@@ -12246,7 +12276,7 @@
           <p:cNvPr id="4" name="TextBox 3">
             <a:extLst>
               <a:ext uri="{FF2B5EF4-FFF2-40B4-BE49-F238E27FC236}">
-                <a16:creationId xmlns:a16="http://schemas.microsoft.com/office/drawing/2014/main" id="{8488DBE7-8BEC-53D4-1682-A928603A3CA0}"/>
+                <a16:creationId xmlns:a16="http://schemas.microsoft.com/office/drawing/2014/main" xmlns="" id="{8488DBE7-8BEC-53D4-1682-A928603A3CA0}"/>
               </a:ext>
             </a:extLst>
           </p:cNvPr>
@@ -13379,7 +13409,7 @@
           <p:cNvPr id="5" name="TextBox 4">
             <a:extLst>
               <a:ext uri="{FF2B5EF4-FFF2-40B4-BE49-F238E27FC236}">
-                <a16:creationId xmlns:a16="http://schemas.microsoft.com/office/drawing/2014/main" id="{3EF0F84B-DE2D-C47A-6171-2D7154774E24}"/>
+                <a16:creationId xmlns:a16="http://schemas.microsoft.com/office/drawing/2014/main" xmlns="" id="{3EF0F84B-DE2D-C47A-6171-2D7154774E24}"/>
               </a:ext>
             </a:extLst>
           </p:cNvPr>
@@ -13597,6 +13627,16 @@
             </a:r>
           </a:p>
           <a:p>
+            <a:r>
+              <a:rPr lang="en-US" altLang="ko-KR" sz="1100" b="0" dirty="0">
+                <a:solidFill>
+                  <a:srgbClr val="292929"/>
+                </a:solidFill>
+                <a:effectLst/>
+                <a:latin typeface="Consolas" panose="020B0609020204030204" pitchFamily="49" charset="0"/>
+              </a:rPr>
+              <a:t/>
+            </a:r>
             <a:br>
               <a:rPr lang="en-US" altLang="ko-KR" sz="1100" b="0" dirty="0">
                 <a:solidFill>
@@ -13850,6 +13890,16 @@
             </a:r>
           </a:p>
           <a:p>
+            <a:r>
+              <a:rPr lang="en-US" altLang="ko-KR" sz="1100" b="0" dirty="0">
+                <a:solidFill>
+                  <a:srgbClr val="292929"/>
+                </a:solidFill>
+                <a:effectLst/>
+                <a:latin typeface="Consolas" panose="020B0609020204030204" pitchFamily="49" charset="0"/>
+              </a:rPr>
+              <a:t/>
+            </a:r>
             <a:br>
               <a:rPr lang="en-US" altLang="ko-KR" sz="1100" b="0" dirty="0">
                 <a:solidFill>
@@ -14338,6 +14388,1349 @@
           <a:chExt cx="0" cy="0"/>
         </a:xfrm>
       </p:grpSpPr>
+      <p:sp>
+        <p:nvSpPr>
+          <p:cNvPr id="2" name="TextBox 1">
+            <a:extLst>
+              <a:ext uri="{FF2B5EF4-FFF2-40B4-BE49-F238E27FC236}">
+                <a16:creationId xmlns:a16="http://schemas.microsoft.com/office/drawing/2014/main" xmlns="" id="{C4AF561A-3B7B-158D-BC4D-3C39551F8D95}"/>
+              </a:ext>
+            </a:extLst>
+          </p:cNvPr>
+          <p:cNvSpPr txBox="1"/>
+          <p:nvPr/>
+        </p:nvSpPr>
+        <p:spPr>
+          <a:xfrm>
+            <a:off x="10160" y="13454"/>
+            <a:ext cx="3046954" cy="276999"/>
+          </a:xfrm>
+          <a:prstGeom prst="rect">
+            <a:avLst/>
+          </a:prstGeom>
+          <a:noFill/>
+        </p:spPr>
+        <p:txBody>
+          <a:bodyPr wrap="square">
+            <a:spAutoFit/>
+          </a:bodyPr>
+          <a:lstStyle/>
+          <a:p>
+            <a:r>
+              <a:rPr lang="en-US" altLang="ko-KR" sz="1200" dirty="0"/>
+              <a:t>step15. ProxyProvider </a:t>
+            </a:r>
+            <a:endParaRPr lang="ko-KR" altLang="en-US" sz="1200" dirty="0"/>
+          </a:p>
+        </p:txBody>
+      </p:sp>
+      <p:cxnSp>
+        <p:nvCxnSpPr>
+          <p:cNvPr id="3" name="직선 연결선 2">
+            <a:extLst>
+              <a:ext uri="{FF2B5EF4-FFF2-40B4-BE49-F238E27FC236}">
+                <a16:creationId xmlns:a16="http://schemas.microsoft.com/office/drawing/2014/main" xmlns="" id="{648A685F-2664-99D3-FAE0-D046BBDCCF84}"/>
+              </a:ext>
+            </a:extLst>
+          </p:cNvPr>
+          <p:cNvCxnSpPr/>
+          <p:nvPr/>
+        </p:nvCxnSpPr>
+        <p:spPr>
+          <a:xfrm>
+            <a:off x="0" y="290453"/>
+            <a:ext cx="12192000" cy="0"/>
+          </a:xfrm>
+          <a:prstGeom prst="line">
+            <a:avLst/>
+          </a:prstGeom>
+        </p:spPr>
+        <p:style>
+          <a:lnRef idx="1">
+            <a:schemeClr val="accent1"/>
+          </a:lnRef>
+          <a:fillRef idx="0">
+            <a:schemeClr val="accent1"/>
+          </a:fillRef>
+          <a:effectRef idx="0">
+            <a:schemeClr val="accent1"/>
+          </a:effectRef>
+          <a:fontRef idx="minor">
+            <a:schemeClr val="tx1"/>
+          </a:fontRef>
+        </p:style>
+      </p:cxnSp>
+      <p:grpSp>
+        <p:nvGrpSpPr>
+          <p:cNvPr id="4" name="그룹 3">
+            <a:extLst>
+              <a:ext uri="{FF2B5EF4-FFF2-40B4-BE49-F238E27FC236}">
+                <a16:creationId xmlns:a16="http://schemas.microsoft.com/office/drawing/2014/main" xmlns="" id="{8E93ACAA-426C-5E1C-1930-107D570CC812}"/>
+              </a:ext>
+            </a:extLst>
+          </p:cNvPr>
+          <p:cNvGrpSpPr/>
+          <p:nvPr/>
+        </p:nvGrpSpPr>
+        <p:grpSpPr>
+          <a:xfrm>
+            <a:off x="3922024" y="1851865"/>
+            <a:ext cx="1532054" cy="576293"/>
+            <a:chOff x="4256021" y="2438509"/>
+            <a:chExt cx="1532054" cy="576293"/>
+          </a:xfrm>
+        </p:grpSpPr>
+        <p:sp>
+          <p:nvSpPr>
+            <p:cNvPr id="5" name="타원 4">
+              <a:extLst>
+                <a:ext uri="{FF2B5EF4-FFF2-40B4-BE49-F238E27FC236}">
+                  <a16:creationId xmlns:a16="http://schemas.microsoft.com/office/drawing/2014/main" xmlns="" id="{DE4FD053-C4D7-9C12-9DB8-B0B246C7925E}"/>
+                </a:ext>
+              </a:extLst>
+            </p:cNvPr>
+            <p:cNvSpPr/>
+            <p:nvPr/>
+          </p:nvSpPr>
+          <p:spPr>
+            <a:xfrm>
+              <a:off x="4256021" y="2438509"/>
+              <a:ext cx="542313" cy="576293"/>
+            </a:xfrm>
+            <a:prstGeom prst="ellipse">
+              <a:avLst/>
+            </a:prstGeom>
+            <a:noFill/>
+          </p:spPr>
+          <p:style>
+            <a:lnRef idx="2">
+              <a:schemeClr val="accent1">
+                <a:shade val="50000"/>
+              </a:schemeClr>
+            </a:lnRef>
+            <a:fillRef idx="1">
+              <a:schemeClr val="accent1"/>
+            </a:fillRef>
+            <a:effectRef idx="0">
+              <a:schemeClr val="accent1"/>
+            </a:effectRef>
+            <a:fontRef idx="minor">
+              <a:schemeClr val="lt1"/>
+            </a:fontRef>
+          </p:style>
+          <p:txBody>
+            <a:bodyPr rtlCol="0" anchor="ctr"/>
+            <a:lstStyle/>
+            <a:p>
+              <a:pPr algn="ctr"/>
+              <a:endParaRPr lang="ko-KR" altLang="en-US" sz="1000" dirty="0">
+                <a:solidFill>
+                  <a:schemeClr val="tx1"/>
+                </a:solidFill>
+              </a:endParaRPr>
+            </a:p>
+          </p:txBody>
+        </p:sp>
+        <p:sp>
+          <p:nvSpPr>
+            <p:cNvPr id="6" name="타원 5">
+              <a:extLst>
+                <a:ext uri="{FF2B5EF4-FFF2-40B4-BE49-F238E27FC236}">
+                  <a16:creationId xmlns:a16="http://schemas.microsoft.com/office/drawing/2014/main" xmlns="" id="{4BFE2463-5840-DBE8-5EEB-27EB8639273D}"/>
+                </a:ext>
+              </a:extLst>
+            </p:cNvPr>
+            <p:cNvSpPr/>
+            <p:nvPr/>
+          </p:nvSpPr>
+          <p:spPr>
+            <a:xfrm>
+              <a:off x="4391377" y="2585155"/>
+              <a:ext cx="293511" cy="304800"/>
+            </a:xfrm>
+            <a:prstGeom prst="ellipse">
+              <a:avLst/>
+            </a:prstGeom>
+            <a:noFill/>
+            <a:ln w="22225">
+              <a:solidFill>
+                <a:srgbClr val="FF0000"/>
+              </a:solidFill>
+            </a:ln>
+          </p:spPr>
+          <p:style>
+            <a:lnRef idx="2">
+              <a:schemeClr val="accent1">
+                <a:shade val="50000"/>
+              </a:schemeClr>
+            </a:lnRef>
+            <a:fillRef idx="1">
+              <a:schemeClr val="accent1"/>
+            </a:fillRef>
+            <a:effectRef idx="0">
+              <a:schemeClr val="accent1"/>
+            </a:effectRef>
+            <a:fontRef idx="minor">
+              <a:schemeClr val="lt1"/>
+            </a:fontRef>
+          </p:style>
+          <p:txBody>
+            <a:bodyPr rtlCol="0" anchor="ctr"/>
+            <a:lstStyle/>
+            <a:p>
+              <a:pPr algn="ctr"/>
+              <a:endParaRPr lang="ko-KR" altLang="en-US"/>
+            </a:p>
+          </p:txBody>
+        </p:sp>
+        <p:sp>
+          <p:nvSpPr>
+            <p:cNvPr id="7" name="TextBox 6">
+              <a:extLst>
+                <a:ext uri="{FF2B5EF4-FFF2-40B4-BE49-F238E27FC236}">
+                  <a16:creationId xmlns:a16="http://schemas.microsoft.com/office/drawing/2014/main" xmlns="" id="{6FE9C020-C5C8-8270-E586-CA1E88D41CA6}"/>
+                </a:ext>
+              </a:extLst>
+            </p:cNvPr>
+            <p:cNvSpPr txBox="1"/>
+            <p:nvPr/>
+          </p:nvSpPr>
+          <p:spPr>
+            <a:xfrm>
+              <a:off x="4684888" y="2439733"/>
+              <a:ext cx="1103187" cy="261610"/>
+            </a:xfrm>
+            <a:prstGeom prst="rect">
+              <a:avLst/>
+            </a:prstGeom>
+            <a:noFill/>
+          </p:spPr>
+          <p:txBody>
+            <a:bodyPr wrap="none" rtlCol="0">
+              <a:spAutoFit/>
+            </a:bodyPr>
+            <a:lstStyle/>
+            <a:p>
+              <a:r>
+                <a:rPr lang="en-US" altLang="ko-KR" sz="1100" dirty="0">
+                  <a:solidFill>
+                    <a:schemeClr val="accent1">
+                      <a:lumMod val="75000"/>
+                    </a:schemeClr>
+                  </a:solidFill>
+                </a:rPr>
+                <a:t>WhyProxyProv</a:t>
+              </a:r>
+              <a:endParaRPr lang="ko-KR" altLang="en-US" sz="1100" dirty="0">
+                <a:solidFill>
+                  <a:schemeClr val="accent1">
+                    <a:lumMod val="75000"/>
+                  </a:schemeClr>
+                </a:solidFill>
+              </a:endParaRPr>
+            </a:p>
+          </p:txBody>
+        </p:sp>
+      </p:grpSp>
+      <p:grpSp>
+        <p:nvGrpSpPr>
+          <p:cNvPr id="8" name="그룹 7">
+            <a:extLst>
+              <a:ext uri="{FF2B5EF4-FFF2-40B4-BE49-F238E27FC236}">
+                <a16:creationId xmlns:a16="http://schemas.microsoft.com/office/drawing/2014/main" xmlns="" id="{6649C77A-8986-9FA3-8E3F-30B92CCF4EF1}"/>
+              </a:ext>
+            </a:extLst>
+          </p:cNvPr>
+          <p:cNvGrpSpPr/>
+          <p:nvPr/>
+        </p:nvGrpSpPr>
+        <p:grpSpPr>
+          <a:xfrm>
+            <a:off x="3988424" y="2748514"/>
+            <a:ext cx="2326285" cy="404590"/>
+            <a:chOff x="3849065" y="3266907"/>
+            <a:chExt cx="2326285" cy="404590"/>
+          </a:xfrm>
+        </p:grpSpPr>
+        <p:sp>
+          <p:nvSpPr>
+            <p:cNvPr id="9" name="타원 8">
+              <a:extLst>
+                <a:ext uri="{FF2B5EF4-FFF2-40B4-BE49-F238E27FC236}">
+                  <a16:creationId xmlns:a16="http://schemas.microsoft.com/office/drawing/2014/main" xmlns="" id="{B54E9234-DF66-8F57-0544-FFC9FF15B969}"/>
+                </a:ext>
+              </a:extLst>
+            </p:cNvPr>
+            <p:cNvSpPr/>
+            <p:nvPr/>
+          </p:nvSpPr>
+          <p:spPr>
+            <a:xfrm>
+              <a:off x="3849065" y="3266907"/>
+              <a:ext cx="415018" cy="404590"/>
+            </a:xfrm>
+            <a:prstGeom prst="ellipse">
+              <a:avLst/>
+            </a:prstGeom>
+            <a:noFill/>
+          </p:spPr>
+          <p:style>
+            <a:lnRef idx="2">
+              <a:schemeClr val="accent1">
+                <a:shade val="50000"/>
+              </a:schemeClr>
+            </a:lnRef>
+            <a:fillRef idx="1">
+              <a:schemeClr val="accent1"/>
+            </a:fillRef>
+            <a:effectRef idx="0">
+              <a:schemeClr val="accent1"/>
+            </a:effectRef>
+            <a:fontRef idx="minor">
+              <a:schemeClr val="lt1"/>
+            </a:fontRef>
+          </p:style>
+          <p:txBody>
+            <a:bodyPr rtlCol="0" anchor="ctr"/>
+            <a:lstStyle/>
+            <a:p>
+              <a:pPr algn="ctr"/>
+              <a:endParaRPr lang="ko-KR" altLang="en-US" sz="1000" dirty="0">
+                <a:solidFill>
+                  <a:schemeClr val="tx1"/>
+                </a:solidFill>
+              </a:endParaRPr>
+            </a:p>
+          </p:txBody>
+        </p:sp>
+        <p:sp>
+          <p:nvSpPr>
+            <p:cNvPr id="11" name="TextBox 10">
+              <a:extLst>
+                <a:ext uri="{FF2B5EF4-FFF2-40B4-BE49-F238E27FC236}">
+                  <a16:creationId xmlns:a16="http://schemas.microsoft.com/office/drawing/2014/main" xmlns="" id="{7C290AD8-4B63-41B6-E029-FB4C405601AE}"/>
+                </a:ext>
+              </a:extLst>
+            </p:cNvPr>
+            <p:cNvSpPr txBox="1"/>
+            <p:nvPr/>
+          </p:nvSpPr>
+          <p:spPr>
+            <a:xfrm>
+              <a:off x="4297913" y="3291568"/>
+              <a:ext cx="1877437" cy="261610"/>
+            </a:xfrm>
+            <a:prstGeom prst="rect">
+              <a:avLst/>
+            </a:prstGeom>
+            <a:noFill/>
+          </p:spPr>
+          <p:txBody>
+            <a:bodyPr wrap="none" rtlCol="0">
+              <a:spAutoFit/>
+            </a:bodyPr>
+            <a:lstStyle/>
+            <a:p>
+              <a:r>
+                <a:rPr lang="en-US" altLang="ko-KR" sz="1100" dirty="0">
+                  <a:solidFill>
+                    <a:srgbClr val="185E73"/>
+                  </a:solidFill>
+                  <a:latin typeface="Consolas" panose="020B0609020204030204" pitchFamily="49" charset="0"/>
+                </a:rPr>
+                <a:t>Provider&lt;Translations&gt;</a:t>
+              </a:r>
+              <a:endParaRPr lang="en-US" altLang="ko-KR" sz="1100" b="0" dirty="0">
+                <a:solidFill>
+                  <a:srgbClr val="292929"/>
+                </a:solidFill>
+                <a:effectLst/>
+                <a:latin typeface="Consolas" panose="020B0609020204030204" pitchFamily="49" charset="0"/>
+              </a:endParaRPr>
+            </a:p>
+          </p:txBody>
+        </p:sp>
+      </p:grpSp>
+      <p:grpSp>
+        <p:nvGrpSpPr>
+          <p:cNvPr id="12" name="그룹 11">
+            <a:extLst>
+              <a:ext uri="{FF2B5EF4-FFF2-40B4-BE49-F238E27FC236}">
+                <a16:creationId xmlns:a16="http://schemas.microsoft.com/office/drawing/2014/main" xmlns="" id="{170E1C54-857F-4259-AFDE-2C88308B0A1C}"/>
+              </a:ext>
+            </a:extLst>
+          </p:cNvPr>
+          <p:cNvGrpSpPr/>
+          <p:nvPr/>
+        </p:nvGrpSpPr>
+        <p:grpSpPr>
+          <a:xfrm>
+            <a:off x="2961391" y="3602738"/>
+            <a:ext cx="1742793" cy="576293"/>
+            <a:chOff x="3849064" y="3266906"/>
+            <a:chExt cx="1742793" cy="576293"/>
+          </a:xfrm>
+        </p:grpSpPr>
+        <p:sp>
+          <p:nvSpPr>
+            <p:cNvPr id="13" name="타원 12">
+              <a:extLst>
+                <a:ext uri="{FF2B5EF4-FFF2-40B4-BE49-F238E27FC236}">
+                  <a16:creationId xmlns:a16="http://schemas.microsoft.com/office/drawing/2014/main" xmlns="" id="{5EBBB633-C548-BBF4-EAF1-8833F4EEE49E}"/>
+                </a:ext>
+              </a:extLst>
+            </p:cNvPr>
+            <p:cNvSpPr/>
+            <p:nvPr/>
+          </p:nvSpPr>
+          <p:spPr>
+            <a:xfrm>
+              <a:off x="3849064" y="3266906"/>
+              <a:ext cx="542313" cy="576293"/>
+            </a:xfrm>
+            <a:prstGeom prst="ellipse">
+              <a:avLst/>
+            </a:prstGeom>
+            <a:noFill/>
+          </p:spPr>
+          <p:style>
+            <a:lnRef idx="2">
+              <a:schemeClr val="accent1">
+                <a:shade val="50000"/>
+              </a:schemeClr>
+            </a:lnRef>
+            <a:fillRef idx="1">
+              <a:schemeClr val="accent1"/>
+            </a:fillRef>
+            <a:effectRef idx="0">
+              <a:schemeClr val="accent1"/>
+            </a:effectRef>
+            <a:fontRef idx="minor">
+              <a:schemeClr val="lt1"/>
+            </a:fontRef>
+          </p:style>
+          <p:txBody>
+            <a:bodyPr rtlCol="0" anchor="ctr"/>
+            <a:lstStyle/>
+            <a:p>
+              <a:pPr algn="ctr"/>
+              <a:endParaRPr lang="ko-KR" altLang="en-US" sz="1000" dirty="0">
+                <a:solidFill>
+                  <a:schemeClr val="tx1"/>
+                </a:solidFill>
+              </a:endParaRPr>
+            </a:p>
+          </p:txBody>
+        </p:sp>
+        <p:sp>
+          <p:nvSpPr>
+            <p:cNvPr id="14" name="타원 13">
+              <a:extLst>
+                <a:ext uri="{FF2B5EF4-FFF2-40B4-BE49-F238E27FC236}">
+                  <a16:creationId xmlns:a16="http://schemas.microsoft.com/office/drawing/2014/main" xmlns="" id="{200A61E4-1056-E071-4F85-436A43A2F970}"/>
+                </a:ext>
+              </a:extLst>
+            </p:cNvPr>
+            <p:cNvSpPr/>
+            <p:nvPr/>
+          </p:nvSpPr>
+          <p:spPr>
+            <a:xfrm>
+              <a:off x="3984420" y="3413552"/>
+              <a:ext cx="293511" cy="304800"/>
+            </a:xfrm>
+            <a:prstGeom prst="ellipse">
+              <a:avLst/>
+            </a:prstGeom>
+            <a:noFill/>
+            <a:ln w="22225">
+              <a:solidFill>
+                <a:srgbClr val="FF0000"/>
+              </a:solidFill>
+            </a:ln>
+          </p:spPr>
+          <p:style>
+            <a:lnRef idx="2">
+              <a:schemeClr val="accent1">
+                <a:shade val="50000"/>
+              </a:schemeClr>
+            </a:lnRef>
+            <a:fillRef idx="1">
+              <a:schemeClr val="accent1"/>
+            </a:fillRef>
+            <a:effectRef idx="0">
+              <a:schemeClr val="accent1"/>
+            </a:effectRef>
+            <a:fontRef idx="minor">
+              <a:schemeClr val="lt1"/>
+            </a:fontRef>
+          </p:style>
+          <p:txBody>
+            <a:bodyPr rtlCol="0" anchor="ctr"/>
+            <a:lstStyle/>
+            <a:p>
+              <a:pPr algn="ctr"/>
+              <a:endParaRPr lang="ko-KR" altLang="en-US"/>
+            </a:p>
+          </p:txBody>
+        </p:sp>
+        <p:sp>
+          <p:nvSpPr>
+            <p:cNvPr id="15" name="TextBox 14">
+              <a:extLst>
+                <a:ext uri="{FF2B5EF4-FFF2-40B4-BE49-F238E27FC236}">
+                  <a16:creationId xmlns:a16="http://schemas.microsoft.com/office/drawing/2014/main" xmlns="" id="{27EA05BF-7C74-254B-36C7-77051D0BF403}"/>
+                </a:ext>
+              </a:extLst>
+            </p:cNvPr>
+            <p:cNvSpPr txBox="1"/>
+            <p:nvPr/>
+          </p:nvSpPr>
+          <p:spPr>
+            <a:xfrm>
+              <a:off x="4297913" y="3291568"/>
+              <a:ext cx="1293944" cy="261610"/>
+            </a:xfrm>
+            <a:prstGeom prst="rect">
+              <a:avLst/>
+            </a:prstGeom>
+            <a:noFill/>
+          </p:spPr>
+          <p:txBody>
+            <a:bodyPr wrap="none" rtlCol="0">
+              <a:spAutoFit/>
+            </a:bodyPr>
+            <a:lstStyle/>
+            <a:p>
+              <a:r>
+                <a:rPr lang="en-US" altLang="ko-KR" sz="1100" dirty="0">
+                  <a:solidFill>
+                    <a:srgbClr val="0070C0"/>
+                  </a:solidFill>
+                </a:rPr>
+                <a:t>ShowTranslations</a:t>
+              </a:r>
+              <a:endParaRPr lang="en-US" altLang="ko-KR" sz="1100" b="0" dirty="0">
+                <a:solidFill>
+                  <a:srgbClr val="0070C0"/>
+                </a:solidFill>
+                <a:effectLst/>
+                <a:latin typeface="Consolas" panose="020B0609020204030204" pitchFamily="49" charset="0"/>
+              </a:endParaRPr>
+            </a:p>
+          </p:txBody>
+        </p:sp>
+      </p:grpSp>
+      <p:cxnSp>
+        <p:nvCxnSpPr>
+          <p:cNvPr id="19" name="직선 화살표 연결선 18">
+            <a:extLst>
+              <a:ext uri="{FF2B5EF4-FFF2-40B4-BE49-F238E27FC236}">
+                <a16:creationId xmlns:a16="http://schemas.microsoft.com/office/drawing/2014/main" xmlns="" id="{503C71D5-B205-C09D-0A68-F1A69213DD83}"/>
+              </a:ext>
+            </a:extLst>
+          </p:cNvPr>
+          <p:cNvCxnSpPr>
+            <a:stCxn id="5" idx="4"/>
+            <a:endCxn id="9" idx="0"/>
+          </p:cNvCxnSpPr>
+          <p:nvPr/>
+        </p:nvCxnSpPr>
+        <p:spPr>
+          <a:xfrm>
+            <a:off x="4193181" y="2428158"/>
+            <a:ext cx="2752" cy="320356"/>
+          </a:xfrm>
+          <a:prstGeom prst="straightConnector1">
+            <a:avLst/>
+          </a:prstGeom>
+          <a:ln>
+            <a:tailEnd type="triangle"/>
+          </a:ln>
+        </p:spPr>
+        <p:style>
+          <a:lnRef idx="1">
+            <a:schemeClr val="accent1"/>
+          </a:lnRef>
+          <a:fillRef idx="0">
+            <a:schemeClr val="accent1"/>
+          </a:fillRef>
+          <a:effectRef idx="0">
+            <a:schemeClr val="accent1"/>
+          </a:effectRef>
+          <a:fontRef idx="minor">
+            <a:schemeClr val="tx1"/>
+          </a:fontRef>
+        </p:style>
+      </p:cxnSp>
+      <p:grpSp>
+        <p:nvGrpSpPr>
+          <p:cNvPr id="24" name="그룹 23">
+            <a:extLst>
+              <a:ext uri="{FF2B5EF4-FFF2-40B4-BE49-F238E27FC236}">
+                <a16:creationId xmlns:a16="http://schemas.microsoft.com/office/drawing/2014/main" xmlns="" id="{1F7E8F96-EC3F-649E-2F23-DC951466D7F3}"/>
+              </a:ext>
+            </a:extLst>
+          </p:cNvPr>
+          <p:cNvGrpSpPr/>
+          <p:nvPr/>
+        </p:nvGrpSpPr>
+        <p:grpSpPr>
+          <a:xfrm>
+            <a:off x="2201374" y="4362391"/>
+            <a:ext cx="3416320" cy="863730"/>
+            <a:chOff x="3597722" y="3266906"/>
+            <a:chExt cx="3416320" cy="863730"/>
+          </a:xfrm>
+        </p:grpSpPr>
+        <p:sp>
+          <p:nvSpPr>
+            <p:cNvPr id="25" name="타원 24">
+              <a:extLst>
+                <a:ext uri="{FF2B5EF4-FFF2-40B4-BE49-F238E27FC236}">
+                  <a16:creationId xmlns:a16="http://schemas.microsoft.com/office/drawing/2014/main" xmlns="" id="{E6767097-1A66-5FD0-BD60-9A4B0229267B}"/>
+                </a:ext>
+              </a:extLst>
+            </p:cNvPr>
+            <p:cNvSpPr/>
+            <p:nvPr/>
+          </p:nvSpPr>
+          <p:spPr>
+            <a:xfrm>
+              <a:off x="3849065" y="3266906"/>
+              <a:ext cx="335402" cy="352479"/>
+            </a:xfrm>
+            <a:prstGeom prst="ellipse">
+              <a:avLst/>
+            </a:prstGeom>
+            <a:noFill/>
+          </p:spPr>
+          <p:style>
+            <a:lnRef idx="2">
+              <a:schemeClr val="accent1">
+                <a:shade val="50000"/>
+              </a:schemeClr>
+            </a:lnRef>
+            <a:fillRef idx="1">
+              <a:schemeClr val="accent1"/>
+            </a:fillRef>
+            <a:effectRef idx="0">
+              <a:schemeClr val="accent1"/>
+            </a:effectRef>
+            <a:fontRef idx="minor">
+              <a:schemeClr val="lt1"/>
+            </a:fontRef>
+          </p:style>
+          <p:txBody>
+            <a:bodyPr rtlCol="0" anchor="ctr"/>
+            <a:lstStyle/>
+            <a:p>
+              <a:pPr algn="ctr"/>
+              <a:endParaRPr lang="ko-KR" altLang="en-US" sz="1000" dirty="0">
+                <a:solidFill>
+                  <a:schemeClr val="tx1"/>
+                </a:solidFill>
+              </a:endParaRPr>
+            </a:p>
+          </p:txBody>
+        </p:sp>
+        <p:sp>
+          <p:nvSpPr>
+            <p:cNvPr id="26" name="TextBox 25">
+              <a:extLst>
+                <a:ext uri="{FF2B5EF4-FFF2-40B4-BE49-F238E27FC236}">
+                  <a16:creationId xmlns:a16="http://schemas.microsoft.com/office/drawing/2014/main" xmlns="" id="{1186B544-92CD-59AE-A93A-707B423618B5}"/>
+                </a:ext>
+              </a:extLst>
+            </p:cNvPr>
+            <p:cNvSpPr txBox="1"/>
+            <p:nvPr/>
+          </p:nvSpPr>
+          <p:spPr>
+            <a:xfrm>
+              <a:off x="3597722" y="3699749"/>
+              <a:ext cx="3416320" cy="430887"/>
+            </a:xfrm>
+            <a:prstGeom prst="rect">
+              <a:avLst/>
+            </a:prstGeom>
+            <a:noFill/>
+          </p:spPr>
+          <p:txBody>
+            <a:bodyPr wrap="none" rtlCol="0">
+              <a:spAutoFit/>
+            </a:bodyPr>
+            <a:lstStyle/>
+            <a:p>
+              <a:r>
+                <a:rPr lang="en-US" altLang="ko-KR" sz="1100" dirty="0">
+                  <a:solidFill>
+                    <a:srgbClr val="185E73"/>
+                  </a:solidFill>
+                  <a:latin typeface="Consolas" panose="020B0609020204030204" pitchFamily="49" charset="0"/>
+                </a:rPr>
+                <a:t>Text</a:t>
+              </a:r>
+            </a:p>
+            <a:p>
+              <a:r>
+                <a:rPr lang="en-US" altLang="ko-KR" sz="1100" dirty="0" smtClean="0">
+                  <a:solidFill>
+                    <a:srgbClr val="185E73"/>
+                  </a:solidFill>
+                  <a:latin typeface="Consolas" panose="020B0609020204030204" pitchFamily="49" charset="0"/>
+                </a:rPr>
+                <a:t>- </a:t>
+              </a:r>
+              <a:r>
+                <a:rPr lang="en-US" altLang="ko-KR" sz="1100" dirty="0">
+                  <a:solidFill>
+                    <a:srgbClr val="185E73"/>
+                  </a:solidFill>
+                  <a:latin typeface="Consolas" panose="020B0609020204030204" pitchFamily="49" charset="0"/>
+                </a:rPr>
+                <a:t>Provider.of&lt;Translations&gt;(context).title</a:t>
+              </a:r>
+            </a:p>
+          </p:txBody>
+        </p:sp>
+      </p:grpSp>
+      <p:grpSp>
+        <p:nvGrpSpPr>
+          <p:cNvPr id="27" name="그룹 26">
+            <a:extLst>
+              <a:ext uri="{FF2B5EF4-FFF2-40B4-BE49-F238E27FC236}">
+                <a16:creationId xmlns:a16="http://schemas.microsoft.com/office/drawing/2014/main" xmlns="" id="{293DCABE-BE96-31C5-5590-375D6A116305}"/>
+              </a:ext>
+            </a:extLst>
+          </p:cNvPr>
+          <p:cNvGrpSpPr/>
+          <p:nvPr/>
+        </p:nvGrpSpPr>
+        <p:grpSpPr>
+          <a:xfrm>
+            <a:off x="4584706" y="4432820"/>
+            <a:ext cx="2147180" cy="430887"/>
+            <a:chOff x="3849065" y="3266906"/>
+            <a:chExt cx="2147180" cy="430887"/>
+          </a:xfrm>
+        </p:grpSpPr>
+        <p:sp>
+          <p:nvSpPr>
+            <p:cNvPr id="28" name="타원 27">
+              <a:extLst>
+                <a:ext uri="{FF2B5EF4-FFF2-40B4-BE49-F238E27FC236}">
+                  <a16:creationId xmlns:a16="http://schemas.microsoft.com/office/drawing/2014/main" xmlns="" id="{0AA6E410-0CC5-5DF1-C070-0B5FC03EBA52}"/>
+                </a:ext>
+              </a:extLst>
+            </p:cNvPr>
+            <p:cNvSpPr/>
+            <p:nvPr/>
+          </p:nvSpPr>
+          <p:spPr>
+            <a:xfrm>
+              <a:off x="3849065" y="3266906"/>
+              <a:ext cx="335402" cy="352479"/>
+            </a:xfrm>
+            <a:prstGeom prst="ellipse">
+              <a:avLst/>
+            </a:prstGeom>
+            <a:noFill/>
+          </p:spPr>
+          <p:style>
+            <a:lnRef idx="2">
+              <a:schemeClr val="accent1">
+                <a:shade val="50000"/>
+              </a:schemeClr>
+            </a:lnRef>
+            <a:fillRef idx="1">
+              <a:schemeClr val="accent1"/>
+            </a:fillRef>
+            <a:effectRef idx="0">
+              <a:schemeClr val="accent1"/>
+            </a:effectRef>
+            <a:fontRef idx="minor">
+              <a:schemeClr val="lt1"/>
+            </a:fontRef>
+          </p:style>
+          <p:txBody>
+            <a:bodyPr rtlCol="0" anchor="ctr"/>
+            <a:lstStyle/>
+            <a:p>
+              <a:pPr algn="ctr"/>
+              <a:endParaRPr lang="ko-KR" altLang="en-US" sz="1000" dirty="0">
+                <a:solidFill>
+                  <a:schemeClr val="tx1"/>
+                </a:solidFill>
+              </a:endParaRPr>
+            </a:p>
+          </p:txBody>
+        </p:sp>
+        <p:sp>
+          <p:nvSpPr>
+            <p:cNvPr id="29" name="TextBox 28">
+              <a:extLst>
+                <a:ext uri="{FF2B5EF4-FFF2-40B4-BE49-F238E27FC236}">
+                  <a16:creationId xmlns:a16="http://schemas.microsoft.com/office/drawing/2014/main" xmlns="" id="{06F614F0-0728-08FD-9408-BE5F42CCE532}"/>
+                </a:ext>
+              </a:extLst>
+            </p:cNvPr>
+            <p:cNvSpPr txBox="1"/>
+            <p:nvPr/>
+          </p:nvSpPr>
+          <p:spPr>
+            <a:xfrm>
+              <a:off x="4118808" y="3266906"/>
+              <a:ext cx="1877437" cy="430887"/>
+            </a:xfrm>
+            <a:prstGeom prst="rect">
+              <a:avLst/>
+            </a:prstGeom>
+            <a:noFill/>
+          </p:spPr>
+          <p:txBody>
+            <a:bodyPr wrap="none" rtlCol="0">
+              <a:spAutoFit/>
+            </a:bodyPr>
+            <a:lstStyle/>
+            <a:p>
+              <a:r>
+                <a:rPr lang="en-US" altLang="ko-KR" sz="1100" dirty="0">
+                  <a:solidFill>
+                    <a:srgbClr val="185E73"/>
+                  </a:solidFill>
+                  <a:latin typeface="Consolas" panose="020B0609020204030204" pitchFamily="49" charset="0"/>
+                </a:rPr>
+                <a:t>ElevateButton</a:t>
+              </a:r>
+            </a:p>
+            <a:p>
+              <a:r>
+                <a:rPr lang="en-US" altLang="ko-KR" sz="1100" dirty="0" smtClean="0">
+                  <a:solidFill>
+                    <a:srgbClr val="185E73"/>
+                  </a:solidFill>
+                  <a:latin typeface="Consolas" panose="020B0609020204030204" pitchFamily="49" charset="0"/>
+                </a:rPr>
+                <a:t>- onPressed: </a:t>
+              </a:r>
+              <a:r>
+                <a:rPr lang="en-US" altLang="ko-KR" sz="1100" dirty="0">
+                  <a:solidFill>
+                    <a:srgbClr val="185E73"/>
+                  </a:solidFill>
+                  <a:latin typeface="Consolas" panose="020B0609020204030204" pitchFamily="49" charset="0"/>
+                </a:rPr>
+                <a:t>increment</a:t>
+              </a:r>
+            </a:p>
+          </p:txBody>
+        </p:sp>
+      </p:grpSp>
+      <p:cxnSp>
+        <p:nvCxnSpPr>
+          <p:cNvPr id="30" name="직선 화살표 연결선 29">
+            <a:extLst>
+              <a:ext uri="{FF2B5EF4-FFF2-40B4-BE49-F238E27FC236}">
+                <a16:creationId xmlns:a16="http://schemas.microsoft.com/office/drawing/2014/main" xmlns="" id="{BD281E8D-E076-057E-AA38-22B635A17E2E}"/>
+              </a:ext>
+            </a:extLst>
+          </p:cNvPr>
+          <p:cNvCxnSpPr>
+            <a:cxnSpLocks/>
+            <a:stCxn id="13" idx="4"/>
+            <a:endCxn id="25" idx="7"/>
+          </p:cNvCxnSpPr>
+          <p:nvPr/>
+        </p:nvCxnSpPr>
+        <p:spPr>
+          <a:xfrm flipH="1">
+            <a:off x="2739001" y="4179031"/>
+            <a:ext cx="493547" cy="234979"/>
+          </a:xfrm>
+          <a:prstGeom prst="straightConnector1">
+            <a:avLst/>
+          </a:prstGeom>
+          <a:ln>
+            <a:tailEnd type="triangle"/>
+          </a:ln>
+        </p:spPr>
+        <p:style>
+          <a:lnRef idx="1">
+            <a:schemeClr val="accent1"/>
+          </a:lnRef>
+          <a:fillRef idx="0">
+            <a:schemeClr val="accent1"/>
+          </a:fillRef>
+          <a:effectRef idx="0">
+            <a:schemeClr val="accent1"/>
+          </a:effectRef>
+          <a:fontRef idx="minor">
+            <a:schemeClr val="tx1"/>
+          </a:fontRef>
+        </p:style>
+      </p:cxnSp>
+      <p:cxnSp>
+        <p:nvCxnSpPr>
+          <p:cNvPr id="32" name="직선 화살표 연결선 31">
+            <a:extLst>
+              <a:ext uri="{FF2B5EF4-FFF2-40B4-BE49-F238E27FC236}">
+                <a16:creationId xmlns:a16="http://schemas.microsoft.com/office/drawing/2014/main" xmlns="" id="{C7F49767-6642-D432-4A3F-77074786F1A0}"/>
+              </a:ext>
+            </a:extLst>
+          </p:cNvPr>
+          <p:cNvCxnSpPr>
+            <a:cxnSpLocks/>
+            <a:stCxn id="9" idx="4"/>
+            <a:endCxn id="13" idx="0"/>
+          </p:cNvCxnSpPr>
+          <p:nvPr/>
+        </p:nvCxnSpPr>
+        <p:spPr>
+          <a:xfrm flipH="1">
+            <a:off x="3232548" y="3153104"/>
+            <a:ext cx="963385" cy="449634"/>
+          </a:xfrm>
+          <a:prstGeom prst="straightConnector1">
+            <a:avLst/>
+          </a:prstGeom>
+          <a:ln>
+            <a:tailEnd type="triangle"/>
+          </a:ln>
+        </p:spPr>
+        <p:style>
+          <a:lnRef idx="1">
+            <a:schemeClr val="accent1"/>
+          </a:lnRef>
+          <a:fillRef idx="0">
+            <a:schemeClr val="accent1"/>
+          </a:fillRef>
+          <a:effectRef idx="0">
+            <a:schemeClr val="accent1"/>
+          </a:effectRef>
+          <a:fontRef idx="minor">
+            <a:schemeClr val="tx1"/>
+          </a:fontRef>
+        </p:style>
+      </p:cxnSp>
+      <p:sp>
+        <p:nvSpPr>
+          <p:cNvPr id="34" name="TextBox 33">
+            <a:extLst>
+              <a:ext uri="{FF2B5EF4-FFF2-40B4-BE49-F238E27FC236}">
+                <a16:creationId xmlns:a16="http://schemas.microsoft.com/office/drawing/2014/main" xmlns="" id="{A9AFB107-57BE-3FF3-7AFF-962C2368E148}"/>
+              </a:ext>
+            </a:extLst>
+          </p:cNvPr>
+          <p:cNvSpPr txBox="1"/>
+          <p:nvPr/>
+        </p:nvSpPr>
+        <p:spPr>
+          <a:xfrm>
+            <a:off x="4656840" y="2172506"/>
+            <a:ext cx="1311685" cy="261610"/>
+          </a:xfrm>
+          <a:prstGeom prst="rect">
+            <a:avLst/>
+          </a:prstGeom>
+          <a:noFill/>
+          <a:ln>
+            <a:solidFill>
+              <a:schemeClr val="accent1"/>
+            </a:solidFill>
+          </a:ln>
+        </p:spPr>
+        <p:txBody>
+          <a:bodyPr wrap="square">
+            <a:spAutoFit/>
+          </a:bodyPr>
+          <a:lstStyle/>
+          <a:p>
+            <a:r>
+              <a:rPr lang="en-US" altLang="ko-KR" sz="1100" dirty="0">
+                <a:solidFill>
+                  <a:srgbClr val="292929"/>
+                </a:solidFill>
+                <a:latin typeface="Consolas" panose="020B0609020204030204" pitchFamily="49" charset="0"/>
+              </a:rPr>
+              <a:t>increment</a:t>
+            </a:r>
+            <a:r>
+              <a:rPr lang="en-US" altLang="ko-KR" sz="1100" dirty="0" smtClean="0">
+                <a:solidFill>
+                  <a:srgbClr val="292929"/>
+                </a:solidFill>
+                <a:latin typeface="Consolas" panose="020B0609020204030204" pitchFamily="49" charset="0"/>
+              </a:rPr>
+              <a:t>(){..}</a:t>
+            </a:r>
+            <a:endParaRPr lang="en-US" altLang="ko-KR" sz="1100" b="0" dirty="0">
+              <a:solidFill>
+                <a:srgbClr val="292929"/>
+              </a:solidFill>
+              <a:effectLst/>
+              <a:latin typeface="Consolas" panose="020B0609020204030204" pitchFamily="49" charset="0"/>
+            </a:endParaRPr>
+          </a:p>
+        </p:txBody>
+      </p:sp>
+      <p:sp>
+        <p:nvSpPr>
+          <p:cNvPr id="35" name="TextBox 34">
+            <a:extLst>
+              <a:ext uri="{FF2B5EF4-FFF2-40B4-BE49-F238E27FC236}">
+                <a16:creationId xmlns:a16="http://schemas.microsoft.com/office/drawing/2014/main" xmlns="" id="{A9AFB107-57BE-3FF3-7AFF-962C2368E148}"/>
+              </a:ext>
+            </a:extLst>
+          </p:cNvPr>
+          <p:cNvSpPr txBox="1"/>
+          <p:nvPr/>
+        </p:nvSpPr>
+        <p:spPr>
+          <a:xfrm>
+            <a:off x="2252998" y="2209846"/>
+            <a:ext cx="1311685" cy="261610"/>
+          </a:xfrm>
+          <a:prstGeom prst="rect">
+            <a:avLst/>
+          </a:prstGeom>
+          <a:noFill/>
+          <a:ln>
+            <a:solidFill>
+              <a:schemeClr val="accent1"/>
+            </a:solidFill>
+          </a:ln>
+        </p:spPr>
+        <p:txBody>
+          <a:bodyPr wrap="square">
+            <a:spAutoFit/>
+          </a:bodyPr>
+          <a:lstStyle/>
+          <a:p>
+            <a:r>
+              <a:rPr lang="en-US" altLang="ko-KR" sz="1100" b="0" dirty="0" smtClean="0">
+                <a:solidFill>
+                  <a:srgbClr val="292929"/>
+                </a:solidFill>
+                <a:effectLst/>
+                <a:latin typeface="Consolas" panose="020B0609020204030204" pitchFamily="49" charset="0"/>
+              </a:rPr>
+              <a:t>Translations</a:t>
+            </a:r>
+            <a:endParaRPr lang="en-US" altLang="ko-KR" sz="1100" b="0" dirty="0">
+              <a:solidFill>
+                <a:srgbClr val="292929"/>
+              </a:solidFill>
+              <a:effectLst/>
+              <a:latin typeface="Consolas" panose="020B0609020204030204" pitchFamily="49" charset="0"/>
+            </a:endParaRPr>
+          </a:p>
+        </p:txBody>
+      </p:sp>
+      <p:sp>
+        <p:nvSpPr>
+          <p:cNvPr id="39" name="TextBox 38">
+            <a:extLst>
+              <a:ext uri="{FF2B5EF4-FFF2-40B4-BE49-F238E27FC236}">
+                <a16:creationId xmlns:a16="http://schemas.microsoft.com/office/drawing/2014/main" xmlns="" id="{D3C2B4A1-BEC5-95DD-2BA8-06D06250F686}"/>
+              </a:ext>
+            </a:extLst>
+          </p:cNvPr>
+          <p:cNvSpPr txBox="1"/>
+          <p:nvPr/>
+        </p:nvSpPr>
+        <p:spPr>
+          <a:xfrm>
+            <a:off x="2201374" y="1948236"/>
+            <a:ext cx="723275" cy="261610"/>
+          </a:xfrm>
+          <a:prstGeom prst="rect">
+            <a:avLst/>
+          </a:prstGeom>
+          <a:noFill/>
+        </p:spPr>
+        <p:txBody>
+          <a:bodyPr wrap="none" rtlCol="0">
+            <a:spAutoFit/>
+          </a:bodyPr>
+          <a:lstStyle/>
+          <a:p>
+            <a:r>
+              <a:rPr lang="en-US" altLang="ko-KR" sz="1100" dirty="0" smtClean="0">
+                <a:solidFill>
+                  <a:srgbClr val="185E73"/>
+                </a:solidFill>
+                <a:latin typeface="Consolas" panose="020B0609020204030204" pitchFamily="49" charset="0"/>
+              </a:rPr>
+              <a:t>[Model]</a:t>
+            </a:r>
+            <a:endParaRPr lang="en-US" altLang="ko-KR" sz="1100" b="0" dirty="0">
+              <a:solidFill>
+                <a:srgbClr val="292929"/>
+              </a:solidFill>
+              <a:effectLst/>
+              <a:latin typeface="Consolas" panose="020B0609020204030204" pitchFamily="49" charset="0"/>
+            </a:endParaRPr>
+          </a:p>
+        </p:txBody>
+      </p:sp>
+      <p:grpSp>
+        <p:nvGrpSpPr>
+          <p:cNvPr id="46" name="그룹 45">
+            <a:extLst>
+              <a:ext uri="{FF2B5EF4-FFF2-40B4-BE49-F238E27FC236}">
+                <a16:creationId xmlns:a16="http://schemas.microsoft.com/office/drawing/2014/main" xmlns="" id="{6649C77A-8986-9FA3-8E3F-30B92CCF4EF1}"/>
+              </a:ext>
+            </a:extLst>
+          </p:cNvPr>
+          <p:cNvGrpSpPr/>
+          <p:nvPr/>
+        </p:nvGrpSpPr>
+        <p:grpSpPr>
+          <a:xfrm>
+            <a:off x="4903040" y="3613637"/>
+            <a:ext cx="1710733" cy="576293"/>
+            <a:chOff x="3849064" y="3266906"/>
+            <a:chExt cx="1710733" cy="576293"/>
+          </a:xfrm>
+        </p:grpSpPr>
+        <p:sp>
+          <p:nvSpPr>
+            <p:cNvPr id="47" name="타원 46">
+              <a:extLst>
+                <a:ext uri="{FF2B5EF4-FFF2-40B4-BE49-F238E27FC236}">
+                  <a16:creationId xmlns:a16="http://schemas.microsoft.com/office/drawing/2014/main" xmlns="" id="{B54E9234-DF66-8F57-0544-FFC9FF15B969}"/>
+                </a:ext>
+              </a:extLst>
+            </p:cNvPr>
+            <p:cNvSpPr/>
+            <p:nvPr/>
+          </p:nvSpPr>
+          <p:spPr>
+            <a:xfrm>
+              <a:off x="3849064" y="3266906"/>
+              <a:ext cx="542313" cy="576293"/>
+            </a:xfrm>
+            <a:prstGeom prst="ellipse">
+              <a:avLst/>
+            </a:prstGeom>
+            <a:noFill/>
+          </p:spPr>
+          <p:style>
+            <a:lnRef idx="2">
+              <a:schemeClr val="accent1">
+                <a:shade val="50000"/>
+              </a:schemeClr>
+            </a:lnRef>
+            <a:fillRef idx="1">
+              <a:schemeClr val="accent1"/>
+            </a:fillRef>
+            <a:effectRef idx="0">
+              <a:schemeClr val="accent1"/>
+            </a:effectRef>
+            <a:fontRef idx="minor">
+              <a:schemeClr val="lt1"/>
+            </a:fontRef>
+          </p:style>
+          <p:txBody>
+            <a:bodyPr rtlCol="0" anchor="ctr"/>
+            <a:lstStyle/>
+            <a:p>
+              <a:pPr algn="ctr"/>
+              <a:endParaRPr lang="ko-KR" altLang="en-US" sz="1000" dirty="0">
+                <a:solidFill>
+                  <a:schemeClr val="tx1"/>
+                </a:solidFill>
+              </a:endParaRPr>
+            </a:p>
+          </p:txBody>
+        </p:sp>
+        <p:sp>
+          <p:nvSpPr>
+            <p:cNvPr id="48" name="타원 47">
+              <a:extLst>
+                <a:ext uri="{FF2B5EF4-FFF2-40B4-BE49-F238E27FC236}">
+                  <a16:creationId xmlns:a16="http://schemas.microsoft.com/office/drawing/2014/main" xmlns="" id="{D04FA834-F680-AF01-05D6-74645DCFC65A}"/>
+                </a:ext>
+              </a:extLst>
+            </p:cNvPr>
+            <p:cNvSpPr/>
+            <p:nvPr/>
+          </p:nvSpPr>
+          <p:spPr>
+            <a:xfrm>
+              <a:off x="3984420" y="3413552"/>
+              <a:ext cx="293511" cy="304800"/>
+            </a:xfrm>
+            <a:prstGeom prst="ellipse">
+              <a:avLst/>
+            </a:prstGeom>
+            <a:noFill/>
+            <a:ln w="22225">
+              <a:solidFill>
+                <a:srgbClr val="FF0000"/>
+              </a:solidFill>
+            </a:ln>
+          </p:spPr>
+          <p:style>
+            <a:lnRef idx="2">
+              <a:schemeClr val="accent1">
+                <a:shade val="50000"/>
+              </a:schemeClr>
+            </a:lnRef>
+            <a:fillRef idx="1">
+              <a:schemeClr val="accent1"/>
+            </a:fillRef>
+            <a:effectRef idx="0">
+              <a:schemeClr val="accent1"/>
+            </a:effectRef>
+            <a:fontRef idx="minor">
+              <a:schemeClr val="lt1"/>
+            </a:fontRef>
+          </p:style>
+          <p:txBody>
+            <a:bodyPr rtlCol="0" anchor="ctr"/>
+            <a:lstStyle/>
+            <a:p>
+              <a:pPr algn="ctr"/>
+              <a:endParaRPr lang="ko-KR" altLang="en-US"/>
+            </a:p>
+          </p:txBody>
+        </p:sp>
+        <p:sp>
+          <p:nvSpPr>
+            <p:cNvPr id="49" name="TextBox 48">
+              <a:extLst>
+                <a:ext uri="{FF2B5EF4-FFF2-40B4-BE49-F238E27FC236}">
+                  <a16:creationId xmlns:a16="http://schemas.microsoft.com/office/drawing/2014/main" xmlns="" id="{7C290AD8-4B63-41B6-E029-FB4C405601AE}"/>
+                </a:ext>
+              </a:extLst>
+            </p:cNvPr>
+            <p:cNvSpPr txBox="1"/>
+            <p:nvPr/>
+          </p:nvSpPr>
+          <p:spPr>
+            <a:xfrm>
+              <a:off x="4297913" y="3291568"/>
+              <a:ext cx="1261884" cy="261610"/>
+            </a:xfrm>
+            <a:prstGeom prst="rect">
+              <a:avLst/>
+            </a:prstGeom>
+            <a:noFill/>
+          </p:spPr>
+          <p:txBody>
+            <a:bodyPr wrap="none" rtlCol="0">
+              <a:spAutoFit/>
+            </a:bodyPr>
+            <a:lstStyle/>
+            <a:p>
+              <a:r>
+                <a:rPr lang="en-US" altLang="ko-KR" sz="1100" dirty="0">
+                  <a:solidFill>
+                    <a:srgbClr val="185E73"/>
+                  </a:solidFill>
+                  <a:latin typeface="Consolas" panose="020B0609020204030204" pitchFamily="49" charset="0"/>
+                </a:rPr>
+                <a:t>IncreaseButton</a:t>
+              </a:r>
+              <a:endParaRPr lang="en-US" altLang="ko-KR" sz="1100" b="0" dirty="0">
+                <a:solidFill>
+                  <a:srgbClr val="292929"/>
+                </a:solidFill>
+                <a:effectLst/>
+                <a:latin typeface="Consolas" panose="020B0609020204030204" pitchFamily="49" charset="0"/>
+              </a:endParaRPr>
+            </a:p>
+          </p:txBody>
+        </p:sp>
+      </p:grpSp>
+      <p:cxnSp>
+        <p:nvCxnSpPr>
+          <p:cNvPr id="61" name="직선 화살표 연결선 60">
+            <a:extLst>
+              <a:ext uri="{FF2B5EF4-FFF2-40B4-BE49-F238E27FC236}">
+                <a16:creationId xmlns:a16="http://schemas.microsoft.com/office/drawing/2014/main" xmlns="" id="{C7F49767-6642-D432-4A3F-77074786F1A0}"/>
+              </a:ext>
+            </a:extLst>
+          </p:cNvPr>
+          <p:cNvCxnSpPr>
+            <a:cxnSpLocks/>
+            <a:stCxn id="9" idx="4"/>
+            <a:endCxn id="47" idx="0"/>
+          </p:cNvCxnSpPr>
+          <p:nvPr/>
+        </p:nvCxnSpPr>
+        <p:spPr>
+          <a:xfrm>
+            <a:off x="4195933" y="3153104"/>
+            <a:ext cx="978264" cy="460533"/>
+          </a:xfrm>
+          <a:prstGeom prst="straightConnector1">
+            <a:avLst/>
+          </a:prstGeom>
+          <a:ln>
+            <a:tailEnd type="triangle"/>
+          </a:ln>
+        </p:spPr>
+        <p:style>
+          <a:lnRef idx="1">
+            <a:schemeClr val="accent1"/>
+          </a:lnRef>
+          <a:fillRef idx="0">
+            <a:schemeClr val="accent1"/>
+          </a:fillRef>
+          <a:effectRef idx="0">
+            <a:schemeClr val="accent1"/>
+          </a:effectRef>
+          <a:fontRef idx="minor">
+            <a:schemeClr val="tx1"/>
+          </a:fontRef>
+        </p:style>
+      </p:cxnSp>
+      <p:cxnSp>
+        <p:nvCxnSpPr>
+          <p:cNvPr id="64" name="직선 화살표 연결선 63">
+            <a:extLst>
+              <a:ext uri="{FF2B5EF4-FFF2-40B4-BE49-F238E27FC236}">
+                <a16:creationId xmlns:a16="http://schemas.microsoft.com/office/drawing/2014/main" xmlns="" id="{BD281E8D-E076-057E-AA38-22B635A17E2E}"/>
+              </a:ext>
+            </a:extLst>
+          </p:cNvPr>
+          <p:cNvCxnSpPr>
+            <a:cxnSpLocks/>
+            <a:stCxn id="47" idx="4"/>
+            <a:endCxn id="28" idx="0"/>
+          </p:cNvCxnSpPr>
+          <p:nvPr/>
+        </p:nvCxnSpPr>
+        <p:spPr>
+          <a:xfrm flipH="1">
+            <a:off x="4752407" y="4189930"/>
+            <a:ext cx="421790" cy="242890"/>
+          </a:xfrm>
+          <a:prstGeom prst="straightConnector1">
+            <a:avLst/>
+          </a:prstGeom>
+          <a:ln>
+            <a:tailEnd type="triangle"/>
+          </a:ln>
+        </p:spPr>
+        <p:style>
+          <a:lnRef idx="1">
+            <a:schemeClr val="accent1"/>
+          </a:lnRef>
+          <a:fillRef idx="0">
+            <a:schemeClr val="accent1"/>
+          </a:fillRef>
+          <a:effectRef idx="0">
+            <a:schemeClr val="accent1"/>
+          </a:effectRef>
+          <a:fontRef idx="minor">
+            <a:schemeClr val="tx1"/>
+          </a:fontRef>
+        </p:style>
+      </p:cxnSp>
     </p:spTree>
     <p:extLst>
       <p:ext uri="{BB962C8B-B14F-4D97-AF65-F5344CB8AC3E}">
@@ -14454,7 +15847,7 @@
     </a:clrScheme>
     <a:fontScheme name="Office">
       <a:majorFont>
-        <a:latin typeface="맑은 고딕" panose="020F0302020204030204"/>
+        <a:latin typeface="맑은 고딕"/>
         <a:ea typeface=""/>
         <a:cs typeface=""/>
         <a:font script="Jpan" typeface="游ゴシック Light"/>
@@ -14506,7 +15899,7 @@
         <a:font script="Tfng" typeface="Ebrima"/>
       </a:majorFont>
       <a:minorFont>
-        <a:latin typeface="맑은 고딕" panose="020F0502020204030204"/>
+        <a:latin typeface="맑은 고딕"/>
         <a:ea typeface=""/>
         <a:cs typeface=""/>
         <a:font script="Jpan" typeface="游ゴシック"/>
@@ -14700,7 +16093,7 @@
   <a:extraClrSchemeLst/>
   <a:extLst>
     <a:ext uri="{05A4C25C-085E-4340-85A3-A5531E510DB2}">
-      <thm15:themeFamily xmlns:thm15="http://schemas.microsoft.com/office/thememl/2012/main" name="Office Theme" id="{62F939B6-93AF-4DB8-9C6B-D6C7DFDC589F}" vid="{4A3C46E8-61CC-4603-A589-7422A47A8E4A}"/>
+      <thm15:themeFamily xmlns:thm15="http://schemas.microsoft.com/office/thememl/2012/main" xmlns="" name="Office Theme" id="{62F939B6-93AF-4DB8-9C6B-D6C7DFDC589F}" vid="{4A3C46E8-61CC-4603-A589-7422A47A8E4A}"/>
     </a:ext>
   </a:extLst>
 </a:theme>
